--- a/gab-2016-sf.pptx
+++ b/gab-2016-sf.pptx
@@ -2,10 +2,23 @@
 <file path=ppt/presentation.xml><?xml version="1.0" encoding="utf-8"?>
 <p:presentation xmlns:a="http://schemas.openxmlformats.org/drawingml/2006/main" xmlns:r="http://schemas.openxmlformats.org/officeDocument/2006/relationships" xmlns:p="http://schemas.openxmlformats.org/presentationml/2006/main" saveSubsetFonts="1">
   <p:sldMasterIdLst>
-    <p:sldMasterId id="2147483648" r:id="rId1"/>
+    <p:sldMasterId id="2147483696" r:id="rId1"/>
   </p:sldMasterIdLst>
   <p:sldIdLst>
     <p:sldId id="256" r:id="rId2"/>
+    <p:sldId id="257" r:id="rId3"/>
+    <p:sldId id="258" r:id="rId4"/>
+    <p:sldId id="270" r:id="rId5"/>
+    <p:sldId id="262" r:id="rId6"/>
+    <p:sldId id="271" r:id="rId7"/>
+    <p:sldId id="267" r:id="rId8"/>
+    <p:sldId id="261" r:id="rId9"/>
+    <p:sldId id="264" r:id="rId10"/>
+    <p:sldId id="268" r:id="rId11"/>
+    <p:sldId id="265" r:id="rId12"/>
+    <p:sldId id="259" r:id="rId13"/>
+    <p:sldId id="266" r:id="rId14"/>
+    <p:sldId id="269" r:id="rId15"/>
   </p:sldIdLst>
   <p:sldSz cx="12192000" cy="6858000"/>
   <p:notesSz cx="6858000" cy="9144000"/>
@@ -13,7 +26,7 @@
     <a:defPPr>
       <a:defRPr lang="en-US"/>
     </a:defPPr>
-    <a:lvl1pPr marL="0" algn="l" defTabSz="914400" rtl="0" eaLnBrk="1" latinLnBrk="0" hangingPunct="1">
+    <a:lvl1pPr marL="0" algn="l" defTabSz="457200" rtl="0" eaLnBrk="1" latinLnBrk="0" hangingPunct="1">
       <a:defRPr sz="1800" kern="1200">
         <a:solidFill>
           <a:schemeClr val="tx1"/>
@@ -23,7 +36,7 @@
         <a:cs typeface="+mn-cs"/>
       </a:defRPr>
     </a:lvl1pPr>
-    <a:lvl2pPr marL="457200" algn="l" defTabSz="914400" rtl="0" eaLnBrk="1" latinLnBrk="0" hangingPunct="1">
+    <a:lvl2pPr marL="457200" algn="l" defTabSz="457200" rtl="0" eaLnBrk="1" latinLnBrk="0" hangingPunct="1">
       <a:defRPr sz="1800" kern="1200">
         <a:solidFill>
           <a:schemeClr val="tx1"/>
@@ -33,7 +46,7 @@
         <a:cs typeface="+mn-cs"/>
       </a:defRPr>
     </a:lvl2pPr>
-    <a:lvl3pPr marL="914400" algn="l" defTabSz="914400" rtl="0" eaLnBrk="1" latinLnBrk="0" hangingPunct="1">
+    <a:lvl3pPr marL="914400" algn="l" defTabSz="457200" rtl="0" eaLnBrk="1" latinLnBrk="0" hangingPunct="1">
       <a:defRPr sz="1800" kern="1200">
         <a:solidFill>
           <a:schemeClr val="tx1"/>
@@ -43,7 +56,7 @@
         <a:cs typeface="+mn-cs"/>
       </a:defRPr>
     </a:lvl3pPr>
-    <a:lvl4pPr marL="1371600" algn="l" defTabSz="914400" rtl="0" eaLnBrk="1" latinLnBrk="0" hangingPunct="1">
+    <a:lvl4pPr marL="1371600" algn="l" defTabSz="457200" rtl="0" eaLnBrk="1" latinLnBrk="0" hangingPunct="1">
       <a:defRPr sz="1800" kern="1200">
         <a:solidFill>
           <a:schemeClr val="tx1"/>
@@ -53,7 +66,7 @@
         <a:cs typeface="+mn-cs"/>
       </a:defRPr>
     </a:lvl4pPr>
-    <a:lvl5pPr marL="1828800" algn="l" defTabSz="914400" rtl="0" eaLnBrk="1" latinLnBrk="0" hangingPunct="1">
+    <a:lvl5pPr marL="1828800" algn="l" defTabSz="457200" rtl="0" eaLnBrk="1" latinLnBrk="0" hangingPunct="1">
       <a:defRPr sz="1800" kern="1200">
         <a:solidFill>
           <a:schemeClr val="tx1"/>
@@ -63,7 +76,7 @@
         <a:cs typeface="+mn-cs"/>
       </a:defRPr>
     </a:lvl5pPr>
-    <a:lvl6pPr marL="2286000" algn="l" defTabSz="914400" rtl="0" eaLnBrk="1" latinLnBrk="0" hangingPunct="1">
+    <a:lvl6pPr marL="2286000" algn="l" defTabSz="457200" rtl="0" eaLnBrk="1" latinLnBrk="0" hangingPunct="1">
       <a:defRPr sz="1800" kern="1200">
         <a:solidFill>
           <a:schemeClr val="tx1"/>
@@ -73,7 +86,7 @@
         <a:cs typeface="+mn-cs"/>
       </a:defRPr>
     </a:lvl6pPr>
-    <a:lvl7pPr marL="2743200" algn="l" defTabSz="914400" rtl="0" eaLnBrk="1" latinLnBrk="0" hangingPunct="1">
+    <a:lvl7pPr marL="2743200" algn="l" defTabSz="457200" rtl="0" eaLnBrk="1" latinLnBrk="0" hangingPunct="1">
       <a:defRPr sz="1800" kern="1200">
         <a:solidFill>
           <a:schemeClr val="tx1"/>
@@ -83,7 +96,7 @@
         <a:cs typeface="+mn-cs"/>
       </a:defRPr>
     </a:lvl7pPr>
-    <a:lvl8pPr marL="3200400" algn="l" defTabSz="914400" rtl="0" eaLnBrk="1" latinLnBrk="0" hangingPunct="1">
+    <a:lvl8pPr marL="3200400" algn="l" defTabSz="457200" rtl="0" eaLnBrk="1" latinLnBrk="0" hangingPunct="1">
       <a:defRPr sz="1800" kern="1200">
         <a:solidFill>
           <a:schemeClr val="tx1"/>
@@ -93,7 +106,7 @@
         <a:cs typeface="+mn-cs"/>
       </a:defRPr>
     </a:lvl8pPr>
-    <a:lvl9pPr marL="3657600" algn="l" defTabSz="914400" rtl="0" eaLnBrk="1" latinLnBrk="0" hangingPunct="1">
+    <a:lvl9pPr marL="3657600" algn="l" defTabSz="457200" rtl="0" eaLnBrk="1" latinLnBrk="0" hangingPunct="1">
       <a:defRPr sz="1800" kern="1200">
         <a:solidFill>
           <a:schemeClr val="tx1"/>
@@ -104,11 +117,16 @@
       </a:defRPr>
     </a:lvl9pPr>
   </p:defaultTextStyle>
+  <p:extLst>
+    <p:ext uri="{EFAFB233-063F-42B5-8137-9DF3F51BA10A}">
+      <p15:sldGuideLst xmlns:p15="http://schemas.microsoft.com/office/powerpoint/2012/main"/>
+    </p:ext>
+  </p:extLst>
 </p:presentation>
 </file>
 
 <file path=ppt/slideLayouts/slideLayout1.xml><?xml version="1.0" encoding="utf-8"?>
-<p:sldLayout xmlns:a="http://schemas.openxmlformats.org/drawingml/2006/main" xmlns:r="http://schemas.openxmlformats.org/officeDocument/2006/relationships" xmlns:p="http://schemas.openxmlformats.org/presentationml/2006/main" type="title" preserve="1">
+<p:sldLayout xmlns:a="http://schemas.openxmlformats.org/drawingml/2006/main" xmlns:r="http://schemas.openxmlformats.org/officeDocument/2006/relationships" xmlns:p="http://schemas.openxmlformats.org/presentationml/2006/main" showMasterSp="0" type="title" preserve="1">
   <p:cSld name="Title Slide">
     <p:spTree>
       <p:nvGrpSpPr>
@@ -126,25 +144,291 @@
       </p:grpSpPr>
       <p:sp>
         <p:nvSpPr>
-          <p:cNvPr id="2" name="Title 1"/>
-          <p:cNvSpPr>
-            <a:spLocks noGrp="1"/>
-          </p:cNvSpPr>
-          <p:nvPr>
-            <p:ph type="ctrTitle"/>
-          </p:nvPr>
+          <p:cNvPr id="7" name="Rectangle 6"/>
+          <p:cNvSpPr/>
+          <p:nvPr/>
         </p:nvSpPr>
         <p:spPr>
           <a:xfrm>
-            <a:off x="1524000" y="1122363"/>
-            <a:ext cx="9144000" cy="2387600"/>
+            <a:off x="920834" y="1346946"/>
+            <a:ext cx="10222992" cy="80683"/>
+          </a:xfrm>
+          <a:prstGeom prst="rect">
+            <a:avLst/>
+          </a:prstGeom>
+          <a:blipFill dpi="0" rotWithShape="1">
+            <a:blip r:embed="rId2">
+              <a:alphaModFix amt="85000"/>
+              <a:lum bright="70000" contrast="-70000"/>
+              <a:extLst>
+                <a:ext uri="{BEBA8EAE-BF5A-486C-A8C5-ECC9F3942E4B}">
+                  <a14:imgProps xmlns:a14="http://schemas.microsoft.com/office/drawing/2010/main">
+                    <a14:imgLayer r:embed="rId3">
+                      <a14:imgEffect>
+                        <a14:sharpenSoften amount="61000"/>
+                      </a14:imgEffect>
+                    </a14:imgLayer>
+                  </a14:imgProps>
+                </a:ext>
+                <a:ext uri="{28A0092B-C50C-407E-A947-70E740481C1C}">
+                  <a14:useLocalDpi xmlns:a14="http://schemas.microsoft.com/office/drawing/2010/main" val="0"/>
+                </a:ext>
+              </a:extLst>
+            </a:blip>
+            <a:srcRect/>
+            <a:tile tx="0" ty="-762000" sx="92000" sy="89000" flip="xy" algn="ctr"/>
+          </a:blipFill>
+          <a:ln>
+            <a:noFill/>
+          </a:ln>
+        </p:spPr>
+        <p:style>
+          <a:lnRef idx="2">
+            <a:schemeClr val="accent1">
+              <a:shade val="50000"/>
+            </a:schemeClr>
+          </a:lnRef>
+          <a:fillRef idx="1">
+            <a:schemeClr val="accent1"/>
+          </a:fillRef>
+          <a:effectRef idx="0">
+            <a:schemeClr val="accent1"/>
+          </a:effectRef>
+          <a:fontRef idx="minor">
+            <a:schemeClr val="lt1"/>
+          </a:fontRef>
+        </p:style>
+      </p:sp>
+      <p:sp>
+        <p:nvSpPr>
+          <p:cNvPr id="8" name="Rectangle 7"/>
+          <p:cNvSpPr/>
+          <p:nvPr/>
+        </p:nvSpPr>
+        <p:spPr>
+          <a:xfrm>
+            <a:off x="920834" y="4299696"/>
+            <a:ext cx="10222992" cy="80683"/>
+          </a:xfrm>
+          <a:prstGeom prst="rect">
+            <a:avLst/>
+          </a:prstGeom>
+          <a:blipFill dpi="0" rotWithShape="1">
+            <a:blip r:embed="rId2">
+              <a:alphaModFix amt="85000"/>
+              <a:lum bright="70000" contrast="-70000"/>
+              <a:extLst>
+                <a:ext uri="{BEBA8EAE-BF5A-486C-A8C5-ECC9F3942E4B}">
+                  <a14:imgProps xmlns:a14="http://schemas.microsoft.com/office/drawing/2010/main">
+                    <a14:imgLayer r:embed="rId3">
+                      <a14:imgEffect>
+                        <a14:sharpenSoften amount="61000"/>
+                      </a14:imgEffect>
+                    </a14:imgLayer>
+                  </a14:imgProps>
+                </a:ext>
+                <a:ext uri="{28A0092B-C50C-407E-A947-70E740481C1C}">
+                  <a14:useLocalDpi xmlns:a14="http://schemas.microsoft.com/office/drawing/2010/main" val="0"/>
+                </a:ext>
+              </a:extLst>
+            </a:blip>
+            <a:srcRect/>
+            <a:tile tx="0" ty="-717550" sx="92000" sy="89000" flip="xy" algn="ctr"/>
+          </a:blipFill>
+          <a:ln>
+            <a:noFill/>
+          </a:ln>
+        </p:spPr>
+        <p:style>
+          <a:lnRef idx="2">
+            <a:schemeClr val="accent1">
+              <a:shade val="50000"/>
+            </a:schemeClr>
+          </a:lnRef>
+          <a:fillRef idx="1">
+            <a:schemeClr val="accent1"/>
+          </a:fillRef>
+          <a:effectRef idx="0">
+            <a:schemeClr val="accent1"/>
+          </a:effectRef>
+          <a:fontRef idx="minor">
+            <a:schemeClr val="lt1"/>
+          </a:fontRef>
+        </p:style>
+      </p:sp>
+      <p:sp>
+        <p:nvSpPr>
+          <p:cNvPr id="9" name="Rectangle 8"/>
+          <p:cNvSpPr/>
+          <p:nvPr/>
+        </p:nvSpPr>
+        <p:spPr>
+          <a:xfrm>
+            <a:off x="920834" y="1484779"/>
+            <a:ext cx="10222992" cy="2743200"/>
+          </a:xfrm>
+          <a:prstGeom prst="rect">
+            <a:avLst/>
+          </a:prstGeom>
+          <a:blipFill dpi="0" rotWithShape="1">
+            <a:blip r:embed="rId2">
+              <a:alphaModFix amt="85000"/>
+              <a:lum bright="70000" contrast="-70000"/>
+              <a:extLst>
+                <a:ext uri="{BEBA8EAE-BF5A-486C-A8C5-ECC9F3942E4B}">
+                  <a14:imgProps xmlns:a14="http://schemas.microsoft.com/office/drawing/2010/main">
+                    <a14:imgLayer r:embed="rId3">
+                      <a14:imgEffect>
+                        <a14:sharpenSoften amount="61000"/>
+                      </a14:imgEffect>
+                    </a14:imgLayer>
+                  </a14:imgProps>
+                </a:ext>
+                <a:ext uri="{28A0092B-C50C-407E-A947-70E740481C1C}">
+                  <a14:useLocalDpi xmlns:a14="http://schemas.microsoft.com/office/drawing/2010/main" val="0"/>
+                </a:ext>
+              </a:extLst>
+            </a:blip>
+            <a:srcRect/>
+            <a:tile tx="0" ty="-704850" sx="92000" sy="89000" flip="xy" algn="ctr"/>
+          </a:blipFill>
+          <a:ln>
+            <a:noFill/>
+          </a:ln>
+        </p:spPr>
+        <p:style>
+          <a:lnRef idx="2">
+            <a:schemeClr val="accent1">
+              <a:shade val="50000"/>
+            </a:schemeClr>
+          </a:lnRef>
+          <a:fillRef idx="1">
+            <a:schemeClr val="accent1"/>
+          </a:fillRef>
+          <a:effectRef idx="0">
+            <a:schemeClr val="accent1"/>
+          </a:effectRef>
+          <a:fontRef idx="minor">
+            <a:schemeClr val="lt1"/>
+          </a:fontRef>
+        </p:style>
+      </p:sp>
+      <p:grpSp>
+        <p:nvGrpSpPr>
+          <p:cNvPr id="10" name="Group 9"/>
+          <p:cNvGrpSpPr/>
+          <p:nvPr/>
+        </p:nvGrpSpPr>
+        <p:grpSpPr>
+          <a:xfrm>
+            <a:off x="9649215" y="4068923"/>
+            <a:ext cx="1080904" cy="1080902"/>
+            <a:chOff x="9685338" y="4460675"/>
+            <a:chExt cx="1080904" cy="1080902"/>
+          </a:xfrm>
+        </p:grpSpPr>
+        <p:sp>
+          <p:nvSpPr>
+            <p:cNvPr id="11" name="Oval 10"/>
+            <p:cNvSpPr/>
+            <p:nvPr/>
+          </p:nvSpPr>
+          <p:spPr>
+            <a:xfrm>
+              <a:off x="9685338" y="4460675"/>
+              <a:ext cx="1080904" cy="1080902"/>
+            </a:xfrm>
+            <a:prstGeom prst="ellipse">
+              <a:avLst/>
+            </a:prstGeom>
+            <a:blipFill dpi="0" rotWithShape="1">
+              <a:blip r:embed="rId4">
+                <a:duotone>
+                  <a:schemeClr val="accent1">
+                    <a:shade val="45000"/>
+                    <a:satMod val="135000"/>
+                  </a:schemeClr>
+                  <a:prstClr val="white"/>
+                </a:duotone>
+                <a:extLst>
+                  <a:ext uri="{BEBA8EAE-BF5A-486C-A8C5-ECC9F3942E4B}">
+                    <a14:imgProps xmlns:a14="http://schemas.microsoft.com/office/drawing/2010/main">
+                      <a14:imgLayer r:embed="rId5">
+                        <a14:imgEffect>
+                          <a14:saturation sat="95000"/>
+                        </a14:imgEffect>
+                      </a14:imgLayer>
+                    </a14:imgProps>
+                  </a:ext>
+                </a:extLst>
+              </a:blip>
+              <a:srcRect/>
+              <a:tile tx="0" ty="0" sx="85000" sy="85000" flip="none" algn="tl"/>
+            </a:blipFill>
+            <a:ln w="25400" cap="flat" cmpd="sng" algn="ctr">
+              <a:noFill/>
+              <a:prstDash val="solid"/>
+            </a:ln>
+            <a:effectLst/>
+          </p:spPr>
+        </p:sp>
+        <p:sp>
+          <p:nvSpPr>
+            <p:cNvPr id="12" name="Oval 11"/>
+            <p:cNvSpPr/>
+            <p:nvPr/>
+          </p:nvSpPr>
+          <p:spPr>
+            <a:xfrm>
+              <a:off x="9793429" y="4568765"/>
+              <a:ext cx="864723" cy="864722"/>
+            </a:xfrm>
+            <a:prstGeom prst="ellipse">
+              <a:avLst/>
+            </a:prstGeom>
+            <a:noFill/>
+            <a:ln w="25400" cap="flat" cmpd="sng" algn="ctr">
+              <a:solidFill>
+                <a:sysClr val="window" lastClr="FFFFFF"/>
+              </a:solidFill>
+              <a:prstDash val="solid"/>
+            </a:ln>
+            <a:effectLst/>
+          </p:spPr>
+        </p:sp>
+      </p:grpSp>
+      <p:sp>
+        <p:nvSpPr>
+          <p:cNvPr id="2" name="Title 1"/>
+          <p:cNvSpPr>
+            <a:spLocks noGrp="1"/>
+          </p:cNvSpPr>
+          <p:nvPr>
+            <p:ph type="ctrTitle"/>
+          </p:nvPr>
+        </p:nvSpPr>
+        <p:spPr>
+          <a:xfrm>
+            <a:off x="1051560" y="1432223"/>
+            <a:ext cx="9966960" cy="3035808"/>
           </a:xfrm>
         </p:spPr>
         <p:txBody>
-          <a:bodyPr anchor="b"/>
+          <a:bodyPr anchor="ctr">
+            <a:noAutofit/>
+          </a:bodyPr>
           <a:lstStyle>
-            <a:lvl1pPr algn="ctr">
-              <a:defRPr sz="6000"/>
+            <a:lvl1pPr algn="l">
+              <a:lnSpc>
+                <a:spcPct val="80000"/>
+              </a:lnSpc>
+              <a:defRPr sz="9600" cap="all" baseline="0">
+                <a:blipFill dpi="0" rotWithShape="1">
+                  <a:blip r:embed="rId4"/>
+                  <a:srcRect/>
+                  <a:tile tx="6350" ty="-127000" sx="65000" sy="64000" flip="none" algn="tl"/>
+                </a:blipFill>
+              </a:defRPr>
             </a:lvl1pPr>
           </a:lstStyle>
           <a:p>
@@ -152,7 +436,7 @@
               <a:rPr lang="en-US"/>
               <a:t>Click to edit Master title style</a:t>
             </a:r>
-            <a:endParaRPr lang="en-US"/>
+            <a:endParaRPr lang="en-US" dirty="0"/>
           </a:p>
         </p:txBody>
       </p:sp>
@@ -168,48 +452,54 @@
         </p:nvSpPr>
         <p:spPr>
           <a:xfrm>
-            <a:off x="1524000" y="3602038"/>
-            <a:ext cx="9144000" cy="1655762"/>
+            <a:off x="1069848" y="4389120"/>
+            <a:ext cx="7891272" cy="1069848"/>
           </a:xfrm>
         </p:spPr>
         <p:txBody>
-          <a:bodyPr/>
+          <a:bodyPr>
+            <a:normAutofit/>
+          </a:bodyPr>
           <a:lstStyle>
-            <a:lvl1pPr marL="0" indent="0" algn="ctr">
+            <a:lvl1pPr marL="0" indent="0" algn="l">
               <a:buNone/>
-              <a:defRPr sz="2400"/>
+              <a:defRPr sz="2200">
+                <a:solidFill>
+                  <a:schemeClr val="tx1"/>
+                </a:solidFill>
+              </a:defRPr>
             </a:lvl1pPr>
             <a:lvl2pPr marL="457200" indent="0" algn="ctr">
               <a:buNone/>
-              <a:defRPr sz="2000"/>
+              <a:defRPr sz="2200"/>
             </a:lvl2pPr>
             <a:lvl3pPr marL="914400" indent="0" algn="ctr">
               <a:buNone/>
-              <a:defRPr sz="1800"/>
+              <a:defRPr sz="2200"/>
             </a:lvl3pPr>
             <a:lvl4pPr marL="1371600" indent="0" algn="ctr">
               <a:buNone/>
-              <a:defRPr sz="1600"/>
+              <a:defRPr sz="2000"/>
             </a:lvl4pPr>
             <a:lvl5pPr marL="1828800" indent="0" algn="ctr">
               <a:buNone/>
-              <a:defRPr sz="1600"/>
+              <a:defRPr sz="2000"/>
             </a:lvl5pPr>
             <a:lvl6pPr marL="2286000" indent="0" algn="ctr">
               <a:buNone/>
-              <a:defRPr sz="1600"/>
+              <a:defRPr sz="2000"/>
             </a:lvl6pPr>
             <a:lvl7pPr marL="2743200" indent="0" algn="ctr">
               <a:buNone/>
-              <a:defRPr sz="1600"/>
+              <a:defRPr sz="2000"/>
             </a:lvl7pPr>
             <a:lvl8pPr marL="3200400" indent="0" algn="ctr">
               <a:buNone/>
-              <a:defRPr sz="1600"/>
+              <a:defRPr sz="2000"/>
             </a:lvl8pPr>
             <a:lvl9pPr marL="3657600" indent="0" algn="ctr">
               <a:buNone/>
-              <a:defRPr sz="1600"/>
+              <a:defRPr sz="2000"/>
             </a:lvl9pPr>
           </a:lstStyle>
           <a:p>
@@ -217,7 +507,7 @@
               <a:rPr lang="en-US"/>
               <a:t>Click to edit Master subtitle style</a:t>
             </a:r>
-            <a:endParaRPr lang="en-US"/>
+            <a:endParaRPr lang="en-US" dirty="0"/>
           </a:p>
         </p:txBody>
       </p:sp>
@@ -238,7 +528,7 @@
           <a:p>
             <a:fld id="{E6651C44-F3AD-4161-8DF3-824F5EC2D0F3}" type="datetimeFigureOut">
               <a:rPr lang="en-US" smtClean="0"/>
-              <a:t>4/10/2016</a:t>
+              <a:t>4/13/2016</a:t>
             </a:fld>
             <a:endParaRPr lang="en-US"/>
           </a:p>
@@ -273,10 +563,19 @@
             <p:ph type="sldNum" sz="quarter" idx="12"/>
           </p:nvPr>
         </p:nvSpPr>
-        <p:spPr/>
+        <p:spPr>
+          <a:xfrm>
+            <a:off x="9592733" y="4289334"/>
+            <a:ext cx="1193868" cy="640080"/>
+          </a:xfrm>
+        </p:spPr>
         <p:txBody>
           <a:bodyPr/>
-          <a:lstStyle/>
+          <a:lstStyle>
+            <a:lvl1pPr>
+              <a:defRPr sz="2800"/>
+            </a:lvl1pPr>
+          </a:lstStyle>
           <a:p>
             <a:fld id="{439C4E14-3F8D-44ED-8C4E-0E42A7F0E8A1}" type="slidenum">
               <a:rPr lang="en-US" smtClean="0"/>
@@ -289,7 +588,7 @@
     </p:spTree>
     <p:extLst>
       <p:ext uri="{BB962C8B-B14F-4D97-AF65-F5344CB8AC3E}">
-        <p14:creationId xmlns:p14="http://schemas.microsoft.com/office/powerpoint/2010/main" val="3564519941"/>
+        <p14:creationId xmlns:p14="http://schemas.microsoft.com/office/powerpoint/2010/main" val="2459799399"/>
       </p:ext>
     </p:extLst>
   </p:cSld>
@@ -335,7 +634,7 @@
               <a:rPr lang="en-US"/>
               <a:t>Click to edit Master title style</a:t>
             </a:r>
-            <a:endParaRPr lang="en-US"/>
+            <a:endParaRPr lang="en-US" dirty="0"/>
           </a:p>
         </p:txBody>
       </p:sp>
@@ -387,7 +686,7 @@
               <a:rPr lang="en-US"/>
               <a:t>Fifth level</a:t>
             </a:r>
-            <a:endParaRPr lang="en-US"/>
+            <a:endParaRPr lang="en-US" dirty="0"/>
           </a:p>
         </p:txBody>
       </p:sp>
@@ -408,7 +707,7 @@
           <a:p>
             <a:fld id="{E6651C44-F3AD-4161-8DF3-824F5EC2D0F3}" type="datetimeFigureOut">
               <a:rPr lang="en-US" smtClean="0"/>
-              <a:t>4/10/2016</a:t>
+              <a:t>4/13/2016</a:t>
             </a:fld>
             <a:endParaRPr lang="en-US"/>
           </a:p>
@@ -459,7 +758,7 @@
     </p:spTree>
     <p:extLst>
       <p:ext uri="{BB962C8B-B14F-4D97-AF65-F5344CB8AC3E}">
-        <p14:creationId xmlns:p14="http://schemas.microsoft.com/office/powerpoint/2010/main" val="2929910579"/>
+        <p14:creationId xmlns:p14="http://schemas.microsoft.com/office/powerpoint/2010/main" val="4009848673"/>
       </p:ext>
     </p:extLst>
   </p:cSld>
@@ -498,8 +797,8 @@
         </p:nvSpPr>
         <p:spPr>
           <a:xfrm>
-            <a:off x="8724900" y="365125"/>
-            <a:ext cx="2628900" cy="5811838"/>
+            <a:off x="8724900" y="533400"/>
+            <a:ext cx="2552700" cy="5638800"/>
           </a:xfrm>
         </p:spPr>
         <p:txBody>
@@ -510,7 +809,7 @@
               <a:rPr lang="en-US"/>
               <a:t>Click to edit Master title style</a:t>
             </a:r>
-            <a:endParaRPr lang="en-US"/>
+            <a:endParaRPr lang="en-US" dirty="0"/>
           </a:p>
         </p:txBody>
       </p:sp>
@@ -526,8 +825,8 @@
         </p:nvSpPr>
         <p:spPr>
           <a:xfrm>
-            <a:off x="838200" y="365125"/>
-            <a:ext cx="7734300" cy="5811838"/>
+            <a:off x="1066800" y="533400"/>
+            <a:ext cx="7505700" cy="5638800"/>
           </a:xfrm>
         </p:spPr>
         <p:txBody>
@@ -567,7 +866,7 @@
               <a:rPr lang="en-US"/>
               <a:t>Fifth level</a:t>
             </a:r>
-            <a:endParaRPr lang="en-US"/>
+            <a:endParaRPr lang="en-US" dirty="0"/>
           </a:p>
         </p:txBody>
       </p:sp>
@@ -588,7 +887,7 @@
           <a:p>
             <a:fld id="{E6651C44-F3AD-4161-8DF3-824F5EC2D0F3}" type="datetimeFigureOut">
               <a:rPr lang="en-US" smtClean="0"/>
-              <a:t>4/10/2016</a:t>
+              <a:t>4/13/2016</a:t>
             </a:fld>
             <a:endParaRPr lang="en-US"/>
           </a:p>
@@ -639,7 +938,7 @@
     </p:spTree>
     <p:extLst>
       <p:ext uri="{BB962C8B-B14F-4D97-AF65-F5344CB8AC3E}">
-        <p14:creationId xmlns:p14="http://schemas.microsoft.com/office/powerpoint/2010/main" val="2241594231"/>
+        <p14:creationId xmlns:p14="http://schemas.microsoft.com/office/powerpoint/2010/main" val="2936347704"/>
       </p:ext>
     </p:extLst>
   </p:cSld>
@@ -685,7 +984,7 @@
               <a:rPr lang="en-US"/>
               <a:t>Click to edit Master title style</a:t>
             </a:r>
-            <a:endParaRPr lang="en-US"/>
+            <a:endParaRPr lang="en-US" dirty="0"/>
           </a:p>
         </p:txBody>
       </p:sp>
@@ -737,7 +1036,7 @@
               <a:rPr lang="en-US"/>
               <a:t>Fifth level</a:t>
             </a:r>
-            <a:endParaRPr lang="en-US"/>
+            <a:endParaRPr lang="en-US" dirty="0"/>
           </a:p>
         </p:txBody>
       </p:sp>
@@ -758,7 +1057,7 @@
           <a:p>
             <a:fld id="{E6651C44-F3AD-4161-8DF3-824F5EC2D0F3}" type="datetimeFigureOut">
               <a:rPr lang="en-US" smtClean="0"/>
-              <a:t>4/10/2016</a:t>
+              <a:t>4/13/2016</a:t>
             </a:fld>
             <a:endParaRPr lang="en-US"/>
           </a:p>
@@ -809,7 +1108,7 @@
     </p:spTree>
     <p:extLst>
       <p:ext uri="{BB962C8B-B14F-4D97-AF65-F5344CB8AC3E}">
-        <p14:creationId xmlns:p14="http://schemas.microsoft.com/office/powerpoint/2010/main" val="1911263874"/>
+        <p14:creationId xmlns:p14="http://schemas.microsoft.com/office/powerpoint/2010/main" val="3767604851"/>
       </p:ext>
     </p:extLst>
   </p:cSld>
@@ -820,7 +1119,7 @@
 </file>
 
 <file path=ppt/slideLayouts/slideLayout3.xml><?xml version="1.0" encoding="utf-8"?>
-<p:sldLayout xmlns:a="http://schemas.openxmlformats.org/drawingml/2006/main" xmlns:r="http://schemas.openxmlformats.org/officeDocument/2006/relationships" xmlns:p="http://schemas.openxmlformats.org/presentationml/2006/main" type="secHead" preserve="1">
+<p:sldLayout xmlns:a="http://schemas.openxmlformats.org/drawingml/2006/main" xmlns:r="http://schemas.openxmlformats.org/officeDocument/2006/relationships" xmlns:p="http://schemas.openxmlformats.org/presentationml/2006/main" showMasterSp="0" type="secHead" preserve="1">
   <p:cSld name="Section Header">
     <p:spTree>
       <p:nvGrpSpPr>
@@ -838,25 +1137,87 @@
       </p:grpSpPr>
       <p:sp>
         <p:nvSpPr>
-          <p:cNvPr id="2" name="Title 1"/>
-          <p:cNvSpPr>
-            <a:spLocks noGrp="1"/>
-          </p:cNvSpPr>
-          <p:nvPr>
-            <p:ph type="title"/>
-          </p:nvPr>
+          <p:cNvPr id="7" name="Rectangle 6"/>
+          <p:cNvSpPr/>
+          <p:nvPr/>
         </p:nvSpPr>
         <p:spPr>
           <a:xfrm>
-            <a:off x="831850" y="1709738"/>
-            <a:ext cx="10515600" cy="2852737"/>
+            <a:off x="0" y="4917989"/>
+            <a:ext cx="12192000" cy="1940010"/>
+          </a:xfrm>
+          <a:prstGeom prst="rect">
+            <a:avLst/>
+          </a:prstGeom>
+          <a:blipFill dpi="0" rotWithShape="1">
+            <a:blip r:embed="rId2">
+              <a:alphaModFix amt="85000"/>
+              <a:lum bright="70000" contrast="-70000"/>
+              <a:extLst>
+                <a:ext uri="{BEBA8EAE-BF5A-486C-A8C5-ECC9F3942E4B}">
+                  <a14:imgProps xmlns:a14="http://schemas.microsoft.com/office/drawing/2010/main">
+                    <a14:imgLayer r:embed="rId3">
+                      <a14:imgEffect>
+                        <a14:sharpenSoften amount="61000"/>
+                      </a14:imgEffect>
+                    </a14:imgLayer>
+                  </a14:imgProps>
+                </a:ext>
+                <a:ext uri="{28A0092B-C50C-407E-A947-70E740481C1C}">
+                  <a14:useLocalDpi xmlns:a14="http://schemas.microsoft.com/office/drawing/2010/main" val="0"/>
+                </a:ext>
+              </a:extLst>
+            </a:blip>
+            <a:srcRect/>
+            <a:tile tx="0" ty="-704850" sx="92000" sy="89000" flip="xy" algn="ctr"/>
+          </a:blipFill>
+          <a:ln>
+            <a:noFill/>
+          </a:ln>
+        </p:spPr>
+        <p:style>
+          <a:lnRef idx="2">
+            <a:schemeClr val="accent1">
+              <a:shade val="50000"/>
+            </a:schemeClr>
+          </a:lnRef>
+          <a:fillRef idx="1">
+            <a:schemeClr val="accent1"/>
+          </a:fillRef>
+          <a:effectRef idx="0">
+            <a:schemeClr val="accent1"/>
+          </a:effectRef>
+          <a:fontRef idx="minor">
+            <a:schemeClr val="lt1"/>
+          </a:fontRef>
+        </p:style>
+      </p:sp>
+      <p:sp>
+        <p:nvSpPr>
+          <p:cNvPr id="2" name="Title 1"/>
+          <p:cNvSpPr>
+            <a:spLocks noGrp="1"/>
+          </p:cNvSpPr>
+          <p:nvPr>
+            <p:ph type="title"/>
+          </p:nvPr>
+        </p:nvSpPr>
+        <p:spPr>
+          <a:xfrm>
+            <a:off x="2167128" y="1225296"/>
+            <a:ext cx="9281160" cy="3520440"/>
           </a:xfrm>
         </p:spPr>
         <p:txBody>
-          <a:bodyPr anchor="b"/>
+          <a:bodyPr anchor="ctr">
+            <a:normAutofit/>
+          </a:bodyPr>
           <a:lstStyle>
             <a:lvl1pPr>
-              <a:defRPr sz="6000"/>
+              <a:lnSpc>
+                <a:spcPct val="80000"/>
+              </a:lnSpc>
+              <a:defRPr sz="8000" b="0"/>
             </a:lvl1pPr>
           </a:lstStyle>
           <a:p>
@@ -864,7 +1225,7 @@
               <a:rPr lang="en-US"/>
               <a:t>Click to edit Master title style</a:t>
             </a:r>
-            <a:endParaRPr lang="en-US"/>
+            <a:endParaRPr lang="en-US" dirty="0"/>
           </a:p>
         </p:txBody>
       </p:sp>
@@ -880,26 +1241,26 @@
         </p:nvSpPr>
         <p:spPr>
           <a:xfrm>
-            <a:off x="831850" y="4589463"/>
-            <a:ext cx="10515600" cy="1500187"/>
+            <a:off x="2165774" y="5020056"/>
+            <a:ext cx="9052560" cy="1066800"/>
           </a:xfrm>
         </p:spPr>
         <p:txBody>
-          <a:bodyPr/>
+          <a:bodyPr anchor="t">
+            <a:normAutofit/>
+          </a:bodyPr>
           <a:lstStyle>
             <a:lvl1pPr marL="0" indent="0">
               <a:buNone/>
-              <a:defRPr sz="2400">
+              <a:defRPr sz="2000">
                 <a:solidFill>
-                  <a:schemeClr val="tx1">
-                    <a:tint val="75000"/>
-                  </a:schemeClr>
+                  <a:schemeClr val="tx1"/>
                 </a:solidFill>
               </a:defRPr>
             </a:lvl1pPr>
             <a:lvl2pPr marL="457200" indent="0">
               <a:buNone/>
-              <a:defRPr sz="2000">
+              <a:defRPr sz="1800">
                 <a:solidFill>
                   <a:schemeClr val="tx1">
                     <a:tint val="75000"/>
@@ -909,7 +1270,7 @@
             </a:lvl2pPr>
             <a:lvl3pPr marL="914400" indent="0">
               <a:buNone/>
-              <a:defRPr sz="1800">
+              <a:defRPr sz="1600">
                 <a:solidFill>
                   <a:schemeClr val="tx1">
                     <a:tint val="75000"/>
@@ -919,7 +1280,7 @@
             </a:lvl3pPr>
             <a:lvl4pPr marL="1371600" indent="0">
               <a:buNone/>
-              <a:defRPr sz="1600">
+              <a:defRPr sz="1400">
                 <a:solidFill>
                   <a:schemeClr val="tx1">
                     <a:tint val="75000"/>
@@ -929,7 +1290,7 @@
             </a:lvl4pPr>
             <a:lvl5pPr marL="1828800" indent="0">
               <a:buNone/>
-              <a:defRPr sz="1600">
+              <a:defRPr sz="1400">
                 <a:solidFill>
                   <a:schemeClr val="tx1">
                     <a:tint val="75000"/>
@@ -939,7 +1300,7 @@
             </a:lvl5pPr>
             <a:lvl6pPr marL="2286000" indent="0">
               <a:buNone/>
-              <a:defRPr sz="1600">
+              <a:defRPr sz="1400">
                 <a:solidFill>
                   <a:schemeClr val="tx1">
                     <a:tint val="75000"/>
@@ -949,7 +1310,7 @@
             </a:lvl6pPr>
             <a:lvl7pPr marL="2743200" indent="0">
               <a:buNone/>
-              <a:defRPr sz="1600">
+              <a:defRPr sz="1400">
                 <a:solidFill>
                   <a:schemeClr val="tx1">
                     <a:tint val="75000"/>
@@ -959,7 +1320,7 @@
             </a:lvl7pPr>
             <a:lvl8pPr marL="3200400" indent="0">
               <a:buNone/>
-              <a:defRPr sz="1600">
+              <a:defRPr sz="1400">
                 <a:solidFill>
                   <a:schemeClr val="tx1">
                     <a:tint val="75000"/>
@@ -969,7 +1330,7 @@
             </a:lvl8pPr>
             <a:lvl9pPr marL="3657600" indent="0">
               <a:buNone/>
-              <a:defRPr sz="1600">
+              <a:defRPr sz="1400">
                 <a:solidFill>
                   <a:schemeClr val="tx1">
                     <a:tint val="75000"/>
@@ -997,14 +1358,19 @@
             <p:ph type="dt" sz="half" idx="10"/>
           </p:nvPr>
         </p:nvSpPr>
-        <p:spPr/>
+        <p:spPr>
+          <a:xfrm>
+            <a:off x="8593667" y="6272784"/>
+            <a:ext cx="2644309" cy="365125"/>
+          </a:xfrm>
+        </p:spPr>
         <p:txBody>
           <a:bodyPr/>
           <a:lstStyle/>
           <a:p>
             <a:fld id="{E6651C44-F3AD-4161-8DF3-824F5EC2D0F3}" type="datetimeFigureOut">
               <a:rPr lang="en-US" smtClean="0"/>
-              <a:t>4/10/2016</a:t>
+              <a:t>4/13/2016</a:t>
             </a:fld>
             <a:endParaRPr lang="en-US"/>
           </a:p>
@@ -1020,7 +1386,12 @@
             <p:ph type="ftr" sz="quarter" idx="11"/>
           </p:nvPr>
         </p:nvSpPr>
-        <p:spPr/>
+        <p:spPr>
+          <a:xfrm>
+            <a:off x="2182708" y="6272784"/>
+            <a:ext cx="6327648" cy="365125"/>
+          </a:xfrm>
+        </p:spPr>
         <p:txBody>
           <a:bodyPr/>
           <a:lstStyle/>
@@ -1029,6 +1400,90 @@
           </a:p>
         </p:txBody>
       </p:sp>
+      <p:grpSp>
+        <p:nvGrpSpPr>
+          <p:cNvPr id="8" name="Group 7"/>
+          <p:cNvGrpSpPr/>
+          <p:nvPr/>
+        </p:nvGrpSpPr>
+        <p:grpSpPr>
+          <a:xfrm>
+            <a:off x="897399" y="2325848"/>
+            <a:ext cx="1080904" cy="1080902"/>
+            <a:chOff x="9685338" y="4460675"/>
+            <a:chExt cx="1080904" cy="1080902"/>
+          </a:xfrm>
+        </p:grpSpPr>
+        <p:sp>
+          <p:nvSpPr>
+            <p:cNvPr id="9" name="Oval 8"/>
+            <p:cNvSpPr/>
+            <p:nvPr/>
+          </p:nvSpPr>
+          <p:spPr>
+            <a:xfrm>
+              <a:off x="9685338" y="4460675"/>
+              <a:ext cx="1080904" cy="1080902"/>
+            </a:xfrm>
+            <a:prstGeom prst="ellipse">
+              <a:avLst/>
+            </a:prstGeom>
+            <a:blipFill dpi="0" rotWithShape="1">
+              <a:blip r:embed="rId4">
+                <a:duotone>
+                  <a:schemeClr val="accent1">
+                    <a:shade val="45000"/>
+                    <a:satMod val="135000"/>
+                  </a:schemeClr>
+                  <a:prstClr val="white"/>
+                </a:duotone>
+                <a:extLst>
+                  <a:ext uri="{BEBA8EAE-BF5A-486C-A8C5-ECC9F3942E4B}">
+                    <a14:imgProps xmlns:a14="http://schemas.microsoft.com/office/drawing/2010/main">
+                      <a14:imgLayer r:embed="rId5">
+                        <a14:imgEffect>
+                          <a14:saturation sat="95000"/>
+                        </a14:imgEffect>
+                      </a14:imgLayer>
+                    </a14:imgProps>
+                  </a:ext>
+                </a:extLst>
+              </a:blip>
+              <a:srcRect/>
+              <a:tile tx="0" ty="0" sx="85000" sy="85000" flip="none" algn="tl"/>
+            </a:blipFill>
+            <a:ln w="25400" cap="flat" cmpd="sng" algn="ctr">
+              <a:noFill/>
+              <a:prstDash val="solid"/>
+            </a:ln>
+            <a:effectLst/>
+          </p:spPr>
+        </p:sp>
+        <p:sp>
+          <p:nvSpPr>
+            <p:cNvPr id="10" name="Oval 9"/>
+            <p:cNvSpPr/>
+            <p:nvPr/>
+          </p:nvSpPr>
+          <p:spPr>
+            <a:xfrm>
+              <a:off x="9793429" y="4568765"/>
+              <a:ext cx="864723" cy="864722"/>
+            </a:xfrm>
+            <a:prstGeom prst="ellipse">
+              <a:avLst/>
+            </a:prstGeom>
+            <a:noFill/>
+            <a:ln w="25400" cap="flat" cmpd="sng" algn="ctr">
+              <a:solidFill>
+                <a:sysClr val="window" lastClr="FFFFFF"/>
+              </a:solidFill>
+              <a:prstDash val="solid"/>
+            </a:ln>
+            <a:effectLst/>
+          </p:spPr>
+        </p:sp>
+      </p:grpSp>
       <p:sp>
         <p:nvSpPr>
           <p:cNvPr id="6" name="Slide Number Placeholder 5"/>
@@ -1039,10 +1494,19 @@
             <p:ph type="sldNum" sz="quarter" idx="12"/>
           </p:nvPr>
         </p:nvSpPr>
-        <p:spPr/>
+        <p:spPr>
+          <a:xfrm>
+            <a:off x="843702" y="2506133"/>
+            <a:ext cx="1188298" cy="720332"/>
+          </a:xfrm>
+        </p:spPr>
         <p:txBody>
           <a:bodyPr/>
-          <a:lstStyle/>
+          <a:lstStyle>
+            <a:lvl1pPr>
+              <a:defRPr sz="2800"/>
+            </a:lvl1pPr>
+          </a:lstStyle>
           <a:p>
             <a:fld id="{439C4E14-3F8D-44ED-8C4E-0E42A7F0E8A1}" type="slidenum">
               <a:rPr lang="en-US" smtClean="0"/>
@@ -1055,7 +1519,7 @@
     </p:spTree>
     <p:extLst>
       <p:ext uri="{BB962C8B-B14F-4D97-AF65-F5344CB8AC3E}">
-        <p14:creationId xmlns:p14="http://schemas.microsoft.com/office/powerpoint/2010/main" val="1597838737"/>
+        <p14:creationId xmlns:p14="http://schemas.microsoft.com/office/powerpoint/2010/main" val="52648252"/>
       </p:ext>
     </p:extLst>
   </p:cSld>
@@ -1101,7 +1565,7 @@
               <a:rPr lang="en-US"/>
               <a:t>Click to edit Master title style</a:t>
             </a:r>
-            <a:endParaRPr lang="en-US"/>
+            <a:endParaRPr lang="en-US" dirty="0"/>
           </a:p>
         </p:txBody>
       </p:sp>
@@ -1117,13 +1581,41 @@
         </p:nvSpPr>
         <p:spPr>
           <a:xfrm>
-            <a:off x="838200" y="1825625"/>
-            <a:ext cx="5181600" cy="4351338"/>
+            <a:off x="1069848" y="2194560"/>
+            <a:ext cx="4754880" cy="3977640"/>
           </a:xfrm>
         </p:spPr>
         <p:txBody>
           <a:bodyPr/>
-          <a:lstStyle/>
+          <a:lstStyle>
+            <a:lvl1pPr>
+              <a:defRPr sz="2000"/>
+            </a:lvl1pPr>
+            <a:lvl2pPr>
+              <a:defRPr sz="1800"/>
+            </a:lvl2pPr>
+            <a:lvl3pPr>
+              <a:defRPr sz="1600"/>
+            </a:lvl3pPr>
+            <a:lvl4pPr>
+              <a:defRPr sz="1600"/>
+            </a:lvl4pPr>
+            <a:lvl5pPr>
+              <a:defRPr sz="1600"/>
+            </a:lvl5pPr>
+            <a:lvl6pPr>
+              <a:defRPr sz="1600"/>
+            </a:lvl6pPr>
+            <a:lvl7pPr>
+              <a:defRPr sz="1600"/>
+            </a:lvl7pPr>
+            <a:lvl8pPr>
+              <a:defRPr sz="1600"/>
+            </a:lvl8pPr>
+            <a:lvl9pPr>
+              <a:defRPr sz="1600"/>
+            </a:lvl9pPr>
+          </a:lstStyle>
           <a:p>
             <a:pPr lvl="0"/>
             <a:r>
@@ -1158,7 +1650,7 @@
               <a:rPr lang="en-US"/>
               <a:t>Fifth level</a:t>
             </a:r>
-            <a:endParaRPr lang="en-US"/>
+            <a:endParaRPr lang="en-US" dirty="0"/>
           </a:p>
         </p:txBody>
       </p:sp>
@@ -1174,13 +1666,41 @@
         </p:nvSpPr>
         <p:spPr>
           <a:xfrm>
-            <a:off x="6172200" y="1825625"/>
-            <a:ext cx="5181600" cy="4351338"/>
+            <a:off x="6364224" y="2194560"/>
+            <a:ext cx="4754880" cy="3977640"/>
           </a:xfrm>
         </p:spPr>
         <p:txBody>
           <a:bodyPr/>
-          <a:lstStyle/>
+          <a:lstStyle>
+            <a:lvl1pPr>
+              <a:defRPr sz="2000"/>
+            </a:lvl1pPr>
+            <a:lvl2pPr>
+              <a:defRPr sz="1800"/>
+            </a:lvl2pPr>
+            <a:lvl3pPr>
+              <a:defRPr sz="1600"/>
+            </a:lvl3pPr>
+            <a:lvl4pPr>
+              <a:defRPr sz="1600"/>
+            </a:lvl4pPr>
+            <a:lvl5pPr>
+              <a:defRPr sz="1600"/>
+            </a:lvl5pPr>
+            <a:lvl6pPr>
+              <a:defRPr sz="1600"/>
+            </a:lvl6pPr>
+            <a:lvl7pPr>
+              <a:defRPr sz="1600"/>
+            </a:lvl7pPr>
+            <a:lvl8pPr>
+              <a:defRPr sz="1600"/>
+            </a:lvl8pPr>
+            <a:lvl9pPr>
+              <a:defRPr sz="1600"/>
+            </a:lvl9pPr>
+          </a:lstStyle>
           <a:p>
             <a:pPr lvl="0"/>
             <a:r>
@@ -1215,7 +1735,7 @@
               <a:rPr lang="en-US"/>
               <a:t>Fifth level</a:t>
             </a:r>
-            <a:endParaRPr lang="en-US"/>
+            <a:endParaRPr lang="en-US" dirty="0"/>
           </a:p>
         </p:txBody>
       </p:sp>
@@ -1236,7 +1756,7 @@
           <a:p>
             <a:fld id="{E6651C44-F3AD-4161-8DF3-824F5EC2D0F3}" type="datetimeFigureOut">
               <a:rPr lang="en-US" smtClean="0"/>
-              <a:t>4/10/2016</a:t>
+              <a:t>4/13/2016</a:t>
             </a:fld>
             <a:endParaRPr lang="en-US"/>
           </a:p>
@@ -1287,7 +1807,7 @@
     </p:spTree>
     <p:extLst>
       <p:ext uri="{BB962C8B-B14F-4D97-AF65-F5344CB8AC3E}">
-        <p14:creationId xmlns:p14="http://schemas.microsoft.com/office/powerpoint/2010/main" val="2158902742"/>
+        <p14:creationId xmlns:p14="http://schemas.microsoft.com/office/powerpoint/2010/main" val="3637809969"/>
       </p:ext>
     </p:extLst>
   </p:cSld>
@@ -1316,54 +1836,57 @@
       </p:grpSpPr>
       <p:sp>
         <p:nvSpPr>
-          <p:cNvPr id="2" name="Title 1"/>
+          <p:cNvPr id="10" name="Title 9"/>
           <p:cNvSpPr>
             <a:spLocks noGrp="1"/>
           </p:cNvSpPr>
           <p:nvPr>
             <p:ph type="title"/>
+          </p:nvPr>
+        </p:nvSpPr>
+        <p:spPr/>
+        <p:txBody>
+          <a:bodyPr/>
+          <a:lstStyle/>
+          <a:p>
+            <a:r>
+              <a:rPr lang="en-US"/>
+              <a:t>Click to edit Master title style</a:t>
+            </a:r>
+            <a:endParaRPr lang="en-US" dirty="0"/>
+          </a:p>
+        </p:txBody>
+      </p:sp>
+      <p:sp>
+        <p:nvSpPr>
+          <p:cNvPr id="3" name="Text Placeholder 2"/>
+          <p:cNvSpPr>
+            <a:spLocks noGrp="1"/>
+          </p:cNvSpPr>
+          <p:nvPr>
+            <p:ph type="body" idx="1"/>
           </p:nvPr>
         </p:nvSpPr>
         <p:spPr>
           <a:xfrm>
-            <a:off x="839788" y="365125"/>
-            <a:ext cx="10515600" cy="1325563"/>
+            <a:off x="1066800" y="2048256"/>
+            <a:ext cx="4754880" cy="640080"/>
           </a:xfrm>
         </p:spPr>
         <p:txBody>
-          <a:bodyPr/>
-          <a:lstStyle/>
-          <a:p>
-            <a:r>
-              <a:rPr lang="en-US"/>
-              <a:t>Click to edit Master title style</a:t>
-            </a:r>
-            <a:endParaRPr lang="en-US"/>
-          </a:p>
-        </p:txBody>
-      </p:sp>
-      <p:sp>
-        <p:nvSpPr>
-          <p:cNvPr id="3" name="Text Placeholder 2"/>
-          <p:cNvSpPr>
-            <a:spLocks noGrp="1"/>
-          </p:cNvSpPr>
-          <p:nvPr>
-            <p:ph type="body" idx="1"/>
-          </p:nvPr>
-        </p:nvSpPr>
-        <p:spPr>
-          <a:xfrm>
-            <a:off x="839788" y="1681163"/>
-            <a:ext cx="5157787" cy="823912"/>
-          </a:xfrm>
-        </p:spPr>
-        <p:txBody>
-          <a:bodyPr anchor="b"/>
+          <a:bodyPr anchor="ctr">
+            <a:normAutofit/>
+          </a:bodyPr>
           <a:lstStyle>
             <a:lvl1pPr marL="0" indent="0">
               <a:buNone/>
-              <a:defRPr sz="2400" b="1"/>
+              <a:defRPr sz="2000" b="1">
+                <a:solidFill>
+                  <a:schemeClr val="accent1">
+                    <a:lumMod val="75000"/>
+                  </a:schemeClr>
+                </a:solidFill>
+              </a:defRPr>
             </a:lvl1pPr>
             <a:lvl2pPr marL="457200" indent="0">
               <a:buNone/>
@@ -1419,13 +1942,41 @@
         </p:nvSpPr>
         <p:spPr>
           <a:xfrm>
-            <a:off x="839788" y="2505075"/>
-            <a:ext cx="5157787" cy="3684588"/>
+            <a:off x="1069848" y="2743200"/>
+            <a:ext cx="4754880" cy="3291840"/>
           </a:xfrm>
         </p:spPr>
         <p:txBody>
           <a:bodyPr/>
-          <a:lstStyle/>
+          <a:lstStyle>
+            <a:lvl1pPr>
+              <a:defRPr sz="2000"/>
+            </a:lvl1pPr>
+            <a:lvl2pPr>
+              <a:defRPr sz="1800"/>
+            </a:lvl2pPr>
+            <a:lvl3pPr>
+              <a:defRPr sz="1600"/>
+            </a:lvl3pPr>
+            <a:lvl4pPr>
+              <a:defRPr sz="1600"/>
+            </a:lvl4pPr>
+            <a:lvl5pPr>
+              <a:defRPr sz="1600"/>
+            </a:lvl5pPr>
+            <a:lvl6pPr>
+              <a:defRPr sz="1600"/>
+            </a:lvl6pPr>
+            <a:lvl7pPr>
+              <a:defRPr sz="1600"/>
+            </a:lvl7pPr>
+            <a:lvl8pPr>
+              <a:defRPr sz="1600"/>
+            </a:lvl8pPr>
+            <a:lvl9pPr>
+              <a:defRPr sz="1600"/>
+            </a:lvl9pPr>
+          </a:lstStyle>
           <a:p>
             <a:pPr lvl="0"/>
             <a:r>
@@ -1460,7 +2011,7 @@
               <a:rPr lang="en-US"/>
               <a:t>Fifth level</a:t>
             </a:r>
-            <a:endParaRPr lang="en-US"/>
+            <a:endParaRPr lang="en-US" dirty="0"/>
           </a:p>
         </p:txBody>
       </p:sp>
@@ -1476,16 +2027,24 @@
         </p:nvSpPr>
         <p:spPr>
           <a:xfrm>
-            <a:off x="6172200" y="1681163"/>
-            <a:ext cx="5183188" cy="823912"/>
+            <a:off x="6364224" y="2048256"/>
+            <a:ext cx="4754880" cy="640080"/>
           </a:xfrm>
         </p:spPr>
         <p:txBody>
-          <a:bodyPr anchor="b"/>
+          <a:bodyPr anchor="ctr">
+            <a:normAutofit/>
+          </a:bodyPr>
           <a:lstStyle>
             <a:lvl1pPr marL="0" indent="0">
               <a:buNone/>
-              <a:defRPr sz="2400" b="1"/>
+              <a:defRPr sz="2000" b="1">
+                <a:solidFill>
+                  <a:schemeClr val="accent1">
+                    <a:lumMod val="75000"/>
+                  </a:schemeClr>
+                </a:solidFill>
+              </a:defRPr>
             </a:lvl1pPr>
             <a:lvl2pPr marL="457200" indent="0">
               <a:buNone/>
@@ -1541,13 +2100,41 @@
         </p:nvSpPr>
         <p:spPr>
           <a:xfrm>
-            <a:off x="6172200" y="2505075"/>
-            <a:ext cx="5183188" cy="3684588"/>
+            <a:off x="6364224" y="2743200"/>
+            <a:ext cx="4754880" cy="3291840"/>
           </a:xfrm>
         </p:spPr>
         <p:txBody>
           <a:bodyPr/>
-          <a:lstStyle/>
+          <a:lstStyle>
+            <a:lvl1pPr>
+              <a:defRPr sz="2000"/>
+            </a:lvl1pPr>
+            <a:lvl2pPr>
+              <a:defRPr sz="1800"/>
+            </a:lvl2pPr>
+            <a:lvl3pPr>
+              <a:defRPr sz="1600"/>
+            </a:lvl3pPr>
+            <a:lvl4pPr>
+              <a:defRPr sz="1600"/>
+            </a:lvl4pPr>
+            <a:lvl5pPr>
+              <a:defRPr sz="1600"/>
+            </a:lvl5pPr>
+            <a:lvl6pPr>
+              <a:defRPr sz="1600"/>
+            </a:lvl6pPr>
+            <a:lvl7pPr>
+              <a:defRPr sz="1600"/>
+            </a:lvl7pPr>
+            <a:lvl8pPr>
+              <a:defRPr sz="1600"/>
+            </a:lvl8pPr>
+            <a:lvl9pPr>
+              <a:defRPr sz="1600"/>
+            </a:lvl9pPr>
+          </a:lstStyle>
           <a:p>
             <a:pPr lvl="0"/>
             <a:r>
@@ -1582,7 +2169,7 @@
               <a:rPr lang="en-US"/>
               <a:t>Fifth level</a:t>
             </a:r>
-            <a:endParaRPr lang="en-US"/>
+            <a:endParaRPr lang="en-US" dirty="0"/>
           </a:p>
         </p:txBody>
       </p:sp>
@@ -1603,7 +2190,7 @@
           <a:p>
             <a:fld id="{E6651C44-F3AD-4161-8DF3-824F5EC2D0F3}" type="datetimeFigureOut">
               <a:rPr lang="en-US" smtClean="0"/>
-              <a:t>4/10/2016</a:t>
+              <a:t>4/13/2016</a:t>
             </a:fld>
             <a:endParaRPr lang="en-US"/>
           </a:p>
@@ -1654,7 +2241,7 @@
     </p:spTree>
     <p:extLst>
       <p:ext uri="{BB962C8B-B14F-4D97-AF65-F5344CB8AC3E}">
-        <p14:creationId xmlns:p14="http://schemas.microsoft.com/office/powerpoint/2010/main" val="3638522703"/>
+        <p14:creationId xmlns:p14="http://schemas.microsoft.com/office/powerpoint/2010/main" val="3443689832"/>
       </p:ext>
     </p:extLst>
   </p:cSld>
@@ -1683,7 +2270,7 @@
       </p:grpSpPr>
       <p:sp>
         <p:nvSpPr>
-          <p:cNvPr id="2" name="Title 1"/>
+          <p:cNvPr id="6" name="Title 5"/>
           <p:cNvSpPr>
             <a:spLocks noGrp="1"/>
           </p:cNvSpPr>
@@ -1700,7 +2287,7 @@
               <a:rPr lang="en-US"/>
               <a:t>Click to edit Master title style</a:t>
             </a:r>
-            <a:endParaRPr lang="en-US"/>
+            <a:endParaRPr lang="en-US" dirty="0"/>
           </a:p>
         </p:txBody>
       </p:sp>
@@ -1721,7 +2308,7 @@
           <a:p>
             <a:fld id="{E6651C44-F3AD-4161-8DF3-824F5EC2D0F3}" type="datetimeFigureOut">
               <a:rPr lang="en-US" smtClean="0"/>
-              <a:t>4/10/2016</a:t>
+              <a:t>4/13/2016</a:t>
             </a:fld>
             <a:endParaRPr lang="en-US"/>
           </a:p>
@@ -1772,7 +2359,7 @@
     </p:spTree>
     <p:extLst>
       <p:ext uri="{BB962C8B-B14F-4D97-AF65-F5344CB8AC3E}">
-        <p14:creationId xmlns:p14="http://schemas.microsoft.com/office/powerpoint/2010/main" val="1972093803"/>
+        <p14:creationId xmlns:p14="http://schemas.microsoft.com/office/powerpoint/2010/main" val="2531048595"/>
       </p:ext>
     </p:extLst>
   </p:cSld>
@@ -1816,7 +2403,7 @@
           <a:p>
             <a:fld id="{E6651C44-F3AD-4161-8DF3-824F5EC2D0F3}" type="datetimeFigureOut">
               <a:rPr lang="en-US" smtClean="0"/>
-              <a:t>4/10/2016</a:t>
+              <a:t>4/13/2016</a:t>
             </a:fld>
             <a:endParaRPr lang="en-US"/>
           </a:p>
@@ -1867,7 +2454,7 @@
     </p:spTree>
     <p:extLst>
       <p:ext uri="{BB962C8B-B14F-4D97-AF65-F5344CB8AC3E}">
-        <p14:creationId xmlns:p14="http://schemas.microsoft.com/office/powerpoint/2010/main" val="3176096821"/>
+        <p14:creationId xmlns:p14="http://schemas.microsoft.com/office/powerpoint/2010/main" val="2030405084"/>
       </p:ext>
     </p:extLst>
   </p:cSld>
@@ -1878,7 +2465,7 @@
 </file>
 
 <file path=ppt/slideLayouts/slideLayout8.xml><?xml version="1.0" encoding="utf-8"?>
-<p:sldLayout xmlns:a="http://schemas.openxmlformats.org/drawingml/2006/main" xmlns:r="http://schemas.openxmlformats.org/officeDocument/2006/relationships" xmlns:p="http://schemas.openxmlformats.org/presentationml/2006/main" type="objTx" preserve="1">
+<p:sldLayout xmlns:a="http://schemas.openxmlformats.org/drawingml/2006/main" xmlns:r="http://schemas.openxmlformats.org/officeDocument/2006/relationships" xmlns:p="http://schemas.openxmlformats.org/presentationml/2006/main" showMasterSp="0" type="objTx" preserve="1">
   <p:cSld name="Content with Caption">
     <p:spTree>
       <p:nvGrpSpPr>
@@ -1896,25 +2483,84 @@
       </p:grpSpPr>
       <p:sp>
         <p:nvSpPr>
-          <p:cNvPr id="2" name="Title 1"/>
-          <p:cNvSpPr>
-            <a:spLocks noGrp="1"/>
-          </p:cNvSpPr>
-          <p:nvPr>
-            <p:ph type="title"/>
-          </p:nvPr>
+          <p:cNvPr id="8" name="Rectangle 7"/>
+          <p:cNvSpPr/>
+          <p:nvPr/>
         </p:nvSpPr>
         <p:spPr>
           <a:xfrm>
-            <a:off x="839788" y="457200"/>
-            <a:ext cx="3932237" cy="1600200"/>
+            <a:off x="8303740" y="0"/>
+            <a:ext cx="3888259" cy="6857999"/>
+          </a:xfrm>
+          <a:prstGeom prst="rect">
+            <a:avLst/>
+          </a:prstGeom>
+          <a:blipFill dpi="0" rotWithShape="1">
+            <a:blip r:embed="rId2">
+              <a:alphaModFix amt="60000"/>
+              <a:lum bright="70000" contrast="-70000"/>
+              <a:extLst>
+                <a:ext uri="{BEBA8EAE-BF5A-486C-A8C5-ECC9F3942E4B}">
+                  <a14:imgProps xmlns:a14="http://schemas.microsoft.com/office/drawing/2010/main">
+                    <a14:imgLayer r:embed="rId3">
+                      <a14:imgEffect>
+                        <a14:sharpenSoften amount="61000"/>
+                      </a14:imgEffect>
+                    </a14:imgLayer>
+                  </a14:imgProps>
+                </a:ext>
+                <a:ext uri="{28A0092B-C50C-407E-A947-70E740481C1C}">
+                  <a14:useLocalDpi xmlns:a14="http://schemas.microsoft.com/office/drawing/2010/main" val="0"/>
+                </a:ext>
+              </a:extLst>
+            </a:blip>
+            <a:srcRect/>
+            <a:tile tx="0" ty="-704850" sx="92000" sy="89000" flip="xy" algn="ctr"/>
+          </a:blipFill>
+          <a:ln>
+            <a:noFill/>
+          </a:ln>
+        </p:spPr>
+        <p:style>
+          <a:lnRef idx="2">
+            <a:schemeClr val="accent1">
+              <a:shade val="50000"/>
+            </a:schemeClr>
+          </a:lnRef>
+          <a:fillRef idx="1">
+            <a:schemeClr val="accent1"/>
+          </a:fillRef>
+          <a:effectRef idx="0">
+            <a:schemeClr val="accent1"/>
+          </a:effectRef>
+          <a:fontRef idx="minor">
+            <a:schemeClr val="lt1"/>
+          </a:fontRef>
+        </p:style>
+      </p:sp>
+      <p:sp>
+        <p:nvSpPr>
+          <p:cNvPr id="2" name="Title 1"/>
+          <p:cNvSpPr>
+            <a:spLocks noGrp="1"/>
+          </p:cNvSpPr>
+          <p:nvPr>
+            <p:ph type="title"/>
+          </p:nvPr>
+        </p:nvSpPr>
+        <p:spPr>
+          <a:xfrm>
+            <a:off x="8549640" y="685800"/>
+            <a:ext cx="3200400" cy="1737360"/>
           </a:xfrm>
         </p:spPr>
         <p:txBody>
-          <a:bodyPr anchor="b"/>
+          <a:bodyPr anchor="b">
+            <a:normAutofit/>
+          </a:bodyPr>
           <a:lstStyle>
             <a:lvl1pPr>
-              <a:defRPr sz="3200"/>
+              <a:defRPr sz="3200" b="1"/>
             </a:lvl1pPr>
           </a:lstStyle>
           <a:p>
@@ -1922,7 +2568,7 @@
               <a:rPr lang="en-US"/>
               <a:t>Click to edit Master title style</a:t>
             </a:r>
-            <a:endParaRPr lang="en-US"/>
+            <a:endParaRPr lang="en-US" dirty="0"/>
           </a:p>
         </p:txBody>
       </p:sp>
@@ -1938,39 +2584,39 @@
         </p:nvSpPr>
         <p:spPr>
           <a:xfrm>
-            <a:off x="5183188" y="987425"/>
-            <a:ext cx="6172200" cy="4873625"/>
+            <a:off x="838200" y="685800"/>
+            <a:ext cx="6711696" cy="5020056"/>
           </a:xfrm>
         </p:spPr>
         <p:txBody>
           <a:bodyPr/>
           <a:lstStyle>
             <a:lvl1pPr>
-              <a:defRPr sz="3200"/>
+              <a:defRPr sz="2000"/>
             </a:lvl1pPr>
             <a:lvl2pPr>
-              <a:defRPr sz="2800"/>
+              <a:defRPr sz="1800"/>
             </a:lvl2pPr>
             <a:lvl3pPr>
-              <a:defRPr sz="2400"/>
+              <a:defRPr sz="1600"/>
             </a:lvl3pPr>
             <a:lvl4pPr>
-              <a:defRPr sz="2000"/>
+              <a:defRPr sz="1600"/>
             </a:lvl4pPr>
             <a:lvl5pPr>
-              <a:defRPr sz="2000"/>
+              <a:defRPr sz="1600"/>
             </a:lvl5pPr>
             <a:lvl6pPr>
-              <a:defRPr sz="2000"/>
+              <a:defRPr sz="1600"/>
             </a:lvl6pPr>
             <a:lvl7pPr>
-              <a:defRPr sz="2000"/>
+              <a:defRPr sz="1600"/>
             </a:lvl7pPr>
             <a:lvl8pPr>
-              <a:defRPr sz="2000"/>
+              <a:defRPr sz="1600"/>
             </a:lvl8pPr>
             <a:lvl9pPr>
-              <a:defRPr sz="2000"/>
+              <a:defRPr sz="1600"/>
             </a:lvl9pPr>
           </a:lstStyle>
           <a:p>
@@ -2007,7 +2653,7 @@
               <a:rPr lang="en-US"/>
               <a:t>Fifth level</a:t>
             </a:r>
-            <a:endParaRPr lang="en-US"/>
+            <a:endParaRPr lang="en-US" dirty="0"/>
           </a:p>
         </p:txBody>
       </p:sp>
@@ -2023,48 +2669,62 @@
         </p:nvSpPr>
         <p:spPr>
           <a:xfrm>
-            <a:off x="839788" y="2057400"/>
-            <a:ext cx="3932237" cy="3811588"/>
+            <a:off x="8549640" y="2423160"/>
+            <a:ext cx="3200400" cy="3291840"/>
           </a:xfrm>
         </p:spPr>
         <p:txBody>
-          <a:bodyPr/>
+          <a:bodyPr>
+            <a:normAutofit/>
+          </a:bodyPr>
           <a:lstStyle>
             <a:lvl1pPr marL="0" indent="0">
+              <a:lnSpc>
+                <a:spcPct val="100000"/>
+              </a:lnSpc>
+              <a:spcBef>
+                <a:spcPts val="1000"/>
+              </a:spcBef>
               <a:buNone/>
-              <a:defRPr sz="1600"/>
+              <a:defRPr sz="1400">
+                <a:solidFill>
+                  <a:schemeClr val="accent1">
+                    <a:lumMod val="75000"/>
+                  </a:schemeClr>
+                </a:solidFill>
+              </a:defRPr>
             </a:lvl1pPr>
             <a:lvl2pPr marL="457200" indent="0">
               <a:buNone/>
-              <a:defRPr sz="1400"/>
+              <a:defRPr sz="1200"/>
             </a:lvl2pPr>
             <a:lvl3pPr marL="914400" indent="0">
               <a:buNone/>
-              <a:defRPr sz="1200"/>
+              <a:defRPr sz="1000"/>
             </a:lvl3pPr>
             <a:lvl4pPr marL="1371600" indent="0">
               <a:buNone/>
-              <a:defRPr sz="1000"/>
+              <a:defRPr sz="900"/>
             </a:lvl4pPr>
             <a:lvl5pPr marL="1828800" indent="0">
               <a:buNone/>
-              <a:defRPr sz="1000"/>
+              <a:defRPr sz="900"/>
             </a:lvl5pPr>
             <a:lvl6pPr marL="2286000" indent="0">
               <a:buNone/>
-              <a:defRPr sz="1000"/>
+              <a:defRPr sz="900"/>
             </a:lvl6pPr>
             <a:lvl7pPr marL="2743200" indent="0">
               <a:buNone/>
-              <a:defRPr sz="1000"/>
+              <a:defRPr sz="900"/>
             </a:lvl7pPr>
             <a:lvl8pPr marL="3200400" indent="0">
               <a:buNone/>
-              <a:defRPr sz="1000"/>
+              <a:defRPr sz="900"/>
             </a:lvl8pPr>
             <a:lvl9pPr marL="3657600" indent="0">
               <a:buNone/>
-              <a:defRPr sz="1000"/>
+              <a:defRPr sz="900"/>
             </a:lvl9pPr>
           </a:lstStyle>
           <a:p>
@@ -2093,7 +2753,7 @@
           <a:p>
             <a:fld id="{E6651C44-F3AD-4161-8DF3-824F5EC2D0F3}" type="datetimeFigureOut">
               <a:rPr lang="en-US" smtClean="0"/>
-              <a:t>4/10/2016</a:t>
+              <a:t>4/13/2016</a:t>
             </a:fld>
             <a:endParaRPr lang="en-US"/>
           </a:p>
@@ -2118,6 +2778,95 @@
           </a:p>
         </p:txBody>
       </p:sp>
+      <p:grpSp>
+        <p:nvGrpSpPr>
+          <p:cNvPr id="9" name="Group 8"/>
+          <p:cNvGrpSpPr>
+            <a:grpSpLocks noChangeAspect="1"/>
+          </p:cNvGrpSpPr>
+          <p:nvPr/>
+        </p:nvGrpSpPr>
+        <p:grpSpPr>
+          <a:xfrm>
+            <a:off x="11401725" y="6229681"/>
+            <a:ext cx="457200" cy="457200"/>
+            <a:chOff x="11361456" y="6195813"/>
+            <a:chExt cx="548640" cy="548640"/>
+          </a:xfrm>
+        </p:grpSpPr>
+        <p:sp>
+          <p:nvSpPr>
+            <p:cNvPr id="10" name="Oval 9"/>
+            <p:cNvSpPr/>
+            <p:nvPr/>
+          </p:nvSpPr>
+          <p:spPr>
+            <a:xfrm>
+              <a:off x="11361456" y="6195813"/>
+              <a:ext cx="548640" cy="548640"/>
+            </a:xfrm>
+            <a:prstGeom prst="ellipse">
+              <a:avLst/>
+            </a:prstGeom>
+            <a:blipFill dpi="0" rotWithShape="1">
+              <a:blip r:embed="rId4">
+                <a:duotone>
+                  <a:schemeClr val="accent1">
+                    <a:shade val="45000"/>
+                    <a:satMod val="135000"/>
+                  </a:schemeClr>
+                  <a:prstClr val="white"/>
+                </a:duotone>
+                <a:extLst>
+                  <a:ext uri="{BEBA8EAE-BF5A-486C-A8C5-ECC9F3942E4B}">
+                    <a14:imgProps xmlns:a14="http://schemas.microsoft.com/office/drawing/2010/main">
+                      <a14:imgLayer r:embed="rId5">
+                        <a14:imgEffect>
+                          <a14:saturation sat="95000"/>
+                        </a14:imgEffect>
+                        <a14:imgEffect>
+                          <a14:brightnessContrast bright="-40000" contrast="20000"/>
+                        </a14:imgEffect>
+                      </a14:imgLayer>
+                    </a14:imgProps>
+                  </a:ext>
+                </a:extLst>
+              </a:blip>
+              <a:srcRect/>
+              <a:tile tx="50800" ty="0" sx="85000" sy="85000" flip="none" algn="tl"/>
+            </a:blipFill>
+            <a:ln w="25400" cap="flat" cmpd="sng" algn="ctr">
+              <a:noFill/>
+              <a:prstDash val="solid"/>
+            </a:ln>
+            <a:effectLst/>
+          </p:spPr>
+        </p:sp>
+        <p:sp>
+          <p:nvSpPr>
+            <p:cNvPr id="11" name="Oval 10"/>
+            <p:cNvSpPr/>
+            <p:nvPr/>
+          </p:nvSpPr>
+          <p:spPr>
+            <a:xfrm>
+              <a:off x="11396488" y="6230844"/>
+              <a:ext cx="478576" cy="478578"/>
+            </a:xfrm>
+            <a:prstGeom prst="ellipse">
+              <a:avLst/>
+            </a:prstGeom>
+            <a:noFill/>
+            <a:ln w="12700" cap="flat" cmpd="sng" algn="ctr">
+              <a:solidFill>
+                <a:sysClr val="window" lastClr="FFFFFF"/>
+              </a:solidFill>
+              <a:prstDash val="solid"/>
+            </a:ln>
+            <a:effectLst/>
+          </p:spPr>
+        </p:sp>
+      </p:grpSp>
       <p:sp>
         <p:nvSpPr>
           <p:cNvPr id="7" name="Slide Number Placeholder 6"/>
@@ -2144,7 +2893,7 @@
     </p:spTree>
     <p:extLst>
       <p:ext uri="{BB962C8B-B14F-4D97-AF65-F5344CB8AC3E}">
-        <p14:creationId xmlns:p14="http://schemas.microsoft.com/office/powerpoint/2010/main" val="1030481040"/>
+        <p14:creationId xmlns:p14="http://schemas.microsoft.com/office/powerpoint/2010/main" val="1762375579"/>
       </p:ext>
     </p:extLst>
   </p:cSld>
@@ -2155,7 +2904,7 @@
 </file>
 
 <file path=ppt/slideLayouts/slideLayout9.xml><?xml version="1.0" encoding="utf-8"?>
-<p:sldLayout xmlns:a="http://schemas.openxmlformats.org/drawingml/2006/main" xmlns:r="http://schemas.openxmlformats.org/officeDocument/2006/relationships" xmlns:p="http://schemas.openxmlformats.org/presentationml/2006/main" type="picTx" preserve="1">
+<p:sldLayout xmlns:a="http://schemas.openxmlformats.org/drawingml/2006/main" xmlns:r="http://schemas.openxmlformats.org/officeDocument/2006/relationships" xmlns:p="http://schemas.openxmlformats.org/presentationml/2006/main" showMasterSp="0" type="picTx" preserve="1">
   <p:cSld name="Picture with Caption">
     <p:spTree>
       <p:nvGrpSpPr>
@@ -2173,25 +2922,84 @@
       </p:grpSpPr>
       <p:sp>
         <p:nvSpPr>
-          <p:cNvPr id="2" name="Title 1"/>
-          <p:cNvSpPr>
-            <a:spLocks noGrp="1"/>
-          </p:cNvSpPr>
-          <p:nvPr>
-            <p:ph type="title"/>
-          </p:nvPr>
+          <p:cNvPr id="11" name="Rectangle 10"/>
+          <p:cNvSpPr/>
+          <p:nvPr/>
         </p:nvSpPr>
         <p:spPr>
           <a:xfrm>
-            <a:off x="839788" y="457200"/>
-            <a:ext cx="3932237" cy="1600200"/>
+            <a:off x="8303740" y="0"/>
+            <a:ext cx="3888259" cy="6857999"/>
+          </a:xfrm>
+          <a:prstGeom prst="rect">
+            <a:avLst/>
+          </a:prstGeom>
+          <a:blipFill dpi="0" rotWithShape="1">
+            <a:blip r:embed="rId2">
+              <a:alphaModFix amt="60000"/>
+              <a:lum bright="70000" contrast="-70000"/>
+              <a:extLst>
+                <a:ext uri="{BEBA8EAE-BF5A-486C-A8C5-ECC9F3942E4B}">
+                  <a14:imgProps xmlns:a14="http://schemas.microsoft.com/office/drawing/2010/main">
+                    <a14:imgLayer r:embed="rId3">
+                      <a14:imgEffect>
+                        <a14:sharpenSoften amount="61000"/>
+                      </a14:imgEffect>
+                    </a14:imgLayer>
+                  </a14:imgProps>
+                </a:ext>
+                <a:ext uri="{28A0092B-C50C-407E-A947-70E740481C1C}">
+                  <a14:useLocalDpi xmlns:a14="http://schemas.microsoft.com/office/drawing/2010/main" val="0"/>
+                </a:ext>
+              </a:extLst>
+            </a:blip>
+            <a:srcRect/>
+            <a:tile tx="0" ty="-704850" sx="92000" sy="89000" flip="xy" algn="ctr"/>
+          </a:blipFill>
+          <a:ln>
+            <a:noFill/>
+          </a:ln>
+        </p:spPr>
+        <p:style>
+          <a:lnRef idx="2">
+            <a:schemeClr val="accent1">
+              <a:shade val="50000"/>
+            </a:schemeClr>
+          </a:lnRef>
+          <a:fillRef idx="1">
+            <a:schemeClr val="accent1"/>
+          </a:fillRef>
+          <a:effectRef idx="0">
+            <a:schemeClr val="accent1"/>
+          </a:effectRef>
+          <a:fontRef idx="minor">
+            <a:schemeClr val="lt1"/>
+          </a:fontRef>
+        </p:style>
+      </p:sp>
+      <p:sp>
+        <p:nvSpPr>
+          <p:cNvPr id="2" name="Title 1"/>
+          <p:cNvSpPr>
+            <a:spLocks noGrp="1"/>
+          </p:cNvSpPr>
+          <p:nvPr>
+            <p:ph type="title"/>
+          </p:nvPr>
+        </p:nvSpPr>
+        <p:spPr>
+          <a:xfrm>
+            <a:off x="8549640" y="685800"/>
+            <a:ext cx="3200400" cy="1737360"/>
           </a:xfrm>
         </p:spPr>
         <p:txBody>
-          <a:bodyPr anchor="b"/>
+          <a:bodyPr anchor="b">
+            <a:normAutofit/>
+          </a:bodyPr>
           <a:lstStyle>
             <a:lvl1pPr>
-              <a:defRPr sz="3200"/>
+              <a:defRPr sz="3200" b="1"/>
             </a:lvl1pPr>
           </a:lstStyle>
           <a:p>
@@ -2199,7 +3007,7 @@
               <a:rPr lang="en-US"/>
               <a:t>Click to edit Master title style</a:t>
             </a:r>
-            <a:endParaRPr lang="en-US"/>
+            <a:endParaRPr lang="en-US" dirty="0"/>
           </a:p>
         </p:txBody>
       </p:sp>
@@ -2207,7 +3015,7 @@
         <p:nvSpPr>
           <p:cNvPr id="3" name="Picture Placeholder 2"/>
           <p:cNvSpPr>
-            <a:spLocks noGrp="1"/>
+            <a:spLocks noGrp="1" noChangeAspect="1"/>
           </p:cNvSpPr>
           <p:nvPr>
             <p:ph type="pic" idx="1"/>
@@ -2215,12 +3023,18 @@
         </p:nvSpPr>
         <p:spPr>
           <a:xfrm>
-            <a:off x="5183188" y="987425"/>
-            <a:ext cx="6172200" cy="4873625"/>
+            <a:off x="0" y="0"/>
+            <a:ext cx="8303740" cy="6858000"/>
           </a:xfrm>
+          <a:solidFill>
+            <a:schemeClr val="tx2">
+              <a:lumMod val="20000"/>
+              <a:lumOff val="80000"/>
+            </a:schemeClr>
+          </a:solidFill>
         </p:spPr>
         <p:txBody>
-          <a:bodyPr/>
+          <a:bodyPr anchor="t"/>
           <a:lstStyle>
             <a:lvl1pPr marL="0" indent="0">
               <a:buNone/>
@@ -2260,7 +3074,11 @@
             </a:lvl9pPr>
           </a:lstStyle>
           <a:p>
-            <a:endParaRPr lang="en-US"/>
+            <a:r>
+              <a:rPr lang="en-US"/>
+              <a:t>Click icon to add picture</a:t>
+            </a:r>
+            <a:endParaRPr lang="en-US" dirty="0"/>
           </a:p>
         </p:txBody>
       </p:sp>
@@ -2276,48 +3094,62 @@
         </p:nvSpPr>
         <p:spPr>
           <a:xfrm>
-            <a:off x="839788" y="2057400"/>
-            <a:ext cx="3932237" cy="3811588"/>
+            <a:off x="8549640" y="2423160"/>
+            <a:ext cx="3200400" cy="3291840"/>
           </a:xfrm>
         </p:spPr>
         <p:txBody>
-          <a:bodyPr/>
+          <a:bodyPr>
+            <a:normAutofit/>
+          </a:bodyPr>
           <a:lstStyle>
             <a:lvl1pPr marL="0" indent="0">
+              <a:lnSpc>
+                <a:spcPct val="100000"/>
+              </a:lnSpc>
+              <a:spcBef>
+                <a:spcPts val="1000"/>
+              </a:spcBef>
               <a:buNone/>
-              <a:defRPr sz="1600"/>
+              <a:defRPr sz="1400">
+                <a:solidFill>
+                  <a:schemeClr val="accent1">
+                    <a:lumMod val="75000"/>
+                  </a:schemeClr>
+                </a:solidFill>
+              </a:defRPr>
             </a:lvl1pPr>
             <a:lvl2pPr marL="457200" indent="0">
               <a:buNone/>
-              <a:defRPr sz="1400"/>
+              <a:defRPr sz="1200"/>
             </a:lvl2pPr>
             <a:lvl3pPr marL="914400" indent="0">
               <a:buNone/>
-              <a:defRPr sz="1200"/>
+              <a:defRPr sz="1000"/>
             </a:lvl3pPr>
             <a:lvl4pPr marL="1371600" indent="0">
               <a:buNone/>
-              <a:defRPr sz="1000"/>
+              <a:defRPr sz="900"/>
             </a:lvl4pPr>
             <a:lvl5pPr marL="1828800" indent="0">
               <a:buNone/>
-              <a:defRPr sz="1000"/>
+              <a:defRPr sz="900"/>
             </a:lvl5pPr>
             <a:lvl6pPr marL="2286000" indent="0">
               <a:buNone/>
-              <a:defRPr sz="1000"/>
+              <a:defRPr sz="900"/>
             </a:lvl6pPr>
             <a:lvl7pPr marL="2743200" indent="0">
               <a:buNone/>
-              <a:defRPr sz="1000"/>
+              <a:defRPr sz="900"/>
             </a:lvl7pPr>
             <a:lvl8pPr marL="3200400" indent="0">
               <a:buNone/>
-              <a:defRPr sz="1000"/>
+              <a:defRPr sz="900"/>
             </a:lvl8pPr>
             <a:lvl9pPr marL="3657600" indent="0">
               <a:buNone/>
-              <a:defRPr sz="1000"/>
+              <a:defRPr sz="900"/>
             </a:lvl9pPr>
           </a:lstStyle>
           <a:p>
@@ -2346,31 +3178,101 @@
           <a:p>
             <a:fld id="{E6651C44-F3AD-4161-8DF3-824F5EC2D0F3}" type="datetimeFigureOut">
               <a:rPr lang="en-US" smtClean="0"/>
-              <a:t>4/10/2016</a:t>
+              <a:t>4/13/2016</a:t>
             </a:fld>
             <a:endParaRPr lang="en-US"/>
           </a:p>
         </p:txBody>
       </p:sp>
-      <p:sp>
-        <p:nvSpPr>
-          <p:cNvPr id="6" name="Footer Placeholder 5"/>
-          <p:cNvSpPr>
-            <a:spLocks noGrp="1"/>
-          </p:cNvSpPr>
-          <p:nvPr>
-            <p:ph type="ftr" sz="quarter" idx="11"/>
-          </p:nvPr>
-        </p:nvSpPr>
-        <p:spPr/>
-        <p:txBody>
-          <a:bodyPr/>
-          <a:lstStyle/>
-          <a:p>
-            <a:endParaRPr lang="en-US"/>
-          </a:p>
-        </p:txBody>
-      </p:sp>
+      <p:grpSp>
+        <p:nvGrpSpPr>
+          <p:cNvPr id="8" name="Group 7"/>
+          <p:cNvGrpSpPr>
+            <a:grpSpLocks noChangeAspect="1"/>
+          </p:cNvGrpSpPr>
+          <p:nvPr/>
+        </p:nvGrpSpPr>
+        <p:grpSpPr>
+          <a:xfrm>
+            <a:off x="11401725" y="6229681"/>
+            <a:ext cx="457200" cy="457200"/>
+            <a:chOff x="11361456" y="6195813"/>
+            <a:chExt cx="548640" cy="548640"/>
+          </a:xfrm>
+        </p:grpSpPr>
+        <p:sp>
+          <p:nvSpPr>
+            <p:cNvPr id="9" name="Oval 8"/>
+            <p:cNvSpPr/>
+            <p:nvPr/>
+          </p:nvSpPr>
+          <p:spPr>
+            <a:xfrm>
+              <a:off x="11361456" y="6195813"/>
+              <a:ext cx="548640" cy="548640"/>
+            </a:xfrm>
+            <a:prstGeom prst="ellipse">
+              <a:avLst/>
+            </a:prstGeom>
+            <a:blipFill dpi="0" rotWithShape="1">
+              <a:blip r:embed="rId4">
+                <a:duotone>
+                  <a:schemeClr val="accent1">
+                    <a:shade val="45000"/>
+                    <a:satMod val="135000"/>
+                  </a:schemeClr>
+                  <a:prstClr val="white"/>
+                </a:duotone>
+                <a:extLst>
+                  <a:ext uri="{BEBA8EAE-BF5A-486C-A8C5-ECC9F3942E4B}">
+                    <a14:imgProps xmlns:a14="http://schemas.microsoft.com/office/drawing/2010/main">
+                      <a14:imgLayer r:embed="rId5">
+                        <a14:imgEffect>
+                          <a14:saturation sat="95000"/>
+                        </a14:imgEffect>
+                        <a14:imgEffect>
+                          <a14:brightnessContrast bright="-40000" contrast="20000"/>
+                        </a14:imgEffect>
+                      </a14:imgLayer>
+                    </a14:imgProps>
+                  </a:ext>
+                </a:extLst>
+              </a:blip>
+              <a:srcRect/>
+              <a:tile tx="50800" ty="0" sx="85000" sy="85000" flip="none" algn="tl"/>
+            </a:blipFill>
+            <a:ln w="25400" cap="flat" cmpd="sng" algn="ctr">
+              <a:noFill/>
+              <a:prstDash val="solid"/>
+            </a:ln>
+            <a:effectLst/>
+          </p:spPr>
+        </p:sp>
+        <p:sp>
+          <p:nvSpPr>
+            <p:cNvPr id="10" name="Oval 9"/>
+            <p:cNvSpPr/>
+            <p:nvPr/>
+          </p:nvSpPr>
+          <p:spPr>
+            <a:xfrm>
+              <a:off x="11396488" y="6230844"/>
+              <a:ext cx="478576" cy="478578"/>
+            </a:xfrm>
+            <a:prstGeom prst="ellipse">
+              <a:avLst/>
+            </a:prstGeom>
+            <a:noFill/>
+            <a:ln w="12700" cap="flat" cmpd="sng" algn="ctr">
+              <a:solidFill>
+                <a:sysClr val="window" lastClr="FFFFFF"/>
+              </a:solidFill>
+              <a:prstDash val="solid"/>
+            </a:ln>
+            <a:effectLst/>
+          </p:spPr>
+        </p:sp>
+      </p:grpSp>
       <p:sp>
         <p:nvSpPr>
           <p:cNvPr id="7" name="Slide Number Placeholder 6"/>
@@ -2397,7 +3299,7 @@
     </p:spTree>
     <p:extLst>
       <p:ext uri="{BB962C8B-B14F-4D97-AF65-F5344CB8AC3E}">
-        <p14:creationId xmlns:p14="http://schemas.microsoft.com/office/powerpoint/2010/main" val="392691920"/>
+        <p14:creationId xmlns:p14="http://schemas.microsoft.com/office/powerpoint/2010/main" val="3674206100"/>
       </p:ext>
     </p:extLst>
   </p:cSld>
@@ -2441,8 +3343,8 @@
         </p:nvSpPr>
         <p:spPr>
           <a:xfrm>
-            <a:off x="838200" y="365125"/>
-            <a:ext cx="10515600" cy="1325563"/>
+            <a:off x="1069848" y="484632"/>
+            <a:ext cx="10058400" cy="1609344"/>
           </a:xfrm>
           <a:prstGeom prst="rect">
             <a:avLst/>
@@ -2458,7 +3360,7 @@
               <a:rPr lang="en-US"/>
               <a:t>Click to edit Master title style</a:t>
             </a:r>
-            <a:endParaRPr lang="en-US"/>
+            <a:endParaRPr lang="en-US" dirty="0"/>
           </a:p>
         </p:txBody>
       </p:sp>
@@ -2474,8 +3376,8 @@
         </p:nvSpPr>
         <p:spPr>
           <a:xfrm>
-            <a:off x="838200" y="1825625"/>
-            <a:ext cx="10515600" cy="4351338"/>
+            <a:off x="1069848" y="2121408"/>
+            <a:ext cx="10058400" cy="4050792"/>
           </a:xfrm>
           <a:prstGeom prst="rect">
             <a:avLst/>
@@ -2520,7 +3422,7 @@
               <a:rPr lang="en-US"/>
               <a:t>Fifth level</a:t>
             </a:r>
-            <a:endParaRPr lang="en-US"/>
+            <a:endParaRPr lang="en-US" dirty="0"/>
           </a:p>
         </p:txBody>
       </p:sp>
@@ -2536,8 +3438,8 @@
         </p:nvSpPr>
         <p:spPr>
           <a:xfrm>
-            <a:off x="838200" y="6356350"/>
-            <a:ext cx="2743200" cy="365125"/>
+            <a:off x="7964424" y="6272784"/>
+            <a:ext cx="3273552" cy="365125"/>
           </a:xfrm>
           <a:prstGeom prst="rect">
             <a:avLst/>
@@ -2546,12 +3448,10 @@
         <p:txBody>
           <a:bodyPr vert="horz" lIns="91440" tIns="45720" rIns="91440" bIns="45720" rtlCol="0" anchor="ctr"/>
           <a:lstStyle>
-            <a:lvl1pPr algn="l">
-              <a:defRPr sz="1200">
+            <a:lvl1pPr algn="r">
+              <a:defRPr sz="1100">
                 <a:solidFill>
-                  <a:schemeClr val="tx1">
-                    <a:tint val="75000"/>
-                  </a:schemeClr>
+                  <a:schemeClr val="tx2"/>
                 </a:solidFill>
               </a:defRPr>
             </a:lvl1pPr>
@@ -2559,7 +3459,7 @@
           <a:p>
             <a:fld id="{E6651C44-F3AD-4161-8DF3-824F5EC2D0F3}" type="datetimeFigureOut">
               <a:rPr lang="en-US" smtClean="0"/>
-              <a:t>4/10/2016</a:t>
+              <a:t>4/13/2016</a:t>
             </a:fld>
             <a:endParaRPr lang="en-US"/>
           </a:p>
@@ -2577,8 +3477,8 @@
         </p:nvSpPr>
         <p:spPr>
           <a:xfrm>
-            <a:off x="4038600" y="6356350"/>
-            <a:ext cx="4114800" cy="365125"/>
+            <a:off x="1088136" y="6272784"/>
+            <a:ext cx="6327648" cy="365125"/>
           </a:xfrm>
           <a:prstGeom prst="rect">
             <a:avLst/>
@@ -2587,12 +3487,10 @@
         <p:txBody>
           <a:bodyPr vert="horz" lIns="91440" tIns="45720" rIns="91440" bIns="45720" rtlCol="0" anchor="ctr"/>
           <a:lstStyle>
-            <a:lvl1pPr algn="ctr">
-              <a:defRPr sz="1200">
+            <a:lvl1pPr algn="l">
+              <a:defRPr sz="1100">
                 <a:solidFill>
-                  <a:schemeClr val="tx1">
-                    <a:tint val="75000"/>
-                  </a:schemeClr>
+                  <a:schemeClr val="tx2"/>
                 </a:solidFill>
               </a:defRPr>
             </a:lvl1pPr>
@@ -2602,6 +3500,95 @@
           </a:p>
         </p:txBody>
       </p:sp>
+      <p:grpSp>
+        <p:nvGrpSpPr>
+          <p:cNvPr id="7" name="Group 6"/>
+          <p:cNvGrpSpPr>
+            <a:grpSpLocks noChangeAspect="1"/>
+          </p:cNvGrpSpPr>
+          <p:nvPr/>
+        </p:nvGrpSpPr>
+        <p:grpSpPr>
+          <a:xfrm>
+            <a:off x="11401725" y="6229681"/>
+            <a:ext cx="457200" cy="457200"/>
+            <a:chOff x="11361456" y="6195813"/>
+            <a:chExt cx="548640" cy="548640"/>
+          </a:xfrm>
+        </p:grpSpPr>
+        <p:sp>
+          <p:nvSpPr>
+            <p:cNvPr id="8" name="Oval 7"/>
+            <p:cNvSpPr/>
+            <p:nvPr/>
+          </p:nvSpPr>
+          <p:spPr>
+            <a:xfrm>
+              <a:off x="11361456" y="6195813"/>
+              <a:ext cx="548640" cy="548640"/>
+            </a:xfrm>
+            <a:prstGeom prst="ellipse">
+              <a:avLst/>
+            </a:prstGeom>
+            <a:blipFill dpi="0" rotWithShape="1">
+              <a:blip r:embed="rId13">
+                <a:duotone>
+                  <a:schemeClr val="accent1">
+                    <a:shade val="45000"/>
+                    <a:satMod val="135000"/>
+                  </a:schemeClr>
+                  <a:prstClr val="white"/>
+                </a:duotone>
+                <a:extLst>
+                  <a:ext uri="{BEBA8EAE-BF5A-486C-A8C5-ECC9F3942E4B}">
+                    <a14:imgProps xmlns:a14="http://schemas.microsoft.com/office/drawing/2010/main">
+                      <a14:imgLayer r:embed="rId14">
+                        <a14:imgEffect>
+                          <a14:saturation sat="95000"/>
+                        </a14:imgEffect>
+                        <a14:imgEffect>
+                          <a14:brightnessContrast bright="-40000" contrast="20000"/>
+                        </a14:imgEffect>
+                      </a14:imgLayer>
+                    </a14:imgProps>
+                  </a:ext>
+                </a:extLst>
+              </a:blip>
+              <a:srcRect/>
+              <a:tile tx="50800" ty="0" sx="85000" sy="85000" flip="none" algn="tl"/>
+            </a:blipFill>
+            <a:ln w="25400" cap="flat" cmpd="sng" algn="ctr">
+              <a:noFill/>
+              <a:prstDash val="solid"/>
+            </a:ln>
+            <a:effectLst/>
+          </p:spPr>
+        </p:sp>
+        <p:sp>
+          <p:nvSpPr>
+            <p:cNvPr id="9" name="Oval 8"/>
+            <p:cNvSpPr/>
+            <p:nvPr/>
+          </p:nvSpPr>
+          <p:spPr>
+            <a:xfrm>
+              <a:off x="11396488" y="6230844"/>
+              <a:ext cx="478576" cy="478578"/>
+            </a:xfrm>
+            <a:prstGeom prst="ellipse">
+              <a:avLst/>
+            </a:prstGeom>
+            <a:noFill/>
+            <a:ln w="12700" cap="flat" cmpd="sng" algn="ctr">
+              <a:solidFill>
+                <a:srgbClr val="FFFFFF"/>
+              </a:solidFill>
+              <a:prstDash val="solid"/>
+            </a:ln>
+            <a:effectLst/>
+          </p:spPr>
+        </p:sp>
+      </p:grpSp>
       <p:sp>
         <p:nvSpPr>
           <p:cNvPr id="6" name="Slide Number Placeholder 5"/>
@@ -2614,8 +3601,8 @@
         </p:nvSpPr>
         <p:spPr>
           <a:xfrm>
-            <a:off x="8610600" y="6356350"/>
-            <a:ext cx="2743200" cy="365125"/>
+            <a:off x="11311128" y="6272784"/>
+            <a:ext cx="640080" cy="365125"/>
           </a:xfrm>
           <a:prstGeom prst="rect">
             <a:avLst/>
@@ -2624,13 +3611,12 @@
         <p:txBody>
           <a:bodyPr vert="horz" lIns="91440" tIns="45720" rIns="91440" bIns="45720" rtlCol="0" anchor="ctr"/>
           <a:lstStyle>
-            <a:lvl1pPr algn="r">
-              <a:defRPr sz="1200">
+            <a:lvl1pPr algn="ctr">
+              <a:defRPr sz="1400" b="1">
                 <a:solidFill>
-                  <a:schemeClr val="tx1">
-                    <a:tint val="75000"/>
-                  </a:schemeClr>
+                  <a:srgbClr val="FFFFFF"/>
                 </a:solidFill>
+                <a:latin typeface="+mj-lt"/>
               </a:defRPr>
             </a:lvl1pPr>
           </a:lstStyle>
@@ -2646,23 +3632,23 @@
     </p:spTree>
     <p:extLst>
       <p:ext uri="{BB962C8B-B14F-4D97-AF65-F5344CB8AC3E}">
-        <p14:creationId xmlns:p14="http://schemas.microsoft.com/office/powerpoint/2010/main" val="1560695095"/>
+        <p14:creationId xmlns:p14="http://schemas.microsoft.com/office/powerpoint/2010/main" val="2179627748"/>
       </p:ext>
     </p:extLst>
   </p:cSld>
   <p:clrMap bg1="lt1" tx1="dk1" bg2="lt2" tx2="dk2" accent1="accent1" accent2="accent2" accent3="accent3" accent4="accent4" accent5="accent5" accent6="accent6" hlink="hlink" folHlink="folHlink"/>
   <p:sldLayoutIdLst>
-    <p:sldLayoutId id="2147483649" r:id="rId1"/>
-    <p:sldLayoutId id="2147483650" r:id="rId2"/>
-    <p:sldLayoutId id="2147483651" r:id="rId3"/>
-    <p:sldLayoutId id="2147483652" r:id="rId4"/>
-    <p:sldLayoutId id="2147483653" r:id="rId5"/>
-    <p:sldLayoutId id="2147483654" r:id="rId6"/>
-    <p:sldLayoutId id="2147483655" r:id="rId7"/>
-    <p:sldLayoutId id="2147483656" r:id="rId8"/>
-    <p:sldLayoutId id="2147483657" r:id="rId9"/>
-    <p:sldLayoutId id="2147483658" r:id="rId10"/>
-    <p:sldLayoutId id="2147483659" r:id="rId11"/>
+    <p:sldLayoutId id="2147483697" r:id="rId1"/>
+    <p:sldLayoutId id="2147483698" r:id="rId2"/>
+    <p:sldLayoutId id="2147483699" r:id="rId3"/>
+    <p:sldLayoutId id="2147483700" r:id="rId4"/>
+    <p:sldLayoutId id="2147483701" r:id="rId5"/>
+    <p:sldLayoutId id="2147483702" r:id="rId6"/>
+    <p:sldLayoutId id="2147483703" r:id="rId7"/>
+    <p:sldLayoutId id="2147483704" r:id="rId8"/>
+    <p:sldLayoutId id="2147483705" r:id="rId9"/>
+    <p:sldLayoutId id="2147483706" r:id="rId10"/>
+    <p:sldLayoutId id="2147483707" r:id="rId11"/>
   </p:sldLayoutIdLst>
   <p:txStyles>
     <p:titleStyle>
@@ -2674,10 +3660,17 @@
           <a:spcPct val="0"/>
         </a:spcBef>
         <a:buNone/>
-        <a:defRPr sz="4400" kern="1200">
-          <a:solidFill>
-            <a:schemeClr val="tx1"/>
-          </a:solidFill>
+        <a:defRPr sz="5400" kern="1200" cap="all" baseline="0">
+          <a:blipFill>
+            <a:blip r:embed="rId15">
+              <a:extLst>
+                <a:ext uri="{28A0092B-C50C-407E-A947-70E740481C1C}">
+                  <a14:useLocalDpi xmlns:a14="http://schemas.microsoft.com/office/drawing/2010/main" val="0"/>
+                </a:ext>
+              </a:extLst>
+            </a:blip>
+            <a:tile tx="6350" ty="-127000" sx="65000" sy="64000" flip="none" algn="tl"/>
+          </a:blipFill>
           <a:latin typeface="+mj-lt"/>
           <a:ea typeface="+mj-ea"/>
           <a:cs typeface="+mj-cs"/>
@@ -2685,16 +3678,22 @@
       </a:lvl1pPr>
     </p:titleStyle>
     <p:bodyStyle>
-      <a:lvl1pPr marL="228600" indent="-228600" algn="l" defTabSz="914400" rtl="0" eaLnBrk="1" latinLnBrk="0" hangingPunct="1">
+      <a:lvl1pPr marL="182880" indent="-182880" algn="l" defTabSz="914400" rtl="0" eaLnBrk="1" latinLnBrk="0" hangingPunct="1">
         <a:lnSpc>
           <a:spcPct val="90000"/>
         </a:lnSpc>
         <a:spcBef>
-          <a:spcPts val="1000"/>
+          <a:spcPts val="1200"/>
         </a:spcBef>
-        <a:buFont typeface="Arial" panose="020B0604020202020204" pitchFamily="34" charset="0"/>
-        <a:buChar char="•"/>
-        <a:defRPr sz="2800" kern="1200">
+        <a:buClr>
+          <a:schemeClr val="accent1">
+            <a:lumMod val="75000"/>
+          </a:schemeClr>
+        </a:buClr>
+        <a:buSzPct val="85000"/>
+        <a:buFont typeface="Wingdings" pitchFamily="2" charset="2"/>
+        <a:buChar char="§"/>
+        <a:defRPr sz="2000" kern="1200">
           <a:solidFill>
             <a:schemeClr val="tx1"/>
           </a:solidFill>
@@ -2703,16 +3702,25 @@
           <a:cs typeface="+mn-cs"/>
         </a:defRPr>
       </a:lvl1pPr>
-      <a:lvl2pPr marL="685800" indent="-228600" algn="l" defTabSz="914400" rtl="0" eaLnBrk="1" latinLnBrk="0" hangingPunct="1">
+      <a:lvl2pPr marL="457200" indent="-182880" algn="l" defTabSz="914400" rtl="0" eaLnBrk="1" latinLnBrk="0" hangingPunct="1">
         <a:lnSpc>
           <a:spcPct val="90000"/>
         </a:lnSpc>
         <a:spcBef>
-          <a:spcPts val="500"/>
+          <a:spcPts val="400"/>
         </a:spcBef>
-        <a:buFont typeface="Arial" panose="020B0604020202020204" pitchFamily="34" charset="0"/>
-        <a:buChar char="•"/>
-        <a:defRPr sz="2400" kern="1200">
+        <a:spcAft>
+          <a:spcPts val="200"/>
+        </a:spcAft>
+        <a:buClr>
+          <a:schemeClr val="accent1">
+            <a:lumMod val="75000"/>
+          </a:schemeClr>
+        </a:buClr>
+        <a:buSzPct val="85000"/>
+        <a:buFont typeface="Wingdings" pitchFamily="2" charset="2"/>
+        <a:buChar char="§"/>
+        <a:defRPr sz="1800" kern="1200">
           <a:solidFill>
             <a:schemeClr val="tx1"/>
           </a:solidFill>
@@ -2721,16 +3729,25 @@
           <a:cs typeface="+mn-cs"/>
         </a:defRPr>
       </a:lvl2pPr>
-      <a:lvl3pPr marL="1143000" indent="-228600" algn="l" defTabSz="914400" rtl="0" eaLnBrk="1" latinLnBrk="0" hangingPunct="1">
+      <a:lvl3pPr marL="731520" indent="-182880" algn="l" defTabSz="914400" rtl="0" eaLnBrk="1" latinLnBrk="0" hangingPunct="1">
         <a:lnSpc>
           <a:spcPct val="90000"/>
         </a:lnSpc>
         <a:spcBef>
-          <a:spcPts val="500"/>
+          <a:spcPts val="400"/>
         </a:spcBef>
-        <a:buFont typeface="Arial" panose="020B0604020202020204" pitchFamily="34" charset="0"/>
-        <a:buChar char="•"/>
-        <a:defRPr sz="2000" kern="1200">
+        <a:spcAft>
+          <a:spcPts val="200"/>
+        </a:spcAft>
+        <a:buClr>
+          <a:schemeClr val="accent1">
+            <a:lumMod val="75000"/>
+          </a:schemeClr>
+        </a:buClr>
+        <a:buSzPct val="85000"/>
+        <a:buFont typeface="Wingdings" pitchFamily="2" charset="2"/>
+        <a:buChar char="§"/>
+        <a:defRPr sz="1600" kern="1200">
           <a:solidFill>
             <a:schemeClr val="tx1"/>
           </a:solidFill>
@@ -2739,16 +3756,25 @@
           <a:cs typeface="+mn-cs"/>
         </a:defRPr>
       </a:lvl3pPr>
-      <a:lvl4pPr marL="1600200" indent="-228600" algn="l" defTabSz="914400" rtl="0" eaLnBrk="1" latinLnBrk="0" hangingPunct="1">
+      <a:lvl4pPr marL="1005840" indent="-182880" algn="l" defTabSz="914400" rtl="0" eaLnBrk="1" latinLnBrk="0" hangingPunct="1">
         <a:lnSpc>
           <a:spcPct val="90000"/>
         </a:lnSpc>
         <a:spcBef>
-          <a:spcPts val="500"/>
+          <a:spcPts val="400"/>
         </a:spcBef>
-        <a:buFont typeface="Arial" panose="020B0604020202020204" pitchFamily="34" charset="0"/>
-        <a:buChar char="•"/>
-        <a:defRPr sz="1800" kern="1200">
+        <a:spcAft>
+          <a:spcPts val="200"/>
+        </a:spcAft>
+        <a:buClr>
+          <a:schemeClr val="accent1">
+            <a:lumMod val="75000"/>
+          </a:schemeClr>
+        </a:buClr>
+        <a:buSzPct val="85000"/>
+        <a:buFont typeface="Wingdings" pitchFamily="2" charset="2"/>
+        <a:buChar char="§"/>
+        <a:defRPr sz="1600" kern="1200">
           <a:solidFill>
             <a:schemeClr val="tx1"/>
           </a:solidFill>
@@ -2757,16 +3783,25 @@
           <a:cs typeface="+mn-cs"/>
         </a:defRPr>
       </a:lvl4pPr>
-      <a:lvl5pPr marL="2057400" indent="-228600" algn="l" defTabSz="914400" rtl="0" eaLnBrk="1" latinLnBrk="0" hangingPunct="1">
+      <a:lvl5pPr marL="1280160" indent="-182880" algn="l" defTabSz="914400" rtl="0" eaLnBrk="1" latinLnBrk="0" hangingPunct="1">
         <a:lnSpc>
           <a:spcPct val="90000"/>
         </a:lnSpc>
         <a:spcBef>
-          <a:spcPts val="500"/>
+          <a:spcPts val="400"/>
         </a:spcBef>
-        <a:buFont typeface="Arial" panose="020B0604020202020204" pitchFamily="34" charset="0"/>
-        <a:buChar char="•"/>
-        <a:defRPr sz="1800" kern="1200">
+        <a:spcAft>
+          <a:spcPts val="200"/>
+        </a:spcAft>
+        <a:buClr>
+          <a:schemeClr val="accent1">
+            <a:lumMod val="75000"/>
+          </a:schemeClr>
+        </a:buClr>
+        <a:buSzPct val="85000"/>
+        <a:buFont typeface="Wingdings" pitchFamily="2" charset="2"/>
+        <a:buChar char="§"/>
+        <a:defRPr sz="1600" kern="1200">
           <a:solidFill>
             <a:schemeClr val="tx1"/>
           </a:solidFill>
@@ -2775,16 +3810,25 @@
           <a:cs typeface="+mn-cs"/>
         </a:defRPr>
       </a:lvl5pPr>
-      <a:lvl6pPr marL="2514600" indent="-228600" algn="l" defTabSz="914400" rtl="0" eaLnBrk="1" latinLnBrk="0" hangingPunct="1">
+      <a:lvl6pPr marL="1600000" indent="-228600" algn="l" defTabSz="914400" rtl="0" eaLnBrk="1" latinLnBrk="0" hangingPunct="1">
         <a:lnSpc>
           <a:spcPct val="90000"/>
         </a:lnSpc>
         <a:spcBef>
-          <a:spcPts val="500"/>
+          <a:spcPts val="400"/>
         </a:spcBef>
-        <a:buFont typeface="Arial" panose="020B0604020202020204" pitchFamily="34" charset="0"/>
-        <a:buChar char="•"/>
-        <a:defRPr sz="1800" kern="1200">
+        <a:spcAft>
+          <a:spcPts val="200"/>
+        </a:spcAft>
+        <a:buClr>
+          <a:schemeClr val="accent1">
+            <a:lumMod val="75000"/>
+          </a:schemeClr>
+        </a:buClr>
+        <a:buSzPct val="85000"/>
+        <a:buFont typeface="Wingdings" pitchFamily="2" charset="2"/>
+        <a:buChar char="§"/>
+        <a:defRPr sz="1600" kern="1200">
           <a:solidFill>
             <a:schemeClr val="tx1"/>
           </a:solidFill>
@@ -2793,16 +3837,25 @@
           <a:cs typeface="+mn-cs"/>
         </a:defRPr>
       </a:lvl6pPr>
-      <a:lvl7pPr marL="2971800" indent="-228600" algn="l" defTabSz="914400" rtl="0" eaLnBrk="1" latinLnBrk="0" hangingPunct="1">
+      <a:lvl7pPr marL="1900000" indent="-228600" algn="l" defTabSz="914400" rtl="0" eaLnBrk="1" latinLnBrk="0" hangingPunct="1">
         <a:lnSpc>
           <a:spcPct val="90000"/>
         </a:lnSpc>
         <a:spcBef>
-          <a:spcPts val="500"/>
+          <a:spcPts val="400"/>
         </a:spcBef>
-        <a:buFont typeface="Arial" panose="020B0604020202020204" pitchFamily="34" charset="0"/>
-        <a:buChar char="•"/>
-        <a:defRPr sz="1800" kern="1200">
+        <a:spcAft>
+          <a:spcPts val="200"/>
+        </a:spcAft>
+        <a:buClr>
+          <a:schemeClr val="accent1">
+            <a:lumMod val="75000"/>
+          </a:schemeClr>
+        </a:buClr>
+        <a:buSzPct val="85000"/>
+        <a:buFont typeface="Wingdings" pitchFamily="2" charset="2"/>
+        <a:buChar char="§"/>
+        <a:defRPr sz="1600" kern="1200">
           <a:solidFill>
             <a:schemeClr val="tx1"/>
           </a:solidFill>
@@ -2811,16 +3864,25 @@
           <a:cs typeface="+mn-cs"/>
         </a:defRPr>
       </a:lvl7pPr>
-      <a:lvl8pPr marL="3429000" indent="-228600" algn="l" defTabSz="914400" rtl="0" eaLnBrk="1" latinLnBrk="0" hangingPunct="1">
+      <a:lvl8pPr marL="2200000" indent="-228600" algn="l" defTabSz="914400" rtl="0" eaLnBrk="1" latinLnBrk="0" hangingPunct="1">
         <a:lnSpc>
           <a:spcPct val="90000"/>
         </a:lnSpc>
         <a:spcBef>
-          <a:spcPts val="500"/>
+          <a:spcPts val="400"/>
         </a:spcBef>
-        <a:buFont typeface="Arial" panose="020B0604020202020204" pitchFamily="34" charset="0"/>
-        <a:buChar char="•"/>
-        <a:defRPr sz="1800" kern="1200">
+        <a:spcAft>
+          <a:spcPts val="200"/>
+        </a:spcAft>
+        <a:buClr>
+          <a:schemeClr val="accent1">
+            <a:lumMod val="75000"/>
+          </a:schemeClr>
+        </a:buClr>
+        <a:buSzPct val="85000"/>
+        <a:buFont typeface="Wingdings" pitchFamily="2" charset="2"/>
+        <a:buChar char="§"/>
+        <a:defRPr sz="1600" kern="1200">
           <a:solidFill>
             <a:schemeClr val="tx1"/>
           </a:solidFill>
@@ -2829,16 +3891,25 @@
           <a:cs typeface="+mn-cs"/>
         </a:defRPr>
       </a:lvl8pPr>
-      <a:lvl9pPr marL="3886200" indent="-228600" algn="l" defTabSz="914400" rtl="0" eaLnBrk="1" latinLnBrk="0" hangingPunct="1">
+      <a:lvl9pPr marL="2500000" indent="-228600" algn="l" defTabSz="914400" rtl="0" eaLnBrk="1" latinLnBrk="0" hangingPunct="1">
         <a:lnSpc>
           <a:spcPct val="90000"/>
         </a:lnSpc>
         <a:spcBef>
-          <a:spcPts val="500"/>
+          <a:spcPts val="400"/>
         </a:spcBef>
-        <a:buFont typeface="Arial" panose="020B0604020202020204" pitchFamily="34" charset="0"/>
-        <a:buChar char="•"/>
-        <a:defRPr sz="1800" kern="1200">
+        <a:spcAft>
+          <a:spcPts val="200"/>
+        </a:spcAft>
+        <a:buClr>
+          <a:schemeClr val="accent1">
+            <a:lumMod val="75000"/>
+          </a:schemeClr>
+        </a:buClr>
+        <a:buSzPct val="85000"/>
+        <a:buFont typeface="Wingdings" pitchFamily="2" charset="2"/>
+        <a:buChar char="§"/>
+        <a:defRPr sz="1600" kern="1200">
           <a:solidFill>
             <a:schemeClr val="tx1"/>
           </a:solidFill>
@@ -2944,6 +4015,11 @@
       </a:lvl9pPr>
     </p:otherStyle>
   </p:txStyles>
+  <p:extLst>
+    <p:ext uri="{27BBF7A9-308A-43DC-89C8-2F10F3537804}">
+      <p15:sldGuideLst xmlns:p15="http://schemas.microsoft.com/office/powerpoint/2012/main"/>
+    </p:ext>
+  </p:extLst>
 </p:sldMaster>
 </file>
 
@@ -2979,7 +4055,10 @@
           <a:bodyPr/>
           <a:lstStyle/>
           <a:p>
-            <a:endParaRPr lang="en-US"/>
+            <a:r>
+              <a:rPr lang="en-US" dirty="0"/>
+              <a:t>Azure Service Fabric</a:t>
+            </a:r>
           </a:p>
         </p:txBody>
       </p:sp>
@@ -2995,10 +4074,29 @@
         </p:nvSpPr>
         <p:spPr/>
         <p:txBody>
-          <a:bodyPr/>
-          <a:lstStyle/>
-          <a:p>
-            <a:endParaRPr lang="en-US"/>
+          <a:bodyPr>
+            <a:normAutofit/>
+          </a:bodyPr>
+          <a:lstStyle/>
+          <a:p>
+            <a:r>
+              <a:rPr lang="en-US" dirty="0"/>
+              <a:t>Living the </a:t>
+            </a:r>
+            <a:r>
+              <a:rPr lang="en-US" dirty="0" err="1"/>
+              <a:t>Microservices</a:t>
+            </a:r>
+            <a:r>
+              <a:rPr lang="en-US" dirty="0"/>
+              <a:t> Lifestyle in the Cloud</a:t>
+            </a:r>
+          </a:p>
+          <a:p>
+            <a:r>
+              <a:rPr lang="en-US" dirty="0"/>
+              <a:t>Global Azure Bootcamp 2016</a:t>
+            </a:r>
           </a:p>
         </p:txBody>
       </p:sp>
@@ -3015,10 +4113,2128 @@
 </p:sld>
 </file>
 
+<file path=ppt/slides/slide10.xml><?xml version="1.0" encoding="utf-8"?>
+<p:sld xmlns:a="http://schemas.openxmlformats.org/drawingml/2006/main" xmlns:r="http://schemas.openxmlformats.org/officeDocument/2006/relationships" xmlns:p="http://schemas.openxmlformats.org/presentationml/2006/main">
+  <p:cSld>
+    <p:spTree>
+      <p:nvGrpSpPr>
+        <p:cNvPr id="1" name=""/>
+        <p:cNvGrpSpPr/>
+        <p:nvPr/>
+      </p:nvGrpSpPr>
+      <p:grpSpPr>
+        <a:xfrm>
+          <a:off x="0" y="0"/>
+          <a:ext cx="0" cy="0"/>
+          <a:chOff x="0" y="0"/>
+          <a:chExt cx="0" cy="0"/>
+        </a:xfrm>
+      </p:grpSpPr>
+      <p:sp>
+        <p:nvSpPr>
+          <p:cNvPr id="2" name="Title 1"/>
+          <p:cNvSpPr>
+            <a:spLocks noGrp="1"/>
+          </p:cNvSpPr>
+          <p:nvPr>
+            <p:ph type="title"/>
+          </p:nvPr>
+        </p:nvSpPr>
+        <p:spPr/>
+        <p:txBody>
+          <a:bodyPr/>
+          <a:lstStyle/>
+          <a:p>
+            <a:r>
+              <a:rPr lang="en-US" dirty="0"/>
+              <a:t>Physical Cluster Topology</a:t>
+            </a:r>
+          </a:p>
+        </p:txBody>
+      </p:sp>
+      <p:sp>
+        <p:nvSpPr>
+          <p:cNvPr id="3" name="Content Placeholder 2"/>
+          <p:cNvSpPr>
+            <a:spLocks noGrp="1"/>
+          </p:cNvSpPr>
+          <p:nvPr>
+            <p:ph idx="1"/>
+          </p:nvPr>
+        </p:nvSpPr>
+        <p:spPr/>
+        <p:txBody>
+          <a:bodyPr/>
+          <a:lstStyle/>
+          <a:p>
+            <a:endParaRPr lang="en-US"/>
+          </a:p>
+        </p:txBody>
+      </p:sp>
+    </p:spTree>
+    <p:extLst>
+      <p:ext uri="{BB962C8B-B14F-4D97-AF65-F5344CB8AC3E}">
+        <p14:creationId xmlns:p14="http://schemas.microsoft.com/office/powerpoint/2010/main" val="1183340"/>
+      </p:ext>
+    </p:extLst>
+  </p:cSld>
+  <p:clrMapOvr>
+    <a:masterClrMapping/>
+  </p:clrMapOvr>
+</p:sld>
+</file>
+
+<file path=ppt/slides/slide11.xml><?xml version="1.0" encoding="utf-8"?>
+<p:sld xmlns:a="http://schemas.openxmlformats.org/drawingml/2006/main" xmlns:r="http://schemas.openxmlformats.org/officeDocument/2006/relationships" xmlns:p="http://schemas.openxmlformats.org/presentationml/2006/main">
+  <p:cSld>
+    <p:spTree>
+      <p:nvGrpSpPr>
+        <p:cNvPr id="1" name=""/>
+        <p:cNvGrpSpPr/>
+        <p:nvPr/>
+      </p:nvGrpSpPr>
+      <p:grpSpPr>
+        <a:xfrm>
+          <a:off x="0" y="0"/>
+          <a:ext cx="0" cy="0"/>
+          <a:chOff x="0" y="0"/>
+          <a:chExt cx="0" cy="0"/>
+        </a:xfrm>
+      </p:grpSpPr>
+      <p:sp>
+        <p:nvSpPr>
+          <p:cNvPr id="2" name="Title 1"/>
+          <p:cNvSpPr>
+            <a:spLocks noGrp="1"/>
+          </p:cNvSpPr>
+          <p:nvPr>
+            <p:ph type="title"/>
+          </p:nvPr>
+        </p:nvSpPr>
+        <p:spPr/>
+        <p:txBody>
+          <a:bodyPr/>
+          <a:lstStyle/>
+          <a:p>
+            <a:r>
+              <a:rPr lang="en-US" dirty="0"/>
+              <a:t>Deployment Scenarios</a:t>
+            </a:r>
+          </a:p>
+        </p:txBody>
+      </p:sp>
+      <p:sp>
+        <p:nvSpPr>
+          <p:cNvPr id="3" name="Content Placeholder 2"/>
+          <p:cNvSpPr>
+            <a:spLocks noGrp="1"/>
+          </p:cNvSpPr>
+          <p:nvPr>
+            <p:ph idx="1"/>
+          </p:nvPr>
+        </p:nvSpPr>
+        <p:spPr/>
+        <p:txBody>
+          <a:bodyPr/>
+          <a:lstStyle/>
+          <a:p>
+            <a:r>
+              <a:rPr lang="en-US" dirty="0"/>
+              <a:t>Deploy to Azure</a:t>
+            </a:r>
+          </a:p>
+          <a:p>
+            <a:r>
+              <a:rPr lang="en-US" dirty="0"/>
+              <a:t>Deploy to Local Cluster</a:t>
+            </a:r>
+          </a:p>
+          <a:p>
+            <a:r>
+              <a:rPr lang="en-US" dirty="0"/>
+              <a:t>Deploy to (!) </a:t>
+            </a:r>
+            <a:r>
+              <a:rPr lang="en-US" b="1" dirty="0">
+                <a:solidFill>
+                  <a:srgbClr val="FF0000"/>
+                </a:solidFill>
+              </a:rPr>
+              <a:t>A</a:t>
+            </a:r>
+            <a:r>
+              <a:rPr lang="en-US" dirty="0"/>
+              <a:t>nother </a:t>
+            </a:r>
+            <a:r>
+              <a:rPr lang="en-US" b="1" dirty="0">
+                <a:solidFill>
+                  <a:srgbClr val="FF0000"/>
+                </a:solidFill>
+              </a:rPr>
+              <a:t>W</a:t>
+            </a:r>
+            <a:r>
+              <a:rPr lang="en-US" dirty="0"/>
+              <a:t>eb-based cloud </a:t>
+            </a:r>
+            <a:r>
+              <a:rPr lang="en-US" b="1" dirty="0">
+                <a:solidFill>
+                  <a:srgbClr val="FF0000"/>
+                </a:solidFill>
+              </a:rPr>
+              <a:t>S</a:t>
+            </a:r>
+            <a:r>
+              <a:rPr lang="en-US" dirty="0"/>
+              <a:t>omewhere</a:t>
+            </a:r>
+          </a:p>
+          <a:p>
+            <a:r>
+              <a:rPr lang="en-US" dirty="0"/>
+              <a:t>Deploy to Your Laptop (F5 debugging FTW)</a:t>
+            </a:r>
+          </a:p>
+          <a:p>
+            <a:r>
+              <a:rPr lang="en-US" dirty="0"/>
+              <a:t>Deploy to Linux (Real Soon Now)</a:t>
+            </a:r>
+          </a:p>
+          <a:p>
+            <a:endParaRPr lang="en-US" dirty="0"/>
+          </a:p>
+        </p:txBody>
+      </p:sp>
+    </p:spTree>
+    <p:extLst>
+      <p:ext uri="{BB962C8B-B14F-4D97-AF65-F5344CB8AC3E}">
+        <p14:creationId xmlns:p14="http://schemas.microsoft.com/office/powerpoint/2010/main" val="452960963"/>
+      </p:ext>
+    </p:extLst>
+  </p:cSld>
+  <p:clrMapOvr>
+    <a:masterClrMapping/>
+  </p:clrMapOvr>
+</p:sld>
+</file>
+
+<file path=ppt/slides/slide12.xml><?xml version="1.0" encoding="utf-8"?>
+<p:sld xmlns:a="http://schemas.openxmlformats.org/drawingml/2006/main" xmlns:r="http://schemas.openxmlformats.org/officeDocument/2006/relationships" xmlns:p="http://schemas.openxmlformats.org/presentationml/2006/main">
+  <p:cSld>
+    <p:spTree>
+      <p:nvGrpSpPr>
+        <p:cNvPr id="1" name=""/>
+        <p:cNvGrpSpPr/>
+        <p:nvPr/>
+      </p:nvGrpSpPr>
+      <p:grpSpPr>
+        <a:xfrm>
+          <a:off x="0" y="0"/>
+          <a:ext cx="0" cy="0"/>
+          <a:chOff x="0" y="0"/>
+          <a:chExt cx="0" cy="0"/>
+        </a:xfrm>
+      </p:grpSpPr>
+      <p:sp>
+        <p:nvSpPr>
+          <p:cNvPr id="2" name="Title 1"/>
+          <p:cNvSpPr>
+            <a:spLocks noGrp="1"/>
+          </p:cNvSpPr>
+          <p:nvPr>
+            <p:ph type="title"/>
+          </p:nvPr>
+        </p:nvSpPr>
+        <p:spPr/>
+        <p:txBody>
+          <a:bodyPr/>
+          <a:lstStyle/>
+          <a:p>
+            <a:r>
+              <a:rPr lang="en-US" dirty="0"/>
+              <a:t>Reliability</a:t>
+            </a:r>
+          </a:p>
+        </p:txBody>
+      </p:sp>
+      <p:sp>
+        <p:nvSpPr>
+          <p:cNvPr id="3" name="Content Placeholder 2"/>
+          <p:cNvSpPr>
+            <a:spLocks noGrp="1"/>
+          </p:cNvSpPr>
+          <p:nvPr>
+            <p:ph idx="1"/>
+          </p:nvPr>
+        </p:nvSpPr>
+        <p:spPr/>
+        <p:txBody>
+          <a:bodyPr/>
+          <a:lstStyle/>
+          <a:p>
+            <a:r>
+              <a:rPr lang="en-US" dirty="0"/>
+              <a:t>Automated state replication</a:t>
+            </a:r>
+          </a:p>
+          <a:p>
+            <a:r>
+              <a:rPr lang="en-US" dirty="0"/>
+              <a:t>Metrics-based cluster re-balancing</a:t>
+            </a:r>
+          </a:p>
+          <a:p>
+            <a:r>
+              <a:rPr lang="en-US" dirty="0"/>
+              <a:t>Fault Domains</a:t>
+            </a:r>
+          </a:p>
+        </p:txBody>
+      </p:sp>
+    </p:spTree>
+    <p:extLst>
+      <p:ext uri="{BB962C8B-B14F-4D97-AF65-F5344CB8AC3E}">
+        <p14:creationId xmlns:p14="http://schemas.microsoft.com/office/powerpoint/2010/main" val="3585232504"/>
+      </p:ext>
+    </p:extLst>
+  </p:cSld>
+  <p:clrMapOvr>
+    <a:masterClrMapping/>
+  </p:clrMapOvr>
+</p:sld>
+</file>
+
+<file path=ppt/slides/slide13.xml><?xml version="1.0" encoding="utf-8"?>
+<p:sld xmlns:a="http://schemas.openxmlformats.org/drawingml/2006/main" xmlns:r="http://schemas.openxmlformats.org/officeDocument/2006/relationships" xmlns:p="http://schemas.openxmlformats.org/presentationml/2006/main">
+  <p:cSld>
+    <p:spTree>
+      <p:nvGrpSpPr>
+        <p:cNvPr id="1" name=""/>
+        <p:cNvGrpSpPr/>
+        <p:nvPr/>
+      </p:nvGrpSpPr>
+      <p:grpSpPr>
+        <a:xfrm>
+          <a:off x="0" y="0"/>
+          <a:ext cx="0" cy="0"/>
+          <a:chOff x="0" y="0"/>
+          <a:chExt cx="0" cy="0"/>
+        </a:xfrm>
+      </p:grpSpPr>
+      <p:sp>
+        <p:nvSpPr>
+          <p:cNvPr id="2" name="Title 1"/>
+          <p:cNvSpPr>
+            <a:spLocks noGrp="1"/>
+          </p:cNvSpPr>
+          <p:nvPr>
+            <p:ph type="title"/>
+          </p:nvPr>
+        </p:nvSpPr>
+        <p:spPr/>
+        <p:txBody>
+          <a:bodyPr/>
+          <a:lstStyle/>
+          <a:p>
+            <a:r>
+              <a:rPr lang="en-US" dirty="0"/>
+              <a:t>Versioning and Upgrades</a:t>
+            </a:r>
+          </a:p>
+        </p:txBody>
+      </p:sp>
+      <p:sp>
+        <p:nvSpPr>
+          <p:cNvPr id="3" name="Content Placeholder 2"/>
+          <p:cNvSpPr>
+            <a:spLocks noGrp="1"/>
+          </p:cNvSpPr>
+          <p:nvPr>
+            <p:ph idx="1"/>
+          </p:nvPr>
+        </p:nvSpPr>
+        <p:spPr/>
+        <p:txBody>
+          <a:bodyPr/>
+          <a:lstStyle/>
+          <a:p>
+            <a:r>
+              <a:rPr lang="en-US" dirty="0"/>
+              <a:t>Upgrade Domains</a:t>
+            </a:r>
+          </a:p>
+        </p:txBody>
+      </p:sp>
+    </p:spTree>
+    <p:extLst>
+      <p:ext uri="{BB962C8B-B14F-4D97-AF65-F5344CB8AC3E}">
+        <p14:creationId xmlns:p14="http://schemas.microsoft.com/office/powerpoint/2010/main" val="293495441"/>
+      </p:ext>
+    </p:extLst>
+  </p:cSld>
+  <p:clrMapOvr>
+    <a:masterClrMapping/>
+  </p:clrMapOvr>
+</p:sld>
+</file>
+
+<file path=ppt/slides/slide14.xml><?xml version="1.0" encoding="utf-8"?>
+<p:sld xmlns:a="http://schemas.openxmlformats.org/drawingml/2006/main" xmlns:r="http://schemas.openxmlformats.org/officeDocument/2006/relationships" xmlns:p="http://schemas.openxmlformats.org/presentationml/2006/main">
+  <p:cSld>
+    <p:spTree>
+      <p:nvGrpSpPr>
+        <p:cNvPr id="1" name=""/>
+        <p:cNvGrpSpPr/>
+        <p:nvPr/>
+      </p:nvGrpSpPr>
+      <p:grpSpPr>
+        <a:xfrm>
+          <a:off x="0" y="0"/>
+          <a:ext cx="0" cy="0"/>
+          <a:chOff x="0" y="0"/>
+          <a:chExt cx="0" cy="0"/>
+        </a:xfrm>
+      </p:grpSpPr>
+      <p:sp>
+        <p:nvSpPr>
+          <p:cNvPr id="4" name="Title 3"/>
+          <p:cNvSpPr>
+            <a:spLocks noGrp="1"/>
+          </p:cNvSpPr>
+          <p:nvPr>
+            <p:ph type="title"/>
+          </p:nvPr>
+        </p:nvSpPr>
+        <p:spPr/>
+        <p:txBody>
+          <a:bodyPr/>
+          <a:lstStyle/>
+          <a:p>
+            <a:r>
+              <a:rPr lang="en-US" dirty="0"/>
+              <a:t>Resources</a:t>
+            </a:r>
+          </a:p>
+        </p:txBody>
+      </p:sp>
+      <p:sp>
+        <p:nvSpPr>
+          <p:cNvPr id="6" name="Content Placeholder 5"/>
+          <p:cNvSpPr>
+            <a:spLocks noGrp="1"/>
+          </p:cNvSpPr>
+          <p:nvPr>
+            <p:ph idx="1"/>
+          </p:nvPr>
+        </p:nvSpPr>
+        <p:spPr/>
+        <p:txBody>
+          <a:bodyPr/>
+          <a:lstStyle/>
+          <a:p>
+            <a:r>
+              <a:rPr lang="en-US" dirty="0"/>
+              <a:t>Service Fabric docs</a:t>
+            </a:r>
+          </a:p>
+          <a:p>
+            <a:pPr lvl="1"/>
+            <a:r>
+              <a:rPr lang="en-US" dirty="0">
+                <a:hlinkClick r:id="rId2"/>
+              </a:rPr>
+              <a:t>https://azure.microsoft.com/en-us/documentation/services/service-fabric/</a:t>
+            </a:r>
+            <a:endParaRPr lang="en-US" dirty="0"/>
+          </a:p>
+          <a:p>
+            <a:r>
+              <a:rPr lang="en-US" dirty="0"/>
+              <a:t>Stack Overflow</a:t>
+            </a:r>
+          </a:p>
+          <a:p>
+            <a:pPr lvl="1"/>
+            <a:r>
+              <a:rPr lang="en-US" dirty="0">
+                <a:hlinkClick r:id="rId3"/>
+              </a:rPr>
+              <a:t>http://stackoverflow.com/questions/tagged/azure-service-fabric</a:t>
+            </a:r>
+            <a:endParaRPr lang="en-US" dirty="0"/>
+          </a:p>
+          <a:p>
+            <a:r>
+              <a:rPr lang="en-US" dirty="0"/>
+              <a:t>Build 2016 - Azure Service Fabric For Developers</a:t>
+            </a:r>
+          </a:p>
+          <a:p>
+            <a:pPr lvl="1"/>
+            <a:r>
+              <a:rPr lang="en-US" dirty="0">
+                <a:hlinkClick r:id="rId4"/>
+              </a:rPr>
+              <a:t>https://channel9.msdn.com/Events/Build/2016/B874</a:t>
+            </a:r>
+            <a:endParaRPr lang="en-US" dirty="0"/>
+          </a:p>
+          <a:p>
+            <a:r>
+              <a:rPr lang="en-US" dirty="0"/>
+              <a:t>My blog</a:t>
+            </a:r>
+          </a:p>
+          <a:p>
+            <a:pPr lvl="1"/>
+            <a:r>
+              <a:rPr lang="en-US" dirty="0">
+                <a:hlinkClick r:id="rId5"/>
+              </a:rPr>
+              <a:t>http://www.topthought.net</a:t>
+            </a:r>
+            <a:endParaRPr lang="en-US" dirty="0"/>
+          </a:p>
+          <a:p>
+            <a:pPr marL="274320" lvl="1" indent="0">
+              <a:buNone/>
+            </a:pPr>
+            <a:endParaRPr lang="en-US" dirty="0"/>
+          </a:p>
+        </p:txBody>
+      </p:sp>
+    </p:spTree>
+    <p:extLst>
+      <p:ext uri="{BB962C8B-B14F-4D97-AF65-F5344CB8AC3E}">
+        <p14:creationId xmlns:p14="http://schemas.microsoft.com/office/powerpoint/2010/main" val="73325395"/>
+      </p:ext>
+    </p:extLst>
+  </p:cSld>
+  <p:clrMapOvr>
+    <a:masterClrMapping/>
+  </p:clrMapOvr>
+</p:sld>
+</file>
+
+<file path=ppt/slides/slide2.xml><?xml version="1.0" encoding="utf-8"?>
+<p:sld xmlns:a="http://schemas.openxmlformats.org/drawingml/2006/main" xmlns:r="http://schemas.openxmlformats.org/officeDocument/2006/relationships" xmlns:p="http://schemas.openxmlformats.org/presentationml/2006/main">
+  <p:cSld>
+    <p:spTree>
+      <p:nvGrpSpPr>
+        <p:cNvPr id="1" name=""/>
+        <p:cNvGrpSpPr/>
+        <p:nvPr/>
+      </p:nvGrpSpPr>
+      <p:grpSpPr>
+        <a:xfrm>
+          <a:off x="0" y="0"/>
+          <a:ext cx="0" cy="0"/>
+          <a:chOff x="0" y="0"/>
+          <a:chExt cx="0" cy="0"/>
+        </a:xfrm>
+      </p:grpSpPr>
+      <p:sp>
+        <p:nvSpPr>
+          <p:cNvPr id="2" name="Title 1"/>
+          <p:cNvSpPr>
+            <a:spLocks noGrp="1"/>
+          </p:cNvSpPr>
+          <p:nvPr>
+            <p:ph type="title"/>
+          </p:nvPr>
+        </p:nvSpPr>
+        <p:spPr/>
+        <p:txBody>
+          <a:bodyPr/>
+          <a:lstStyle/>
+          <a:p>
+            <a:r>
+              <a:rPr lang="en-US" dirty="0"/>
+              <a:t>Josh Lane</a:t>
+            </a:r>
+          </a:p>
+        </p:txBody>
+      </p:sp>
+      <p:sp>
+        <p:nvSpPr>
+          <p:cNvPr id="3" name="Content Placeholder 2"/>
+          <p:cNvSpPr>
+            <a:spLocks noGrp="1"/>
+          </p:cNvSpPr>
+          <p:nvPr>
+            <p:ph idx="1"/>
+          </p:nvPr>
+        </p:nvSpPr>
+        <p:spPr/>
+        <p:txBody>
+          <a:bodyPr/>
+          <a:lstStyle/>
+          <a:p>
+            <a:r>
+              <a:rPr lang="en-US" dirty="0"/>
+              <a:t>Independent consultant with almost 20 years experience on the MS stack</a:t>
+            </a:r>
+          </a:p>
+          <a:p>
+            <a:r>
+              <a:rPr lang="en-US" dirty="0"/>
+              <a:t>Several Azure architecture and implementation projects</a:t>
+            </a:r>
+          </a:p>
+          <a:p>
+            <a:r>
+              <a:rPr lang="en-US" dirty="0"/>
+              <a:t>Azure-in-the-ATL meetup</a:t>
+            </a:r>
+          </a:p>
+          <a:p>
+            <a:r>
+              <a:rPr lang="en-US" dirty="0"/>
+              <a:t>@</a:t>
+            </a:r>
+            <a:r>
+              <a:rPr lang="en-US" dirty="0" err="1"/>
+              <a:t>jplane</a:t>
+            </a:r>
+            <a:endParaRPr lang="en-US" dirty="0"/>
+          </a:p>
+          <a:p>
+            <a:r>
+              <a:rPr lang="en-US" dirty="0">
+                <a:hlinkClick r:id="rId2"/>
+              </a:rPr>
+              <a:t>www.topthought.net</a:t>
+            </a:r>
+            <a:endParaRPr lang="en-US" dirty="0"/>
+          </a:p>
+          <a:p>
+            <a:endParaRPr lang="en-US" dirty="0"/>
+          </a:p>
+        </p:txBody>
+      </p:sp>
+    </p:spTree>
+    <p:extLst>
+      <p:ext uri="{BB962C8B-B14F-4D97-AF65-F5344CB8AC3E}">
+        <p14:creationId xmlns:p14="http://schemas.microsoft.com/office/powerpoint/2010/main" val="2564959952"/>
+      </p:ext>
+    </p:extLst>
+  </p:cSld>
+  <p:clrMapOvr>
+    <a:masterClrMapping/>
+  </p:clrMapOvr>
+</p:sld>
+</file>
+
+<file path=ppt/slides/slide3.xml><?xml version="1.0" encoding="utf-8"?>
+<p:sld xmlns:a="http://schemas.openxmlformats.org/drawingml/2006/main" xmlns:r="http://schemas.openxmlformats.org/officeDocument/2006/relationships" xmlns:p="http://schemas.openxmlformats.org/presentationml/2006/main">
+  <p:cSld>
+    <p:spTree>
+      <p:nvGrpSpPr>
+        <p:cNvPr id="1" name=""/>
+        <p:cNvGrpSpPr/>
+        <p:nvPr/>
+      </p:nvGrpSpPr>
+      <p:grpSpPr>
+        <a:xfrm>
+          <a:off x="0" y="0"/>
+          <a:ext cx="0" cy="0"/>
+          <a:chOff x="0" y="0"/>
+          <a:chExt cx="0" cy="0"/>
+        </a:xfrm>
+      </p:grpSpPr>
+      <p:sp>
+        <p:nvSpPr>
+          <p:cNvPr id="2" name="Title 1"/>
+          <p:cNvSpPr>
+            <a:spLocks noGrp="1"/>
+          </p:cNvSpPr>
+          <p:nvPr>
+            <p:ph type="title"/>
+          </p:nvPr>
+        </p:nvSpPr>
+        <p:spPr/>
+        <p:txBody>
+          <a:bodyPr/>
+          <a:lstStyle/>
+          <a:p>
+            <a:r>
+              <a:rPr lang="en-US" dirty="0"/>
+              <a:t>Agenda</a:t>
+            </a:r>
+          </a:p>
+        </p:txBody>
+      </p:sp>
+      <p:sp>
+        <p:nvSpPr>
+          <p:cNvPr id="3" name="Content Placeholder 2"/>
+          <p:cNvSpPr>
+            <a:spLocks noGrp="1"/>
+          </p:cNvSpPr>
+          <p:nvPr>
+            <p:ph idx="1"/>
+          </p:nvPr>
+        </p:nvSpPr>
+        <p:spPr/>
+        <p:txBody>
+          <a:bodyPr>
+            <a:normAutofit/>
+          </a:bodyPr>
+          <a:lstStyle/>
+          <a:p>
+            <a:r>
+              <a:rPr lang="en-US" dirty="0"/>
+              <a:t>Motivation</a:t>
+            </a:r>
+          </a:p>
+          <a:p>
+            <a:r>
+              <a:rPr lang="en-US" dirty="0"/>
+              <a:t>Programming Models</a:t>
+            </a:r>
+          </a:p>
+          <a:p>
+            <a:r>
+              <a:rPr lang="en-US" dirty="0"/>
+              <a:t>Logical and Physical Topologies</a:t>
+            </a:r>
+          </a:p>
+          <a:p>
+            <a:r>
+              <a:rPr lang="en-US" dirty="0"/>
+              <a:t>Deployment Scenarios</a:t>
+            </a:r>
+          </a:p>
+          <a:p>
+            <a:r>
+              <a:rPr lang="en-US" dirty="0"/>
+              <a:t>Reliability</a:t>
+            </a:r>
+          </a:p>
+          <a:p>
+            <a:r>
+              <a:rPr lang="en-US" dirty="0"/>
+              <a:t>Versioning and Upgrades</a:t>
+            </a:r>
+          </a:p>
+        </p:txBody>
+      </p:sp>
+    </p:spTree>
+    <p:extLst>
+      <p:ext uri="{BB962C8B-B14F-4D97-AF65-F5344CB8AC3E}">
+        <p14:creationId xmlns:p14="http://schemas.microsoft.com/office/powerpoint/2010/main" val="1860004742"/>
+      </p:ext>
+    </p:extLst>
+  </p:cSld>
+  <p:clrMapOvr>
+    <a:masterClrMapping/>
+  </p:clrMapOvr>
+</p:sld>
+</file>
+
+<file path=ppt/slides/slide4.xml><?xml version="1.0" encoding="utf-8"?>
+<p:sld xmlns:a="http://schemas.openxmlformats.org/drawingml/2006/main" xmlns:r="http://schemas.openxmlformats.org/officeDocument/2006/relationships" xmlns:p="http://schemas.openxmlformats.org/presentationml/2006/main">
+  <p:cSld>
+    <p:spTree>
+      <p:nvGrpSpPr>
+        <p:cNvPr id="1" name=""/>
+        <p:cNvGrpSpPr/>
+        <p:nvPr/>
+      </p:nvGrpSpPr>
+      <p:grpSpPr>
+        <a:xfrm>
+          <a:off x="0" y="0"/>
+          <a:ext cx="0" cy="0"/>
+          <a:chOff x="0" y="0"/>
+          <a:chExt cx="0" cy="0"/>
+        </a:xfrm>
+      </p:grpSpPr>
+      <p:sp>
+        <p:nvSpPr>
+          <p:cNvPr id="2" name="Title 1"/>
+          <p:cNvSpPr>
+            <a:spLocks noGrp="1"/>
+          </p:cNvSpPr>
+          <p:nvPr>
+            <p:ph type="title"/>
+          </p:nvPr>
+        </p:nvSpPr>
+        <p:spPr/>
+        <p:txBody>
+          <a:bodyPr/>
+          <a:lstStyle/>
+          <a:p>
+            <a:r>
+              <a:rPr lang="en-US" dirty="0"/>
+              <a:t>“I’ve Been Building Web Services For 100 Years…”</a:t>
+            </a:r>
+            <a:br>
+              <a:rPr lang="en-US" dirty="0"/>
+            </a:br>
+            <a:endParaRPr lang="en-US" sz="2400" dirty="0"/>
+          </a:p>
+        </p:txBody>
+      </p:sp>
+      <p:sp>
+        <p:nvSpPr>
+          <p:cNvPr id="4" name="Text Placeholder 3"/>
+          <p:cNvSpPr>
+            <a:spLocks noGrp="1"/>
+          </p:cNvSpPr>
+          <p:nvPr>
+            <p:ph type="body" idx="1"/>
+          </p:nvPr>
+        </p:nvSpPr>
+        <p:spPr/>
+        <p:txBody>
+          <a:bodyPr/>
+          <a:lstStyle/>
+          <a:p>
+            <a:r>
+              <a:rPr lang="en-US" dirty="0"/>
+              <a:t>In the snow… uphill… both ways… </a:t>
+            </a:r>
+            <a:r>
+              <a:rPr lang="en-US" dirty="0" err="1"/>
+              <a:t>microservices</a:t>
+            </a:r>
+            <a:r>
+              <a:rPr lang="en-US"/>
+              <a:t> are a “fad</a:t>
+            </a:r>
+            <a:r>
+              <a:rPr lang="en-US" dirty="0"/>
+              <a:t>”, etc. etc.</a:t>
+            </a:r>
+          </a:p>
+        </p:txBody>
+      </p:sp>
+    </p:spTree>
+    <p:extLst>
+      <p:ext uri="{BB962C8B-B14F-4D97-AF65-F5344CB8AC3E}">
+        <p14:creationId xmlns:p14="http://schemas.microsoft.com/office/powerpoint/2010/main" val="3922808488"/>
+      </p:ext>
+    </p:extLst>
+  </p:cSld>
+  <p:clrMapOvr>
+    <a:masterClrMapping/>
+  </p:clrMapOvr>
+</p:sld>
+</file>
+
+<file path=ppt/slides/slide5.xml><?xml version="1.0" encoding="utf-8"?>
+<p:sld xmlns:a="http://schemas.openxmlformats.org/drawingml/2006/main" xmlns:r="http://schemas.openxmlformats.org/officeDocument/2006/relationships" xmlns:p="http://schemas.openxmlformats.org/presentationml/2006/main">
+  <p:cSld>
+    <p:spTree>
+      <p:nvGrpSpPr>
+        <p:cNvPr id="1" name=""/>
+        <p:cNvGrpSpPr/>
+        <p:nvPr/>
+      </p:nvGrpSpPr>
+      <p:grpSpPr>
+        <a:xfrm>
+          <a:off x="0" y="0"/>
+          <a:ext cx="0" cy="0"/>
+          <a:chOff x="0" y="0"/>
+          <a:chExt cx="0" cy="0"/>
+        </a:xfrm>
+      </p:grpSpPr>
+      <p:sp>
+        <p:nvSpPr>
+          <p:cNvPr id="2" name="Title 1"/>
+          <p:cNvSpPr>
+            <a:spLocks noGrp="1"/>
+          </p:cNvSpPr>
+          <p:nvPr>
+            <p:ph type="title"/>
+          </p:nvPr>
+        </p:nvSpPr>
+        <p:spPr/>
+        <p:txBody>
+          <a:bodyPr>
+            <a:normAutofit/>
+          </a:bodyPr>
+          <a:lstStyle/>
+          <a:p>
+            <a:r>
+              <a:rPr lang="en-US" sz="4800" dirty="0"/>
+              <a:t>Yeah, But…</a:t>
+            </a:r>
+          </a:p>
+        </p:txBody>
+      </p:sp>
+      <p:sp>
+        <p:nvSpPr>
+          <p:cNvPr id="4" name="Content Placeholder 3"/>
+          <p:cNvSpPr>
+            <a:spLocks noGrp="1"/>
+          </p:cNvSpPr>
+          <p:nvPr>
+            <p:ph sz="half" idx="1"/>
+          </p:nvPr>
+        </p:nvSpPr>
+        <p:spPr/>
+        <p:txBody>
+          <a:bodyPr>
+            <a:normAutofit lnSpcReduction="10000"/>
+          </a:bodyPr>
+          <a:lstStyle/>
+          <a:p>
+            <a:r>
+              <a:rPr lang="en-US" dirty="0"/>
+              <a:t>I want deploy in Azure</a:t>
+            </a:r>
+          </a:p>
+          <a:p>
+            <a:r>
+              <a:rPr lang="en-US" dirty="0"/>
+              <a:t>…and on-premises</a:t>
+            </a:r>
+          </a:p>
+          <a:p>
+            <a:r>
+              <a:rPr lang="en-US" dirty="0"/>
+              <a:t>…and in other clouds</a:t>
+            </a:r>
+          </a:p>
+          <a:p>
+            <a:r>
+              <a:rPr lang="en-US" dirty="0"/>
+              <a:t>…and on my laptop</a:t>
+            </a:r>
+          </a:p>
+          <a:p>
+            <a:r>
+              <a:rPr lang="en-US" dirty="0"/>
+              <a:t>…with F5 debugging in VS.NET</a:t>
+            </a:r>
+          </a:p>
+          <a:p>
+            <a:r>
+              <a:rPr lang="en-US" dirty="0"/>
+              <a:t>…but not change any code for any of these scenarios</a:t>
+            </a:r>
+          </a:p>
+          <a:p>
+            <a:r>
+              <a:rPr lang="en-US" dirty="0"/>
+              <a:t>…and leverage a self-healing runtime</a:t>
+            </a:r>
+          </a:p>
+          <a:p>
+            <a:r>
+              <a:rPr lang="en-US" dirty="0"/>
+              <a:t>…and a runtime that auto-balances load dynamically across my cluster</a:t>
+            </a:r>
+          </a:p>
+        </p:txBody>
+      </p:sp>
+      <p:sp>
+        <p:nvSpPr>
+          <p:cNvPr id="5" name="Content Placeholder 4"/>
+          <p:cNvSpPr>
+            <a:spLocks noGrp="1"/>
+          </p:cNvSpPr>
+          <p:nvPr>
+            <p:ph sz="half" idx="2"/>
+          </p:nvPr>
+        </p:nvSpPr>
+        <p:spPr/>
+        <p:txBody>
+          <a:bodyPr>
+            <a:normAutofit lnSpcReduction="10000"/>
+          </a:bodyPr>
+          <a:lstStyle/>
+          <a:p>
+            <a:r>
+              <a:rPr lang="en-US" dirty="0"/>
+              <a:t>…and reliably auto-propagates state changes across the cluster for me</a:t>
+            </a:r>
+          </a:p>
+          <a:p>
+            <a:r>
+              <a:rPr lang="en-US" dirty="0"/>
+              <a:t>…and has support for </a:t>
+            </a:r>
+            <a:r>
+              <a:rPr lang="en-US" dirty="0" err="1"/>
+              <a:t>IoT</a:t>
+            </a:r>
+            <a:r>
+              <a:rPr lang="en-US" dirty="0"/>
+              <a:t>-friendly actor programming</a:t>
+            </a:r>
+          </a:p>
+          <a:p>
+            <a:r>
+              <a:rPr lang="en-US" dirty="0"/>
+              <a:t>…and other programming models</a:t>
+            </a:r>
+          </a:p>
+          <a:p>
+            <a:r>
+              <a:rPr lang="en-US" dirty="0"/>
+              <a:t>…and will run on Linux</a:t>
+            </a:r>
+          </a:p>
+          <a:p>
+            <a:r>
+              <a:rPr lang="en-US" dirty="0"/>
+              <a:t>…and works with ASP.NET</a:t>
+            </a:r>
+          </a:p>
+          <a:p>
+            <a:r>
+              <a:rPr lang="en-US" dirty="0"/>
+              <a:t>…or node.js</a:t>
+            </a:r>
+          </a:p>
+          <a:p>
+            <a:r>
+              <a:rPr lang="en-US" dirty="0"/>
+              <a:t>…or Java</a:t>
+            </a:r>
+          </a:p>
+          <a:p>
+            <a:r>
+              <a:rPr lang="en-US" dirty="0"/>
+              <a:t>…or &lt;whatever&gt;</a:t>
+            </a:r>
+          </a:p>
+          <a:p>
+            <a:endParaRPr lang="en-US" dirty="0"/>
+          </a:p>
+        </p:txBody>
+      </p:sp>
+    </p:spTree>
+    <p:extLst>
+      <p:ext uri="{BB962C8B-B14F-4D97-AF65-F5344CB8AC3E}">
+        <p14:creationId xmlns:p14="http://schemas.microsoft.com/office/powerpoint/2010/main" val="2600660583"/>
+      </p:ext>
+    </p:extLst>
+  </p:cSld>
+  <p:clrMapOvr>
+    <a:masterClrMapping/>
+  </p:clrMapOvr>
+  <p:timing>
+    <p:tnLst>
+      <p:par>
+        <p:cTn id="1" dur="indefinite" restart="never" nodeType="tmRoot">
+          <p:childTnLst>
+            <p:seq concurrent="1" nextAc="seek">
+              <p:cTn id="2" dur="indefinite" nodeType="mainSeq">
+                <p:childTnLst>
+                  <p:par>
+                    <p:cTn id="3" fill="hold">
+                      <p:stCondLst>
+                        <p:cond delay="indefinite"/>
+                      </p:stCondLst>
+                      <p:childTnLst>
+                        <p:par>
+                          <p:cTn id="4" fill="hold">
+                            <p:stCondLst>
+                              <p:cond delay="0"/>
+                            </p:stCondLst>
+                            <p:childTnLst>
+                              <p:par>
+                                <p:cTn id="5" presetID="1" presetClass="entr" presetSubtype="0" fill="hold" nodeType="clickEffect">
+                                  <p:stCondLst>
+                                    <p:cond delay="0"/>
+                                  </p:stCondLst>
+                                  <p:childTnLst>
+                                    <p:set>
+                                      <p:cBhvr>
+                                        <p:cTn id="6" dur="1" fill="hold">
+                                          <p:stCondLst>
+                                            <p:cond delay="0"/>
+                                          </p:stCondLst>
+                                        </p:cTn>
+                                        <p:tgtEl>
+                                          <p:spTgt spid="4">
+                                            <p:txEl>
+                                              <p:pRg st="0" end="0"/>
+                                            </p:txEl>
+                                          </p:spTgt>
+                                        </p:tgtEl>
+                                        <p:attrNameLst>
+                                          <p:attrName>style.visibility</p:attrName>
+                                        </p:attrNameLst>
+                                      </p:cBhvr>
+                                      <p:to>
+                                        <p:strVal val="visible"/>
+                                      </p:to>
+                                    </p:set>
+                                  </p:childTnLst>
+                                </p:cTn>
+                              </p:par>
+                            </p:childTnLst>
+                          </p:cTn>
+                        </p:par>
+                      </p:childTnLst>
+                    </p:cTn>
+                  </p:par>
+                  <p:par>
+                    <p:cTn id="7" fill="hold">
+                      <p:stCondLst>
+                        <p:cond delay="indefinite"/>
+                      </p:stCondLst>
+                      <p:childTnLst>
+                        <p:par>
+                          <p:cTn id="8" fill="hold">
+                            <p:stCondLst>
+                              <p:cond delay="0"/>
+                            </p:stCondLst>
+                            <p:childTnLst>
+                              <p:par>
+                                <p:cTn id="9" presetID="1" presetClass="entr" presetSubtype="0" fill="hold" nodeType="clickEffect">
+                                  <p:stCondLst>
+                                    <p:cond delay="0"/>
+                                  </p:stCondLst>
+                                  <p:childTnLst>
+                                    <p:set>
+                                      <p:cBhvr>
+                                        <p:cTn id="10" dur="1" fill="hold">
+                                          <p:stCondLst>
+                                            <p:cond delay="0"/>
+                                          </p:stCondLst>
+                                        </p:cTn>
+                                        <p:tgtEl>
+                                          <p:spTgt spid="4">
+                                            <p:txEl>
+                                              <p:pRg st="1" end="1"/>
+                                            </p:txEl>
+                                          </p:spTgt>
+                                        </p:tgtEl>
+                                        <p:attrNameLst>
+                                          <p:attrName>style.visibility</p:attrName>
+                                        </p:attrNameLst>
+                                      </p:cBhvr>
+                                      <p:to>
+                                        <p:strVal val="visible"/>
+                                      </p:to>
+                                    </p:set>
+                                  </p:childTnLst>
+                                </p:cTn>
+                              </p:par>
+                            </p:childTnLst>
+                          </p:cTn>
+                        </p:par>
+                      </p:childTnLst>
+                    </p:cTn>
+                  </p:par>
+                  <p:par>
+                    <p:cTn id="11" fill="hold">
+                      <p:stCondLst>
+                        <p:cond delay="indefinite"/>
+                      </p:stCondLst>
+                      <p:childTnLst>
+                        <p:par>
+                          <p:cTn id="12" fill="hold">
+                            <p:stCondLst>
+                              <p:cond delay="0"/>
+                            </p:stCondLst>
+                            <p:childTnLst>
+                              <p:par>
+                                <p:cTn id="13" presetID="1" presetClass="entr" presetSubtype="0" fill="hold" nodeType="clickEffect">
+                                  <p:stCondLst>
+                                    <p:cond delay="0"/>
+                                  </p:stCondLst>
+                                  <p:childTnLst>
+                                    <p:set>
+                                      <p:cBhvr>
+                                        <p:cTn id="14" dur="1" fill="hold">
+                                          <p:stCondLst>
+                                            <p:cond delay="0"/>
+                                          </p:stCondLst>
+                                        </p:cTn>
+                                        <p:tgtEl>
+                                          <p:spTgt spid="4">
+                                            <p:txEl>
+                                              <p:pRg st="2" end="2"/>
+                                            </p:txEl>
+                                          </p:spTgt>
+                                        </p:tgtEl>
+                                        <p:attrNameLst>
+                                          <p:attrName>style.visibility</p:attrName>
+                                        </p:attrNameLst>
+                                      </p:cBhvr>
+                                      <p:to>
+                                        <p:strVal val="visible"/>
+                                      </p:to>
+                                    </p:set>
+                                  </p:childTnLst>
+                                </p:cTn>
+                              </p:par>
+                            </p:childTnLst>
+                          </p:cTn>
+                        </p:par>
+                      </p:childTnLst>
+                    </p:cTn>
+                  </p:par>
+                  <p:par>
+                    <p:cTn id="15" fill="hold">
+                      <p:stCondLst>
+                        <p:cond delay="indefinite"/>
+                      </p:stCondLst>
+                      <p:childTnLst>
+                        <p:par>
+                          <p:cTn id="16" fill="hold">
+                            <p:stCondLst>
+                              <p:cond delay="0"/>
+                            </p:stCondLst>
+                            <p:childTnLst>
+                              <p:par>
+                                <p:cTn id="17" presetID="1" presetClass="entr" presetSubtype="0" fill="hold" nodeType="clickEffect">
+                                  <p:stCondLst>
+                                    <p:cond delay="0"/>
+                                  </p:stCondLst>
+                                  <p:childTnLst>
+                                    <p:set>
+                                      <p:cBhvr>
+                                        <p:cTn id="18" dur="1" fill="hold">
+                                          <p:stCondLst>
+                                            <p:cond delay="0"/>
+                                          </p:stCondLst>
+                                        </p:cTn>
+                                        <p:tgtEl>
+                                          <p:spTgt spid="4">
+                                            <p:txEl>
+                                              <p:pRg st="3" end="3"/>
+                                            </p:txEl>
+                                          </p:spTgt>
+                                        </p:tgtEl>
+                                        <p:attrNameLst>
+                                          <p:attrName>style.visibility</p:attrName>
+                                        </p:attrNameLst>
+                                      </p:cBhvr>
+                                      <p:to>
+                                        <p:strVal val="visible"/>
+                                      </p:to>
+                                    </p:set>
+                                  </p:childTnLst>
+                                </p:cTn>
+                              </p:par>
+                            </p:childTnLst>
+                          </p:cTn>
+                        </p:par>
+                      </p:childTnLst>
+                    </p:cTn>
+                  </p:par>
+                  <p:par>
+                    <p:cTn id="19" fill="hold">
+                      <p:stCondLst>
+                        <p:cond delay="indefinite"/>
+                      </p:stCondLst>
+                      <p:childTnLst>
+                        <p:par>
+                          <p:cTn id="20" fill="hold">
+                            <p:stCondLst>
+                              <p:cond delay="0"/>
+                            </p:stCondLst>
+                            <p:childTnLst>
+                              <p:par>
+                                <p:cTn id="21" presetID="1" presetClass="entr" presetSubtype="0" fill="hold" nodeType="clickEffect">
+                                  <p:stCondLst>
+                                    <p:cond delay="0"/>
+                                  </p:stCondLst>
+                                  <p:childTnLst>
+                                    <p:set>
+                                      <p:cBhvr>
+                                        <p:cTn id="22" dur="1" fill="hold">
+                                          <p:stCondLst>
+                                            <p:cond delay="0"/>
+                                          </p:stCondLst>
+                                        </p:cTn>
+                                        <p:tgtEl>
+                                          <p:spTgt spid="4">
+                                            <p:txEl>
+                                              <p:pRg st="4" end="4"/>
+                                            </p:txEl>
+                                          </p:spTgt>
+                                        </p:tgtEl>
+                                        <p:attrNameLst>
+                                          <p:attrName>style.visibility</p:attrName>
+                                        </p:attrNameLst>
+                                      </p:cBhvr>
+                                      <p:to>
+                                        <p:strVal val="visible"/>
+                                      </p:to>
+                                    </p:set>
+                                  </p:childTnLst>
+                                </p:cTn>
+                              </p:par>
+                            </p:childTnLst>
+                          </p:cTn>
+                        </p:par>
+                      </p:childTnLst>
+                    </p:cTn>
+                  </p:par>
+                  <p:par>
+                    <p:cTn id="23" fill="hold">
+                      <p:stCondLst>
+                        <p:cond delay="indefinite"/>
+                      </p:stCondLst>
+                      <p:childTnLst>
+                        <p:par>
+                          <p:cTn id="24" fill="hold">
+                            <p:stCondLst>
+                              <p:cond delay="0"/>
+                            </p:stCondLst>
+                            <p:childTnLst>
+                              <p:par>
+                                <p:cTn id="25" presetID="1" presetClass="entr" presetSubtype="0" fill="hold" nodeType="clickEffect">
+                                  <p:stCondLst>
+                                    <p:cond delay="0"/>
+                                  </p:stCondLst>
+                                  <p:childTnLst>
+                                    <p:set>
+                                      <p:cBhvr>
+                                        <p:cTn id="26" dur="1" fill="hold">
+                                          <p:stCondLst>
+                                            <p:cond delay="0"/>
+                                          </p:stCondLst>
+                                        </p:cTn>
+                                        <p:tgtEl>
+                                          <p:spTgt spid="4">
+                                            <p:txEl>
+                                              <p:pRg st="5" end="5"/>
+                                            </p:txEl>
+                                          </p:spTgt>
+                                        </p:tgtEl>
+                                        <p:attrNameLst>
+                                          <p:attrName>style.visibility</p:attrName>
+                                        </p:attrNameLst>
+                                      </p:cBhvr>
+                                      <p:to>
+                                        <p:strVal val="visible"/>
+                                      </p:to>
+                                    </p:set>
+                                  </p:childTnLst>
+                                </p:cTn>
+                              </p:par>
+                            </p:childTnLst>
+                          </p:cTn>
+                        </p:par>
+                      </p:childTnLst>
+                    </p:cTn>
+                  </p:par>
+                  <p:par>
+                    <p:cTn id="27" fill="hold">
+                      <p:stCondLst>
+                        <p:cond delay="indefinite"/>
+                      </p:stCondLst>
+                      <p:childTnLst>
+                        <p:par>
+                          <p:cTn id="28" fill="hold">
+                            <p:stCondLst>
+                              <p:cond delay="0"/>
+                            </p:stCondLst>
+                            <p:childTnLst>
+                              <p:par>
+                                <p:cTn id="29" presetID="1" presetClass="entr" presetSubtype="0" fill="hold" nodeType="clickEffect">
+                                  <p:stCondLst>
+                                    <p:cond delay="0"/>
+                                  </p:stCondLst>
+                                  <p:childTnLst>
+                                    <p:set>
+                                      <p:cBhvr>
+                                        <p:cTn id="30" dur="1" fill="hold">
+                                          <p:stCondLst>
+                                            <p:cond delay="0"/>
+                                          </p:stCondLst>
+                                        </p:cTn>
+                                        <p:tgtEl>
+                                          <p:spTgt spid="4">
+                                            <p:txEl>
+                                              <p:pRg st="6" end="6"/>
+                                            </p:txEl>
+                                          </p:spTgt>
+                                        </p:tgtEl>
+                                        <p:attrNameLst>
+                                          <p:attrName>style.visibility</p:attrName>
+                                        </p:attrNameLst>
+                                      </p:cBhvr>
+                                      <p:to>
+                                        <p:strVal val="visible"/>
+                                      </p:to>
+                                    </p:set>
+                                  </p:childTnLst>
+                                </p:cTn>
+                              </p:par>
+                            </p:childTnLst>
+                          </p:cTn>
+                        </p:par>
+                      </p:childTnLst>
+                    </p:cTn>
+                  </p:par>
+                  <p:par>
+                    <p:cTn id="31" fill="hold">
+                      <p:stCondLst>
+                        <p:cond delay="indefinite"/>
+                      </p:stCondLst>
+                      <p:childTnLst>
+                        <p:par>
+                          <p:cTn id="32" fill="hold">
+                            <p:stCondLst>
+                              <p:cond delay="0"/>
+                            </p:stCondLst>
+                            <p:childTnLst>
+                              <p:par>
+                                <p:cTn id="33" presetID="1" presetClass="entr" presetSubtype="0" fill="hold" nodeType="clickEffect">
+                                  <p:stCondLst>
+                                    <p:cond delay="0"/>
+                                  </p:stCondLst>
+                                  <p:childTnLst>
+                                    <p:set>
+                                      <p:cBhvr>
+                                        <p:cTn id="34" dur="1" fill="hold">
+                                          <p:stCondLst>
+                                            <p:cond delay="0"/>
+                                          </p:stCondLst>
+                                        </p:cTn>
+                                        <p:tgtEl>
+                                          <p:spTgt spid="4">
+                                            <p:txEl>
+                                              <p:pRg st="7" end="7"/>
+                                            </p:txEl>
+                                          </p:spTgt>
+                                        </p:tgtEl>
+                                        <p:attrNameLst>
+                                          <p:attrName>style.visibility</p:attrName>
+                                        </p:attrNameLst>
+                                      </p:cBhvr>
+                                      <p:to>
+                                        <p:strVal val="visible"/>
+                                      </p:to>
+                                    </p:set>
+                                  </p:childTnLst>
+                                </p:cTn>
+                              </p:par>
+                            </p:childTnLst>
+                          </p:cTn>
+                        </p:par>
+                      </p:childTnLst>
+                    </p:cTn>
+                  </p:par>
+                  <p:par>
+                    <p:cTn id="35" fill="hold">
+                      <p:stCondLst>
+                        <p:cond delay="indefinite"/>
+                      </p:stCondLst>
+                      <p:childTnLst>
+                        <p:par>
+                          <p:cTn id="36" fill="hold">
+                            <p:stCondLst>
+                              <p:cond delay="0"/>
+                            </p:stCondLst>
+                            <p:childTnLst>
+                              <p:par>
+                                <p:cTn id="37" presetID="1" presetClass="entr" presetSubtype="0" fill="hold" nodeType="clickEffect">
+                                  <p:stCondLst>
+                                    <p:cond delay="0"/>
+                                  </p:stCondLst>
+                                  <p:childTnLst>
+                                    <p:set>
+                                      <p:cBhvr>
+                                        <p:cTn id="38" dur="1" fill="hold">
+                                          <p:stCondLst>
+                                            <p:cond delay="0"/>
+                                          </p:stCondLst>
+                                        </p:cTn>
+                                        <p:tgtEl>
+                                          <p:spTgt spid="5">
+                                            <p:txEl>
+                                              <p:pRg st="0" end="0"/>
+                                            </p:txEl>
+                                          </p:spTgt>
+                                        </p:tgtEl>
+                                        <p:attrNameLst>
+                                          <p:attrName>style.visibility</p:attrName>
+                                        </p:attrNameLst>
+                                      </p:cBhvr>
+                                      <p:to>
+                                        <p:strVal val="visible"/>
+                                      </p:to>
+                                    </p:set>
+                                  </p:childTnLst>
+                                </p:cTn>
+                              </p:par>
+                            </p:childTnLst>
+                          </p:cTn>
+                        </p:par>
+                      </p:childTnLst>
+                    </p:cTn>
+                  </p:par>
+                  <p:par>
+                    <p:cTn id="39" fill="hold">
+                      <p:stCondLst>
+                        <p:cond delay="indefinite"/>
+                      </p:stCondLst>
+                      <p:childTnLst>
+                        <p:par>
+                          <p:cTn id="40" fill="hold">
+                            <p:stCondLst>
+                              <p:cond delay="0"/>
+                            </p:stCondLst>
+                            <p:childTnLst>
+                              <p:par>
+                                <p:cTn id="41" presetID="1" presetClass="entr" presetSubtype="0" fill="hold" nodeType="clickEffect">
+                                  <p:stCondLst>
+                                    <p:cond delay="0"/>
+                                  </p:stCondLst>
+                                  <p:childTnLst>
+                                    <p:set>
+                                      <p:cBhvr>
+                                        <p:cTn id="42" dur="1" fill="hold">
+                                          <p:stCondLst>
+                                            <p:cond delay="0"/>
+                                          </p:stCondLst>
+                                        </p:cTn>
+                                        <p:tgtEl>
+                                          <p:spTgt spid="5">
+                                            <p:txEl>
+                                              <p:pRg st="1" end="1"/>
+                                            </p:txEl>
+                                          </p:spTgt>
+                                        </p:tgtEl>
+                                        <p:attrNameLst>
+                                          <p:attrName>style.visibility</p:attrName>
+                                        </p:attrNameLst>
+                                      </p:cBhvr>
+                                      <p:to>
+                                        <p:strVal val="visible"/>
+                                      </p:to>
+                                    </p:set>
+                                  </p:childTnLst>
+                                </p:cTn>
+                              </p:par>
+                            </p:childTnLst>
+                          </p:cTn>
+                        </p:par>
+                      </p:childTnLst>
+                    </p:cTn>
+                  </p:par>
+                  <p:par>
+                    <p:cTn id="43" fill="hold">
+                      <p:stCondLst>
+                        <p:cond delay="indefinite"/>
+                      </p:stCondLst>
+                      <p:childTnLst>
+                        <p:par>
+                          <p:cTn id="44" fill="hold">
+                            <p:stCondLst>
+                              <p:cond delay="0"/>
+                            </p:stCondLst>
+                            <p:childTnLst>
+                              <p:par>
+                                <p:cTn id="45" presetID="1" presetClass="entr" presetSubtype="0" fill="hold" nodeType="clickEffect">
+                                  <p:stCondLst>
+                                    <p:cond delay="0"/>
+                                  </p:stCondLst>
+                                  <p:childTnLst>
+                                    <p:set>
+                                      <p:cBhvr>
+                                        <p:cTn id="46" dur="1" fill="hold">
+                                          <p:stCondLst>
+                                            <p:cond delay="0"/>
+                                          </p:stCondLst>
+                                        </p:cTn>
+                                        <p:tgtEl>
+                                          <p:spTgt spid="5">
+                                            <p:txEl>
+                                              <p:pRg st="2" end="2"/>
+                                            </p:txEl>
+                                          </p:spTgt>
+                                        </p:tgtEl>
+                                        <p:attrNameLst>
+                                          <p:attrName>style.visibility</p:attrName>
+                                        </p:attrNameLst>
+                                      </p:cBhvr>
+                                      <p:to>
+                                        <p:strVal val="visible"/>
+                                      </p:to>
+                                    </p:set>
+                                  </p:childTnLst>
+                                </p:cTn>
+                              </p:par>
+                            </p:childTnLst>
+                          </p:cTn>
+                        </p:par>
+                      </p:childTnLst>
+                    </p:cTn>
+                  </p:par>
+                  <p:par>
+                    <p:cTn id="47" fill="hold">
+                      <p:stCondLst>
+                        <p:cond delay="indefinite"/>
+                      </p:stCondLst>
+                      <p:childTnLst>
+                        <p:par>
+                          <p:cTn id="48" fill="hold">
+                            <p:stCondLst>
+                              <p:cond delay="0"/>
+                            </p:stCondLst>
+                            <p:childTnLst>
+                              <p:par>
+                                <p:cTn id="49" presetID="1" presetClass="entr" presetSubtype="0" fill="hold" nodeType="clickEffect">
+                                  <p:stCondLst>
+                                    <p:cond delay="0"/>
+                                  </p:stCondLst>
+                                  <p:childTnLst>
+                                    <p:set>
+                                      <p:cBhvr>
+                                        <p:cTn id="50" dur="1" fill="hold">
+                                          <p:stCondLst>
+                                            <p:cond delay="0"/>
+                                          </p:stCondLst>
+                                        </p:cTn>
+                                        <p:tgtEl>
+                                          <p:spTgt spid="5">
+                                            <p:txEl>
+                                              <p:pRg st="3" end="3"/>
+                                            </p:txEl>
+                                          </p:spTgt>
+                                        </p:tgtEl>
+                                        <p:attrNameLst>
+                                          <p:attrName>style.visibility</p:attrName>
+                                        </p:attrNameLst>
+                                      </p:cBhvr>
+                                      <p:to>
+                                        <p:strVal val="visible"/>
+                                      </p:to>
+                                    </p:set>
+                                  </p:childTnLst>
+                                </p:cTn>
+                              </p:par>
+                            </p:childTnLst>
+                          </p:cTn>
+                        </p:par>
+                      </p:childTnLst>
+                    </p:cTn>
+                  </p:par>
+                  <p:par>
+                    <p:cTn id="51" fill="hold">
+                      <p:stCondLst>
+                        <p:cond delay="indefinite"/>
+                      </p:stCondLst>
+                      <p:childTnLst>
+                        <p:par>
+                          <p:cTn id="52" fill="hold">
+                            <p:stCondLst>
+                              <p:cond delay="0"/>
+                            </p:stCondLst>
+                            <p:childTnLst>
+                              <p:par>
+                                <p:cTn id="53" presetID="1" presetClass="entr" presetSubtype="0" fill="hold" nodeType="clickEffect">
+                                  <p:stCondLst>
+                                    <p:cond delay="0"/>
+                                  </p:stCondLst>
+                                  <p:childTnLst>
+                                    <p:set>
+                                      <p:cBhvr>
+                                        <p:cTn id="54" dur="1" fill="hold">
+                                          <p:stCondLst>
+                                            <p:cond delay="0"/>
+                                          </p:stCondLst>
+                                        </p:cTn>
+                                        <p:tgtEl>
+                                          <p:spTgt spid="5">
+                                            <p:txEl>
+                                              <p:pRg st="4" end="4"/>
+                                            </p:txEl>
+                                          </p:spTgt>
+                                        </p:tgtEl>
+                                        <p:attrNameLst>
+                                          <p:attrName>style.visibility</p:attrName>
+                                        </p:attrNameLst>
+                                      </p:cBhvr>
+                                      <p:to>
+                                        <p:strVal val="visible"/>
+                                      </p:to>
+                                    </p:set>
+                                  </p:childTnLst>
+                                </p:cTn>
+                              </p:par>
+                            </p:childTnLst>
+                          </p:cTn>
+                        </p:par>
+                      </p:childTnLst>
+                    </p:cTn>
+                  </p:par>
+                  <p:par>
+                    <p:cTn id="55" fill="hold">
+                      <p:stCondLst>
+                        <p:cond delay="indefinite"/>
+                      </p:stCondLst>
+                      <p:childTnLst>
+                        <p:par>
+                          <p:cTn id="56" fill="hold">
+                            <p:stCondLst>
+                              <p:cond delay="0"/>
+                            </p:stCondLst>
+                            <p:childTnLst>
+                              <p:par>
+                                <p:cTn id="57" presetID="1" presetClass="entr" presetSubtype="0" fill="hold" nodeType="clickEffect">
+                                  <p:stCondLst>
+                                    <p:cond delay="0"/>
+                                  </p:stCondLst>
+                                  <p:childTnLst>
+                                    <p:set>
+                                      <p:cBhvr>
+                                        <p:cTn id="58" dur="1" fill="hold">
+                                          <p:stCondLst>
+                                            <p:cond delay="0"/>
+                                          </p:stCondLst>
+                                        </p:cTn>
+                                        <p:tgtEl>
+                                          <p:spTgt spid="5">
+                                            <p:txEl>
+                                              <p:pRg st="5" end="5"/>
+                                            </p:txEl>
+                                          </p:spTgt>
+                                        </p:tgtEl>
+                                        <p:attrNameLst>
+                                          <p:attrName>style.visibility</p:attrName>
+                                        </p:attrNameLst>
+                                      </p:cBhvr>
+                                      <p:to>
+                                        <p:strVal val="visible"/>
+                                      </p:to>
+                                    </p:set>
+                                  </p:childTnLst>
+                                </p:cTn>
+                              </p:par>
+                            </p:childTnLst>
+                          </p:cTn>
+                        </p:par>
+                      </p:childTnLst>
+                    </p:cTn>
+                  </p:par>
+                  <p:par>
+                    <p:cTn id="59" fill="hold">
+                      <p:stCondLst>
+                        <p:cond delay="indefinite"/>
+                      </p:stCondLst>
+                      <p:childTnLst>
+                        <p:par>
+                          <p:cTn id="60" fill="hold">
+                            <p:stCondLst>
+                              <p:cond delay="0"/>
+                            </p:stCondLst>
+                            <p:childTnLst>
+                              <p:par>
+                                <p:cTn id="61" presetID="1" presetClass="entr" presetSubtype="0" fill="hold" nodeType="clickEffect">
+                                  <p:stCondLst>
+                                    <p:cond delay="0"/>
+                                  </p:stCondLst>
+                                  <p:childTnLst>
+                                    <p:set>
+                                      <p:cBhvr>
+                                        <p:cTn id="62" dur="1" fill="hold">
+                                          <p:stCondLst>
+                                            <p:cond delay="0"/>
+                                          </p:stCondLst>
+                                        </p:cTn>
+                                        <p:tgtEl>
+                                          <p:spTgt spid="5">
+                                            <p:txEl>
+                                              <p:pRg st="6" end="6"/>
+                                            </p:txEl>
+                                          </p:spTgt>
+                                        </p:tgtEl>
+                                        <p:attrNameLst>
+                                          <p:attrName>style.visibility</p:attrName>
+                                        </p:attrNameLst>
+                                      </p:cBhvr>
+                                      <p:to>
+                                        <p:strVal val="visible"/>
+                                      </p:to>
+                                    </p:set>
+                                  </p:childTnLst>
+                                </p:cTn>
+                              </p:par>
+                            </p:childTnLst>
+                          </p:cTn>
+                        </p:par>
+                      </p:childTnLst>
+                    </p:cTn>
+                  </p:par>
+                  <p:par>
+                    <p:cTn id="63" fill="hold">
+                      <p:stCondLst>
+                        <p:cond delay="indefinite"/>
+                      </p:stCondLst>
+                      <p:childTnLst>
+                        <p:par>
+                          <p:cTn id="64" fill="hold">
+                            <p:stCondLst>
+                              <p:cond delay="0"/>
+                            </p:stCondLst>
+                            <p:childTnLst>
+                              <p:par>
+                                <p:cTn id="65" presetID="1" presetClass="entr" presetSubtype="0" fill="hold" nodeType="clickEffect">
+                                  <p:stCondLst>
+                                    <p:cond delay="0"/>
+                                  </p:stCondLst>
+                                  <p:childTnLst>
+                                    <p:set>
+                                      <p:cBhvr>
+                                        <p:cTn id="66" dur="1" fill="hold">
+                                          <p:stCondLst>
+                                            <p:cond delay="0"/>
+                                          </p:stCondLst>
+                                        </p:cTn>
+                                        <p:tgtEl>
+                                          <p:spTgt spid="5">
+                                            <p:txEl>
+                                              <p:pRg st="7" end="7"/>
+                                            </p:txEl>
+                                          </p:spTgt>
+                                        </p:tgtEl>
+                                        <p:attrNameLst>
+                                          <p:attrName>style.visibility</p:attrName>
+                                        </p:attrNameLst>
+                                      </p:cBhvr>
+                                      <p:to>
+                                        <p:strVal val="visible"/>
+                                      </p:to>
+                                    </p:set>
+                                  </p:childTnLst>
+                                </p:cTn>
+                              </p:par>
+                            </p:childTnLst>
+                          </p:cTn>
+                        </p:par>
+                      </p:childTnLst>
+                    </p:cTn>
+                  </p:par>
+                </p:childTnLst>
+              </p:cTn>
+              <p:prevCondLst>
+                <p:cond evt="onPrev" delay="0">
+                  <p:tgtEl>
+                    <p:sldTgt/>
+                  </p:tgtEl>
+                </p:cond>
+              </p:prevCondLst>
+              <p:nextCondLst>
+                <p:cond evt="onNext" delay="0">
+                  <p:tgtEl>
+                    <p:sldTgt/>
+                  </p:tgtEl>
+                </p:cond>
+              </p:nextCondLst>
+            </p:seq>
+          </p:childTnLst>
+        </p:cTn>
+      </p:par>
+    </p:tnLst>
+  </p:timing>
+</p:sld>
+</file>
+
+<file path=ppt/slides/slide6.xml><?xml version="1.0" encoding="utf-8"?>
+<p:sld xmlns:a="http://schemas.openxmlformats.org/drawingml/2006/main" xmlns:r="http://schemas.openxmlformats.org/officeDocument/2006/relationships" xmlns:p="http://schemas.openxmlformats.org/presentationml/2006/main">
+  <p:cSld>
+    <p:spTree>
+      <p:nvGrpSpPr>
+        <p:cNvPr id="1" name=""/>
+        <p:cNvGrpSpPr/>
+        <p:nvPr/>
+      </p:nvGrpSpPr>
+      <p:grpSpPr>
+        <a:xfrm>
+          <a:off x="0" y="0"/>
+          <a:ext cx="0" cy="0"/>
+          <a:chOff x="0" y="0"/>
+          <a:chExt cx="0" cy="0"/>
+        </a:xfrm>
+      </p:grpSpPr>
+      <p:sp>
+        <p:nvSpPr>
+          <p:cNvPr id="2" name="Title 1"/>
+          <p:cNvSpPr>
+            <a:spLocks noGrp="1"/>
+          </p:cNvSpPr>
+          <p:nvPr>
+            <p:ph type="title"/>
+          </p:nvPr>
+        </p:nvSpPr>
+        <p:spPr/>
+        <p:txBody>
+          <a:bodyPr>
+            <a:normAutofit/>
+          </a:bodyPr>
+          <a:lstStyle/>
+          <a:p>
+            <a:r>
+              <a:rPr lang="en-US" sz="4800" dirty="0"/>
+              <a:t>Programming Models – Reliable Services</a:t>
+            </a:r>
+          </a:p>
+        </p:txBody>
+      </p:sp>
+      <p:sp>
+        <p:nvSpPr>
+          <p:cNvPr id="3" name="Content Placeholder 2"/>
+          <p:cNvSpPr>
+            <a:spLocks noGrp="1"/>
+          </p:cNvSpPr>
+          <p:nvPr>
+            <p:ph idx="1"/>
+          </p:nvPr>
+        </p:nvSpPr>
+        <p:spPr/>
+        <p:txBody>
+          <a:bodyPr/>
+          <a:lstStyle/>
+          <a:p>
+            <a:endParaRPr lang="en-US" dirty="0"/>
+          </a:p>
+        </p:txBody>
+      </p:sp>
+    </p:spTree>
+    <p:extLst>
+      <p:ext uri="{BB962C8B-B14F-4D97-AF65-F5344CB8AC3E}">
+        <p14:creationId xmlns:p14="http://schemas.microsoft.com/office/powerpoint/2010/main" val="1911394192"/>
+      </p:ext>
+    </p:extLst>
+  </p:cSld>
+  <p:clrMapOvr>
+    <a:masterClrMapping/>
+  </p:clrMapOvr>
+</p:sld>
+</file>
+
+<file path=ppt/slides/slide7.xml><?xml version="1.0" encoding="utf-8"?>
+<p:sld xmlns:a="http://schemas.openxmlformats.org/drawingml/2006/main" xmlns:r="http://schemas.openxmlformats.org/officeDocument/2006/relationships" xmlns:p="http://schemas.openxmlformats.org/presentationml/2006/main">
+  <p:cSld>
+    <p:spTree>
+      <p:nvGrpSpPr>
+        <p:cNvPr id="1" name=""/>
+        <p:cNvGrpSpPr/>
+        <p:nvPr/>
+      </p:nvGrpSpPr>
+      <p:grpSpPr>
+        <a:xfrm>
+          <a:off x="0" y="0"/>
+          <a:ext cx="0" cy="0"/>
+          <a:chOff x="0" y="0"/>
+          <a:chExt cx="0" cy="0"/>
+        </a:xfrm>
+      </p:grpSpPr>
+      <p:sp>
+        <p:nvSpPr>
+          <p:cNvPr id="2" name="Title 1"/>
+          <p:cNvSpPr>
+            <a:spLocks noGrp="1"/>
+          </p:cNvSpPr>
+          <p:nvPr>
+            <p:ph type="title"/>
+          </p:nvPr>
+        </p:nvSpPr>
+        <p:spPr/>
+        <p:txBody>
+          <a:bodyPr>
+            <a:normAutofit/>
+          </a:bodyPr>
+          <a:lstStyle/>
+          <a:p>
+            <a:r>
+              <a:rPr lang="en-US" sz="4800" dirty="0"/>
+              <a:t>Programming Models – Reliable Actors</a:t>
+            </a:r>
+          </a:p>
+        </p:txBody>
+      </p:sp>
+      <p:sp>
+        <p:nvSpPr>
+          <p:cNvPr id="3" name="Content Placeholder 2"/>
+          <p:cNvSpPr>
+            <a:spLocks noGrp="1"/>
+          </p:cNvSpPr>
+          <p:nvPr>
+            <p:ph idx="1"/>
+          </p:nvPr>
+        </p:nvSpPr>
+        <p:spPr/>
+        <p:txBody>
+          <a:bodyPr/>
+          <a:lstStyle/>
+          <a:p>
+            <a:endParaRPr lang="en-US" dirty="0"/>
+          </a:p>
+        </p:txBody>
+      </p:sp>
+    </p:spTree>
+    <p:extLst>
+      <p:ext uri="{BB962C8B-B14F-4D97-AF65-F5344CB8AC3E}">
+        <p14:creationId xmlns:p14="http://schemas.microsoft.com/office/powerpoint/2010/main" val="1702669842"/>
+      </p:ext>
+    </p:extLst>
+  </p:cSld>
+  <p:clrMapOvr>
+    <a:masterClrMapping/>
+  </p:clrMapOvr>
+</p:sld>
+</file>
+
+<file path=ppt/slides/slide8.xml><?xml version="1.0" encoding="utf-8"?>
+<p:sld xmlns:a="http://schemas.openxmlformats.org/drawingml/2006/main" xmlns:r="http://schemas.openxmlformats.org/officeDocument/2006/relationships" xmlns:p="http://schemas.openxmlformats.org/presentationml/2006/main">
+  <p:cSld>
+    <p:spTree>
+      <p:nvGrpSpPr>
+        <p:cNvPr id="1" name=""/>
+        <p:cNvGrpSpPr/>
+        <p:nvPr/>
+      </p:nvGrpSpPr>
+      <p:grpSpPr>
+        <a:xfrm>
+          <a:off x="0" y="0"/>
+          <a:ext cx="0" cy="0"/>
+          <a:chOff x="0" y="0"/>
+          <a:chExt cx="0" cy="0"/>
+        </a:xfrm>
+      </p:grpSpPr>
+      <p:sp>
+        <p:nvSpPr>
+          <p:cNvPr id="2" name="Title 1"/>
+          <p:cNvSpPr>
+            <a:spLocks noGrp="1"/>
+          </p:cNvSpPr>
+          <p:nvPr>
+            <p:ph type="title"/>
+          </p:nvPr>
+        </p:nvSpPr>
+        <p:spPr/>
+        <p:txBody>
+          <a:bodyPr/>
+          <a:lstStyle/>
+          <a:p>
+            <a:r>
+              <a:rPr lang="en-US" dirty="0"/>
+              <a:t>But I Don’t </a:t>
+            </a:r>
+            <a:r>
+              <a:rPr lang="en-US" dirty="0" err="1"/>
+              <a:t>Wanna</a:t>
+            </a:r>
+            <a:r>
+              <a:rPr lang="en-US" dirty="0"/>
+              <a:t> Use .NET</a:t>
+            </a:r>
+          </a:p>
+        </p:txBody>
+      </p:sp>
+      <p:sp>
+        <p:nvSpPr>
+          <p:cNvPr id="3" name="Content Placeholder 2"/>
+          <p:cNvSpPr>
+            <a:spLocks noGrp="1"/>
+          </p:cNvSpPr>
+          <p:nvPr>
+            <p:ph idx="1"/>
+          </p:nvPr>
+        </p:nvSpPr>
+        <p:spPr/>
+        <p:txBody>
+          <a:bodyPr/>
+          <a:lstStyle/>
+          <a:p>
+            <a:endParaRPr lang="en-US"/>
+          </a:p>
+        </p:txBody>
+      </p:sp>
+    </p:spTree>
+    <p:extLst>
+      <p:ext uri="{BB962C8B-B14F-4D97-AF65-F5344CB8AC3E}">
+        <p14:creationId xmlns:p14="http://schemas.microsoft.com/office/powerpoint/2010/main" val="115085316"/>
+      </p:ext>
+    </p:extLst>
+  </p:cSld>
+  <p:clrMapOvr>
+    <a:masterClrMapping/>
+  </p:clrMapOvr>
+</p:sld>
+</file>
+
+<file path=ppt/slides/slide9.xml><?xml version="1.0" encoding="utf-8"?>
+<p:sld xmlns:a="http://schemas.openxmlformats.org/drawingml/2006/main" xmlns:r="http://schemas.openxmlformats.org/officeDocument/2006/relationships" xmlns:p="http://schemas.openxmlformats.org/presentationml/2006/main">
+  <p:cSld>
+    <p:spTree>
+      <p:nvGrpSpPr>
+        <p:cNvPr id="1" name=""/>
+        <p:cNvGrpSpPr/>
+        <p:nvPr/>
+      </p:nvGrpSpPr>
+      <p:grpSpPr>
+        <a:xfrm>
+          <a:off x="0" y="0"/>
+          <a:ext cx="0" cy="0"/>
+          <a:chOff x="0" y="0"/>
+          <a:chExt cx="0" cy="0"/>
+        </a:xfrm>
+      </p:grpSpPr>
+      <p:sp>
+        <p:nvSpPr>
+          <p:cNvPr id="2" name="Title 1"/>
+          <p:cNvSpPr>
+            <a:spLocks noGrp="1"/>
+          </p:cNvSpPr>
+          <p:nvPr>
+            <p:ph type="title"/>
+          </p:nvPr>
+        </p:nvSpPr>
+        <p:spPr/>
+        <p:txBody>
+          <a:bodyPr/>
+          <a:lstStyle/>
+          <a:p>
+            <a:r>
+              <a:rPr lang="en-US" dirty="0"/>
+              <a:t>Logical App Topology</a:t>
+            </a:r>
+          </a:p>
+        </p:txBody>
+      </p:sp>
+      <p:sp>
+        <p:nvSpPr>
+          <p:cNvPr id="3" name="Content Placeholder 2"/>
+          <p:cNvSpPr>
+            <a:spLocks noGrp="1"/>
+          </p:cNvSpPr>
+          <p:nvPr>
+            <p:ph idx="1"/>
+          </p:nvPr>
+        </p:nvSpPr>
+        <p:spPr/>
+        <p:txBody>
+          <a:bodyPr/>
+          <a:lstStyle/>
+          <a:p>
+            <a:endParaRPr lang="en-US"/>
+          </a:p>
+        </p:txBody>
+      </p:sp>
+    </p:spTree>
+    <p:extLst>
+      <p:ext uri="{BB962C8B-B14F-4D97-AF65-F5344CB8AC3E}">
+        <p14:creationId xmlns:p14="http://schemas.microsoft.com/office/powerpoint/2010/main" val="3619535791"/>
+      </p:ext>
+    </p:extLst>
+  </p:cSld>
+  <p:clrMapOvr>
+    <a:masterClrMapping/>
+  </p:clrMapOvr>
+</p:sld>
+</file>
+
 <file path=ppt/theme/theme1.xml><?xml version="1.0" encoding="utf-8"?>
-<a:theme xmlns:a="http://schemas.openxmlformats.org/drawingml/2006/main" name="Office Theme">
+<a:theme xmlns:a="http://schemas.openxmlformats.org/drawingml/2006/main" name="Wood Type">
   <a:themeElements>
-    <a:clrScheme name="Office">
+    <a:clrScheme name="Wood Type">
       <a:dk1>
         <a:sysClr val="windowText" lastClr="000000"/>
       </a:dk1>
@@ -3026,48 +6242,86 @@
         <a:sysClr val="window" lastClr="FFFFFF"/>
       </a:lt1>
       <a:dk2>
-        <a:srgbClr val="44546A"/>
+        <a:srgbClr val="696464"/>
       </a:dk2>
       <a:lt2>
-        <a:srgbClr val="E7E6E6"/>
+        <a:srgbClr val="E9E5DC"/>
       </a:lt2>
       <a:accent1>
-        <a:srgbClr val="5B9BD5"/>
+        <a:srgbClr val="D34817"/>
       </a:accent1>
       <a:accent2>
-        <a:srgbClr val="ED7D31"/>
+        <a:srgbClr val="9B2D1F"/>
       </a:accent2>
       <a:accent3>
-        <a:srgbClr val="A5A5A5"/>
+        <a:srgbClr val="A28E6A"/>
       </a:accent3>
       <a:accent4>
-        <a:srgbClr val="FFC000"/>
+        <a:srgbClr val="956251"/>
       </a:accent4>
       <a:accent5>
-        <a:srgbClr val="4472C4"/>
+        <a:srgbClr val="918485"/>
       </a:accent5>
       <a:accent6>
-        <a:srgbClr val="70AD47"/>
+        <a:srgbClr val="855D5D"/>
       </a:accent6>
       <a:hlink>
-        <a:srgbClr val="0563C1"/>
+        <a:srgbClr val="CC9900"/>
       </a:hlink>
       <a:folHlink>
-        <a:srgbClr val="954F72"/>
+        <a:srgbClr val="96A9A9"/>
       </a:folHlink>
     </a:clrScheme>
-    <a:fontScheme name="Office">
+    <a:fontScheme name="Wood Type">
       <a:majorFont>
-        <a:latin typeface="Calibri Light" panose="020F0302020204030204"/>
+        <a:latin typeface="Rockwell Condensed" panose="02060603050405020104"/>
         <a:ea typeface=""/>
         <a:cs typeface=""/>
-        <a:font script="Jpan" typeface="游ゴシック Light"/>
-        <a:font script="Hang" typeface="맑은 고딕"/>
-        <a:font script="Hans" typeface="等线 Light"/>
-        <a:font script="Hant" typeface="新細明體"/>
+        <a:font script="Grek" typeface="Cambria"/>
+        <a:font script="Cyrl" typeface="Cambria"/>
+        <a:font script="Jpan" typeface="HG明朝B"/>
+        <a:font script="Hang" typeface="바탕"/>
+        <a:font script="Hans" typeface="方正姚体"/>
+        <a:font script="Hant" typeface="微軟正黑體"/>
         <a:font script="Arab" typeface="Times New Roman"/>
-        <a:font script="Hebr" typeface="Times New Roman"/>
-        <a:font script="Thai" typeface="Angsana New"/>
+        <a:font script="Hebr" typeface="David"/>
+        <a:font script="Thai" typeface="JasmineUPC"/>
+        <a:font script="Ethi" typeface="Nyala"/>
+        <a:font script="Beng" typeface="Vrinda"/>
+        <a:font script="Gujr" typeface="Shruti"/>
+        <a:font script="Khmr" typeface="MoolBoran"/>
+        <a:font script="Knda" typeface="Tunga"/>
+        <a:font script="Guru" typeface="Raavi"/>
+        <a:font script="Cans" typeface="Euphemia"/>
+        <a:font script="Cher" typeface="Plantagenet Cherokee"/>
+        <a:font script="Yiii" typeface="Microsoft Yi Baiti"/>
+        <a:font script="Tibt" typeface="Microsoft Himalaya"/>
+        <a:font script="Thaa" typeface="MV Boli"/>
+        <a:font script="Deva" typeface="Mangal"/>
+        <a:font script="Telu" typeface="Gautami"/>
+        <a:font script="Taml" typeface="Latha"/>
+        <a:font script="Syrc" typeface="Estrangelo Edessa"/>
+        <a:font script="Orya" typeface="Kalinga"/>
+        <a:font script="Mlym" typeface="Kartika"/>
+        <a:font script="Laoo" typeface="DokChampa"/>
+        <a:font script="Sinh" typeface="Iskoola Pota"/>
+        <a:font script="Mong" typeface="Mongolian Baiti"/>
+        <a:font script="Viet" typeface="Arial"/>
+        <a:font script="Uigh" typeface="Microsoft Uighur"/>
+      </a:majorFont>
+      <a:minorFont>
+        <a:latin typeface="Rockwell" panose="02060603020205020403"/>
+        <a:ea typeface=""/>
+        <a:cs typeface=""/>
+        <a:font script="Grek" typeface="Cambria"/>
+        <a:font script="Cyrl" typeface="Cambria"/>
+        <a:font script="Jpan" typeface="HG明朝B"/>
+        <a:font script="Hang" typeface="바탕"/>
+        <a:font script="Hans" typeface="方正姚体"/>
+        <a:font script="Hant" typeface="標楷體"/>
+        <a:font script="Arab" typeface="Times New Roman"/>
+        <a:font script="Hebr" typeface="David"/>
+        <a:font script="Thai" typeface="JasmineUPC"/>
         <a:font script="Ethi" typeface="Nyala"/>
         <a:font script="Beng" typeface="Vrinda"/>
         <a:font script="Gujr" typeface="Shruti"/>
@@ -3090,135 +6344,42 @@
         <a:font script="Mong" typeface="Mongolian Baiti"/>
         <a:font script="Viet" typeface="Times New Roman"/>
         <a:font script="Uigh" typeface="Microsoft Uighur"/>
-        <a:font script="Geor" typeface="Sylfaen"/>
-        <a:font script="Armn" typeface="Arial"/>
-        <a:font script="Bugi" typeface="Leelawadee UI"/>
-        <a:font script="Bopo" typeface="Microsoft JhengHei"/>
-        <a:font script="Java" typeface="Javanese Text"/>
-        <a:font script="Lisu" typeface="Segoe UI"/>
-        <a:font script="Mymr" typeface="Myanmar Text"/>
-        <a:font script="Nkoo" typeface="Ebrima"/>
-        <a:font script="Olck" typeface="Nirmala UI"/>
-        <a:font script="Osma" typeface="Ebrima"/>
-        <a:font script="Phag" typeface="Phagspa"/>
-        <a:font script="Syrn" typeface="Estrangelo Edessa"/>
-        <a:font script="Syrj" typeface="Estrangelo Edessa"/>
-        <a:font script="Syre" typeface="Estrangelo Edessa"/>
-        <a:font script="Sora" typeface="Nirmala UI"/>
-        <a:font script="Tale" typeface="Microsoft Tai Le"/>
-        <a:font script="Talu" typeface="Microsoft New Tai Lue"/>
-        <a:font script="Tfng" typeface="Ebrima"/>
-      </a:majorFont>
-      <a:minorFont>
-        <a:latin typeface="Calibri" panose="020F0502020204030204"/>
-        <a:ea typeface=""/>
-        <a:cs typeface=""/>
-        <a:font script="Jpan" typeface="游ゴシック"/>
-        <a:font script="Hang" typeface="맑은 고딕"/>
-        <a:font script="Hans" typeface="等线"/>
-        <a:font script="Hant" typeface="新細明體"/>
-        <a:font script="Arab" typeface="Arial"/>
-        <a:font script="Hebr" typeface="Arial"/>
-        <a:font script="Thai" typeface="Cordia New"/>
-        <a:font script="Ethi" typeface="Nyala"/>
-        <a:font script="Beng" typeface="Vrinda"/>
-        <a:font script="Gujr" typeface="Shruti"/>
-        <a:font script="Khmr" typeface="DaunPenh"/>
-        <a:font script="Knda" typeface="Tunga"/>
-        <a:font script="Guru" typeface="Raavi"/>
-        <a:font script="Cans" typeface="Euphemia"/>
-        <a:font script="Cher" typeface="Plantagenet Cherokee"/>
-        <a:font script="Yiii" typeface="Microsoft Yi Baiti"/>
-        <a:font script="Tibt" typeface="Microsoft Himalaya"/>
-        <a:font script="Thaa" typeface="MV Boli"/>
-        <a:font script="Deva" typeface="Mangal"/>
-        <a:font script="Telu" typeface="Gautami"/>
-        <a:font script="Taml" typeface="Latha"/>
-        <a:font script="Syrc" typeface="Estrangelo Edessa"/>
-        <a:font script="Orya" typeface="Kalinga"/>
-        <a:font script="Mlym" typeface="Kartika"/>
-        <a:font script="Laoo" typeface="DokChampa"/>
-        <a:font script="Sinh" typeface="Iskoola Pota"/>
-        <a:font script="Mong" typeface="Mongolian Baiti"/>
-        <a:font script="Viet" typeface="Arial"/>
-        <a:font script="Uigh" typeface="Microsoft Uighur"/>
-        <a:font script="Geor" typeface="Sylfaen"/>
-        <a:font script="Armn" typeface="Arial"/>
-        <a:font script="Bugi" typeface="Leelawadee UI"/>
-        <a:font script="Bopo" typeface="Microsoft JhengHei"/>
-        <a:font script="Java" typeface="Javanese Text"/>
-        <a:font script="Lisu" typeface="Segoe UI"/>
-        <a:font script="Mymr" typeface="Myanmar Text"/>
-        <a:font script="Nkoo" typeface="Ebrima"/>
-        <a:font script="Olck" typeface="Nirmala UI"/>
-        <a:font script="Osma" typeface="Ebrima"/>
-        <a:font script="Phag" typeface="Phagspa"/>
-        <a:font script="Syrn" typeface="Estrangelo Edessa"/>
-        <a:font script="Syrj" typeface="Estrangelo Edessa"/>
-        <a:font script="Syre" typeface="Estrangelo Edessa"/>
-        <a:font script="Sora" typeface="Nirmala UI"/>
-        <a:font script="Tale" typeface="Microsoft Tai Le"/>
-        <a:font script="Talu" typeface="Microsoft New Tai Lue"/>
-        <a:font script="Tfng" typeface="Ebrima"/>
       </a:minorFont>
     </a:fontScheme>
-    <a:fmtScheme name="Office">
+    <a:fmtScheme name="Wood Type">
       <a:fillStyleLst>
         <a:solidFill>
           <a:schemeClr val="phClr"/>
         </a:solidFill>
-        <a:gradFill rotWithShape="1">
-          <a:gsLst>
-            <a:gs pos="0">
+        <a:blipFill rotWithShape="1">
+          <a:blip xmlns:r="http://schemas.openxmlformats.org/officeDocument/2006/relationships" r:embed="rId1">
+            <a:duotone>
               <a:schemeClr val="phClr">
-                <a:lumMod val="110000"/>
-                <a:satMod val="105000"/>
-                <a:tint val="67000"/>
+                <a:tint val="70000"/>
+                <a:shade val="63000"/>
               </a:schemeClr>
-            </a:gs>
-            <a:gs pos="50000">
               <a:schemeClr val="phClr">
-                <a:lumMod val="105000"/>
-                <a:satMod val="103000"/>
-                <a:tint val="73000"/>
+                <a:tint val="10000"/>
+                <a:satMod val="150000"/>
               </a:schemeClr>
-            </a:gs>
-            <a:gs pos="100000">
+            </a:duotone>
+          </a:blip>
+          <a:tile tx="0" ty="0" sx="60000" sy="59000" flip="none" algn="tl"/>
+        </a:blipFill>
+        <a:blipFill rotWithShape="1">
+          <a:blip xmlns:r="http://schemas.openxmlformats.org/officeDocument/2006/relationships" r:embed="rId1">
+            <a:duotone>
               <a:schemeClr val="phClr">
-                <a:lumMod val="105000"/>
-                <a:satMod val="109000"/>
-                <a:tint val="81000"/>
+                <a:shade val="36000"/>
+                <a:satMod val="120000"/>
               </a:schemeClr>
-            </a:gs>
-          </a:gsLst>
-          <a:lin ang="5400000" scaled="0"/>
-        </a:gradFill>
-        <a:gradFill rotWithShape="1">
-          <a:gsLst>
-            <a:gs pos="0">
               <a:schemeClr val="phClr">
-                <a:satMod val="103000"/>
-                <a:lumMod val="102000"/>
-                <a:tint val="94000"/>
+                <a:tint val="40000"/>
               </a:schemeClr>
-            </a:gs>
-            <a:gs pos="50000">
-              <a:schemeClr val="phClr">
-                <a:satMod val="110000"/>
-                <a:lumMod val="100000"/>
-                <a:shade val="100000"/>
-              </a:schemeClr>
-            </a:gs>
-            <a:gs pos="100000">
-              <a:schemeClr val="phClr">
-                <a:lumMod val="99000"/>
-                <a:satMod val="120000"/>
-                <a:shade val="78000"/>
-              </a:schemeClr>
-            </a:gs>
-          </a:gsLst>
-          <a:lin ang="5400000" scaled="0"/>
-        </a:gradFill>
+            </a:duotone>
+          </a:blip>
+          <a:tile tx="0" ty="0" sx="60000" sy="59000" flip="none" algn="tl"/>
+        </a:blipFill>
       </a:fillStyleLst>
       <a:lnStyleLst>
         <a:ln w="6350" cap="flat" cmpd="sng" algn="ctr">
@@ -3226,21 +6387,18 @@
             <a:schemeClr val="phClr"/>
           </a:solidFill>
           <a:prstDash val="solid"/>
-          <a:miter lim="800000"/>
         </a:ln>
         <a:ln w="12700" cap="flat" cmpd="sng" algn="ctr">
           <a:solidFill>
             <a:schemeClr val="phClr"/>
           </a:solidFill>
           <a:prstDash val="solid"/>
-          <a:miter lim="800000"/>
         </a:ln>
         <a:ln w="19050" cap="flat" cmpd="sng" algn="ctr">
           <a:solidFill>
             <a:schemeClr val="phClr"/>
           </a:solidFill>
           <a:prstDash val="solid"/>
-          <a:miter lim="800000"/>
         </a:ln>
       </a:lnStyleLst>
       <a:effectStyleLst>
@@ -3248,15 +6406,18 @@
           <a:effectLst/>
         </a:effectStyle>
         <a:effectStyle>
-          <a:effectLst/>
+          <a:effectLst>
+            <a:softEdge rad="12700"/>
+          </a:effectLst>
         </a:effectStyle>
         <a:effectStyle>
           <a:effectLst>
-            <a:outerShdw blurRad="57150" dist="19050" dir="5400000" algn="ctr" rotWithShape="0">
+            <a:outerShdw blurRad="50800" dist="19050" dir="5400000" algn="tl" rotWithShape="0">
               <a:srgbClr val="000000">
-                <a:alpha val="63000"/>
+                <a:alpha val="60000"/>
               </a:srgbClr>
             </a:outerShdw>
+            <a:softEdge rad="12700"/>
           </a:effectLst>
         </a:effectStyle>
       </a:effectStyleLst>
@@ -3266,37 +6427,26 @@
         </a:solidFill>
         <a:solidFill>
           <a:schemeClr val="phClr">
-            <a:tint val="95000"/>
-            <a:satMod val="170000"/>
+            <a:shade val="97000"/>
+            <a:satMod val="150000"/>
           </a:schemeClr>
         </a:solidFill>
-        <a:gradFill rotWithShape="1">
-          <a:gsLst>
-            <a:gs pos="0">
+        <a:blipFill rotWithShape="1">
+          <a:blip xmlns:r="http://schemas.openxmlformats.org/officeDocument/2006/relationships" r:embed="rId1">
+            <a:duotone>
               <a:schemeClr val="phClr">
-                <a:tint val="93000"/>
-                <a:satMod val="150000"/>
-                <a:shade val="98000"/>
-                <a:lumMod val="102000"/>
-              </a:schemeClr>
-            </a:gs>
-            <a:gs pos="50000">
-              <a:schemeClr val="phClr">
-                <a:tint val="98000"/>
-                <a:satMod val="130000"/>
-                <a:shade val="90000"/>
-                <a:lumMod val="103000"/>
-              </a:schemeClr>
-            </a:gs>
-            <a:gs pos="100000">
-              <a:schemeClr val="phClr">
-                <a:shade val="63000"/>
+                <a:tint val="75000"/>
+                <a:shade val="58000"/>
                 <a:satMod val="120000"/>
               </a:schemeClr>
-            </a:gs>
-          </a:gsLst>
-          <a:lin ang="5400000" scaled="0"/>
-        </a:gradFill>
+              <a:schemeClr val="phClr">
+                <a:tint val="50000"/>
+                <a:shade val="96000"/>
+              </a:schemeClr>
+            </a:duotone>
+          </a:blip>
+          <a:tile tx="0" ty="0" sx="100000" sy="100000" flip="none" algn="tl"/>
+        </a:blipFill>
       </a:bgFillStyleLst>
     </a:fmtScheme>
   </a:themeElements>
@@ -3304,7 +6454,7 @@
   <a:extraClrSchemeLst/>
   <a:extLst>
     <a:ext uri="{05A4C25C-085E-4340-85A3-A5531E510DB2}">
-      <thm15:themeFamily xmlns:thm15="http://schemas.microsoft.com/office/thememl/2012/main" name="Office Theme" id="{62F939B6-93AF-4DB8-9C6B-D6C7DFDC589F}" vid="{4A3C46E8-61CC-4603-A589-7422A47A8E4A}"/>
+      <thm15:themeFamily xmlns:thm15="http://schemas.microsoft.com/office/thememl/2012/main" name="Wood Type" id="{7ACABC62-BF99-48CF-A9DC-4DB89C7B13DC}" vid="{142A1326-48AB-42A9-8428-CB14AA30176D}"/>
     </a:ext>
   </a:extLst>
 </a:theme>

--- a/gab-2016-sf.pptx
+++ b/gab-2016-sf.pptx
@@ -10,15 +10,16 @@
     <p:sldId id="258" r:id="rId4"/>
     <p:sldId id="270" r:id="rId5"/>
     <p:sldId id="262" r:id="rId6"/>
-    <p:sldId id="271" r:id="rId7"/>
-    <p:sldId id="267" r:id="rId8"/>
-    <p:sldId id="261" r:id="rId9"/>
-    <p:sldId id="264" r:id="rId10"/>
-    <p:sldId id="268" r:id="rId11"/>
-    <p:sldId id="265" r:id="rId12"/>
-    <p:sldId id="259" r:id="rId13"/>
-    <p:sldId id="266" r:id="rId14"/>
-    <p:sldId id="269" r:id="rId15"/>
+    <p:sldId id="272" r:id="rId7"/>
+    <p:sldId id="271" r:id="rId8"/>
+    <p:sldId id="274" r:id="rId9"/>
+    <p:sldId id="267" r:id="rId10"/>
+    <p:sldId id="275" r:id="rId11"/>
+    <p:sldId id="264" r:id="rId12"/>
+    <p:sldId id="268" r:id="rId13"/>
+    <p:sldId id="273" r:id="rId14"/>
+    <p:sldId id="265" r:id="rId15"/>
+    <p:sldId id="269" r:id="rId16"/>
   </p:sldIdLst>
   <p:sldSz cx="12192000" cy="6858000"/>
   <p:notesSz cx="6858000" cy="9144000"/>
@@ -4132,7 +4133,7 @@
       </p:grpSpPr>
       <p:sp>
         <p:nvSpPr>
-          <p:cNvPr id="2" name="Title 1"/>
+          <p:cNvPr id="4" name="Title 3"/>
           <p:cNvSpPr>
             <a:spLocks noGrp="1"/>
           </p:cNvSpPr>
@@ -4147,19 +4148,19 @@
           <a:p>
             <a:r>
               <a:rPr lang="en-US" dirty="0"/>
-              <a:t>Physical Cluster Topology</a:t>
-            </a:r>
-          </a:p>
-        </p:txBody>
-      </p:sp>
-      <p:sp>
-        <p:nvSpPr>
-          <p:cNvPr id="3" name="Content Placeholder 2"/>
+              <a:t>Demo</a:t>
+            </a:r>
+          </a:p>
+        </p:txBody>
+      </p:sp>
+      <p:sp>
+        <p:nvSpPr>
+          <p:cNvPr id="5" name="Text Placeholder 4"/>
           <p:cNvSpPr>
             <a:spLocks noGrp="1"/>
           </p:cNvSpPr>
           <p:nvPr>
-            <p:ph idx="1"/>
+            <p:ph type="body" idx="1"/>
           </p:nvPr>
         </p:nvSpPr>
         <p:spPr/>
@@ -4167,14 +4168,18 @@
           <a:bodyPr/>
           <a:lstStyle/>
           <a:p>
-            <a:endParaRPr lang="en-US"/>
+            <a:r>
+              <a:rPr lang="en-US"/>
+              <a:t>Reliable Actors</a:t>
+            </a:r>
+            <a:endParaRPr lang="en-US" dirty="0"/>
           </a:p>
         </p:txBody>
       </p:sp>
     </p:spTree>
     <p:extLst>
       <p:ext uri="{BB962C8B-B14F-4D97-AF65-F5344CB8AC3E}">
-        <p14:creationId xmlns:p14="http://schemas.microsoft.com/office/powerpoint/2010/main" val="1183340"/>
+        <p14:creationId xmlns:p14="http://schemas.microsoft.com/office/powerpoint/2010/main" val="290155166"/>
       </p:ext>
     </p:extLst>
   </p:cSld>
@@ -4211,21 +4216,26 @@
             <p:ph type="title"/>
           </p:nvPr>
         </p:nvSpPr>
-        <p:spPr/>
+        <p:spPr>
+          <a:xfrm>
+            <a:off x="1069848" y="-202435"/>
+            <a:ext cx="10058400" cy="1609344"/>
+          </a:xfrm>
+        </p:spPr>
         <p:txBody>
           <a:bodyPr/>
           <a:lstStyle/>
           <a:p>
             <a:r>
               <a:rPr lang="en-US" dirty="0"/>
-              <a:t>Deployment Scenarios</a:t>
-            </a:r>
-          </a:p>
-        </p:txBody>
-      </p:sp>
-      <p:sp>
-        <p:nvSpPr>
-          <p:cNvPr id="3" name="Content Placeholder 2"/>
+              <a:t>Logical App Topology</a:t>
+            </a:r>
+          </a:p>
+        </p:txBody>
+      </p:sp>
+      <p:sp>
+        <p:nvSpPr>
+          <p:cNvPr id="5" name="Content Placeholder 4"/>
           <p:cNvSpPr>
             <a:spLocks noGrp="1"/>
           </p:cNvSpPr>
@@ -4238,86 +4248,2650 @@
           <a:bodyPr/>
           <a:lstStyle/>
           <a:p>
+            <a:endParaRPr lang="en-US"/>
+          </a:p>
+        </p:txBody>
+      </p:sp>
+      <p:sp>
+        <p:nvSpPr>
+          <p:cNvPr id="6" name="Rounded Rectangle 5"/>
+          <p:cNvSpPr/>
+          <p:nvPr/>
+        </p:nvSpPr>
+        <p:spPr>
+          <a:xfrm>
+            <a:off x="1527047" y="1301262"/>
+            <a:ext cx="9144001" cy="5392615"/>
+          </a:xfrm>
+          <a:prstGeom prst="roundRect">
+            <a:avLst/>
+          </a:prstGeom>
+        </p:spPr>
+        <p:style>
+          <a:lnRef idx="2">
+            <a:schemeClr val="accent1">
+              <a:shade val="50000"/>
+            </a:schemeClr>
+          </a:lnRef>
+          <a:fillRef idx="1">
+            <a:schemeClr val="accent1"/>
+          </a:fillRef>
+          <a:effectRef idx="0">
+            <a:schemeClr val="accent1"/>
+          </a:effectRef>
+          <a:fontRef idx="minor">
+            <a:schemeClr val="lt1"/>
+          </a:fontRef>
+        </p:style>
+        <p:txBody>
+          <a:bodyPr rtlCol="0" anchor="t"/>
+          <a:lstStyle/>
+          <a:p>
             <a:r>
               <a:rPr lang="en-US" dirty="0"/>
-              <a:t>Deploy to Azure</a:t>
-            </a:r>
-          </a:p>
+              <a:t>Application</a:t>
+            </a:r>
+          </a:p>
+        </p:txBody>
+      </p:sp>
+      <p:sp>
+        <p:nvSpPr>
+          <p:cNvPr id="7" name="Rounded Rectangle 6"/>
+          <p:cNvSpPr/>
+          <p:nvPr/>
+        </p:nvSpPr>
+        <p:spPr>
+          <a:xfrm>
+            <a:off x="2255166" y="2387910"/>
+            <a:ext cx="2226100" cy="1325218"/>
+          </a:xfrm>
+          <a:prstGeom prst="roundRect">
+            <a:avLst/>
+          </a:prstGeom>
+          <a:solidFill>
+            <a:srgbClr val="0070C0"/>
+          </a:solidFill>
+        </p:spPr>
+        <p:style>
+          <a:lnRef idx="2">
+            <a:schemeClr val="accent1">
+              <a:shade val="50000"/>
+            </a:schemeClr>
+          </a:lnRef>
+          <a:fillRef idx="1">
+            <a:schemeClr val="accent1"/>
+          </a:fillRef>
+          <a:effectRef idx="0">
+            <a:schemeClr val="accent1"/>
+          </a:effectRef>
+          <a:fontRef idx="minor">
+            <a:schemeClr val="lt1"/>
+          </a:fontRef>
+        </p:style>
+        <p:txBody>
+          <a:bodyPr rtlCol="0" anchor="t"/>
+          <a:lstStyle/>
           <a:p>
             <a:r>
               <a:rPr lang="en-US" dirty="0"/>
-              <a:t>Deploy to Local Cluster</a:t>
-            </a:r>
-          </a:p>
+              <a:t>Stateless Svc 1</a:t>
+            </a:r>
+          </a:p>
+        </p:txBody>
+      </p:sp>
+      <p:sp>
+        <p:nvSpPr>
+          <p:cNvPr id="8" name="Rounded Rectangle 7"/>
+          <p:cNvSpPr/>
+          <p:nvPr/>
+        </p:nvSpPr>
+        <p:spPr>
+          <a:xfrm>
+            <a:off x="2255166" y="4280055"/>
+            <a:ext cx="2226100" cy="1325218"/>
+          </a:xfrm>
+          <a:prstGeom prst="roundRect">
+            <a:avLst/>
+          </a:prstGeom>
+          <a:solidFill>
+            <a:srgbClr val="00B050"/>
+          </a:solidFill>
+        </p:spPr>
+        <p:style>
+          <a:lnRef idx="2">
+            <a:schemeClr val="accent1">
+              <a:shade val="50000"/>
+            </a:schemeClr>
+          </a:lnRef>
+          <a:fillRef idx="1">
+            <a:schemeClr val="accent1"/>
+          </a:fillRef>
+          <a:effectRef idx="0">
+            <a:schemeClr val="accent1"/>
+          </a:effectRef>
+          <a:fontRef idx="minor">
+            <a:schemeClr val="lt1"/>
+          </a:fontRef>
+        </p:style>
+        <p:txBody>
+          <a:bodyPr rtlCol="0" anchor="t"/>
+          <a:lstStyle/>
           <a:p>
             <a:r>
               <a:rPr lang="en-US" dirty="0"/>
-              <a:t>Deploy to (!) </a:t>
-            </a:r>
-            <a:r>
-              <a:rPr lang="en-US" b="1" dirty="0">
-                <a:solidFill>
-                  <a:srgbClr val="FF0000"/>
-                </a:solidFill>
-              </a:rPr>
-              <a:t>A</a:t>
-            </a:r>
+              <a:t>Stateless Svc 2</a:t>
+            </a:r>
+          </a:p>
+        </p:txBody>
+      </p:sp>
+      <p:sp>
+        <p:nvSpPr>
+          <p:cNvPr id="9" name="Rounded Rectangle 8"/>
+          <p:cNvSpPr/>
+          <p:nvPr/>
+        </p:nvSpPr>
+        <p:spPr>
+          <a:xfrm>
+            <a:off x="2407566" y="4432455"/>
+            <a:ext cx="2226100" cy="1325218"/>
+          </a:xfrm>
+          <a:prstGeom prst="roundRect">
+            <a:avLst/>
+          </a:prstGeom>
+          <a:solidFill>
+            <a:srgbClr val="00B050"/>
+          </a:solidFill>
+        </p:spPr>
+        <p:style>
+          <a:lnRef idx="2">
+            <a:schemeClr val="accent1">
+              <a:shade val="50000"/>
+            </a:schemeClr>
+          </a:lnRef>
+          <a:fillRef idx="1">
+            <a:schemeClr val="accent1"/>
+          </a:fillRef>
+          <a:effectRef idx="0">
+            <a:schemeClr val="accent1"/>
+          </a:effectRef>
+          <a:fontRef idx="minor">
+            <a:schemeClr val="lt1"/>
+          </a:fontRef>
+        </p:style>
+        <p:txBody>
+          <a:bodyPr rtlCol="0" anchor="t"/>
+          <a:lstStyle/>
+          <a:p>
             <a:r>
               <a:rPr lang="en-US" dirty="0"/>
-              <a:t>nother </a:t>
-            </a:r>
-            <a:r>
-              <a:rPr lang="en-US" b="1" dirty="0">
-                <a:solidFill>
-                  <a:srgbClr val="FF0000"/>
-                </a:solidFill>
-              </a:rPr>
-              <a:t>W</a:t>
-            </a:r>
+              <a:t>Stateless Svc 2</a:t>
+            </a:r>
+          </a:p>
+        </p:txBody>
+      </p:sp>
+      <p:sp>
+        <p:nvSpPr>
+          <p:cNvPr id="10" name="Rounded Rectangle 9"/>
+          <p:cNvSpPr/>
+          <p:nvPr/>
+        </p:nvSpPr>
+        <p:spPr>
+          <a:xfrm>
+            <a:off x="2559966" y="4584855"/>
+            <a:ext cx="2226100" cy="1325218"/>
+          </a:xfrm>
+          <a:prstGeom prst="roundRect">
+            <a:avLst/>
+          </a:prstGeom>
+          <a:solidFill>
+            <a:srgbClr val="00B050"/>
+          </a:solidFill>
+        </p:spPr>
+        <p:style>
+          <a:lnRef idx="2">
+            <a:schemeClr val="accent1">
+              <a:shade val="50000"/>
+            </a:schemeClr>
+          </a:lnRef>
+          <a:fillRef idx="1">
+            <a:schemeClr val="accent1"/>
+          </a:fillRef>
+          <a:effectRef idx="0">
+            <a:schemeClr val="accent1"/>
+          </a:effectRef>
+          <a:fontRef idx="minor">
+            <a:schemeClr val="lt1"/>
+          </a:fontRef>
+        </p:style>
+        <p:txBody>
+          <a:bodyPr rtlCol="0" anchor="t"/>
+          <a:lstStyle/>
+          <a:p>
             <a:r>
               <a:rPr lang="en-US" dirty="0"/>
-              <a:t>eb-based cloud </a:t>
-            </a:r>
-            <a:r>
-              <a:rPr lang="en-US" b="1" dirty="0">
-                <a:solidFill>
-                  <a:srgbClr val="FF0000"/>
-                </a:solidFill>
-              </a:rPr>
-              <a:t>S</a:t>
+              <a:t>Stateless Svc 2</a:t>
+            </a:r>
+          </a:p>
+        </p:txBody>
+      </p:sp>
+      <p:sp>
+        <p:nvSpPr>
+          <p:cNvPr id="11" name="Rounded Rectangle 10"/>
+          <p:cNvSpPr/>
+          <p:nvPr/>
+        </p:nvSpPr>
+        <p:spPr>
+          <a:xfrm>
+            <a:off x="5254986" y="1480918"/>
+            <a:ext cx="4850307" cy="2494340"/>
+          </a:xfrm>
+          <a:prstGeom prst="roundRect">
+            <a:avLst/>
+          </a:prstGeom>
+          <a:solidFill>
+            <a:srgbClr val="C00000"/>
+          </a:solidFill>
+        </p:spPr>
+        <p:style>
+          <a:lnRef idx="2">
+            <a:schemeClr val="accent1">
+              <a:shade val="50000"/>
+            </a:schemeClr>
+          </a:lnRef>
+          <a:fillRef idx="1">
+            <a:schemeClr val="accent1"/>
+          </a:fillRef>
+          <a:effectRef idx="0">
+            <a:schemeClr val="accent1"/>
+          </a:effectRef>
+          <a:fontRef idx="minor">
+            <a:schemeClr val="lt1"/>
+          </a:fontRef>
+        </p:style>
+        <p:txBody>
+          <a:bodyPr rtlCol="0" anchor="t"/>
+          <a:lstStyle/>
+          <a:p>
+            <a:r>
+              <a:rPr lang="en-US" dirty="0" err="1"/>
+              <a:t>Stateful</a:t>
             </a:r>
             <a:r>
               <a:rPr lang="en-US" dirty="0"/>
-              <a:t>omewhere</a:t>
-            </a:r>
-          </a:p>
+              <a:t> Svc 1</a:t>
+            </a:r>
+          </a:p>
+        </p:txBody>
+      </p:sp>
+      <p:sp>
+        <p:nvSpPr>
+          <p:cNvPr id="18" name="Rounded Rectangle 17"/>
+          <p:cNvSpPr/>
+          <p:nvPr/>
+        </p:nvSpPr>
+        <p:spPr>
+          <a:xfrm>
+            <a:off x="5398022" y="1988072"/>
+            <a:ext cx="1449330" cy="1803953"/>
+          </a:xfrm>
+          <a:prstGeom prst="roundRect">
+            <a:avLst/>
+          </a:prstGeom>
+          <a:solidFill>
+            <a:srgbClr val="7030A0"/>
+          </a:solidFill>
+        </p:spPr>
+        <p:style>
+          <a:lnRef idx="2">
+            <a:schemeClr val="accent1">
+              <a:shade val="50000"/>
+            </a:schemeClr>
+          </a:lnRef>
+          <a:fillRef idx="1">
+            <a:schemeClr val="accent1"/>
+          </a:fillRef>
+          <a:effectRef idx="0">
+            <a:schemeClr val="accent1"/>
+          </a:effectRef>
+          <a:fontRef idx="minor">
+            <a:schemeClr val="lt1"/>
+          </a:fontRef>
+        </p:style>
+        <p:txBody>
+          <a:bodyPr rtlCol="0" anchor="t"/>
+          <a:lstStyle/>
           <a:p>
             <a:r>
               <a:rPr lang="en-US" dirty="0"/>
-              <a:t>Deploy to Your Laptop (F5 debugging FTW)</a:t>
-            </a:r>
-          </a:p>
+              <a:t>Partition 1</a:t>
+            </a:r>
+          </a:p>
+        </p:txBody>
+      </p:sp>
+      <p:sp>
+        <p:nvSpPr>
+          <p:cNvPr id="19" name="Rounded Rectangle 18"/>
+          <p:cNvSpPr/>
+          <p:nvPr/>
+        </p:nvSpPr>
+        <p:spPr>
+          <a:xfrm>
+            <a:off x="6955474" y="1988072"/>
+            <a:ext cx="1449330" cy="1803953"/>
+          </a:xfrm>
+          <a:prstGeom prst="roundRect">
+            <a:avLst/>
+          </a:prstGeom>
+          <a:solidFill>
+            <a:srgbClr val="7030A0"/>
+          </a:solidFill>
+        </p:spPr>
+        <p:style>
+          <a:lnRef idx="2">
+            <a:schemeClr val="accent1">
+              <a:shade val="50000"/>
+            </a:schemeClr>
+          </a:lnRef>
+          <a:fillRef idx="1">
+            <a:schemeClr val="accent1"/>
+          </a:fillRef>
+          <a:effectRef idx="0">
+            <a:schemeClr val="accent1"/>
+          </a:effectRef>
+          <a:fontRef idx="minor">
+            <a:schemeClr val="lt1"/>
+          </a:fontRef>
+        </p:style>
+        <p:txBody>
+          <a:bodyPr rtlCol="0" anchor="t"/>
+          <a:lstStyle/>
           <a:p>
             <a:r>
               <a:rPr lang="en-US" dirty="0"/>
-              <a:t>Deploy to Linux (Real Soon Now)</a:t>
-            </a:r>
-          </a:p>
-          <a:p>
-            <a:endParaRPr lang="en-US" dirty="0"/>
+              <a:t>Partition 2</a:t>
+            </a:r>
+          </a:p>
+        </p:txBody>
+      </p:sp>
+      <p:sp>
+        <p:nvSpPr>
+          <p:cNvPr id="20" name="Rounded Rectangle 19"/>
+          <p:cNvSpPr/>
+          <p:nvPr/>
+        </p:nvSpPr>
+        <p:spPr>
+          <a:xfrm>
+            <a:off x="8512926" y="2005926"/>
+            <a:ext cx="1449330" cy="1803953"/>
+          </a:xfrm>
+          <a:prstGeom prst="roundRect">
+            <a:avLst/>
+          </a:prstGeom>
+          <a:solidFill>
+            <a:srgbClr val="7030A0"/>
+          </a:solidFill>
+        </p:spPr>
+        <p:style>
+          <a:lnRef idx="2">
+            <a:schemeClr val="accent1">
+              <a:shade val="50000"/>
+            </a:schemeClr>
+          </a:lnRef>
+          <a:fillRef idx="1">
+            <a:schemeClr val="accent1"/>
+          </a:fillRef>
+          <a:effectRef idx="0">
+            <a:schemeClr val="accent1"/>
+          </a:effectRef>
+          <a:fontRef idx="minor">
+            <a:schemeClr val="lt1"/>
+          </a:fontRef>
+        </p:style>
+        <p:txBody>
+          <a:bodyPr rtlCol="0" anchor="t"/>
+          <a:lstStyle/>
+          <a:p>
+            <a:r>
+              <a:rPr lang="en-US" dirty="0"/>
+              <a:t>Partition N</a:t>
+            </a:r>
+          </a:p>
+        </p:txBody>
+      </p:sp>
+      <p:sp>
+        <p:nvSpPr>
+          <p:cNvPr id="21" name="Rounded Rectangle 20"/>
+          <p:cNvSpPr/>
+          <p:nvPr/>
+        </p:nvSpPr>
+        <p:spPr>
+          <a:xfrm>
+            <a:off x="5488305" y="2436643"/>
+            <a:ext cx="1264188" cy="403439"/>
+          </a:xfrm>
+          <a:prstGeom prst="roundRect">
+            <a:avLst/>
+          </a:prstGeom>
+          <a:solidFill>
+            <a:schemeClr val="accent2">
+              <a:lumMod val="75000"/>
+            </a:schemeClr>
+          </a:solidFill>
+        </p:spPr>
+        <p:style>
+          <a:lnRef idx="2">
+            <a:schemeClr val="accent1">
+              <a:shade val="50000"/>
+            </a:schemeClr>
+          </a:lnRef>
+          <a:fillRef idx="1">
+            <a:schemeClr val="accent1"/>
+          </a:fillRef>
+          <a:effectRef idx="0">
+            <a:schemeClr val="accent1"/>
+          </a:effectRef>
+          <a:fontRef idx="minor">
+            <a:schemeClr val="lt1"/>
+          </a:fontRef>
+        </p:style>
+        <p:txBody>
+          <a:bodyPr rtlCol="0" anchor="t"/>
+          <a:lstStyle/>
+          <a:p>
+            <a:r>
+              <a:rPr lang="en-US" sz="1400" dirty="0"/>
+              <a:t>Primary</a:t>
+            </a:r>
+          </a:p>
+        </p:txBody>
+      </p:sp>
+      <p:sp>
+        <p:nvSpPr>
+          <p:cNvPr id="22" name="Rounded Rectangle 21"/>
+          <p:cNvSpPr/>
+          <p:nvPr/>
+        </p:nvSpPr>
+        <p:spPr>
+          <a:xfrm>
+            <a:off x="5488305" y="2881513"/>
+            <a:ext cx="1264188" cy="403439"/>
+          </a:xfrm>
+          <a:prstGeom prst="roundRect">
+            <a:avLst/>
+          </a:prstGeom>
+          <a:solidFill>
+            <a:schemeClr val="accent2">
+              <a:lumMod val="60000"/>
+              <a:lumOff val="40000"/>
+            </a:schemeClr>
+          </a:solidFill>
+        </p:spPr>
+        <p:style>
+          <a:lnRef idx="2">
+            <a:schemeClr val="accent1">
+              <a:shade val="50000"/>
+            </a:schemeClr>
+          </a:lnRef>
+          <a:fillRef idx="1">
+            <a:schemeClr val="accent1"/>
+          </a:fillRef>
+          <a:effectRef idx="0">
+            <a:schemeClr val="accent1"/>
+          </a:effectRef>
+          <a:fontRef idx="minor">
+            <a:schemeClr val="lt1"/>
+          </a:fontRef>
+        </p:style>
+        <p:txBody>
+          <a:bodyPr rtlCol="0" anchor="t"/>
+          <a:lstStyle/>
+          <a:p>
+            <a:r>
+              <a:rPr lang="en-US" sz="1400" dirty="0"/>
+              <a:t>Secondary</a:t>
+            </a:r>
+          </a:p>
+        </p:txBody>
+      </p:sp>
+      <p:sp>
+        <p:nvSpPr>
+          <p:cNvPr id="23" name="Rounded Rectangle 22"/>
+          <p:cNvSpPr/>
+          <p:nvPr/>
+        </p:nvSpPr>
+        <p:spPr>
+          <a:xfrm>
+            <a:off x="5488305" y="3326383"/>
+            <a:ext cx="1264188" cy="403439"/>
+          </a:xfrm>
+          <a:prstGeom prst="roundRect">
+            <a:avLst/>
+          </a:prstGeom>
+          <a:solidFill>
+            <a:schemeClr val="accent2">
+              <a:lumMod val="60000"/>
+              <a:lumOff val="40000"/>
+            </a:schemeClr>
+          </a:solidFill>
+        </p:spPr>
+        <p:style>
+          <a:lnRef idx="2">
+            <a:schemeClr val="accent1">
+              <a:shade val="50000"/>
+            </a:schemeClr>
+          </a:lnRef>
+          <a:fillRef idx="1">
+            <a:schemeClr val="accent1"/>
+          </a:fillRef>
+          <a:effectRef idx="0">
+            <a:schemeClr val="accent1"/>
+          </a:effectRef>
+          <a:fontRef idx="minor">
+            <a:schemeClr val="lt1"/>
+          </a:fontRef>
+        </p:style>
+        <p:txBody>
+          <a:bodyPr rtlCol="0" anchor="t"/>
+          <a:lstStyle/>
+          <a:p>
+            <a:r>
+              <a:rPr lang="en-US" sz="1400" dirty="0"/>
+              <a:t>Secondary</a:t>
+            </a:r>
+          </a:p>
+        </p:txBody>
+      </p:sp>
+      <p:sp>
+        <p:nvSpPr>
+          <p:cNvPr id="24" name="Rounded Rectangle 23"/>
+          <p:cNvSpPr/>
+          <p:nvPr/>
+        </p:nvSpPr>
+        <p:spPr>
+          <a:xfrm>
+            <a:off x="7053779" y="2436643"/>
+            <a:ext cx="1264188" cy="403439"/>
+          </a:xfrm>
+          <a:prstGeom prst="roundRect">
+            <a:avLst/>
+          </a:prstGeom>
+          <a:solidFill>
+            <a:schemeClr val="accent2">
+              <a:lumMod val="75000"/>
+            </a:schemeClr>
+          </a:solidFill>
+        </p:spPr>
+        <p:style>
+          <a:lnRef idx="2">
+            <a:schemeClr val="accent1">
+              <a:shade val="50000"/>
+            </a:schemeClr>
+          </a:lnRef>
+          <a:fillRef idx="1">
+            <a:schemeClr val="accent1"/>
+          </a:fillRef>
+          <a:effectRef idx="0">
+            <a:schemeClr val="accent1"/>
+          </a:effectRef>
+          <a:fontRef idx="minor">
+            <a:schemeClr val="lt1"/>
+          </a:fontRef>
+        </p:style>
+        <p:txBody>
+          <a:bodyPr rtlCol="0" anchor="t"/>
+          <a:lstStyle/>
+          <a:p>
+            <a:r>
+              <a:rPr lang="en-US" sz="1400" dirty="0"/>
+              <a:t>Primary</a:t>
+            </a:r>
+          </a:p>
+        </p:txBody>
+      </p:sp>
+      <p:sp>
+        <p:nvSpPr>
+          <p:cNvPr id="25" name="Rounded Rectangle 24"/>
+          <p:cNvSpPr/>
+          <p:nvPr/>
+        </p:nvSpPr>
+        <p:spPr>
+          <a:xfrm>
+            <a:off x="7053779" y="2881513"/>
+            <a:ext cx="1264188" cy="403439"/>
+          </a:xfrm>
+          <a:prstGeom prst="roundRect">
+            <a:avLst/>
+          </a:prstGeom>
+          <a:solidFill>
+            <a:schemeClr val="accent2">
+              <a:lumMod val="60000"/>
+              <a:lumOff val="40000"/>
+            </a:schemeClr>
+          </a:solidFill>
+        </p:spPr>
+        <p:style>
+          <a:lnRef idx="2">
+            <a:schemeClr val="accent1">
+              <a:shade val="50000"/>
+            </a:schemeClr>
+          </a:lnRef>
+          <a:fillRef idx="1">
+            <a:schemeClr val="accent1"/>
+          </a:fillRef>
+          <a:effectRef idx="0">
+            <a:schemeClr val="accent1"/>
+          </a:effectRef>
+          <a:fontRef idx="minor">
+            <a:schemeClr val="lt1"/>
+          </a:fontRef>
+        </p:style>
+        <p:txBody>
+          <a:bodyPr rtlCol="0" anchor="t"/>
+          <a:lstStyle/>
+          <a:p>
+            <a:r>
+              <a:rPr lang="en-US" sz="1400" dirty="0"/>
+              <a:t>Secondary</a:t>
+            </a:r>
+          </a:p>
+        </p:txBody>
+      </p:sp>
+      <p:sp>
+        <p:nvSpPr>
+          <p:cNvPr id="26" name="Rounded Rectangle 25"/>
+          <p:cNvSpPr/>
+          <p:nvPr/>
+        </p:nvSpPr>
+        <p:spPr>
+          <a:xfrm>
+            <a:off x="7053779" y="3326383"/>
+            <a:ext cx="1264188" cy="403439"/>
+          </a:xfrm>
+          <a:prstGeom prst="roundRect">
+            <a:avLst/>
+          </a:prstGeom>
+          <a:solidFill>
+            <a:schemeClr val="accent2">
+              <a:lumMod val="60000"/>
+              <a:lumOff val="40000"/>
+            </a:schemeClr>
+          </a:solidFill>
+        </p:spPr>
+        <p:style>
+          <a:lnRef idx="2">
+            <a:schemeClr val="accent1">
+              <a:shade val="50000"/>
+            </a:schemeClr>
+          </a:lnRef>
+          <a:fillRef idx="1">
+            <a:schemeClr val="accent1"/>
+          </a:fillRef>
+          <a:effectRef idx="0">
+            <a:schemeClr val="accent1"/>
+          </a:effectRef>
+          <a:fontRef idx="minor">
+            <a:schemeClr val="lt1"/>
+          </a:fontRef>
+        </p:style>
+        <p:txBody>
+          <a:bodyPr rtlCol="0" anchor="t"/>
+          <a:lstStyle/>
+          <a:p>
+            <a:r>
+              <a:rPr lang="en-US" sz="1400" dirty="0"/>
+              <a:t>Secondary</a:t>
+            </a:r>
+          </a:p>
+        </p:txBody>
+      </p:sp>
+      <p:sp>
+        <p:nvSpPr>
+          <p:cNvPr id="27" name="Rounded Rectangle 26"/>
+          <p:cNvSpPr/>
+          <p:nvPr/>
+        </p:nvSpPr>
+        <p:spPr>
+          <a:xfrm>
+            <a:off x="8611231" y="2454628"/>
+            <a:ext cx="1264188" cy="403439"/>
+          </a:xfrm>
+          <a:prstGeom prst="roundRect">
+            <a:avLst/>
+          </a:prstGeom>
+          <a:solidFill>
+            <a:schemeClr val="accent2">
+              <a:lumMod val="75000"/>
+            </a:schemeClr>
+          </a:solidFill>
+        </p:spPr>
+        <p:style>
+          <a:lnRef idx="2">
+            <a:schemeClr val="accent1">
+              <a:shade val="50000"/>
+            </a:schemeClr>
+          </a:lnRef>
+          <a:fillRef idx="1">
+            <a:schemeClr val="accent1"/>
+          </a:fillRef>
+          <a:effectRef idx="0">
+            <a:schemeClr val="accent1"/>
+          </a:effectRef>
+          <a:fontRef idx="minor">
+            <a:schemeClr val="lt1"/>
+          </a:fontRef>
+        </p:style>
+        <p:txBody>
+          <a:bodyPr rtlCol="0" anchor="t"/>
+          <a:lstStyle/>
+          <a:p>
+            <a:r>
+              <a:rPr lang="en-US" sz="1400" dirty="0"/>
+              <a:t>Primary</a:t>
+            </a:r>
+          </a:p>
+        </p:txBody>
+      </p:sp>
+      <p:sp>
+        <p:nvSpPr>
+          <p:cNvPr id="28" name="Rounded Rectangle 27"/>
+          <p:cNvSpPr/>
+          <p:nvPr/>
+        </p:nvSpPr>
+        <p:spPr>
+          <a:xfrm>
+            <a:off x="8611231" y="2899498"/>
+            <a:ext cx="1264188" cy="403439"/>
+          </a:xfrm>
+          <a:prstGeom prst="roundRect">
+            <a:avLst/>
+          </a:prstGeom>
+          <a:solidFill>
+            <a:schemeClr val="accent2">
+              <a:lumMod val="60000"/>
+              <a:lumOff val="40000"/>
+            </a:schemeClr>
+          </a:solidFill>
+        </p:spPr>
+        <p:style>
+          <a:lnRef idx="2">
+            <a:schemeClr val="accent1">
+              <a:shade val="50000"/>
+            </a:schemeClr>
+          </a:lnRef>
+          <a:fillRef idx="1">
+            <a:schemeClr val="accent1"/>
+          </a:fillRef>
+          <a:effectRef idx="0">
+            <a:schemeClr val="accent1"/>
+          </a:effectRef>
+          <a:fontRef idx="minor">
+            <a:schemeClr val="lt1"/>
+          </a:fontRef>
+        </p:style>
+        <p:txBody>
+          <a:bodyPr rtlCol="0" anchor="t"/>
+          <a:lstStyle/>
+          <a:p>
+            <a:r>
+              <a:rPr lang="en-US" sz="1400" dirty="0"/>
+              <a:t>Secondary</a:t>
+            </a:r>
+          </a:p>
+        </p:txBody>
+      </p:sp>
+      <p:sp>
+        <p:nvSpPr>
+          <p:cNvPr id="29" name="Rounded Rectangle 28"/>
+          <p:cNvSpPr/>
+          <p:nvPr/>
+        </p:nvSpPr>
+        <p:spPr>
+          <a:xfrm>
+            <a:off x="8611231" y="3344368"/>
+            <a:ext cx="1264188" cy="403439"/>
+          </a:xfrm>
+          <a:prstGeom prst="roundRect">
+            <a:avLst/>
+          </a:prstGeom>
+          <a:solidFill>
+            <a:schemeClr val="accent2">
+              <a:lumMod val="60000"/>
+              <a:lumOff val="40000"/>
+            </a:schemeClr>
+          </a:solidFill>
+        </p:spPr>
+        <p:style>
+          <a:lnRef idx="2">
+            <a:schemeClr val="accent1">
+              <a:shade val="50000"/>
+            </a:schemeClr>
+          </a:lnRef>
+          <a:fillRef idx="1">
+            <a:schemeClr val="accent1"/>
+          </a:fillRef>
+          <a:effectRef idx="0">
+            <a:schemeClr val="accent1"/>
+          </a:effectRef>
+          <a:fontRef idx="minor">
+            <a:schemeClr val="lt1"/>
+          </a:fontRef>
+        </p:style>
+        <p:txBody>
+          <a:bodyPr rtlCol="0" anchor="t"/>
+          <a:lstStyle/>
+          <a:p>
+            <a:r>
+              <a:rPr lang="en-US" sz="1400" dirty="0"/>
+              <a:t>Secondary</a:t>
+            </a:r>
+          </a:p>
+        </p:txBody>
+      </p:sp>
+      <p:sp>
+        <p:nvSpPr>
+          <p:cNvPr id="30" name="Rounded Rectangle 29"/>
+          <p:cNvSpPr/>
+          <p:nvPr/>
+        </p:nvSpPr>
+        <p:spPr>
+          <a:xfrm>
+            <a:off x="5254986" y="4030622"/>
+            <a:ext cx="4850307" cy="2494340"/>
+          </a:xfrm>
+          <a:prstGeom prst="roundRect">
+            <a:avLst/>
+          </a:prstGeom>
+          <a:solidFill>
+            <a:srgbClr val="002060"/>
+          </a:solidFill>
+        </p:spPr>
+        <p:style>
+          <a:lnRef idx="2">
+            <a:schemeClr val="accent1">
+              <a:shade val="50000"/>
+            </a:schemeClr>
+          </a:lnRef>
+          <a:fillRef idx="1">
+            <a:schemeClr val="accent1"/>
+          </a:fillRef>
+          <a:effectRef idx="0">
+            <a:schemeClr val="accent1"/>
+          </a:effectRef>
+          <a:fontRef idx="minor">
+            <a:schemeClr val="lt1"/>
+          </a:fontRef>
+        </p:style>
+        <p:txBody>
+          <a:bodyPr rtlCol="0" anchor="t"/>
+          <a:lstStyle/>
+          <a:p>
+            <a:r>
+              <a:rPr lang="en-US" dirty="0" err="1"/>
+              <a:t>Stateful</a:t>
+            </a:r>
+            <a:r>
+              <a:rPr lang="en-US" dirty="0"/>
+              <a:t> Svc 2</a:t>
+            </a:r>
+          </a:p>
+        </p:txBody>
+      </p:sp>
+      <p:sp>
+        <p:nvSpPr>
+          <p:cNvPr id="31" name="Rounded Rectangle 30"/>
+          <p:cNvSpPr/>
+          <p:nvPr/>
+        </p:nvSpPr>
+        <p:spPr>
+          <a:xfrm>
+            <a:off x="5398022" y="4537776"/>
+            <a:ext cx="1449330" cy="1803953"/>
+          </a:xfrm>
+          <a:prstGeom prst="roundRect">
+            <a:avLst/>
+          </a:prstGeom>
+          <a:solidFill>
+            <a:schemeClr val="accent5">
+              <a:lumMod val="75000"/>
+            </a:schemeClr>
+          </a:solidFill>
+          <a:ln>
+            <a:solidFill>
+              <a:schemeClr val="accent5">
+                <a:lumMod val="75000"/>
+              </a:schemeClr>
+            </a:solidFill>
+          </a:ln>
+        </p:spPr>
+        <p:style>
+          <a:lnRef idx="2">
+            <a:schemeClr val="accent1">
+              <a:shade val="50000"/>
+            </a:schemeClr>
+          </a:lnRef>
+          <a:fillRef idx="1">
+            <a:schemeClr val="accent1"/>
+          </a:fillRef>
+          <a:effectRef idx="0">
+            <a:schemeClr val="accent1"/>
+          </a:effectRef>
+          <a:fontRef idx="minor">
+            <a:schemeClr val="lt1"/>
+          </a:fontRef>
+        </p:style>
+        <p:txBody>
+          <a:bodyPr rtlCol="0" anchor="t"/>
+          <a:lstStyle/>
+          <a:p>
+            <a:r>
+              <a:rPr lang="en-US" dirty="0"/>
+              <a:t>Partition 1</a:t>
+            </a:r>
+          </a:p>
+        </p:txBody>
+      </p:sp>
+      <p:sp>
+        <p:nvSpPr>
+          <p:cNvPr id="32" name="Rounded Rectangle 31"/>
+          <p:cNvSpPr/>
+          <p:nvPr/>
+        </p:nvSpPr>
+        <p:spPr>
+          <a:xfrm>
+            <a:off x="6955474" y="4537776"/>
+            <a:ext cx="1449330" cy="1803953"/>
+          </a:xfrm>
+          <a:prstGeom prst="roundRect">
+            <a:avLst/>
+          </a:prstGeom>
+          <a:solidFill>
+            <a:schemeClr val="accent5">
+              <a:lumMod val="75000"/>
+            </a:schemeClr>
+          </a:solidFill>
+          <a:ln>
+            <a:solidFill>
+              <a:schemeClr val="accent5">
+                <a:lumMod val="75000"/>
+              </a:schemeClr>
+            </a:solidFill>
+          </a:ln>
+        </p:spPr>
+        <p:style>
+          <a:lnRef idx="2">
+            <a:schemeClr val="accent1">
+              <a:shade val="50000"/>
+            </a:schemeClr>
+          </a:lnRef>
+          <a:fillRef idx="1">
+            <a:schemeClr val="accent1"/>
+          </a:fillRef>
+          <a:effectRef idx="0">
+            <a:schemeClr val="accent1"/>
+          </a:effectRef>
+          <a:fontRef idx="minor">
+            <a:schemeClr val="lt1"/>
+          </a:fontRef>
+        </p:style>
+        <p:txBody>
+          <a:bodyPr rtlCol="0" anchor="t"/>
+          <a:lstStyle/>
+          <a:p>
+            <a:r>
+              <a:rPr lang="en-US" dirty="0"/>
+              <a:t>Partition 2</a:t>
+            </a:r>
+          </a:p>
+        </p:txBody>
+      </p:sp>
+      <p:sp>
+        <p:nvSpPr>
+          <p:cNvPr id="33" name="Rounded Rectangle 32"/>
+          <p:cNvSpPr/>
+          <p:nvPr/>
+        </p:nvSpPr>
+        <p:spPr>
+          <a:xfrm>
+            <a:off x="8512926" y="4555630"/>
+            <a:ext cx="1449330" cy="1803953"/>
+          </a:xfrm>
+          <a:prstGeom prst="roundRect">
+            <a:avLst/>
+          </a:prstGeom>
+          <a:solidFill>
+            <a:schemeClr val="accent5">
+              <a:lumMod val="75000"/>
+            </a:schemeClr>
+          </a:solidFill>
+          <a:ln>
+            <a:solidFill>
+              <a:schemeClr val="accent5">
+                <a:lumMod val="75000"/>
+              </a:schemeClr>
+            </a:solidFill>
+          </a:ln>
+        </p:spPr>
+        <p:style>
+          <a:lnRef idx="2">
+            <a:schemeClr val="accent1">
+              <a:shade val="50000"/>
+            </a:schemeClr>
+          </a:lnRef>
+          <a:fillRef idx="1">
+            <a:schemeClr val="accent1"/>
+          </a:fillRef>
+          <a:effectRef idx="0">
+            <a:schemeClr val="accent1"/>
+          </a:effectRef>
+          <a:fontRef idx="minor">
+            <a:schemeClr val="lt1"/>
+          </a:fontRef>
+        </p:style>
+        <p:txBody>
+          <a:bodyPr rtlCol="0" anchor="t"/>
+          <a:lstStyle/>
+          <a:p>
+            <a:r>
+              <a:rPr lang="en-US" dirty="0"/>
+              <a:t>Partition N</a:t>
+            </a:r>
+          </a:p>
+        </p:txBody>
+      </p:sp>
+      <p:sp>
+        <p:nvSpPr>
+          <p:cNvPr id="34" name="Rounded Rectangle 33"/>
+          <p:cNvSpPr/>
+          <p:nvPr/>
+        </p:nvSpPr>
+        <p:spPr>
+          <a:xfrm>
+            <a:off x="5488305" y="4986347"/>
+            <a:ext cx="1264188" cy="403439"/>
+          </a:xfrm>
+          <a:prstGeom prst="roundRect">
+            <a:avLst/>
+          </a:prstGeom>
+          <a:solidFill>
+            <a:schemeClr val="bg2">
+              <a:lumMod val="25000"/>
+            </a:schemeClr>
+          </a:solidFill>
+          <a:ln>
+            <a:solidFill>
+              <a:schemeClr val="bg2">
+                <a:lumMod val="25000"/>
+              </a:schemeClr>
+            </a:solidFill>
+          </a:ln>
+        </p:spPr>
+        <p:style>
+          <a:lnRef idx="2">
+            <a:schemeClr val="accent1">
+              <a:shade val="50000"/>
+            </a:schemeClr>
+          </a:lnRef>
+          <a:fillRef idx="1">
+            <a:schemeClr val="accent1"/>
+          </a:fillRef>
+          <a:effectRef idx="0">
+            <a:schemeClr val="accent1"/>
+          </a:effectRef>
+          <a:fontRef idx="minor">
+            <a:schemeClr val="lt1"/>
+          </a:fontRef>
+        </p:style>
+        <p:txBody>
+          <a:bodyPr rtlCol="0" anchor="t"/>
+          <a:lstStyle/>
+          <a:p>
+            <a:r>
+              <a:rPr lang="en-US" sz="1400" dirty="0"/>
+              <a:t>Primary</a:t>
+            </a:r>
+          </a:p>
+        </p:txBody>
+      </p:sp>
+      <p:sp>
+        <p:nvSpPr>
+          <p:cNvPr id="35" name="Rounded Rectangle 34"/>
+          <p:cNvSpPr/>
+          <p:nvPr/>
+        </p:nvSpPr>
+        <p:spPr>
+          <a:xfrm>
+            <a:off x="5488305" y="5431217"/>
+            <a:ext cx="1264188" cy="403439"/>
+          </a:xfrm>
+          <a:prstGeom prst="roundRect">
+            <a:avLst/>
+          </a:prstGeom>
+          <a:solidFill>
+            <a:schemeClr val="bg2">
+              <a:lumMod val="50000"/>
+            </a:schemeClr>
+          </a:solidFill>
+          <a:ln>
+            <a:solidFill>
+              <a:schemeClr val="bg2">
+                <a:lumMod val="50000"/>
+              </a:schemeClr>
+            </a:solidFill>
+          </a:ln>
+        </p:spPr>
+        <p:style>
+          <a:lnRef idx="2">
+            <a:schemeClr val="accent1">
+              <a:shade val="50000"/>
+            </a:schemeClr>
+          </a:lnRef>
+          <a:fillRef idx="1">
+            <a:schemeClr val="accent1"/>
+          </a:fillRef>
+          <a:effectRef idx="0">
+            <a:schemeClr val="accent1"/>
+          </a:effectRef>
+          <a:fontRef idx="minor">
+            <a:schemeClr val="lt1"/>
+          </a:fontRef>
+        </p:style>
+        <p:txBody>
+          <a:bodyPr rtlCol="0" anchor="t"/>
+          <a:lstStyle/>
+          <a:p>
+            <a:r>
+              <a:rPr lang="en-US" sz="1400" dirty="0"/>
+              <a:t>Secondary</a:t>
+            </a:r>
+          </a:p>
+        </p:txBody>
+      </p:sp>
+      <p:sp>
+        <p:nvSpPr>
+          <p:cNvPr id="36" name="Rounded Rectangle 35"/>
+          <p:cNvSpPr/>
+          <p:nvPr/>
+        </p:nvSpPr>
+        <p:spPr>
+          <a:xfrm>
+            <a:off x="5488305" y="5876087"/>
+            <a:ext cx="1264188" cy="403439"/>
+          </a:xfrm>
+          <a:prstGeom prst="roundRect">
+            <a:avLst/>
+          </a:prstGeom>
+          <a:solidFill>
+            <a:schemeClr val="bg2">
+              <a:lumMod val="50000"/>
+            </a:schemeClr>
+          </a:solidFill>
+          <a:ln>
+            <a:solidFill>
+              <a:schemeClr val="bg2">
+                <a:lumMod val="50000"/>
+              </a:schemeClr>
+            </a:solidFill>
+          </a:ln>
+        </p:spPr>
+        <p:style>
+          <a:lnRef idx="2">
+            <a:schemeClr val="accent1">
+              <a:shade val="50000"/>
+            </a:schemeClr>
+          </a:lnRef>
+          <a:fillRef idx="1">
+            <a:schemeClr val="accent1"/>
+          </a:fillRef>
+          <a:effectRef idx="0">
+            <a:schemeClr val="accent1"/>
+          </a:effectRef>
+          <a:fontRef idx="minor">
+            <a:schemeClr val="lt1"/>
+          </a:fontRef>
+        </p:style>
+        <p:txBody>
+          <a:bodyPr rtlCol="0" anchor="t"/>
+          <a:lstStyle/>
+          <a:p>
+            <a:r>
+              <a:rPr lang="en-US" sz="1400" dirty="0"/>
+              <a:t>Secondary</a:t>
+            </a:r>
+          </a:p>
+        </p:txBody>
+      </p:sp>
+      <p:sp>
+        <p:nvSpPr>
+          <p:cNvPr id="37" name="Rounded Rectangle 36"/>
+          <p:cNvSpPr/>
+          <p:nvPr/>
+        </p:nvSpPr>
+        <p:spPr>
+          <a:xfrm>
+            <a:off x="7053779" y="4986347"/>
+            <a:ext cx="1264188" cy="403439"/>
+          </a:xfrm>
+          <a:prstGeom prst="roundRect">
+            <a:avLst/>
+          </a:prstGeom>
+          <a:solidFill>
+            <a:schemeClr val="bg2">
+              <a:lumMod val="25000"/>
+            </a:schemeClr>
+          </a:solidFill>
+          <a:ln>
+            <a:solidFill>
+              <a:schemeClr val="bg2">
+                <a:lumMod val="25000"/>
+              </a:schemeClr>
+            </a:solidFill>
+          </a:ln>
+        </p:spPr>
+        <p:style>
+          <a:lnRef idx="2">
+            <a:schemeClr val="accent1">
+              <a:shade val="50000"/>
+            </a:schemeClr>
+          </a:lnRef>
+          <a:fillRef idx="1">
+            <a:schemeClr val="accent1"/>
+          </a:fillRef>
+          <a:effectRef idx="0">
+            <a:schemeClr val="accent1"/>
+          </a:effectRef>
+          <a:fontRef idx="minor">
+            <a:schemeClr val="lt1"/>
+          </a:fontRef>
+        </p:style>
+        <p:txBody>
+          <a:bodyPr rtlCol="0" anchor="t"/>
+          <a:lstStyle/>
+          <a:p>
+            <a:r>
+              <a:rPr lang="en-US" sz="1400" dirty="0"/>
+              <a:t>Primary</a:t>
+            </a:r>
+          </a:p>
+        </p:txBody>
+      </p:sp>
+      <p:sp>
+        <p:nvSpPr>
+          <p:cNvPr id="38" name="Rounded Rectangle 37"/>
+          <p:cNvSpPr/>
+          <p:nvPr/>
+        </p:nvSpPr>
+        <p:spPr>
+          <a:xfrm>
+            <a:off x="7053779" y="5431217"/>
+            <a:ext cx="1264188" cy="403439"/>
+          </a:xfrm>
+          <a:prstGeom prst="roundRect">
+            <a:avLst/>
+          </a:prstGeom>
+          <a:solidFill>
+            <a:schemeClr val="bg2">
+              <a:lumMod val="50000"/>
+            </a:schemeClr>
+          </a:solidFill>
+          <a:ln>
+            <a:solidFill>
+              <a:schemeClr val="bg2">
+                <a:lumMod val="50000"/>
+              </a:schemeClr>
+            </a:solidFill>
+          </a:ln>
+        </p:spPr>
+        <p:style>
+          <a:lnRef idx="2">
+            <a:schemeClr val="accent1">
+              <a:shade val="50000"/>
+            </a:schemeClr>
+          </a:lnRef>
+          <a:fillRef idx="1">
+            <a:schemeClr val="accent1"/>
+          </a:fillRef>
+          <a:effectRef idx="0">
+            <a:schemeClr val="accent1"/>
+          </a:effectRef>
+          <a:fontRef idx="minor">
+            <a:schemeClr val="lt1"/>
+          </a:fontRef>
+        </p:style>
+        <p:txBody>
+          <a:bodyPr rtlCol="0" anchor="t"/>
+          <a:lstStyle/>
+          <a:p>
+            <a:r>
+              <a:rPr lang="en-US" sz="1400" dirty="0"/>
+              <a:t>Secondary</a:t>
+            </a:r>
+          </a:p>
+        </p:txBody>
+      </p:sp>
+      <p:sp>
+        <p:nvSpPr>
+          <p:cNvPr id="39" name="Rounded Rectangle 38"/>
+          <p:cNvSpPr/>
+          <p:nvPr/>
+        </p:nvSpPr>
+        <p:spPr>
+          <a:xfrm>
+            <a:off x="7053779" y="5876087"/>
+            <a:ext cx="1264188" cy="403439"/>
+          </a:xfrm>
+          <a:prstGeom prst="roundRect">
+            <a:avLst/>
+          </a:prstGeom>
+          <a:solidFill>
+            <a:schemeClr val="bg2">
+              <a:lumMod val="50000"/>
+            </a:schemeClr>
+          </a:solidFill>
+          <a:ln>
+            <a:solidFill>
+              <a:schemeClr val="bg2">
+                <a:lumMod val="50000"/>
+              </a:schemeClr>
+            </a:solidFill>
+          </a:ln>
+        </p:spPr>
+        <p:style>
+          <a:lnRef idx="2">
+            <a:schemeClr val="accent1">
+              <a:shade val="50000"/>
+            </a:schemeClr>
+          </a:lnRef>
+          <a:fillRef idx="1">
+            <a:schemeClr val="accent1"/>
+          </a:fillRef>
+          <a:effectRef idx="0">
+            <a:schemeClr val="accent1"/>
+          </a:effectRef>
+          <a:fontRef idx="minor">
+            <a:schemeClr val="lt1"/>
+          </a:fontRef>
+        </p:style>
+        <p:txBody>
+          <a:bodyPr rtlCol="0" anchor="t"/>
+          <a:lstStyle/>
+          <a:p>
+            <a:r>
+              <a:rPr lang="en-US" sz="1400" dirty="0"/>
+              <a:t>Secondary</a:t>
+            </a:r>
+          </a:p>
+        </p:txBody>
+      </p:sp>
+      <p:sp>
+        <p:nvSpPr>
+          <p:cNvPr id="40" name="Rounded Rectangle 39"/>
+          <p:cNvSpPr/>
+          <p:nvPr/>
+        </p:nvSpPr>
+        <p:spPr>
+          <a:xfrm>
+            <a:off x="8611231" y="5004332"/>
+            <a:ext cx="1264188" cy="403439"/>
+          </a:xfrm>
+          <a:prstGeom prst="roundRect">
+            <a:avLst/>
+          </a:prstGeom>
+          <a:solidFill>
+            <a:schemeClr val="bg2">
+              <a:lumMod val="25000"/>
+            </a:schemeClr>
+          </a:solidFill>
+          <a:ln>
+            <a:solidFill>
+              <a:schemeClr val="bg2">
+                <a:lumMod val="25000"/>
+              </a:schemeClr>
+            </a:solidFill>
+          </a:ln>
+        </p:spPr>
+        <p:style>
+          <a:lnRef idx="2">
+            <a:schemeClr val="accent1">
+              <a:shade val="50000"/>
+            </a:schemeClr>
+          </a:lnRef>
+          <a:fillRef idx="1">
+            <a:schemeClr val="accent1"/>
+          </a:fillRef>
+          <a:effectRef idx="0">
+            <a:schemeClr val="accent1"/>
+          </a:effectRef>
+          <a:fontRef idx="minor">
+            <a:schemeClr val="lt1"/>
+          </a:fontRef>
+        </p:style>
+        <p:txBody>
+          <a:bodyPr rtlCol="0" anchor="t"/>
+          <a:lstStyle/>
+          <a:p>
+            <a:r>
+              <a:rPr lang="en-US" sz="1400" dirty="0"/>
+              <a:t>Primary</a:t>
+            </a:r>
+          </a:p>
+        </p:txBody>
+      </p:sp>
+      <p:sp>
+        <p:nvSpPr>
+          <p:cNvPr id="41" name="Rounded Rectangle 40"/>
+          <p:cNvSpPr/>
+          <p:nvPr/>
+        </p:nvSpPr>
+        <p:spPr>
+          <a:xfrm>
+            <a:off x="8611231" y="5449202"/>
+            <a:ext cx="1264188" cy="403439"/>
+          </a:xfrm>
+          <a:prstGeom prst="roundRect">
+            <a:avLst/>
+          </a:prstGeom>
+          <a:solidFill>
+            <a:schemeClr val="bg2">
+              <a:lumMod val="50000"/>
+            </a:schemeClr>
+          </a:solidFill>
+          <a:ln>
+            <a:solidFill>
+              <a:schemeClr val="bg2">
+                <a:lumMod val="50000"/>
+              </a:schemeClr>
+            </a:solidFill>
+          </a:ln>
+        </p:spPr>
+        <p:style>
+          <a:lnRef idx="2">
+            <a:schemeClr val="accent1">
+              <a:shade val="50000"/>
+            </a:schemeClr>
+          </a:lnRef>
+          <a:fillRef idx="1">
+            <a:schemeClr val="accent1"/>
+          </a:fillRef>
+          <a:effectRef idx="0">
+            <a:schemeClr val="accent1"/>
+          </a:effectRef>
+          <a:fontRef idx="minor">
+            <a:schemeClr val="lt1"/>
+          </a:fontRef>
+        </p:style>
+        <p:txBody>
+          <a:bodyPr rtlCol="0" anchor="t"/>
+          <a:lstStyle/>
+          <a:p>
+            <a:r>
+              <a:rPr lang="en-US" sz="1400" dirty="0"/>
+              <a:t>Secondary</a:t>
+            </a:r>
+          </a:p>
+        </p:txBody>
+      </p:sp>
+      <p:sp>
+        <p:nvSpPr>
+          <p:cNvPr id="42" name="Rounded Rectangle 41"/>
+          <p:cNvSpPr/>
+          <p:nvPr/>
+        </p:nvSpPr>
+        <p:spPr>
+          <a:xfrm>
+            <a:off x="8611231" y="5894072"/>
+            <a:ext cx="1264188" cy="403439"/>
+          </a:xfrm>
+          <a:prstGeom prst="roundRect">
+            <a:avLst/>
+          </a:prstGeom>
+          <a:solidFill>
+            <a:schemeClr val="bg2">
+              <a:lumMod val="50000"/>
+            </a:schemeClr>
+          </a:solidFill>
+          <a:ln>
+            <a:solidFill>
+              <a:schemeClr val="bg2">
+                <a:lumMod val="50000"/>
+              </a:schemeClr>
+            </a:solidFill>
+          </a:ln>
+        </p:spPr>
+        <p:style>
+          <a:lnRef idx="2">
+            <a:schemeClr val="accent1">
+              <a:shade val="50000"/>
+            </a:schemeClr>
+          </a:lnRef>
+          <a:fillRef idx="1">
+            <a:schemeClr val="accent1"/>
+          </a:fillRef>
+          <a:effectRef idx="0">
+            <a:schemeClr val="accent1"/>
+          </a:effectRef>
+          <a:fontRef idx="minor">
+            <a:schemeClr val="lt1"/>
+          </a:fontRef>
+        </p:style>
+        <p:txBody>
+          <a:bodyPr rtlCol="0" anchor="t"/>
+          <a:lstStyle/>
+          <a:p>
+            <a:r>
+              <a:rPr lang="en-US" sz="1400" dirty="0"/>
+              <a:t>Secondary</a:t>
+            </a:r>
           </a:p>
         </p:txBody>
       </p:sp>
     </p:spTree>
     <p:extLst>
       <p:ext uri="{BB962C8B-B14F-4D97-AF65-F5344CB8AC3E}">
-        <p14:creationId xmlns:p14="http://schemas.microsoft.com/office/powerpoint/2010/main" val="452960963"/>
+        <p14:creationId xmlns:p14="http://schemas.microsoft.com/office/powerpoint/2010/main" val="3619535791"/>
       </p:ext>
     </p:extLst>
   </p:cSld>
   <p:clrMapOvr>
     <a:masterClrMapping/>
   </p:clrMapOvr>
+  <p:timing>
+    <p:tnLst>
+      <p:par>
+        <p:cTn id="1" dur="indefinite" restart="never" nodeType="tmRoot">
+          <p:childTnLst>
+            <p:seq concurrent="1" nextAc="seek">
+              <p:cTn id="2" dur="indefinite" nodeType="mainSeq">
+                <p:childTnLst>
+                  <p:par>
+                    <p:cTn id="3" fill="hold">
+                      <p:stCondLst>
+                        <p:cond delay="indefinite"/>
+                      </p:stCondLst>
+                      <p:childTnLst>
+                        <p:par>
+                          <p:cTn id="4" fill="hold">
+                            <p:stCondLst>
+                              <p:cond delay="0"/>
+                            </p:stCondLst>
+                            <p:childTnLst>
+                              <p:par>
+                                <p:cTn id="5" presetID="1" presetClass="entr" presetSubtype="0" fill="hold" grpId="0" nodeType="clickEffect">
+                                  <p:stCondLst>
+                                    <p:cond delay="0"/>
+                                  </p:stCondLst>
+                                  <p:childTnLst>
+                                    <p:set>
+                                      <p:cBhvr>
+                                        <p:cTn id="6" dur="1" fill="hold">
+                                          <p:stCondLst>
+                                            <p:cond delay="0"/>
+                                          </p:stCondLst>
+                                        </p:cTn>
+                                        <p:tgtEl>
+                                          <p:spTgt spid="6"/>
+                                        </p:tgtEl>
+                                        <p:attrNameLst>
+                                          <p:attrName>style.visibility</p:attrName>
+                                        </p:attrNameLst>
+                                      </p:cBhvr>
+                                      <p:to>
+                                        <p:strVal val="visible"/>
+                                      </p:to>
+                                    </p:set>
+                                  </p:childTnLst>
+                                </p:cTn>
+                              </p:par>
+                            </p:childTnLst>
+                          </p:cTn>
+                        </p:par>
+                      </p:childTnLst>
+                    </p:cTn>
+                  </p:par>
+                  <p:par>
+                    <p:cTn id="7" fill="hold">
+                      <p:stCondLst>
+                        <p:cond delay="indefinite"/>
+                      </p:stCondLst>
+                      <p:childTnLst>
+                        <p:par>
+                          <p:cTn id="8" fill="hold">
+                            <p:stCondLst>
+                              <p:cond delay="0"/>
+                            </p:stCondLst>
+                            <p:childTnLst>
+                              <p:par>
+                                <p:cTn id="9" presetID="1" presetClass="entr" presetSubtype="0" fill="hold" grpId="0" nodeType="clickEffect">
+                                  <p:stCondLst>
+                                    <p:cond delay="0"/>
+                                  </p:stCondLst>
+                                  <p:childTnLst>
+                                    <p:set>
+                                      <p:cBhvr>
+                                        <p:cTn id="10" dur="1" fill="hold">
+                                          <p:stCondLst>
+                                            <p:cond delay="0"/>
+                                          </p:stCondLst>
+                                        </p:cTn>
+                                        <p:tgtEl>
+                                          <p:spTgt spid="7"/>
+                                        </p:tgtEl>
+                                        <p:attrNameLst>
+                                          <p:attrName>style.visibility</p:attrName>
+                                        </p:attrNameLst>
+                                      </p:cBhvr>
+                                      <p:to>
+                                        <p:strVal val="visible"/>
+                                      </p:to>
+                                    </p:set>
+                                  </p:childTnLst>
+                                </p:cTn>
+                              </p:par>
+                            </p:childTnLst>
+                          </p:cTn>
+                        </p:par>
+                      </p:childTnLst>
+                    </p:cTn>
+                  </p:par>
+                  <p:par>
+                    <p:cTn id="11" fill="hold">
+                      <p:stCondLst>
+                        <p:cond delay="indefinite"/>
+                      </p:stCondLst>
+                      <p:childTnLst>
+                        <p:par>
+                          <p:cTn id="12" fill="hold">
+                            <p:stCondLst>
+                              <p:cond delay="0"/>
+                            </p:stCondLst>
+                            <p:childTnLst>
+                              <p:par>
+                                <p:cTn id="13" presetID="1" presetClass="entr" presetSubtype="0" fill="hold" grpId="0" nodeType="clickEffect">
+                                  <p:stCondLst>
+                                    <p:cond delay="0"/>
+                                  </p:stCondLst>
+                                  <p:childTnLst>
+                                    <p:set>
+                                      <p:cBhvr>
+                                        <p:cTn id="14" dur="1" fill="hold">
+                                          <p:stCondLst>
+                                            <p:cond delay="0"/>
+                                          </p:stCondLst>
+                                        </p:cTn>
+                                        <p:tgtEl>
+                                          <p:spTgt spid="8"/>
+                                        </p:tgtEl>
+                                        <p:attrNameLst>
+                                          <p:attrName>style.visibility</p:attrName>
+                                        </p:attrNameLst>
+                                      </p:cBhvr>
+                                      <p:to>
+                                        <p:strVal val="visible"/>
+                                      </p:to>
+                                    </p:set>
+                                  </p:childTnLst>
+                                </p:cTn>
+                              </p:par>
+                            </p:childTnLst>
+                          </p:cTn>
+                        </p:par>
+                      </p:childTnLst>
+                    </p:cTn>
+                  </p:par>
+                  <p:par>
+                    <p:cTn id="15" fill="hold">
+                      <p:stCondLst>
+                        <p:cond delay="indefinite"/>
+                      </p:stCondLst>
+                      <p:childTnLst>
+                        <p:par>
+                          <p:cTn id="16" fill="hold">
+                            <p:stCondLst>
+                              <p:cond delay="0"/>
+                            </p:stCondLst>
+                            <p:childTnLst>
+                              <p:par>
+                                <p:cTn id="17" presetID="1" presetClass="entr" presetSubtype="0" fill="hold" grpId="0" nodeType="clickEffect">
+                                  <p:stCondLst>
+                                    <p:cond delay="0"/>
+                                  </p:stCondLst>
+                                  <p:childTnLst>
+                                    <p:set>
+                                      <p:cBhvr>
+                                        <p:cTn id="18" dur="1" fill="hold">
+                                          <p:stCondLst>
+                                            <p:cond delay="0"/>
+                                          </p:stCondLst>
+                                        </p:cTn>
+                                        <p:tgtEl>
+                                          <p:spTgt spid="9"/>
+                                        </p:tgtEl>
+                                        <p:attrNameLst>
+                                          <p:attrName>style.visibility</p:attrName>
+                                        </p:attrNameLst>
+                                      </p:cBhvr>
+                                      <p:to>
+                                        <p:strVal val="visible"/>
+                                      </p:to>
+                                    </p:set>
+                                  </p:childTnLst>
+                                </p:cTn>
+                              </p:par>
+                            </p:childTnLst>
+                          </p:cTn>
+                        </p:par>
+                      </p:childTnLst>
+                    </p:cTn>
+                  </p:par>
+                  <p:par>
+                    <p:cTn id="19" fill="hold">
+                      <p:stCondLst>
+                        <p:cond delay="indefinite"/>
+                      </p:stCondLst>
+                      <p:childTnLst>
+                        <p:par>
+                          <p:cTn id="20" fill="hold">
+                            <p:stCondLst>
+                              <p:cond delay="0"/>
+                            </p:stCondLst>
+                            <p:childTnLst>
+                              <p:par>
+                                <p:cTn id="21" presetID="1" presetClass="entr" presetSubtype="0" fill="hold" grpId="0" nodeType="clickEffect">
+                                  <p:stCondLst>
+                                    <p:cond delay="0"/>
+                                  </p:stCondLst>
+                                  <p:childTnLst>
+                                    <p:set>
+                                      <p:cBhvr>
+                                        <p:cTn id="22" dur="1" fill="hold">
+                                          <p:stCondLst>
+                                            <p:cond delay="0"/>
+                                          </p:stCondLst>
+                                        </p:cTn>
+                                        <p:tgtEl>
+                                          <p:spTgt spid="10"/>
+                                        </p:tgtEl>
+                                        <p:attrNameLst>
+                                          <p:attrName>style.visibility</p:attrName>
+                                        </p:attrNameLst>
+                                      </p:cBhvr>
+                                      <p:to>
+                                        <p:strVal val="visible"/>
+                                      </p:to>
+                                    </p:set>
+                                  </p:childTnLst>
+                                </p:cTn>
+                              </p:par>
+                            </p:childTnLst>
+                          </p:cTn>
+                        </p:par>
+                      </p:childTnLst>
+                    </p:cTn>
+                  </p:par>
+                  <p:par>
+                    <p:cTn id="23" fill="hold">
+                      <p:stCondLst>
+                        <p:cond delay="indefinite"/>
+                      </p:stCondLst>
+                      <p:childTnLst>
+                        <p:par>
+                          <p:cTn id="24" fill="hold">
+                            <p:stCondLst>
+                              <p:cond delay="0"/>
+                            </p:stCondLst>
+                            <p:childTnLst>
+                              <p:par>
+                                <p:cTn id="25" presetID="1" presetClass="entr" presetSubtype="0" fill="hold" grpId="0" nodeType="clickEffect">
+                                  <p:stCondLst>
+                                    <p:cond delay="0"/>
+                                  </p:stCondLst>
+                                  <p:childTnLst>
+                                    <p:set>
+                                      <p:cBhvr>
+                                        <p:cTn id="26" dur="1" fill="hold">
+                                          <p:stCondLst>
+                                            <p:cond delay="0"/>
+                                          </p:stCondLst>
+                                        </p:cTn>
+                                        <p:tgtEl>
+                                          <p:spTgt spid="11"/>
+                                        </p:tgtEl>
+                                        <p:attrNameLst>
+                                          <p:attrName>style.visibility</p:attrName>
+                                        </p:attrNameLst>
+                                      </p:cBhvr>
+                                      <p:to>
+                                        <p:strVal val="visible"/>
+                                      </p:to>
+                                    </p:set>
+                                  </p:childTnLst>
+                                </p:cTn>
+                              </p:par>
+                            </p:childTnLst>
+                          </p:cTn>
+                        </p:par>
+                      </p:childTnLst>
+                    </p:cTn>
+                  </p:par>
+                  <p:par>
+                    <p:cTn id="27" fill="hold">
+                      <p:stCondLst>
+                        <p:cond delay="indefinite"/>
+                      </p:stCondLst>
+                      <p:childTnLst>
+                        <p:par>
+                          <p:cTn id="28" fill="hold">
+                            <p:stCondLst>
+                              <p:cond delay="0"/>
+                            </p:stCondLst>
+                            <p:childTnLst>
+                              <p:par>
+                                <p:cTn id="29" presetID="1" presetClass="entr" presetSubtype="0" fill="hold" grpId="0" nodeType="clickEffect">
+                                  <p:stCondLst>
+                                    <p:cond delay="0"/>
+                                  </p:stCondLst>
+                                  <p:childTnLst>
+                                    <p:set>
+                                      <p:cBhvr>
+                                        <p:cTn id="30" dur="1" fill="hold">
+                                          <p:stCondLst>
+                                            <p:cond delay="0"/>
+                                          </p:stCondLst>
+                                        </p:cTn>
+                                        <p:tgtEl>
+                                          <p:spTgt spid="18"/>
+                                        </p:tgtEl>
+                                        <p:attrNameLst>
+                                          <p:attrName>style.visibility</p:attrName>
+                                        </p:attrNameLst>
+                                      </p:cBhvr>
+                                      <p:to>
+                                        <p:strVal val="visible"/>
+                                      </p:to>
+                                    </p:set>
+                                  </p:childTnLst>
+                                </p:cTn>
+                              </p:par>
+                            </p:childTnLst>
+                          </p:cTn>
+                        </p:par>
+                      </p:childTnLst>
+                    </p:cTn>
+                  </p:par>
+                  <p:par>
+                    <p:cTn id="31" fill="hold">
+                      <p:stCondLst>
+                        <p:cond delay="indefinite"/>
+                      </p:stCondLst>
+                      <p:childTnLst>
+                        <p:par>
+                          <p:cTn id="32" fill="hold">
+                            <p:stCondLst>
+                              <p:cond delay="0"/>
+                            </p:stCondLst>
+                            <p:childTnLst>
+                              <p:par>
+                                <p:cTn id="33" presetID="1" presetClass="entr" presetSubtype="0" fill="hold" grpId="0" nodeType="clickEffect">
+                                  <p:stCondLst>
+                                    <p:cond delay="0"/>
+                                  </p:stCondLst>
+                                  <p:childTnLst>
+                                    <p:set>
+                                      <p:cBhvr>
+                                        <p:cTn id="34" dur="1" fill="hold">
+                                          <p:stCondLst>
+                                            <p:cond delay="0"/>
+                                          </p:stCondLst>
+                                        </p:cTn>
+                                        <p:tgtEl>
+                                          <p:spTgt spid="21"/>
+                                        </p:tgtEl>
+                                        <p:attrNameLst>
+                                          <p:attrName>style.visibility</p:attrName>
+                                        </p:attrNameLst>
+                                      </p:cBhvr>
+                                      <p:to>
+                                        <p:strVal val="visible"/>
+                                      </p:to>
+                                    </p:set>
+                                  </p:childTnLst>
+                                </p:cTn>
+                              </p:par>
+                              <p:par>
+                                <p:cTn id="35" presetID="1" presetClass="entr" presetSubtype="0" fill="hold" grpId="0" nodeType="withEffect">
+                                  <p:stCondLst>
+                                    <p:cond delay="0"/>
+                                  </p:stCondLst>
+                                  <p:childTnLst>
+                                    <p:set>
+                                      <p:cBhvr>
+                                        <p:cTn id="36" dur="1" fill="hold">
+                                          <p:stCondLst>
+                                            <p:cond delay="0"/>
+                                          </p:stCondLst>
+                                        </p:cTn>
+                                        <p:tgtEl>
+                                          <p:spTgt spid="22"/>
+                                        </p:tgtEl>
+                                        <p:attrNameLst>
+                                          <p:attrName>style.visibility</p:attrName>
+                                        </p:attrNameLst>
+                                      </p:cBhvr>
+                                      <p:to>
+                                        <p:strVal val="visible"/>
+                                      </p:to>
+                                    </p:set>
+                                  </p:childTnLst>
+                                </p:cTn>
+                              </p:par>
+                              <p:par>
+                                <p:cTn id="37" presetID="1" presetClass="entr" presetSubtype="0" fill="hold" grpId="0" nodeType="withEffect">
+                                  <p:stCondLst>
+                                    <p:cond delay="0"/>
+                                  </p:stCondLst>
+                                  <p:childTnLst>
+                                    <p:set>
+                                      <p:cBhvr>
+                                        <p:cTn id="38" dur="1" fill="hold">
+                                          <p:stCondLst>
+                                            <p:cond delay="0"/>
+                                          </p:stCondLst>
+                                        </p:cTn>
+                                        <p:tgtEl>
+                                          <p:spTgt spid="23"/>
+                                        </p:tgtEl>
+                                        <p:attrNameLst>
+                                          <p:attrName>style.visibility</p:attrName>
+                                        </p:attrNameLst>
+                                      </p:cBhvr>
+                                      <p:to>
+                                        <p:strVal val="visible"/>
+                                      </p:to>
+                                    </p:set>
+                                  </p:childTnLst>
+                                </p:cTn>
+                              </p:par>
+                            </p:childTnLst>
+                          </p:cTn>
+                        </p:par>
+                      </p:childTnLst>
+                    </p:cTn>
+                  </p:par>
+                  <p:par>
+                    <p:cTn id="39" fill="hold">
+                      <p:stCondLst>
+                        <p:cond delay="indefinite"/>
+                      </p:stCondLst>
+                      <p:childTnLst>
+                        <p:par>
+                          <p:cTn id="40" fill="hold">
+                            <p:stCondLst>
+                              <p:cond delay="0"/>
+                            </p:stCondLst>
+                            <p:childTnLst>
+                              <p:par>
+                                <p:cTn id="41" presetID="1" presetClass="entr" presetSubtype="0" fill="hold" grpId="0" nodeType="clickEffect">
+                                  <p:stCondLst>
+                                    <p:cond delay="0"/>
+                                  </p:stCondLst>
+                                  <p:childTnLst>
+                                    <p:set>
+                                      <p:cBhvr>
+                                        <p:cTn id="42" dur="1" fill="hold">
+                                          <p:stCondLst>
+                                            <p:cond delay="0"/>
+                                          </p:stCondLst>
+                                        </p:cTn>
+                                        <p:tgtEl>
+                                          <p:spTgt spid="19"/>
+                                        </p:tgtEl>
+                                        <p:attrNameLst>
+                                          <p:attrName>style.visibility</p:attrName>
+                                        </p:attrNameLst>
+                                      </p:cBhvr>
+                                      <p:to>
+                                        <p:strVal val="visible"/>
+                                      </p:to>
+                                    </p:set>
+                                  </p:childTnLst>
+                                </p:cTn>
+                              </p:par>
+                              <p:par>
+                                <p:cTn id="43" presetID="1" presetClass="entr" presetSubtype="0" fill="hold" grpId="0" nodeType="withEffect">
+                                  <p:stCondLst>
+                                    <p:cond delay="0"/>
+                                  </p:stCondLst>
+                                  <p:childTnLst>
+                                    <p:set>
+                                      <p:cBhvr>
+                                        <p:cTn id="44" dur="1" fill="hold">
+                                          <p:stCondLst>
+                                            <p:cond delay="0"/>
+                                          </p:stCondLst>
+                                        </p:cTn>
+                                        <p:tgtEl>
+                                          <p:spTgt spid="24"/>
+                                        </p:tgtEl>
+                                        <p:attrNameLst>
+                                          <p:attrName>style.visibility</p:attrName>
+                                        </p:attrNameLst>
+                                      </p:cBhvr>
+                                      <p:to>
+                                        <p:strVal val="visible"/>
+                                      </p:to>
+                                    </p:set>
+                                  </p:childTnLst>
+                                </p:cTn>
+                              </p:par>
+                              <p:par>
+                                <p:cTn id="45" presetID="1" presetClass="entr" presetSubtype="0" fill="hold" grpId="0" nodeType="withEffect">
+                                  <p:stCondLst>
+                                    <p:cond delay="0"/>
+                                  </p:stCondLst>
+                                  <p:childTnLst>
+                                    <p:set>
+                                      <p:cBhvr>
+                                        <p:cTn id="46" dur="1" fill="hold">
+                                          <p:stCondLst>
+                                            <p:cond delay="0"/>
+                                          </p:stCondLst>
+                                        </p:cTn>
+                                        <p:tgtEl>
+                                          <p:spTgt spid="25"/>
+                                        </p:tgtEl>
+                                        <p:attrNameLst>
+                                          <p:attrName>style.visibility</p:attrName>
+                                        </p:attrNameLst>
+                                      </p:cBhvr>
+                                      <p:to>
+                                        <p:strVal val="visible"/>
+                                      </p:to>
+                                    </p:set>
+                                  </p:childTnLst>
+                                </p:cTn>
+                              </p:par>
+                              <p:par>
+                                <p:cTn id="47" presetID="1" presetClass="entr" presetSubtype="0" fill="hold" grpId="0" nodeType="withEffect">
+                                  <p:stCondLst>
+                                    <p:cond delay="0"/>
+                                  </p:stCondLst>
+                                  <p:childTnLst>
+                                    <p:set>
+                                      <p:cBhvr>
+                                        <p:cTn id="48" dur="1" fill="hold">
+                                          <p:stCondLst>
+                                            <p:cond delay="0"/>
+                                          </p:stCondLst>
+                                        </p:cTn>
+                                        <p:tgtEl>
+                                          <p:spTgt spid="26"/>
+                                        </p:tgtEl>
+                                        <p:attrNameLst>
+                                          <p:attrName>style.visibility</p:attrName>
+                                        </p:attrNameLst>
+                                      </p:cBhvr>
+                                      <p:to>
+                                        <p:strVal val="visible"/>
+                                      </p:to>
+                                    </p:set>
+                                  </p:childTnLst>
+                                </p:cTn>
+                              </p:par>
+                            </p:childTnLst>
+                          </p:cTn>
+                        </p:par>
+                      </p:childTnLst>
+                    </p:cTn>
+                  </p:par>
+                  <p:par>
+                    <p:cTn id="49" fill="hold">
+                      <p:stCondLst>
+                        <p:cond delay="indefinite"/>
+                      </p:stCondLst>
+                      <p:childTnLst>
+                        <p:par>
+                          <p:cTn id="50" fill="hold">
+                            <p:stCondLst>
+                              <p:cond delay="0"/>
+                            </p:stCondLst>
+                            <p:childTnLst>
+                              <p:par>
+                                <p:cTn id="51" presetID="1" presetClass="entr" presetSubtype="0" fill="hold" grpId="0" nodeType="clickEffect">
+                                  <p:stCondLst>
+                                    <p:cond delay="0"/>
+                                  </p:stCondLst>
+                                  <p:childTnLst>
+                                    <p:set>
+                                      <p:cBhvr>
+                                        <p:cTn id="52" dur="1" fill="hold">
+                                          <p:stCondLst>
+                                            <p:cond delay="0"/>
+                                          </p:stCondLst>
+                                        </p:cTn>
+                                        <p:tgtEl>
+                                          <p:spTgt spid="20"/>
+                                        </p:tgtEl>
+                                        <p:attrNameLst>
+                                          <p:attrName>style.visibility</p:attrName>
+                                        </p:attrNameLst>
+                                      </p:cBhvr>
+                                      <p:to>
+                                        <p:strVal val="visible"/>
+                                      </p:to>
+                                    </p:set>
+                                  </p:childTnLst>
+                                </p:cTn>
+                              </p:par>
+                              <p:par>
+                                <p:cTn id="53" presetID="1" presetClass="entr" presetSubtype="0" fill="hold" grpId="0" nodeType="withEffect">
+                                  <p:stCondLst>
+                                    <p:cond delay="0"/>
+                                  </p:stCondLst>
+                                  <p:childTnLst>
+                                    <p:set>
+                                      <p:cBhvr>
+                                        <p:cTn id="54" dur="1" fill="hold">
+                                          <p:stCondLst>
+                                            <p:cond delay="0"/>
+                                          </p:stCondLst>
+                                        </p:cTn>
+                                        <p:tgtEl>
+                                          <p:spTgt spid="27"/>
+                                        </p:tgtEl>
+                                        <p:attrNameLst>
+                                          <p:attrName>style.visibility</p:attrName>
+                                        </p:attrNameLst>
+                                      </p:cBhvr>
+                                      <p:to>
+                                        <p:strVal val="visible"/>
+                                      </p:to>
+                                    </p:set>
+                                  </p:childTnLst>
+                                </p:cTn>
+                              </p:par>
+                              <p:par>
+                                <p:cTn id="55" presetID="1" presetClass="entr" presetSubtype="0" fill="hold" grpId="0" nodeType="withEffect">
+                                  <p:stCondLst>
+                                    <p:cond delay="0"/>
+                                  </p:stCondLst>
+                                  <p:childTnLst>
+                                    <p:set>
+                                      <p:cBhvr>
+                                        <p:cTn id="56" dur="1" fill="hold">
+                                          <p:stCondLst>
+                                            <p:cond delay="0"/>
+                                          </p:stCondLst>
+                                        </p:cTn>
+                                        <p:tgtEl>
+                                          <p:spTgt spid="28"/>
+                                        </p:tgtEl>
+                                        <p:attrNameLst>
+                                          <p:attrName>style.visibility</p:attrName>
+                                        </p:attrNameLst>
+                                      </p:cBhvr>
+                                      <p:to>
+                                        <p:strVal val="visible"/>
+                                      </p:to>
+                                    </p:set>
+                                  </p:childTnLst>
+                                </p:cTn>
+                              </p:par>
+                              <p:par>
+                                <p:cTn id="57" presetID="1" presetClass="entr" presetSubtype="0" fill="hold" grpId="0" nodeType="withEffect">
+                                  <p:stCondLst>
+                                    <p:cond delay="0"/>
+                                  </p:stCondLst>
+                                  <p:childTnLst>
+                                    <p:set>
+                                      <p:cBhvr>
+                                        <p:cTn id="58" dur="1" fill="hold">
+                                          <p:stCondLst>
+                                            <p:cond delay="0"/>
+                                          </p:stCondLst>
+                                        </p:cTn>
+                                        <p:tgtEl>
+                                          <p:spTgt spid="29"/>
+                                        </p:tgtEl>
+                                        <p:attrNameLst>
+                                          <p:attrName>style.visibility</p:attrName>
+                                        </p:attrNameLst>
+                                      </p:cBhvr>
+                                      <p:to>
+                                        <p:strVal val="visible"/>
+                                      </p:to>
+                                    </p:set>
+                                  </p:childTnLst>
+                                </p:cTn>
+                              </p:par>
+                            </p:childTnLst>
+                          </p:cTn>
+                        </p:par>
+                      </p:childTnLst>
+                    </p:cTn>
+                  </p:par>
+                  <p:par>
+                    <p:cTn id="59" fill="hold">
+                      <p:stCondLst>
+                        <p:cond delay="indefinite"/>
+                      </p:stCondLst>
+                      <p:childTnLst>
+                        <p:par>
+                          <p:cTn id="60" fill="hold">
+                            <p:stCondLst>
+                              <p:cond delay="0"/>
+                            </p:stCondLst>
+                            <p:childTnLst>
+                              <p:par>
+                                <p:cTn id="61" presetID="1" presetClass="entr" presetSubtype="0" fill="hold" grpId="0" nodeType="clickEffect">
+                                  <p:stCondLst>
+                                    <p:cond delay="0"/>
+                                  </p:stCondLst>
+                                  <p:childTnLst>
+                                    <p:set>
+                                      <p:cBhvr>
+                                        <p:cTn id="62" dur="1" fill="hold">
+                                          <p:stCondLst>
+                                            <p:cond delay="0"/>
+                                          </p:stCondLst>
+                                        </p:cTn>
+                                        <p:tgtEl>
+                                          <p:spTgt spid="30"/>
+                                        </p:tgtEl>
+                                        <p:attrNameLst>
+                                          <p:attrName>style.visibility</p:attrName>
+                                        </p:attrNameLst>
+                                      </p:cBhvr>
+                                      <p:to>
+                                        <p:strVal val="visible"/>
+                                      </p:to>
+                                    </p:set>
+                                  </p:childTnLst>
+                                </p:cTn>
+                              </p:par>
+                              <p:par>
+                                <p:cTn id="63" presetID="1" presetClass="entr" presetSubtype="0" fill="hold" grpId="0" nodeType="withEffect">
+                                  <p:stCondLst>
+                                    <p:cond delay="0"/>
+                                  </p:stCondLst>
+                                  <p:childTnLst>
+                                    <p:set>
+                                      <p:cBhvr>
+                                        <p:cTn id="64" dur="1" fill="hold">
+                                          <p:stCondLst>
+                                            <p:cond delay="0"/>
+                                          </p:stCondLst>
+                                        </p:cTn>
+                                        <p:tgtEl>
+                                          <p:spTgt spid="31"/>
+                                        </p:tgtEl>
+                                        <p:attrNameLst>
+                                          <p:attrName>style.visibility</p:attrName>
+                                        </p:attrNameLst>
+                                      </p:cBhvr>
+                                      <p:to>
+                                        <p:strVal val="visible"/>
+                                      </p:to>
+                                    </p:set>
+                                  </p:childTnLst>
+                                </p:cTn>
+                              </p:par>
+                              <p:par>
+                                <p:cTn id="65" presetID="1" presetClass="entr" presetSubtype="0" fill="hold" grpId="0" nodeType="withEffect">
+                                  <p:stCondLst>
+                                    <p:cond delay="0"/>
+                                  </p:stCondLst>
+                                  <p:childTnLst>
+                                    <p:set>
+                                      <p:cBhvr>
+                                        <p:cTn id="66" dur="1" fill="hold">
+                                          <p:stCondLst>
+                                            <p:cond delay="0"/>
+                                          </p:stCondLst>
+                                        </p:cTn>
+                                        <p:tgtEl>
+                                          <p:spTgt spid="34"/>
+                                        </p:tgtEl>
+                                        <p:attrNameLst>
+                                          <p:attrName>style.visibility</p:attrName>
+                                        </p:attrNameLst>
+                                      </p:cBhvr>
+                                      <p:to>
+                                        <p:strVal val="visible"/>
+                                      </p:to>
+                                    </p:set>
+                                  </p:childTnLst>
+                                </p:cTn>
+                              </p:par>
+                              <p:par>
+                                <p:cTn id="67" presetID="1" presetClass="entr" presetSubtype="0" fill="hold" grpId="0" nodeType="withEffect">
+                                  <p:stCondLst>
+                                    <p:cond delay="0"/>
+                                  </p:stCondLst>
+                                  <p:childTnLst>
+                                    <p:set>
+                                      <p:cBhvr>
+                                        <p:cTn id="68" dur="1" fill="hold">
+                                          <p:stCondLst>
+                                            <p:cond delay="0"/>
+                                          </p:stCondLst>
+                                        </p:cTn>
+                                        <p:tgtEl>
+                                          <p:spTgt spid="35"/>
+                                        </p:tgtEl>
+                                        <p:attrNameLst>
+                                          <p:attrName>style.visibility</p:attrName>
+                                        </p:attrNameLst>
+                                      </p:cBhvr>
+                                      <p:to>
+                                        <p:strVal val="visible"/>
+                                      </p:to>
+                                    </p:set>
+                                  </p:childTnLst>
+                                </p:cTn>
+                              </p:par>
+                              <p:par>
+                                <p:cTn id="69" presetID="1" presetClass="entr" presetSubtype="0" fill="hold" grpId="0" nodeType="withEffect">
+                                  <p:stCondLst>
+                                    <p:cond delay="0"/>
+                                  </p:stCondLst>
+                                  <p:childTnLst>
+                                    <p:set>
+                                      <p:cBhvr>
+                                        <p:cTn id="70" dur="1" fill="hold">
+                                          <p:stCondLst>
+                                            <p:cond delay="0"/>
+                                          </p:stCondLst>
+                                        </p:cTn>
+                                        <p:tgtEl>
+                                          <p:spTgt spid="36"/>
+                                        </p:tgtEl>
+                                        <p:attrNameLst>
+                                          <p:attrName>style.visibility</p:attrName>
+                                        </p:attrNameLst>
+                                      </p:cBhvr>
+                                      <p:to>
+                                        <p:strVal val="visible"/>
+                                      </p:to>
+                                    </p:set>
+                                  </p:childTnLst>
+                                </p:cTn>
+                              </p:par>
+                              <p:par>
+                                <p:cTn id="71" presetID="1" presetClass="entr" presetSubtype="0" fill="hold" grpId="0" nodeType="withEffect">
+                                  <p:stCondLst>
+                                    <p:cond delay="0"/>
+                                  </p:stCondLst>
+                                  <p:childTnLst>
+                                    <p:set>
+                                      <p:cBhvr>
+                                        <p:cTn id="72" dur="1" fill="hold">
+                                          <p:stCondLst>
+                                            <p:cond delay="0"/>
+                                          </p:stCondLst>
+                                        </p:cTn>
+                                        <p:tgtEl>
+                                          <p:spTgt spid="32"/>
+                                        </p:tgtEl>
+                                        <p:attrNameLst>
+                                          <p:attrName>style.visibility</p:attrName>
+                                        </p:attrNameLst>
+                                      </p:cBhvr>
+                                      <p:to>
+                                        <p:strVal val="visible"/>
+                                      </p:to>
+                                    </p:set>
+                                  </p:childTnLst>
+                                </p:cTn>
+                              </p:par>
+                              <p:par>
+                                <p:cTn id="73" presetID="1" presetClass="entr" presetSubtype="0" fill="hold" grpId="0" nodeType="withEffect">
+                                  <p:stCondLst>
+                                    <p:cond delay="0"/>
+                                  </p:stCondLst>
+                                  <p:childTnLst>
+                                    <p:set>
+                                      <p:cBhvr>
+                                        <p:cTn id="74" dur="1" fill="hold">
+                                          <p:stCondLst>
+                                            <p:cond delay="0"/>
+                                          </p:stCondLst>
+                                        </p:cTn>
+                                        <p:tgtEl>
+                                          <p:spTgt spid="37"/>
+                                        </p:tgtEl>
+                                        <p:attrNameLst>
+                                          <p:attrName>style.visibility</p:attrName>
+                                        </p:attrNameLst>
+                                      </p:cBhvr>
+                                      <p:to>
+                                        <p:strVal val="visible"/>
+                                      </p:to>
+                                    </p:set>
+                                  </p:childTnLst>
+                                </p:cTn>
+                              </p:par>
+                              <p:par>
+                                <p:cTn id="75" presetID="1" presetClass="entr" presetSubtype="0" fill="hold" grpId="0" nodeType="withEffect">
+                                  <p:stCondLst>
+                                    <p:cond delay="0"/>
+                                  </p:stCondLst>
+                                  <p:childTnLst>
+                                    <p:set>
+                                      <p:cBhvr>
+                                        <p:cTn id="76" dur="1" fill="hold">
+                                          <p:stCondLst>
+                                            <p:cond delay="0"/>
+                                          </p:stCondLst>
+                                        </p:cTn>
+                                        <p:tgtEl>
+                                          <p:spTgt spid="38"/>
+                                        </p:tgtEl>
+                                        <p:attrNameLst>
+                                          <p:attrName>style.visibility</p:attrName>
+                                        </p:attrNameLst>
+                                      </p:cBhvr>
+                                      <p:to>
+                                        <p:strVal val="visible"/>
+                                      </p:to>
+                                    </p:set>
+                                  </p:childTnLst>
+                                </p:cTn>
+                              </p:par>
+                              <p:par>
+                                <p:cTn id="77" presetID="1" presetClass="entr" presetSubtype="0" fill="hold" grpId="0" nodeType="withEffect">
+                                  <p:stCondLst>
+                                    <p:cond delay="0"/>
+                                  </p:stCondLst>
+                                  <p:childTnLst>
+                                    <p:set>
+                                      <p:cBhvr>
+                                        <p:cTn id="78" dur="1" fill="hold">
+                                          <p:stCondLst>
+                                            <p:cond delay="0"/>
+                                          </p:stCondLst>
+                                        </p:cTn>
+                                        <p:tgtEl>
+                                          <p:spTgt spid="39"/>
+                                        </p:tgtEl>
+                                        <p:attrNameLst>
+                                          <p:attrName>style.visibility</p:attrName>
+                                        </p:attrNameLst>
+                                      </p:cBhvr>
+                                      <p:to>
+                                        <p:strVal val="visible"/>
+                                      </p:to>
+                                    </p:set>
+                                  </p:childTnLst>
+                                </p:cTn>
+                              </p:par>
+                              <p:par>
+                                <p:cTn id="79" presetID="1" presetClass="entr" presetSubtype="0" fill="hold" grpId="0" nodeType="withEffect">
+                                  <p:stCondLst>
+                                    <p:cond delay="0"/>
+                                  </p:stCondLst>
+                                  <p:childTnLst>
+                                    <p:set>
+                                      <p:cBhvr>
+                                        <p:cTn id="80" dur="1" fill="hold">
+                                          <p:stCondLst>
+                                            <p:cond delay="0"/>
+                                          </p:stCondLst>
+                                        </p:cTn>
+                                        <p:tgtEl>
+                                          <p:spTgt spid="33"/>
+                                        </p:tgtEl>
+                                        <p:attrNameLst>
+                                          <p:attrName>style.visibility</p:attrName>
+                                        </p:attrNameLst>
+                                      </p:cBhvr>
+                                      <p:to>
+                                        <p:strVal val="visible"/>
+                                      </p:to>
+                                    </p:set>
+                                  </p:childTnLst>
+                                </p:cTn>
+                              </p:par>
+                              <p:par>
+                                <p:cTn id="81" presetID="1" presetClass="entr" presetSubtype="0" fill="hold" grpId="0" nodeType="withEffect">
+                                  <p:stCondLst>
+                                    <p:cond delay="0"/>
+                                  </p:stCondLst>
+                                  <p:childTnLst>
+                                    <p:set>
+                                      <p:cBhvr>
+                                        <p:cTn id="82" dur="1" fill="hold">
+                                          <p:stCondLst>
+                                            <p:cond delay="0"/>
+                                          </p:stCondLst>
+                                        </p:cTn>
+                                        <p:tgtEl>
+                                          <p:spTgt spid="40"/>
+                                        </p:tgtEl>
+                                        <p:attrNameLst>
+                                          <p:attrName>style.visibility</p:attrName>
+                                        </p:attrNameLst>
+                                      </p:cBhvr>
+                                      <p:to>
+                                        <p:strVal val="visible"/>
+                                      </p:to>
+                                    </p:set>
+                                  </p:childTnLst>
+                                </p:cTn>
+                              </p:par>
+                              <p:par>
+                                <p:cTn id="83" presetID="1" presetClass="entr" presetSubtype="0" fill="hold" grpId="0" nodeType="withEffect">
+                                  <p:stCondLst>
+                                    <p:cond delay="0"/>
+                                  </p:stCondLst>
+                                  <p:childTnLst>
+                                    <p:set>
+                                      <p:cBhvr>
+                                        <p:cTn id="84" dur="1" fill="hold">
+                                          <p:stCondLst>
+                                            <p:cond delay="0"/>
+                                          </p:stCondLst>
+                                        </p:cTn>
+                                        <p:tgtEl>
+                                          <p:spTgt spid="41"/>
+                                        </p:tgtEl>
+                                        <p:attrNameLst>
+                                          <p:attrName>style.visibility</p:attrName>
+                                        </p:attrNameLst>
+                                      </p:cBhvr>
+                                      <p:to>
+                                        <p:strVal val="visible"/>
+                                      </p:to>
+                                    </p:set>
+                                  </p:childTnLst>
+                                </p:cTn>
+                              </p:par>
+                              <p:par>
+                                <p:cTn id="85" presetID="1" presetClass="entr" presetSubtype="0" fill="hold" grpId="0" nodeType="withEffect">
+                                  <p:stCondLst>
+                                    <p:cond delay="0"/>
+                                  </p:stCondLst>
+                                  <p:childTnLst>
+                                    <p:set>
+                                      <p:cBhvr>
+                                        <p:cTn id="86" dur="1" fill="hold">
+                                          <p:stCondLst>
+                                            <p:cond delay="0"/>
+                                          </p:stCondLst>
+                                        </p:cTn>
+                                        <p:tgtEl>
+                                          <p:spTgt spid="42"/>
+                                        </p:tgtEl>
+                                        <p:attrNameLst>
+                                          <p:attrName>style.visibility</p:attrName>
+                                        </p:attrNameLst>
+                                      </p:cBhvr>
+                                      <p:to>
+                                        <p:strVal val="visible"/>
+                                      </p:to>
+                                    </p:set>
+                                  </p:childTnLst>
+                                </p:cTn>
+                              </p:par>
+                            </p:childTnLst>
+                          </p:cTn>
+                        </p:par>
+                      </p:childTnLst>
+                    </p:cTn>
+                  </p:par>
+                </p:childTnLst>
+              </p:cTn>
+              <p:prevCondLst>
+                <p:cond evt="onPrev" delay="0">
+                  <p:tgtEl>
+                    <p:sldTgt/>
+                  </p:tgtEl>
+                </p:cond>
+              </p:prevCondLst>
+              <p:nextCondLst>
+                <p:cond evt="onNext" delay="0">
+                  <p:tgtEl>
+                    <p:sldTgt/>
+                  </p:tgtEl>
+                </p:cond>
+              </p:nextCondLst>
+            </p:seq>
+          </p:childTnLst>
+        </p:cTn>
+      </p:par>
+    </p:tnLst>
+    <p:bldLst>
+      <p:bldP spid="6" grpId="0" animBg="1"/>
+      <p:bldP spid="7" grpId="0" animBg="1"/>
+      <p:bldP spid="8" grpId="0" animBg="1"/>
+      <p:bldP spid="9" grpId="0" animBg="1"/>
+      <p:bldP spid="10" grpId="0" animBg="1"/>
+      <p:bldP spid="11" grpId="0" animBg="1"/>
+      <p:bldP spid="18" grpId="0" animBg="1"/>
+      <p:bldP spid="19" grpId="0" animBg="1"/>
+      <p:bldP spid="20" grpId="0" animBg="1"/>
+      <p:bldP spid="21" grpId="0" animBg="1"/>
+      <p:bldP spid="22" grpId="0" animBg="1"/>
+      <p:bldP spid="23" grpId="0" animBg="1"/>
+      <p:bldP spid="24" grpId="0" animBg="1"/>
+      <p:bldP spid="25" grpId="0" animBg="1"/>
+      <p:bldP spid="26" grpId="0" animBg="1"/>
+      <p:bldP spid="27" grpId="0" animBg="1"/>
+      <p:bldP spid="28" grpId="0" animBg="1"/>
+      <p:bldP spid="29" grpId="0" animBg="1"/>
+      <p:bldP spid="30" grpId="0" animBg="1"/>
+      <p:bldP spid="31" grpId="0" animBg="1"/>
+      <p:bldP spid="32" grpId="0" animBg="1"/>
+      <p:bldP spid="33" grpId="0" animBg="1"/>
+      <p:bldP spid="34" grpId="0" animBg="1"/>
+      <p:bldP spid="35" grpId="0" animBg="1"/>
+      <p:bldP spid="36" grpId="0" animBg="1"/>
+      <p:bldP spid="37" grpId="0" animBg="1"/>
+      <p:bldP spid="38" grpId="0" animBg="1"/>
+      <p:bldP spid="39" grpId="0" animBg="1"/>
+      <p:bldP spid="40" grpId="0" animBg="1"/>
+      <p:bldP spid="41" grpId="0" animBg="1"/>
+      <p:bldP spid="42" grpId="0" animBg="1"/>
+    </p:bldLst>
+  </p:timing>
 </p:sld>
 </file>
 
@@ -4348,14 +6922,19 @@
             <p:ph type="title"/>
           </p:nvPr>
         </p:nvSpPr>
-        <p:spPr/>
+        <p:spPr>
+          <a:xfrm>
+            <a:off x="1069848" y="-160133"/>
+            <a:ext cx="10058400" cy="1609344"/>
+          </a:xfrm>
+        </p:spPr>
         <p:txBody>
           <a:bodyPr/>
           <a:lstStyle/>
           <a:p>
             <a:r>
               <a:rPr lang="en-US" dirty="0"/>
-              <a:t>Reliability</a:t>
+              <a:t>Physical Cluster Topology</a:t>
             </a:r>
           </a:p>
         </p:txBody>
@@ -4375,21 +6954,1463 @@
           <a:bodyPr/>
           <a:lstStyle/>
           <a:p>
-            <a:r>
-              <a:rPr lang="en-US" dirty="0"/>
-              <a:t>Automated state replication</a:t>
-            </a:r>
-          </a:p>
-          <a:p>
-            <a:r>
-              <a:rPr lang="en-US" dirty="0"/>
-              <a:t>Metrics-based cluster re-balancing</a:t>
-            </a:r>
-          </a:p>
-          <a:p>
-            <a:r>
-              <a:rPr lang="en-US" dirty="0"/>
-              <a:t>Fault Domains</a:t>
+            <a:endParaRPr lang="en-US" dirty="0"/>
+          </a:p>
+        </p:txBody>
+      </p:sp>
+      <p:sp>
+        <p:nvSpPr>
+          <p:cNvPr id="4" name="Rounded Rectangle 3"/>
+          <p:cNvSpPr/>
+          <p:nvPr/>
+        </p:nvSpPr>
+        <p:spPr>
+          <a:xfrm>
+            <a:off x="3742297" y="1151037"/>
+            <a:ext cx="4721352" cy="1617784"/>
+          </a:xfrm>
+          <a:prstGeom prst="roundRect">
+            <a:avLst/>
+          </a:prstGeom>
+        </p:spPr>
+        <p:style>
+          <a:lnRef idx="2">
+            <a:schemeClr val="accent1">
+              <a:shade val="50000"/>
+            </a:schemeClr>
+          </a:lnRef>
+          <a:fillRef idx="1">
+            <a:schemeClr val="accent1"/>
+          </a:fillRef>
+          <a:effectRef idx="0">
+            <a:schemeClr val="accent1"/>
+          </a:effectRef>
+          <a:fontRef idx="minor">
+            <a:schemeClr val="lt1"/>
+          </a:fontRef>
+        </p:style>
+        <p:txBody>
+          <a:bodyPr rtlCol="0" anchor="ctr"/>
+          <a:lstStyle/>
+          <a:p>
+            <a:pPr algn="ctr"/>
+            <a:endParaRPr lang="en-US"/>
+          </a:p>
+        </p:txBody>
+      </p:sp>
+      <p:sp>
+        <p:nvSpPr>
+          <p:cNvPr id="5" name="Rounded Rectangle 4"/>
+          <p:cNvSpPr/>
+          <p:nvPr/>
+        </p:nvSpPr>
+        <p:spPr>
+          <a:xfrm>
+            <a:off x="823253" y="2953497"/>
+            <a:ext cx="4721352" cy="1617784"/>
+          </a:xfrm>
+          <a:prstGeom prst="roundRect">
+            <a:avLst/>
+          </a:prstGeom>
+        </p:spPr>
+        <p:style>
+          <a:lnRef idx="2">
+            <a:schemeClr val="accent1">
+              <a:shade val="50000"/>
+            </a:schemeClr>
+          </a:lnRef>
+          <a:fillRef idx="1">
+            <a:schemeClr val="accent1"/>
+          </a:fillRef>
+          <a:effectRef idx="0">
+            <a:schemeClr val="accent1"/>
+          </a:effectRef>
+          <a:fontRef idx="minor">
+            <a:schemeClr val="lt1"/>
+          </a:fontRef>
+        </p:style>
+        <p:txBody>
+          <a:bodyPr rtlCol="0" anchor="ctr"/>
+          <a:lstStyle/>
+          <a:p>
+            <a:pPr algn="ctr"/>
+            <a:endParaRPr lang="en-US"/>
+          </a:p>
+        </p:txBody>
+      </p:sp>
+      <p:sp>
+        <p:nvSpPr>
+          <p:cNvPr id="6" name="Rounded Rectangle 5"/>
+          <p:cNvSpPr/>
+          <p:nvPr/>
+        </p:nvSpPr>
+        <p:spPr>
+          <a:xfrm>
+            <a:off x="1175035" y="4739092"/>
+            <a:ext cx="4721352" cy="1617784"/>
+          </a:xfrm>
+          <a:prstGeom prst="roundRect">
+            <a:avLst/>
+          </a:prstGeom>
+        </p:spPr>
+        <p:style>
+          <a:lnRef idx="2">
+            <a:schemeClr val="accent1">
+              <a:shade val="50000"/>
+            </a:schemeClr>
+          </a:lnRef>
+          <a:fillRef idx="1">
+            <a:schemeClr val="accent1"/>
+          </a:fillRef>
+          <a:effectRef idx="0">
+            <a:schemeClr val="accent1"/>
+          </a:effectRef>
+          <a:fontRef idx="minor">
+            <a:schemeClr val="lt1"/>
+          </a:fontRef>
+        </p:style>
+        <p:txBody>
+          <a:bodyPr rtlCol="0" anchor="ctr"/>
+          <a:lstStyle/>
+          <a:p>
+            <a:pPr algn="ctr"/>
+            <a:endParaRPr lang="en-US"/>
+          </a:p>
+        </p:txBody>
+      </p:sp>
+      <p:sp>
+        <p:nvSpPr>
+          <p:cNvPr id="7" name="Rounded Rectangle 6"/>
+          <p:cNvSpPr/>
+          <p:nvPr/>
+        </p:nvSpPr>
+        <p:spPr>
+          <a:xfrm>
+            <a:off x="6252972" y="4739092"/>
+            <a:ext cx="4721352" cy="1617784"/>
+          </a:xfrm>
+          <a:prstGeom prst="roundRect">
+            <a:avLst/>
+          </a:prstGeom>
+        </p:spPr>
+        <p:style>
+          <a:lnRef idx="2">
+            <a:schemeClr val="accent1">
+              <a:shade val="50000"/>
+            </a:schemeClr>
+          </a:lnRef>
+          <a:fillRef idx="1">
+            <a:schemeClr val="accent1"/>
+          </a:fillRef>
+          <a:effectRef idx="0">
+            <a:schemeClr val="accent1"/>
+          </a:effectRef>
+          <a:fontRef idx="minor">
+            <a:schemeClr val="lt1"/>
+          </a:fontRef>
+        </p:style>
+        <p:txBody>
+          <a:bodyPr rtlCol="0" anchor="ctr"/>
+          <a:lstStyle/>
+          <a:p>
+            <a:pPr algn="ctr"/>
+            <a:endParaRPr lang="en-US"/>
+          </a:p>
+        </p:txBody>
+      </p:sp>
+      <p:sp>
+        <p:nvSpPr>
+          <p:cNvPr id="8" name="Rounded Rectangle 7"/>
+          <p:cNvSpPr/>
+          <p:nvPr/>
+        </p:nvSpPr>
+        <p:spPr>
+          <a:xfrm>
+            <a:off x="6661345" y="2953497"/>
+            <a:ext cx="4721352" cy="1617784"/>
+          </a:xfrm>
+          <a:prstGeom prst="roundRect">
+            <a:avLst/>
+          </a:prstGeom>
+        </p:spPr>
+        <p:style>
+          <a:lnRef idx="2">
+            <a:schemeClr val="accent1">
+              <a:shade val="50000"/>
+            </a:schemeClr>
+          </a:lnRef>
+          <a:fillRef idx="1">
+            <a:schemeClr val="accent1"/>
+          </a:fillRef>
+          <a:effectRef idx="0">
+            <a:schemeClr val="accent1"/>
+          </a:effectRef>
+          <a:fontRef idx="minor">
+            <a:schemeClr val="lt1"/>
+          </a:fontRef>
+        </p:style>
+        <p:txBody>
+          <a:bodyPr rtlCol="0" anchor="ctr"/>
+          <a:lstStyle/>
+          <a:p>
+            <a:pPr algn="ctr"/>
+            <a:endParaRPr lang="en-US"/>
+          </a:p>
+        </p:txBody>
+      </p:sp>
+      <p:sp>
+        <p:nvSpPr>
+          <p:cNvPr id="9" name="Rounded Rectangle 8"/>
+          <p:cNvSpPr/>
+          <p:nvPr/>
+        </p:nvSpPr>
+        <p:spPr>
+          <a:xfrm>
+            <a:off x="3878225" y="1289013"/>
+            <a:ext cx="1666379" cy="390459"/>
+          </a:xfrm>
+          <a:prstGeom prst="roundRect">
+            <a:avLst/>
+          </a:prstGeom>
+          <a:solidFill>
+            <a:srgbClr val="0070C0"/>
+          </a:solidFill>
+        </p:spPr>
+        <p:style>
+          <a:lnRef idx="2">
+            <a:schemeClr val="accent1">
+              <a:shade val="50000"/>
+            </a:schemeClr>
+          </a:lnRef>
+          <a:fillRef idx="1">
+            <a:schemeClr val="accent1"/>
+          </a:fillRef>
+          <a:effectRef idx="0">
+            <a:schemeClr val="accent1"/>
+          </a:effectRef>
+          <a:fontRef idx="minor">
+            <a:schemeClr val="lt1"/>
+          </a:fontRef>
+        </p:style>
+        <p:txBody>
+          <a:bodyPr rtlCol="0" anchor="t"/>
+          <a:lstStyle/>
+          <a:p>
+            <a:r>
+              <a:rPr lang="en-US" sz="1400" dirty="0"/>
+              <a:t>Stateless Svc 1</a:t>
+            </a:r>
+          </a:p>
+        </p:txBody>
+      </p:sp>
+      <p:sp>
+        <p:nvSpPr>
+          <p:cNvPr id="10" name="Rounded Rectangle 9"/>
+          <p:cNvSpPr/>
+          <p:nvPr/>
+        </p:nvSpPr>
+        <p:spPr>
+          <a:xfrm>
+            <a:off x="879537" y="3097662"/>
+            <a:ext cx="1666379" cy="390459"/>
+          </a:xfrm>
+          <a:prstGeom prst="roundRect">
+            <a:avLst/>
+          </a:prstGeom>
+          <a:solidFill>
+            <a:srgbClr val="00B050"/>
+          </a:solidFill>
+        </p:spPr>
+        <p:style>
+          <a:lnRef idx="2">
+            <a:schemeClr val="accent1">
+              <a:shade val="50000"/>
+            </a:schemeClr>
+          </a:lnRef>
+          <a:fillRef idx="1">
+            <a:schemeClr val="accent1"/>
+          </a:fillRef>
+          <a:effectRef idx="0">
+            <a:schemeClr val="accent1"/>
+          </a:effectRef>
+          <a:fontRef idx="minor">
+            <a:schemeClr val="lt1"/>
+          </a:fontRef>
+        </p:style>
+        <p:txBody>
+          <a:bodyPr rtlCol="0" anchor="t"/>
+          <a:lstStyle/>
+          <a:p>
+            <a:r>
+              <a:rPr lang="en-US" sz="1400" dirty="0"/>
+              <a:t>Stateless Svc 2</a:t>
+            </a:r>
+          </a:p>
+        </p:txBody>
+      </p:sp>
+      <p:sp>
+        <p:nvSpPr>
+          <p:cNvPr id="11" name="Rounded Rectangle 10"/>
+          <p:cNvSpPr/>
+          <p:nvPr/>
+        </p:nvSpPr>
+        <p:spPr>
+          <a:xfrm>
+            <a:off x="1293775" y="4867531"/>
+            <a:ext cx="1666379" cy="390459"/>
+          </a:xfrm>
+          <a:prstGeom prst="roundRect">
+            <a:avLst/>
+          </a:prstGeom>
+          <a:solidFill>
+            <a:srgbClr val="00B050"/>
+          </a:solidFill>
+        </p:spPr>
+        <p:style>
+          <a:lnRef idx="2">
+            <a:schemeClr val="accent1">
+              <a:shade val="50000"/>
+            </a:schemeClr>
+          </a:lnRef>
+          <a:fillRef idx="1">
+            <a:schemeClr val="accent1"/>
+          </a:fillRef>
+          <a:effectRef idx="0">
+            <a:schemeClr val="accent1"/>
+          </a:effectRef>
+          <a:fontRef idx="minor">
+            <a:schemeClr val="lt1"/>
+          </a:fontRef>
+        </p:style>
+        <p:txBody>
+          <a:bodyPr rtlCol="0" anchor="t"/>
+          <a:lstStyle/>
+          <a:p>
+            <a:r>
+              <a:rPr lang="en-US" sz="1400" dirty="0"/>
+              <a:t>Stateless Svc 2</a:t>
+            </a:r>
+          </a:p>
+        </p:txBody>
+      </p:sp>
+      <p:sp>
+        <p:nvSpPr>
+          <p:cNvPr id="12" name="Rounded Rectangle 11"/>
+          <p:cNvSpPr/>
+          <p:nvPr/>
+        </p:nvSpPr>
+        <p:spPr>
+          <a:xfrm>
+            <a:off x="6347150" y="4852992"/>
+            <a:ext cx="1666379" cy="390459"/>
+          </a:xfrm>
+          <a:prstGeom prst="roundRect">
+            <a:avLst/>
+          </a:prstGeom>
+          <a:solidFill>
+            <a:srgbClr val="00B050"/>
+          </a:solidFill>
+        </p:spPr>
+        <p:style>
+          <a:lnRef idx="2">
+            <a:schemeClr val="accent1">
+              <a:shade val="50000"/>
+            </a:schemeClr>
+          </a:lnRef>
+          <a:fillRef idx="1">
+            <a:schemeClr val="accent1"/>
+          </a:fillRef>
+          <a:effectRef idx="0">
+            <a:schemeClr val="accent1"/>
+          </a:effectRef>
+          <a:fontRef idx="minor">
+            <a:schemeClr val="lt1"/>
+          </a:fontRef>
+        </p:style>
+        <p:txBody>
+          <a:bodyPr rtlCol="0" anchor="t"/>
+          <a:lstStyle/>
+          <a:p>
+            <a:r>
+              <a:rPr lang="en-US" sz="1400" dirty="0"/>
+              <a:t>Stateless Svc 2</a:t>
+            </a:r>
+          </a:p>
+        </p:txBody>
+      </p:sp>
+      <p:sp>
+        <p:nvSpPr>
+          <p:cNvPr id="13" name="Rounded Rectangle 12"/>
+          <p:cNvSpPr/>
+          <p:nvPr/>
+        </p:nvSpPr>
+        <p:spPr>
+          <a:xfrm>
+            <a:off x="6730231" y="3097662"/>
+            <a:ext cx="1733418" cy="390459"/>
+          </a:xfrm>
+          <a:prstGeom prst="roundRect">
+            <a:avLst/>
+          </a:prstGeom>
+          <a:solidFill>
+            <a:srgbClr val="00B050"/>
+          </a:solidFill>
+        </p:spPr>
+        <p:style>
+          <a:lnRef idx="2">
+            <a:schemeClr val="accent1">
+              <a:shade val="50000"/>
+            </a:schemeClr>
+          </a:lnRef>
+          <a:fillRef idx="1">
+            <a:schemeClr val="accent1"/>
+          </a:fillRef>
+          <a:effectRef idx="0">
+            <a:schemeClr val="accent1"/>
+          </a:effectRef>
+          <a:fontRef idx="minor">
+            <a:schemeClr val="lt1"/>
+          </a:fontRef>
+        </p:style>
+        <p:txBody>
+          <a:bodyPr rtlCol="0" anchor="t"/>
+          <a:lstStyle/>
+          <a:p>
+            <a:r>
+              <a:rPr lang="en-US" sz="1400" dirty="0"/>
+              <a:t>Stateless Svc 2</a:t>
+            </a:r>
+          </a:p>
+        </p:txBody>
+      </p:sp>
+      <p:sp>
+        <p:nvSpPr>
+          <p:cNvPr id="14" name="Rounded Rectangle 13"/>
+          <p:cNvSpPr/>
+          <p:nvPr/>
+        </p:nvSpPr>
+        <p:spPr>
+          <a:xfrm>
+            <a:off x="3878225" y="1741502"/>
+            <a:ext cx="1666379" cy="390459"/>
+          </a:xfrm>
+          <a:prstGeom prst="roundRect">
+            <a:avLst/>
+          </a:prstGeom>
+          <a:solidFill>
+            <a:srgbClr val="00B050"/>
+          </a:solidFill>
+        </p:spPr>
+        <p:style>
+          <a:lnRef idx="2">
+            <a:schemeClr val="accent1">
+              <a:shade val="50000"/>
+            </a:schemeClr>
+          </a:lnRef>
+          <a:fillRef idx="1">
+            <a:schemeClr val="accent1"/>
+          </a:fillRef>
+          <a:effectRef idx="0">
+            <a:schemeClr val="accent1"/>
+          </a:effectRef>
+          <a:fontRef idx="minor">
+            <a:schemeClr val="lt1"/>
+          </a:fontRef>
+        </p:style>
+        <p:txBody>
+          <a:bodyPr rtlCol="0" anchor="t"/>
+          <a:lstStyle/>
+          <a:p>
+            <a:r>
+              <a:rPr lang="en-US" sz="1400" dirty="0"/>
+              <a:t>Stateless Svc 2</a:t>
+            </a:r>
+          </a:p>
+        </p:txBody>
+      </p:sp>
+      <p:sp>
+        <p:nvSpPr>
+          <p:cNvPr id="19" name="Rounded Rectangle 18"/>
+          <p:cNvSpPr/>
+          <p:nvPr/>
+        </p:nvSpPr>
+        <p:spPr>
+          <a:xfrm>
+            <a:off x="879538" y="3560671"/>
+            <a:ext cx="1668912" cy="403439"/>
+          </a:xfrm>
+          <a:prstGeom prst="roundRect">
+            <a:avLst/>
+          </a:prstGeom>
+          <a:solidFill>
+            <a:schemeClr val="accent2">
+              <a:lumMod val="75000"/>
+            </a:schemeClr>
+          </a:solidFill>
+        </p:spPr>
+        <p:style>
+          <a:lnRef idx="2">
+            <a:schemeClr val="accent1">
+              <a:shade val="50000"/>
+            </a:schemeClr>
+          </a:lnRef>
+          <a:fillRef idx="1">
+            <a:schemeClr val="accent1"/>
+          </a:fillRef>
+          <a:effectRef idx="0">
+            <a:schemeClr val="accent1"/>
+          </a:effectRef>
+          <a:fontRef idx="minor">
+            <a:schemeClr val="lt1"/>
+          </a:fontRef>
+        </p:style>
+        <p:txBody>
+          <a:bodyPr rtlCol="0" anchor="t"/>
+          <a:lstStyle/>
+          <a:p>
+            <a:r>
+              <a:rPr lang="en-US" sz="1400" dirty="0" err="1"/>
+              <a:t>Stateful</a:t>
+            </a:r>
+            <a:r>
+              <a:rPr lang="en-US" sz="1400" dirty="0"/>
+              <a:t> Svc 1 (P1)</a:t>
+            </a:r>
+          </a:p>
+        </p:txBody>
+      </p:sp>
+      <p:sp>
+        <p:nvSpPr>
+          <p:cNvPr id="20" name="Rounded Rectangle 19"/>
+          <p:cNvSpPr/>
+          <p:nvPr/>
+        </p:nvSpPr>
+        <p:spPr>
+          <a:xfrm>
+            <a:off x="1286388" y="5304011"/>
+            <a:ext cx="1673766" cy="403439"/>
+          </a:xfrm>
+          <a:prstGeom prst="roundRect">
+            <a:avLst/>
+          </a:prstGeom>
+          <a:solidFill>
+            <a:schemeClr val="accent2">
+              <a:lumMod val="60000"/>
+              <a:lumOff val="40000"/>
+            </a:schemeClr>
+          </a:solidFill>
+        </p:spPr>
+        <p:style>
+          <a:lnRef idx="2">
+            <a:schemeClr val="accent1">
+              <a:shade val="50000"/>
+            </a:schemeClr>
+          </a:lnRef>
+          <a:fillRef idx="1">
+            <a:schemeClr val="accent1"/>
+          </a:fillRef>
+          <a:effectRef idx="0">
+            <a:schemeClr val="accent1"/>
+          </a:effectRef>
+          <a:fontRef idx="minor">
+            <a:schemeClr val="lt1"/>
+          </a:fontRef>
+        </p:style>
+        <p:txBody>
+          <a:bodyPr rtlCol="0" anchor="t"/>
+          <a:lstStyle/>
+          <a:p>
+            <a:r>
+              <a:rPr lang="en-US" sz="1400" dirty="0" err="1"/>
+              <a:t>Stateful</a:t>
+            </a:r>
+            <a:r>
+              <a:rPr lang="en-US" sz="1400" dirty="0"/>
+              <a:t> Svc 1 (S1)</a:t>
+            </a:r>
+          </a:p>
+        </p:txBody>
+      </p:sp>
+      <p:sp>
+        <p:nvSpPr>
+          <p:cNvPr id="21" name="Rounded Rectangle 20"/>
+          <p:cNvSpPr/>
+          <p:nvPr/>
+        </p:nvSpPr>
+        <p:spPr>
+          <a:xfrm>
+            <a:off x="6732663" y="3560671"/>
+            <a:ext cx="1731399" cy="403439"/>
+          </a:xfrm>
+          <a:prstGeom prst="roundRect">
+            <a:avLst/>
+          </a:prstGeom>
+          <a:solidFill>
+            <a:schemeClr val="bg2">
+              <a:lumMod val="25000"/>
+            </a:schemeClr>
+          </a:solidFill>
+          <a:ln>
+            <a:solidFill>
+              <a:schemeClr val="bg2">
+                <a:lumMod val="25000"/>
+              </a:schemeClr>
+            </a:solidFill>
+          </a:ln>
+        </p:spPr>
+        <p:style>
+          <a:lnRef idx="2">
+            <a:schemeClr val="accent1">
+              <a:shade val="50000"/>
+            </a:schemeClr>
+          </a:lnRef>
+          <a:fillRef idx="1">
+            <a:schemeClr val="accent1"/>
+          </a:fillRef>
+          <a:effectRef idx="0">
+            <a:schemeClr val="accent1"/>
+          </a:effectRef>
+          <a:fontRef idx="minor">
+            <a:schemeClr val="lt1"/>
+          </a:fontRef>
+        </p:style>
+        <p:txBody>
+          <a:bodyPr rtlCol="0" anchor="t"/>
+          <a:lstStyle/>
+          <a:p>
+            <a:r>
+              <a:rPr lang="en-US" sz="1400" dirty="0" err="1"/>
+              <a:t>Stateful</a:t>
+            </a:r>
+            <a:r>
+              <a:rPr lang="en-US" sz="1400" dirty="0"/>
+              <a:t> Svc 2 (P1)</a:t>
+            </a:r>
+          </a:p>
+        </p:txBody>
+      </p:sp>
+      <p:sp>
+        <p:nvSpPr>
+          <p:cNvPr id="22" name="Rounded Rectangle 21"/>
+          <p:cNvSpPr/>
+          <p:nvPr/>
+        </p:nvSpPr>
+        <p:spPr>
+          <a:xfrm>
+            <a:off x="6347150" y="5314483"/>
+            <a:ext cx="1666379" cy="403439"/>
+          </a:xfrm>
+          <a:prstGeom prst="roundRect">
+            <a:avLst/>
+          </a:prstGeom>
+          <a:solidFill>
+            <a:schemeClr val="bg2">
+              <a:lumMod val="50000"/>
+            </a:schemeClr>
+          </a:solidFill>
+          <a:ln>
+            <a:solidFill>
+              <a:schemeClr val="bg2">
+                <a:lumMod val="50000"/>
+              </a:schemeClr>
+            </a:solidFill>
+          </a:ln>
+        </p:spPr>
+        <p:style>
+          <a:lnRef idx="2">
+            <a:schemeClr val="accent1">
+              <a:shade val="50000"/>
+            </a:schemeClr>
+          </a:lnRef>
+          <a:fillRef idx="1">
+            <a:schemeClr val="accent1"/>
+          </a:fillRef>
+          <a:effectRef idx="0">
+            <a:schemeClr val="accent1"/>
+          </a:effectRef>
+          <a:fontRef idx="minor">
+            <a:schemeClr val="lt1"/>
+          </a:fontRef>
+        </p:style>
+        <p:txBody>
+          <a:bodyPr rtlCol="0" anchor="t"/>
+          <a:lstStyle/>
+          <a:p>
+            <a:r>
+              <a:rPr lang="en-US" sz="1400" dirty="0" err="1"/>
+              <a:t>Stateful</a:t>
+            </a:r>
+            <a:r>
+              <a:rPr lang="en-US" sz="1400" dirty="0"/>
+              <a:t> Svc 2 (S1)</a:t>
+            </a:r>
+          </a:p>
+        </p:txBody>
+      </p:sp>
+      <p:sp>
+        <p:nvSpPr>
+          <p:cNvPr id="23" name="Rounded Rectangle 22"/>
+          <p:cNvSpPr/>
+          <p:nvPr/>
+        </p:nvSpPr>
+        <p:spPr>
+          <a:xfrm>
+            <a:off x="6347151" y="5776999"/>
+            <a:ext cx="1666378" cy="403439"/>
+          </a:xfrm>
+          <a:prstGeom prst="roundRect">
+            <a:avLst/>
+          </a:prstGeom>
+          <a:solidFill>
+            <a:schemeClr val="accent2">
+              <a:lumMod val="60000"/>
+              <a:lumOff val="40000"/>
+            </a:schemeClr>
+          </a:solidFill>
+        </p:spPr>
+        <p:style>
+          <a:lnRef idx="2">
+            <a:schemeClr val="accent1">
+              <a:shade val="50000"/>
+            </a:schemeClr>
+          </a:lnRef>
+          <a:fillRef idx="1">
+            <a:schemeClr val="accent1"/>
+          </a:fillRef>
+          <a:effectRef idx="0">
+            <a:schemeClr val="accent1"/>
+          </a:effectRef>
+          <a:fontRef idx="minor">
+            <a:schemeClr val="lt1"/>
+          </a:fontRef>
+        </p:style>
+        <p:txBody>
+          <a:bodyPr rtlCol="0" anchor="t"/>
+          <a:lstStyle/>
+          <a:p>
+            <a:r>
+              <a:rPr lang="en-US" sz="1400" dirty="0" err="1"/>
+              <a:t>Stateful</a:t>
+            </a:r>
+            <a:r>
+              <a:rPr lang="en-US" sz="1400" dirty="0"/>
+              <a:t> Svc 1 (S1)</a:t>
+            </a:r>
+          </a:p>
+        </p:txBody>
+      </p:sp>
+      <p:sp>
+        <p:nvSpPr>
+          <p:cNvPr id="24" name="Rounded Rectangle 23"/>
+          <p:cNvSpPr/>
+          <p:nvPr/>
+        </p:nvSpPr>
+        <p:spPr>
+          <a:xfrm>
+            <a:off x="1286387" y="5771730"/>
+            <a:ext cx="1666379" cy="403439"/>
+          </a:xfrm>
+          <a:prstGeom prst="roundRect">
+            <a:avLst/>
+          </a:prstGeom>
+          <a:solidFill>
+            <a:schemeClr val="bg2">
+              <a:lumMod val="50000"/>
+            </a:schemeClr>
+          </a:solidFill>
+          <a:ln>
+            <a:solidFill>
+              <a:schemeClr val="bg2">
+                <a:lumMod val="50000"/>
+              </a:schemeClr>
+            </a:solidFill>
+          </a:ln>
+        </p:spPr>
+        <p:style>
+          <a:lnRef idx="2">
+            <a:schemeClr val="accent1">
+              <a:shade val="50000"/>
+            </a:schemeClr>
+          </a:lnRef>
+          <a:fillRef idx="1">
+            <a:schemeClr val="accent1"/>
+          </a:fillRef>
+          <a:effectRef idx="0">
+            <a:schemeClr val="accent1"/>
+          </a:effectRef>
+          <a:fontRef idx="minor">
+            <a:schemeClr val="lt1"/>
+          </a:fontRef>
+        </p:style>
+        <p:txBody>
+          <a:bodyPr rtlCol="0" anchor="t"/>
+          <a:lstStyle/>
+          <a:p>
+            <a:r>
+              <a:rPr lang="en-US" sz="1400" dirty="0" err="1"/>
+              <a:t>Stateful</a:t>
+            </a:r>
+            <a:r>
+              <a:rPr lang="en-US" sz="1400" dirty="0"/>
+              <a:t> Svc 2 (S1)</a:t>
+            </a:r>
+          </a:p>
+        </p:txBody>
+      </p:sp>
+      <p:sp>
+        <p:nvSpPr>
+          <p:cNvPr id="25" name="Rounded Rectangle 24"/>
+          <p:cNvSpPr/>
+          <p:nvPr/>
+        </p:nvSpPr>
+        <p:spPr>
+          <a:xfrm>
+            <a:off x="3150464" y="4867531"/>
+            <a:ext cx="1668912" cy="403439"/>
+          </a:xfrm>
+          <a:prstGeom prst="roundRect">
+            <a:avLst/>
+          </a:prstGeom>
+          <a:solidFill>
+            <a:schemeClr val="accent2">
+              <a:lumMod val="75000"/>
+            </a:schemeClr>
+          </a:solidFill>
+        </p:spPr>
+        <p:style>
+          <a:lnRef idx="2">
+            <a:schemeClr val="accent1">
+              <a:shade val="50000"/>
+            </a:schemeClr>
+          </a:lnRef>
+          <a:fillRef idx="1">
+            <a:schemeClr val="accent1"/>
+          </a:fillRef>
+          <a:effectRef idx="0">
+            <a:schemeClr val="accent1"/>
+          </a:effectRef>
+          <a:fontRef idx="minor">
+            <a:schemeClr val="lt1"/>
+          </a:fontRef>
+        </p:style>
+        <p:txBody>
+          <a:bodyPr rtlCol="0" anchor="t"/>
+          <a:lstStyle/>
+          <a:p>
+            <a:r>
+              <a:rPr lang="en-US" sz="1400" dirty="0" err="1"/>
+              <a:t>Stateful</a:t>
+            </a:r>
+            <a:r>
+              <a:rPr lang="en-US" sz="1400" dirty="0"/>
+              <a:t> Svc 1 (P2)</a:t>
+            </a:r>
+          </a:p>
+        </p:txBody>
+      </p:sp>
+      <p:sp>
+        <p:nvSpPr>
+          <p:cNvPr id="26" name="Rounded Rectangle 25"/>
+          <p:cNvSpPr/>
+          <p:nvPr/>
+        </p:nvSpPr>
+        <p:spPr>
+          <a:xfrm>
+            <a:off x="8647761" y="3103182"/>
+            <a:ext cx="1673766" cy="403439"/>
+          </a:xfrm>
+          <a:prstGeom prst="roundRect">
+            <a:avLst/>
+          </a:prstGeom>
+          <a:solidFill>
+            <a:schemeClr val="accent2">
+              <a:lumMod val="60000"/>
+              <a:lumOff val="40000"/>
+            </a:schemeClr>
+          </a:solidFill>
+        </p:spPr>
+        <p:style>
+          <a:lnRef idx="2">
+            <a:schemeClr val="accent1">
+              <a:shade val="50000"/>
+            </a:schemeClr>
+          </a:lnRef>
+          <a:fillRef idx="1">
+            <a:schemeClr val="accent1"/>
+          </a:fillRef>
+          <a:effectRef idx="0">
+            <a:schemeClr val="accent1"/>
+          </a:effectRef>
+          <a:fontRef idx="minor">
+            <a:schemeClr val="lt1"/>
+          </a:fontRef>
+        </p:style>
+        <p:txBody>
+          <a:bodyPr rtlCol="0" anchor="t"/>
+          <a:lstStyle/>
+          <a:p>
+            <a:r>
+              <a:rPr lang="en-US" sz="1400" dirty="0" err="1"/>
+              <a:t>Stateful</a:t>
+            </a:r>
+            <a:r>
+              <a:rPr lang="en-US" sz="1400" dirty="0"/>
+              <a:t> Svc 1 (S2)</a:t>
+            </a:r>
+          </a:p>
+        </p:txBody>
+      </p:sp>
+      <p:sp>
+        <p:nvSpPr>
+          <p:cNvPr id="27" name="Rounded Rectangle 26"/>
+          <p:cNvSpPr/>
+          <p:nvPr/>
+        </p:nvSpPr>
+        <p:spPr>
+          <a:xfrm>
+            <a:off x="8203839" y="4840012"/>
+            <a:ext cx="1673766" cy="403439"/>
+          </a:xfrm>
+          <a:prstGeom prst="roundRect">
+            <a:avLst/>
+          </a:prstGeom>
+          <a:solidFill>
+            <a:schemeClr val="accent2">
+              <a:lumMod val="60000"/>
+              <a:lumOff val="40000"/>
+            </a:schemeClr>
+          </a:solidFill>
+        </p:spPr>
+        <p:style>
+          <a:lnRef idx="2">
+            <a:schemeClr val="accent1">
+              <a:shade val="50000"/>
+            </a:schemeClr>
+          </a:lnRef>
+          <a:fillRef idx="1">
+            <a:schemeClr val="accent1"/>
+          </a:fillRef>
+          <a:effectRef idx="0">
+            <a:schemeClr val="accent1"/>
+          </a:effectRef>
+          <a:fontRef idx="minor">
+            <a:schemeClr val="lt1"/>
+          </a:fontRef>
+        </p:style>
+        <p:txBody>
+          <a:bodyPr rtlCol="0" anchor="t"/>
+          <a:lstStyle/>
+          <a:p>
+            <a:r>
+              <a:rPr lang="en-US" sz="1400" dirty="0" err="1"/>
+              <a:t>Stateful</a:t>
+            </a:r>
+            <a:r>
+              <a:rPr lang="en-US" sz="1400" dirty="0"/>
+              <a:t> Svc 1 (S2)</a:t>
+            </a:r>
+          </a:p>
+        </p:txBody>
+      </p:sp>
+      <p:sp>
+        <p:nvSpPr>
+          <p:cNvPr id="28" name="Rounded Rectangle 27"/>
+          <p:cNvSpPr/>
+          <p:nvPr/>
+        </p:nvSpPr>
+        <p:spPr>
+          <a:xfrm>
+            <a:off x="8203839" y="5323824"/>
+            <a:ext cx="1731399" cy="403439"/>
+          </a:xfrm>
+          <a:prstGeom prst="roundRect">
+            <a:avLst/>
+          </a:prstGeom>
+          <a:solidFill>
+            <a:schemeClr val="bg2">
+              <a:lumMod val="25000"/>
+            </a:schemeClr>
+          </a:solidFill>
+          <a:ln>
+            <a:solidFill>
+              <a:schemeClr val="bg2">
+                <a:lumMod val="25000"/>
+              </a:schemeClr>
+            </a:solidFill>
+          </a:ln>
+        </p:spPr>
+        <p:style>
+          <a:lnRef idx="2">
+            <a:schemeClr val="accent1">
+              <a:shade val="50000"/>
+            </a:schemeClr>
+          </a:lnRef>
+          <a:fillRef idx="1">
+            <a:schemeClr val="accent1"/>
+          </a:fillRef>
+          <a:effectRef idx="0">
+            <a:schemeClr val="accent1"/>
+          </a:effectRef>
+          <a:fontRef idx="minor">
+            <a:schemeClr val="lt1"/>
+          </a:fontRef>
+        </p:style>
+        <p:txBody>
+          <a:bodyPr rtlCol="0" anchor="t"/>
+          <a:lstStyle/>
+          <a:p>
+            <a:r>
+              <a:rPr lang="en-US" sz="1400" dirty="0" err="1"/>
+              <a:t>Stateful</a:t>
+            </a:r>
+            <a:r>
+              <a:rPr lang="en-US" sz="1400" dirty="0"/>
+              <a:t> Svc 2 (P2)</a:t>
+            </a:r>
+          </a:p>
+        </p:txBody>
+      </p:sp>
+      <p:sp>
+        <p:nvSpPr>
+          <p:cNvPr id="29" name="Rounded Rectangle 28"/>
+          <p:cNvSpPr/>
+          <p:nvPr/>
+        </p:nvSpPr>
+        <p:spPr>
+          <a:xfrm>
+            <a:off x="3150464" y="5312795"/>
+            <a:ext cx="1666379" cy="403439"/>
+          </a:xfrm>
+          <a:prstGeom prst="roundRect">
+            <a:avLst/>
+          </a:prstGeom>
+          <a:solidFill>
+            <a:schemeClr val="bg2">
+              <a:lumMod val="50000"/>
+            </a:schemeClr>
+          </a:solidFill>
+          <a:ln>
+            <a:solidFill>
+              <a:schemeClr val="bg2">
+                <a:lumMod val="50000"/>
+              </a:schemeClr>
+            </a:solidFill>
+          </a:ln>
+        </p:spPr>
+        <p:style>
+          <a:lnRef idx="2">
+            <a:schemeClr val="accent1">
+              <a:shade val="50000"/>
+            </a:schemeClr>
+          </a:lnRef>
+          <a:fillRef idx="1">
+            <a:schemeClr val="accent1"/>
+          </a:fillRef>
+          <a:effectRef idx="0">
+            <a:schemeClr val="accent1"/>
+          </a:effectRef>
+          <a:fontRef idx="minor">
+            <a:schemeClr val="lt1"/>
+          </a:fontRef>
+        </p:style>
+        <p:txBody>
+          <a:bodyPr rtlCol="0" anchor="t"/>
+          <a:lstStyle/>
+          <a:p>
+            <a:r>
+              <a:rPr lang="en-US" sz="1400" dirty="0" err="1"/>
+              <a:t>Stateful</a:t>
+            </a:r>
+            <a:r>
+              <a:rPr lang="en-US" sz="1400" dirty="0"/>
+              <a:t> Svc 2 (S2)</a:t>
+            </a:r>
+          </a:p>
+        </p:txBody>
+      </p:sp>
+      <p:sp>
+        <p:nvSpPr>
+          <p:cNvPr id="30" name="Rounded Rectangle 29"/>
+          <p:cNvSpPr/>
+          <p:nvPr/>
+        </p:nvSpPr>
+        <p:spPr>
+          <a:xfrm>
+            <a:off x="2702521" y="3084682"/>
+            <a:ext cx="1666379" cy="403439"/>
+          </a:xfrm>
+          <a:prstGeom prst="roundRect">
+            <a:avLst/>
+          </a:prstGeom>
+          <a:solidFill>
+            <a:schemeClr val="bg2">
+              <a:lumMod val="50000"/>
+            </a:schemeClr>
+          </a:solidFill>
+          <a:ln>
+            <a:solidFill>
+              <a:schemeClr val="bg2">
+                <a:lumMod val="50000"/>
+              </a:schemeClr>
+            </a:solidFill>
+          </a:ln>
+        </p:spPr>
+        <p:style>
+          <a:lnRef idx="2">
+            <a:schemeClr val="accent1">
+              <a:shade val="50000"/>
+            </a:schemeClr>
+          </a:lnRef>
+          <a:fillRef idx="1">
+            <a:schemeClr val="accent1"/>
+          </a:fillRef>
+          <a:effectRef idx="0">
+            <a:schemeClr val="accent1"/>
+          </a:effectRef>
+          <a:fontRef idx="minor">
+            <a:schemeClr val="lt1"/>
+          </a:fontRef>
+        </p:style>
+        <p:txBody>
+          <a:bodyPr rtlCol="0" anchor="t"/>
+          <a:lstStyle/>
+          <a:p>
+            <a:r>
+              <a:rPr lang="en-US" sz="1400" dirty="0" err="1"/>
+              <a:t>Stateful</a:t>
+            </a:r>
+            <a:r>
+              <a:rPr lang="en-US" sz="1400" dirty="0"/>
+              <a:t> Svc 2 (S2)</a:t>
+            </a:r>
+          </a:p>
+        </p:txBody>
+      </p:sp>
+      <p:sp>
+        <p:nvSpPr>
+          <p:cNvPr id="32" name="Rounded Rectangle 31"/>
+          <p:cNvSpPr/>
+          <p:nvPr/>
+        </p:nvSpPr>
+        <p:spPr>
+          <a:xfrm>
+            <a:off x="8654372" y="3560671"/>
+            <a:ext cx="1668912" cy="403439"/>
+          </a:xfrm>
+          <a:prstGeom prst="roundRect">
+            <a:avLst/>
+          </a:prstGeom>
+          <a:solidFill>
+            <a:schemeClr val="accent2">
+              <a:lumMod val="75000"/>
+            </a:schemeClr>
+          </a:solidFill>
+        </p:spPr>
+        <p:style>
+          <a:lnRef idx="2">
+            <a:schemeClr val="accent1">
+              <a:shade val="50000"/>
+            </a:schemeClr>
+          </a:lnRef>
+          <a:fillRef idx="1">
+            <a:schemeClr val="accent1"/>
+          </a:fillRef>
+          <a:effectRef idx="0">
+            <a:schemeClr val="accent1"/>
+          </a:effectRef>
+          <a:fontRef idx="minor">
+            <a:schemeClr val="lt1"/>
+          </a:fontRef>
+        </p:style>
+        <p:txBody>
+          <a:bodyPr rtlCol="0" anchor="t"/>
+          <a:lstStyle/>
+          <a:p>
+            <a:r>
+              <a:rPr lang="en-US" sz="1400" dirty="0" err="1"/>
+              <a:t>Stateful</a:t>
+            </a:r>
+            <a:r>
+              <a:rPr lang="en-US" sz="1400" dirty="0"/>
+              <a:t> Svc 1 (P3)</a:t>
+            </a:r>
+          </a:p>
+        </p:txBody>
+      </p:sp>
+      <p:sp>
+        <p:nvSpPr>
+          <p:cNvPr id="33" name="Rounded Rectangle 32"/>
+          <p:cNvSpPr/>
+          <p:nvPr/>
+        </p:nvSpPr>
+        <p:spPr>
+          <a:xfrm>
+            <a:off x="2702521" y="3584090"/>
+            <a:ext cx="1673766" cy="403439"/>
+          </a:xfrm>
+          <a:prstGeom prst="roundRect">
+            <a:avLst/>
+          </a:prstGeom>
+          <a:solidFill>
+            <a:schemeClr val="accent2">
+              <a:lumMod val="60000"/>
+              <a:lumOff val="40000"/>
+            </a:schemeClr>
+          </a:solidFill>
+        </p:spPr>
+        <p:style>
+          <a:lnRef idx="2">
+            <a:schemeClr val="accent1">
+              <a:shade val="50000"/>
+            </a:schemeClr>
+          </a:lnRef>
+          <a:fillRef idx="1">
+            <a:schemeClr val="accent1"/>
+          </a:fillRef>
+          <a:effectRef idx="0">
+            <a:schemeClr val="accent1"/>
+          </a:effectRef>
+          <a:fontRef idx="minor">
+            <a:schemeClr val="lt1"/>
+          </a:fontRef>
+        </p:style>
+        <p:txBody>
+          <a:bodyPr rtlCol="0" anchor="t"/>
+          <a:lstStyle/>
+          <a:p>
+            <a:r>
+              <a:rPr lang="en-US" sz="1400" dirty="0" err="1"/>
+              <a:t>Stateful</a:t>
+            </a:r>
+            <a:r>
+              <a:rPr lang="en-US" sz="1400" dirty="0"/>
+              <a:t> Svc 1 (S3)</a:t>
+            </a:r>
+          </a:p>
+        </p:txBody>
+      </p:sp>
+      <p:sp>
+        <p:nvSpPr>
+          <p:cNvPr id="34" name="Rounded Rectangle 33"/>
+          <p:cNvSpPr/>
+          <p:nvPr/>
+        </p:nvSpPr>
+        <p:spPr>
+          <a:xfrm>
+            <a:off x="3161858" y="5776999"/>
+            <a:ext cx="1673766" cy="403439"/>
+          </a:xfrm>
+          <a:prstGeom prst="roundRect">
+            <a:avLst/>
+          </a:prstGeom>
+          <a:solidFill>
+            <a:schemeClr val="accent2">
+              <a:lumMod val="60000"/>
+              <a:lumOff val="40000"/>
+            </a:schemeClr>
+          </a:solidFill>
+        </p:spPr>
+        <p:style>
+          <a:lnRef idx="2">
+            <a:schemeClr val="accent1">
+              <a:shade val="50000"/>
+            </a:schemeClr>
+          </a:lnRef>
+          <a:fillRef idx="1">
+            <a:schemeClr val="accent1"/>
+          </a:fillRef>
+          <a:effectRef idx="0">
+            <a:schemeClr val="accent1"/>
+          </a:effectRef>
+          <a:fontRef idx="minor">
+            <a:schemeClr val="lt1"/>
+          </a:fontRef>
+        </p:style>
+        <p:txBody>
+          <a:bodyPr rtlCol="0" anchor="t"/>
+          <a:lstStyle/>
+          <a:p>
+            <a:r>
+              <a:rPr lang="en-US" sz="1400" dirty="0" err="1"/>
+              <a:t>Stateful</a:t>
+            </a:r>
+            <a:r>
+              <a:rPr lang="en-US" sz="1400" dirty="0"/>
+              <a:t> Svc 1 (S3)</a:t>
+            </a:r>
+          </a:p>
+        </p:txBody>
+      </p:sp>
+      <p:sp>
+        <p:nvSpPr>
+          <p:cNvPr id="35" name="Rounded Rectangle 34"/>
+          <p:cNvSpPr/>
+          <p:nvPr/>
+        </p:nvSpPr>
+        <p:spPr>
+          <a:xfrm>
+            <a:off x="1964680" y="4090119"/>
+            <a:ext cx="1731399" cy="403439"/>
+          </a:xfrm>
+          <a:prstGeom prst="roundRect">
+            <a:avLst/>
+          </a:prstGeom>
+          <a:solidFill>
+            <a:schemeClr val="bg2">
+              <a:lumMod val="25000"/>
+            </a:schemeClr>
+          </a:solidFill>
+          <a:ln>
+            <a:solidFill>
+              <a:schemeClr val="bg2">
+                <a:lumMod val="25000"/>
+              </a:schemeClr>
+            </a:solidFill>
+          </a:ln>
+        </p:spPr>
+        <p:style>
+          <a:lnRef idx="2">
+            <a:schemeClr val="accent1">
+              <a:shade val="50000"/>
+            </a:schemeClr>
+          </a:lnRef>
+          <a:fillRef idx="1">
+            <a:schemeClr val="accent1"/>
+          </a:fillRef>
+          <a:effectRef idx="0">
+            <a:schemeClr val="accent1"/>
+          </a:effectRef>
+          <a:fontRef idx="minor">
+            <a:schemeClr val="lt1"/>
+          </a:fontRef>
+        </p:style>
+        <p:txBody>
+          <a:bodyPr rtlCol="0" anchor="t"/>
+          <a:lstStyle/>
+          <a:p>
+            <a:r>
+              <a:rPr lang="en-US" sz="1400" dirty="0" err="1"/>
+              <a:t>Stateful</a:t>
+            </a:r>
+            <a:r>
+              <a:rPr lang="en-US" sz="1400" dirty="0"/>
+              <a:t> Svc 2 (P3)</a:t>
+            </a:r>
+          </a:p>
+        </p:txBody>
+      </p:sp>
+      <p:sp>
+        <p:nvSpPr>
+          <p:cNvPr id="36" name="Rounded Rectangle 35"/>
+          <p:cNvSpPr/>
+          <p:nvPr/>
+        </p:nvSpPr>
+        <p:spPr>
+          <a:xfrm>
+            <a:off x="8225944" y="5770245"/>
+            <a:ext cx="1709294" cy="403439"/>
+          </a:xfrm>
+          <a:prstGeom prst="roundRect">
+            <a:avLst/>
+          </a:prstGeom>
+          <a:solidFill>
+            <a:schemeClr val="bg2">
+              <a:lumMod val="50000"/>
+            </a:schemeClr>
+          </a:solidFill>
+          <a:ln>
+            <a:solidFill>
+              <a:schemeClr val="bg2">
+                <a:lumMod val="50000"/>
+              </a:schemeClr>
+            </a:solidFill>
+          </a:ln>
+        </p:spPr>
+        <p:style>
+          <a:lnRef idx="2">
+            <a:schemeClr val="accent1">
+              <a:shade val="50000"/>
+            </a:schemeClr>
+          </a:lnRef>
+          <a:fillRef idx="1">
+            <a:schemeClr val="accent1"/>
+          </a:fillRef>
+          <a:effectRef idx="0">
+            <a:schemeClr val="accent1"/>
+          </a:effectRef>
+          <a:fontRef idx="minor">
+            <a:schemeClr val="lt1"/>
+          </a:fontRef>
+        </p:style>
+        <p:txBody>
+          <a:bodyPr rtlCol="0" anchor="t"/>
+          <a:lstStyle/>
+          <a:p>
+            <a:r>
+              <a:rPr lang="en-US" sz="1400" dirty="0" err="1"/>
+              <a:t>Stateful</a:t>
+            </a:r>
+            <a:r>
+              <a:rPr lang="en-US" sz="1400" dirty="0"/>
+              <a:t> Svc 2 (S3)</a:t>
+            </a:r>
+          </a:p>
+        </p:txBody>
+      </p:sp>
+      <p:sp>
+        <p:nvSpPr>
+          <p:cNvPr id="37" name="Rounded Rectangle 36"/>
+          <p:cNvSpPr/>
+          <p:nvPr/>
+        </p:nvSpPr>
+        <p:spPr>
+          <a:xfrm>
+            <a:off x="7799725" y="4035142"/>
+            <a:ext cx="1709294" cy="403439"/>
+          </a:xfrm>
+          <a:prstGeom prst="roundRect">
+            <a:avLst/>
+          </a:prstGeom>
+          <a:solidFill>
+            <a:schemeClr val="bg2">
+              <a:lumMod val="50000"/>
+            </a:schemeClr>
+          </a:solidFill>
+          <a:ln>
+            <a:solidFill>
+              <a:schemeClr val="bg2">
+                <a:lumMod val="50000"/>
+              </a:schemeClr>
+            </a:solidFill>
+          </a:ln>
+        </p:spPr>
+        <p:style>
+          <a:lnRef idx="2">
+            <a:schemeClr val="accent1">
+              <a:shade val="50000"/>
+            </a:schemeClr>
+          </a:lnRef>
+          <a:fillRef idx="1">
+            <a:schemeClr val="accent1"/>
+          </a:fillRef>
+          <a:effectRef idx="0">
+            <a:schemeClr val="accent1"/>
+          </a:effectRef>
+          <a:fontRef idx="minor">
+            <a:schemeClr val="lt1"/>
+          </a:fontRef>
+        </p:style>
+        <p:txBody>
+          <a:bodyPr rtlCol="0" anchor="t"/>
+          <a:lstStyle/>
+          <a:p>
+            <a:r>
+              <a:rPr lang="en-US" sz="1400" dirty="0" err="1"/>
+              <a:t>Stateful</a:t>
+            </a:r>
+            <a:r>
+              <a:rPr lang="en-US" sz="1400" dirty="0"/>
+              <a:t> Svc 2 (S3)</a:t>
             </a:r>
           </a:p>
         </p:txBody>
@@ -4397,13 +8418,861 @@
     </p:spTree>
     <p:extLst>
       <p:ext uri="{BB962C8B-B14F-4D97-AF65-F5344CB8AC3E}">
-        <p14:creationId xmlns:p14="http://schemas.microsoft.com/office/powerpoint/2010/main" val="3585232504"/>
+        <p14:creationId xmlns:p14="http://schemas.microsoft.com/office/powerpoint/2010/main" val="1183340"/>
       </p:ext>
     </p:extLst>
   </p:cSld>
   <p:clrMapOvr>
     <a:masterClrMapping/>
   </p:clrMapOvr>
+  <p:timing>
+    <p:tnLst>
+      <p:par>
+        <p:cTn id="1" dur="indefinite" restart="never" nodeType="tmRoot">
+          <p:childTnLst>
+            <p:seq concurrent="1" nextAc="seek">
+              <p:cTn id="2" dur="indefinite" nodeType="mainSeq">
+                <p:childTnLst>
+                  <p:par>
+                    <p:cTn id="3" fill="hold">
+                      <p:stCondLst>
+                        <p:cond delay="indefinite"/>
+                      </p:stCondLst>
+                      <p:childTnLst>
+                        <p:par>
+                          <p:cTn id="4" fill="hold">
+                            <p:stCondLst>
+                              <p:cond delay="0"/>
+                            </p:stCondLst>
+                            <p:childTnLst>
+                              <p:par>
+                                <p:cTn id="5" presetID="1" presetClass="entr" presetSubtype="0" fill="hold" grpId="0" nodeType="clickEffect">
+                                  <p:stCondLst>
+                                    <p:cond delay="0"/>
+                                  </p:stCondLst>
+                                  <p:childTnLst>
+                                    <p:set>
+                                      <p:cBhvr>
+                                        <p:cTn id="6" dur="1" fill="hold">
+                                          <p:stCondLst>
+                                            <p:cond delay="0"/>
+                                          </p:stCondLst>
+                                        </p:cTn>
+                                        <p:tgtEl>
+                                          <p:spTgt spid="9"/>
+                                        </p:tgtEl>
+                                        <p:attrNameLst>
+                                          <p:attrName>style.visibility</p:attrName>
+                                        </p:attrNameLst>
+                                      </p:cBhvr>
+                                      <p:to>
+                                        <p:strVal val="visible"/>
+                                      </p:to>
+                                    </p:set>
+                                  </p:childTnLst>
+                                </p:cTn>
+                              </p:par>
+                            </p:childTnLst>
+                          </p:cTn>
+                        </p:par>
+                      </p:childTnLst>
+                    </p:cTn>
+                  </p:par>
+                  <p:par>
+                    <p:cTn id="7" fill="hold">
+                      <p:stCondLst>
+                        <p:cond delay="indefinite"/>
+                      </p:stCondLst>
+                      <p:childTnLst>
+                        <p:par>
+                          <p:cTn id="8" fill="hold">
+                            <p:stCondLst>
+                              <p:cond delay="0"/>
+                            </p:stCondLst>
+                            <p:childTnLst>
+                              <p:par>
+                                <p:cTn id="9" presetID="1" presetClass="entr" presetSubtype="0" fill="hold" grpId="0" nodeType="clickEffect">
+                                  <p:stCondLst>
+                                    <p:cond delay="0"/>
+                                  </p:stCondLst>
+                                  <p:childTnLst>
+                                    <p:set>
+                                      <p:cBhvr>
+                                        <p:cTn id="10" dur="1" fill="hold">
+                                          <p:stCondLst>
+                                            <p:cond delay="0"/>
+                                          </p:stCondLst>
+                                        </p:cTn>
+                                        <p:tgtEl>
+                                          <p:spTgt spid="10"/>
+                                        </p:tgtEl>
+                                        <p:attrNameLst>
+                                          <p:attrName>style.visibility</p:attrName>
+                                        </p:attrNameLst>
+                                      </p:cBhvr>
+                                      <p:to>
+                                        <p:strVal val="visible"/>
+                                      </p:to>
+                                    </p:set>
+                                  </p:childTnLst>
+                                </p:cTn>
+                              </p:par>
+                              <p:par>
+                                <p:cTn id="11" presetID="1" presetClass="entr" presetSubtype="0" fill="hold" grpId="0" nodeType="withEffect">
+                                  <p:stCondLst>
+                                    <p:cond delay="0"/>
+                                  </p:stCondLst>
+                                  <p:childTnLst>
+                                    <p:set>
+                                      <p:cBhvr>
+                                        <p:cTn id="12" dur="1" fill="hold">
+                                          <p:stCondLst>
+                                            <p:cond delay="0"/>
+                                          </p:stCondLst>
+                                        </p:cTn>
+                                        <p:tgtEl>
+                                          <p:spTgt spid="11"/>
+                                        </p:tgtEl>
+                                        <p:attrNameLst>
+                                          <p:attrName>style.visibility</p:attrName>
+                                        </p:attrNameLst>
+                                      </p:cBhvr>
+                                      <p:to>
+                                        <p:strVal val="visible"/>
+                                      </p:to>
+                                    </p:set>
+                                  </p:childTnLst>
+                                </p:cTn>
+                              </p:par>
+                              <p:par>
+                                <p:cTn id="13" presetID="1" presetClass="entr" presetSubtype="0" fill="hold" grpId="0" nodeType="withEffect">
+                                  <p:stCondLst>
+                                    <p:cond delay="0"/>
+                                  </p:stCondLst>
+                                  <p:childTnLst>
+                                    <p:set>
+                                      <p:cBhvr>
+                                        <p:cTn id="14" dur="1" fill="hold">
+                                          <p:stCondLst>
+                                            <p:cond delay="0"/>
+                                          </p:stCondLst>
+                                        </p:cTn>
+                                        <p:tgtEl>
+                                          <p:spTgt spid="12"/>
+                                        </p:tgtEl>
+                                        <p:attrNameLst>
+                                          <p:attrName>style.visibility</p:attrName>
+                                        </p:attrNameLst>
+                                      </p:cBhvr>
+                                      <p:to>
+                                        <p:strVal val="visible"/>
+                                      </p:to>
+                                    </p:set>
+                                  </p:childTnLst>
+                                </p:cTn>
+                              </p:par>
+                              <p:par>
+                                <p:cTn id="15" presetID="1" presetClass="entr" presetSubtype="0" fill="hold" grpId="0" nodeType="withEffect">
+                                  <p:stCondLst>
+                                    <p:cond delay="0"/>
+                                  </p:stCondLst>
+                                  <p:childTnLst>
+                                    <p:set>
+                                      <p:cBhvr>
+                                        <p:cTn id="16" dur="1" fill="hold">
+                                          <p:stCondLst>
+                                            <p:cond delay="0"/>
+                                          </p:stCondLst>
+                                        </p:cTn>
+                                        <p:tgtEl>
+                                          <p:spTgt spid="13"/>
+                                        </p:tgtEl>
+                                        <p:attrNameLst>
+                                          <p:attrName>style.visibility</p:attrName>
+                                        </p:attrNameLst>
+                                      </p:cBhvr>
+                                      <p:to>
+                                        <p:strVal val="visible"/>
+                                      </p:to>
+                                    </p:set>
+                                  </p:childTnLst>
+                                </p:cTn>
+                              </p:par>
+                              <p:par>
+                                <p:cTn id="17" presetID="1" presetClass="entr" presetSubtype="0" fill="hold" grpId="0" nodeType="withEffect">
+                                  <p:stCondLst>
+                                    <p:cond delay="0"/>
+                                  </p:stCondLst>
+                                  <p:childTnLst>
+                                    <p:set>
+                                      <p:cBhvr>
+                                        <p:cTn id="18" dur="1" fill="hold">
+                                          <p:stCondLst>
+                                            <p:cond delay="0"/>
+                                          </p:stCondLst>
+                                        </p:cTn>
+                                        <p:tgtEl>
+                                          <p:spTgt spid="14"/>
+                                        </p:tgtEl>
+                                        <p:attrNameLst>
+                                          <p:attrName>style.visibility</p:attrName>
+                                        </p:attrNameLst>
+                                      </p:cBhvr>
+                                      <p:to>
+                                        <p:strVal val="visible"/>
+                                      </p:to>
+                                    </p:set>
+                                  </p:childTnLst>
+                                </p:cTn>
+                              </p:par>
+                            </p:childTnLst>
+                          </p:cTn>
+                        </p:par>
+                      </p:childTnLst>
+                    </p:cTn>
+                  </p:par>
+                  <p:par>
+                    <p:cTn id="19" fill="hold">
+                      <p:stCondLst>
+                        <p:cond delay="indefinite"/>
+                      </p:stCondLst>
+                      <p:childTnLst>
+                        <p:par>
+                          <p:cTn id="20" fill="hold">
+                            <p:stCondLst>
+                              <p:cond delay="0"/>
+                            </p:stCondLst>
+                            <p:childTnLst>
+                              <p:par>
+                                <p:cTn id="21" presetID="1" presetClass="entr" presetSubtype="0" fill="hold" grpId="0" nodeType="clickEffect">
+                                  <p:stCondLst>
+                                    <p:cond delay="0"/>
+                                  </p:stCondLst>
+                                  <p:childTnLst>
+                                    <p:set>
+                                      <p:cBhvr>
+                                        <p:cTn id="22" dur="1" fill="hold">
+                                          <p:stCondLst>
+                                            <p:cond delay="0"/>
+                                          </p:stCondLst>
+                                        </p:cTn>
+                                        <p:tgtEl>
+                                          <p:spTgt spid="19"/>
+                                        </p:tgtEl>
+                                        <p:attrNameLst>
+                                          <p:attrName>style.visibility</p:attrName>
+                                        </p:attrNameLst>
+                                      </p:cBhvr>
+                                      <p:to>
+                                        <p:strVal val="visible"/>
+                                      </p:to>
+                                    </p:set>
+                                  </p:childTnLst>
+                                </p:cTn>
+                              </p:par>
+                              <p:par>
+                                <p:cTn id="23" presetID="1" presetClass="entr" presetSubtype="0" fill="hold" grpId="0" nodeType="withEffect">
+                                  <p:stCondLst>
+                                    <p:cond delay="0"/>
+                                  </p:stCondLst>
+                                  <p:childTnLst>
+                                    <p:set>
+                                      <p:cBhvr>
+                                        <p:cTn id="24" dur="1" fill="hold">
+                                          <p:stCondLst>
+                                            <p:cond delay="0"/>
+                                          </p:stCondLst>
+                                        </p:cTn>
+                                        <p:tgtEl>
+                                          <p:spTgt spid="23"/>
+                                        </p:tgtEl>
+                                        <p:attrNameLst>
+                                          <p:attrName>style.visibility</p:attrName>
+                                        </p:attrNameLst>
+                                      </p:cBhvr>
+                                      <p:to>
+                                        <p:strVal val="visible"/>
+                                      </p:to>
+                                    </p:set>
+                                  </p:childTnLst>
+                                </p:cTn>
+                              </p:par>
+                              <p:par>
+                                <p:cTn id="25" presetID="1" presetClass="entr" presetSubtype="0" fill="hold" grpId="0" nodeType="withEffect">
+                                  <p:stCondLst>
+                                    <p:cond delay="0"/>
+                                  </p:stCondLst>
+                                  <p:childTnLst>
+                                    <p:set>
+                                      <p:cBhvr>
+                                        <p:cTn id="26" dur="1" fill="hold">
+                                          <p:stCondLst>
+                                            <p:cond delay="0"/>
+                                          </p:stCondLst>
+                                        </p:cTn>
+                                        <p:tgtEl>
+                                          <p:spTgt spid="20"/>
+                                        </p:tgtEl>
+                                        <p:attrNameLst>
+                                          <p:attrName>style.visibility</p:attrName>
+                                        </p:attrNameLst>
+                                      </p:cBhvr>
+                                      <p:to>
+                                        <p:strVal val="visible"/>
+                                      </p:to>
+                                    </p:set>
+                                  </p:childTnLst>
+                                </p:cTn>
+                              </p:par>
+                            </p:childTnLst>
+                          </p:cTn>
+                        </p:par>
+                      </p:childTnLst>
+                    </p:cTn>
+                  </p:par>
+                  <p:par>
+                    <p:cTn id="27" fill="hold">
+                      <p:stCondLst>
+                        <p:cond delay="indefinite"/>
+                      </p:stCondLst>
+                      <p:childTnLst>
+                        <p:par>
+                          <p:cTn id="28" fill="hold">
+                            <p:stCondLst>
+                              <p:cond delay="0"/>
+                            </p:stCondLst>
+                            <p:childTnLst>
+                              <p:par>
+                                <p:cTn id="29" presetID="1" presetClass="entr" presetSubtype="0" fill="hold" grpId="0" nodeType="clickEffect">
+                                  <p:stCondLst>
+                                    <p:cond delay="0"/>
+                                  </p:stCondLst>
+                                  <p:childTnLst>
+                                    <p:set>
+                                      <p:cBhvr>
+                                        <p:cTn id="30" dur="1" fill="hold">
+                                          <p:stCondLst>
+                                            <p:cond delay="0"/>
+                                          </p:stCondLst>
+                                        </p:cTn>
+                                        <p:tgtEl>
+                                          <p:spTgt spid="21"/>
+                                        </p:tgtEl>
+                                        <p:attrNameLst>
+                                          <p:attrName>style.visibility</p:attrName>
+                                        </p:attrNameLst>
+                                      </p:cBhvr>
+                                      <p:to>
+                                        <p:strVal val="visible"/>
+                                      </p:to>
+                                    </p:set>
+                                  </p:childTnLst>
+                                </p:cTn>
+                              </p:par>
+                              <p:par>
+                                <p:cTn id="31" presetID="1" presetClass="entr" presetSubtype="0" fill="hold" grpId="0" nodeType="withEffect">
+                                  <p:stCondLst>
+                                    <p:cond delay="0"/>
+                                  </p:stCondLst>
+                                  <p:childTnLst>
+                                    <p:set>
+                                      <p:cBhvr>
+                                        <p:cTn id="32" dur="1" fill="hold">
+                                          <p:stCondLst>
+                                            <p:cond delay="0"/>
+                                          </p:stCondLst>
+                                        </p:cTn>
+                                        <p:tgtEl>
+                                          <p:spTgt spid="22"/>
+                                        </p:tgtEl>
+                                        <p:attrNameLst>
+                                          <p:attrName>style.visibility</p:attrName>
+                                        </p:attrNameLst>
+                                      </p:cBhvr>
+                                      <p:to>
+                                        <p:strVal val="visible"/>
+                                      </p:to>
+                                    </p:set>
+                                  </p:childTnLst>
+                                </p:cTn>
+                              </p:par>
+                              <p:par>
+                                <p:cTn id="33" presetID="1" presetClass="entr" presetSubtype="0" fill="hold" grpId="0" nodeType="withEffect">
+                                  <p:stCondLst>
+                                    <p:cond delay="0"/>
+                                  </p:stCondLst>
+                                  <p:childTnLst>
+                                    <p:set>
+                                      <p:cBhvr>
+                                        <p:cTn id="34" dur="1" fill="hold">
+                                          <p:stCondLst>
+                                            <p:cond delay="0"/>
+                                          </p:stCondLst>
+                                        </p:cTn>
+                                        <p:tgtEl>
+                                          <p:spTgt spid="24"/>
+                                        </p:tgtEl>
+                                        <p:attrNameLst>
+                                          <p:attrName>style.visibility</p:attrName>
+                                        </p:attrNameLst>
+                                      </p:cBhvr>
+                                      <p:to>
+                                        <p:strVal val="visible"/>
+                                      </p:to>
+                                    </p:set>
+                                  </p:childTnLst>
+                                </p:cTn>
+                              </p:par>
+                            </p:childTnLst>
+                          </p:cTn>
+                        </p:par>
+                      </p:childTnLst>
+                    </p:cTn>
+                  </p:par>
+                  <p:par>
+                    <p:cTn id="35" fill="hold">
+                      <p:stCondLst>
+                        <p:cond delay="indefinite"/>
+                      </p:stCondLst>
+                      <p:childTnLst>
+                        <p:par>
+                          <p:cTn id="36" fill="hold">
+                            <p:stCondLst>
+                              <p:cond delay="0"/>
+                            </p:stCondLst>
+                            <p:childTnLst>
+                              <p:par>
+                                <p:cTn id="37" presetID="1" presetClass="entr" presetSubtype="0" fill="hold" grpId="0" nodeType="clickEffect">
+                                  <p:stCondLst>
+                                    <p:cond delay="0"/>
+                                  </p:stCondLst>
+                                  <p:childTnLst>
+                                    <p:set>
+                                      <p:cBhvr>
+                                        <p:cTn id="38" dur="1" fill="hold">
+                                          <p:stCondLst>
+                                            <p:cond delay="0"/>
+                                          </p:stCondLst>
+                                        </p:cTn>
+                                        <p:tgtEl>
+                                          <p:spTgt spid="25"/>
+                                        </p:tgtEl>
+                                        <p:attrNameLst>
+                                          <p:attrName>style.visibility</p:attrName>
+                                        </p:attrNameLst>
+                                      </p:cBhvr>
+                                      <p:to>
+                                        <p:strVal val="visible"/>
+                                      </p:to>
+                                    </p:set>
+                                  </p:childTnLst>
+                                </p:cTn>
+                              </p:par>
+                              <p:par>
+                                <p:cTn id="39" presetID="1" presetClass="entr" presetSubtype="0" fill="hold" grpId="0" nodeType="withEffect">
+                                  <p:stCondLst>
+                                    <p:cond delay="0"/>
+                                  </p:stCondLst>
+                                  <p:childTnLst>
+                                    <p:set>
+                                      <p:cBhvr>
+                                        <p:cTn id="40" dur="1" fill="hold">
+                                          <p:stCondLst>
+                                            <p:cond delay="0"/>
+                                          </p:stCondLst>
+                                        </p:cTn>
+                                        <p:tgtEl>
+                                          <p:spTgt spid="26"/>
+                                        </p:tgtEl>
+                                        <p:attrNameLst>
+                                          <p:attrName>style.visibility</p:attrName>
+                                        </p:attrNameLst>
+                                      </p:cBhvr>
+                                      <p:to>
+                                        <p:strVal val="visible"/>
+                                      </p:to>
+                                    </p:set>
+                                  </p:childTnLst>
+                                </p:cTn>
+                              </p:par>
+                              <p:par>
+                                <p:cTn id="41" presetID="1" presetClass="entr" presetSubtype="0" fill="hold" grpId="0" nodeType="withEffect">
+                                  <p:stCondLst>
+                                    <p:cond delay="0"/>
+                                  </p:stCondLst>
+                                  <p:childTnLst>
+                                    <p:set>
+                                      <p:cBhvr>
+                                        <p:cTn id="42" dur="1" fill="hold">
+                                          <p:stCondLst>
+                                            <p:cond delay="0"/>
+                                          </p:stCondLst>
+                                        </p:cTn>
+                                        <p:tgtEl>
+                                          <p:spTgt spid="27"/>
+                                        </p:tgtEl>
+                                        <p:attrNameLst>
+                                          <p:attrName>style.visibility</p:attrName>
+                                        </p:attrNameLst>
+                                      </p:cBhvr>
+                                      <p:to>
+                                        <p:strVal val="visible"/>
+                                      </p:to>
+                                    </p:set>
+                                  </p:childTnLst>
+                                </p:cTn>
+                              </p:par>
+                            </p:childTnLst>
+                          </p:cTn>
+                        </p:par>
+                      </p:childTnLst>
+                    </p:cTn>
+                  </p:par>
+                  <p:par>
+                    <p:cTn id="43" fill="hold">
+                      <p:stCondLst>
+                        <p:cond delay="indefinite"/>
+                      </p:stCondLst>
+                      <p:childTnLst>
+                        <p:par>
+                          <p:cTn id="44" fill="hold">
+                            <p:stCondLst>
+                              <p:cond delay="0"/>
+                            </p:stCondLst>
+                            <p:childTnLst>
+                              <p:par>
+                                <p:cTn id="45" presetID="1" presetClass="entr" presetSubtype="0" fill="hold" grpId="0" nodeType="clickEffect">
+                                  <p:stCondLst>
+                                    <p:cond delay="0"/>
+                                  </p:stCondLst>
+                                  <p:childTnLst>
+                                    <p:set>
+                                      <p:cBhvr>
+                                        <p:cTn id="46" dur="1" fill="hold">
+                                          <p:stCondLst>
+                                            <p:cond delay="0"/>
+                                          </p:stCondLst>
+                                        </p:cTn>
+                                        <p:tgtEl>
+                                          <p:spTgt spid="28"/>
+                                        </p:tgtEl>
+                                        <p:attrNameLst>
+                                          <p:attrName>style.visibility</p:attrName>
+                                        </p:attrNameLst>
+                                      </p:cBhvr>
+                                      <p:to>
+                                        <p:strVal val="visible"/>
+                                      </p:to>
+                                    </p:set>
+                                  </p:childTnLst>
+                                </p:cTn>
+                              </p:par>
+                              <p:par>
+                                <p:cTn id="47" presetID="1" presetClass="entr" presetSubtype="0" fill="hold" grpId="0" nodeType="withEffect">
+                                  <p:stCondLst>
+                                    <p:cond delay="0"/>
+                                  </p:stCondLst>
+                                  <p:childTnLst>
+                                    <p:set>
+                                      <p:cBhvr>
+                                        <p:cTn id="48" dur="1" fill="hold">
+                                          <p:stCondLst>
+                                            <p:cond delay="0"/>
+                                          </p:stCondLst>
+                                        </p:cTn>
+                                        <p:tgtEl>
+                                          <p:spTgt spid="29"/>
+                                        </p:tgtEl>
+                                        <p:attrNameLst>
+                                          <p:attrName>style.visibility</p:attrName>
+                                        </p:attrNameLst>
+                                      </p:cBhvr>
+                                      <p:to>
+                                        <p:strVal val="visible"/>
+                                      </p:to>
+                                    </p:set>
+                                  </p:childTnLst>
+                                </p:cTn>
+                              </p:par>
+                              <p:par>
+                                <p:cTn id="49" presetID="1" presetClass="entr" presetSubtype="0" fill="hold" grpId="0" nodeType="withEffect">
+                                  <p:stCondLst>
+                                    <p:cond delay="0"/>
+                                  </p:stCondLst>
+                                  <p:childTnLst>
+                                    <p:set>
+                                      <p:cBhvr>
+                                        <p:cTn id="50" dur="1" fill="hold">
+                                          <p:stCondLst>
+                                            <p:cond delay="0"/>
+                                          </p:stCondLst>
+                                        </p:cTn>
+                                        <p:tgtEl>
+                                          <p:spTgt spid="30"/>
+                                        </p:tgtEl>
+                                        <p:attrNameLst>
+                                          <p:attrName>style.visibility</p:attrName>
+                                        </p:attrNameLst>
+                                      </p:cBhvr>
+                                      <p:to>
+                                        <p:strVal val="visible"/>
+                                      </p:to>
+                                    </p:set>
+                                  </p:childTnLst>
+                                </p:cTn>
+                              </p:par>
+                            </p:childTnLst>
+                          </p:cTn>
+                        </p:par>
+                      </p:childTnLst>
+                    </p:cTn>
+                  </p:par>
+                  <p:par>
+                    <p:cTn id="51" fill="hold">
+                      <p:stCondLst>
+                        <p:cond delay="indefinite"/>
+                      </p:stCondLst>
+                      <p:childTnLst>
+                        <p:par>
+                          <p:cTn id="52" fill="hold">
+                            <p:stCondLst>
+                              <p:cond delay="0"/>
+                            </p:stCondLst>
+                            <p:childTnLst>
+                              <p:par>
+                                <p:cTn id="53" presetID="1" presetClass="entr" presetSubtype="0" fill="hold" grpId="0" nodeType="clickEffect">
+                                  <p:stCondLst>
+                                    <p:cond delay="0"/>
+                                  </p:stCondLst>
+                                  <p:childTnLst>
+                                    <p:set>
+                                      <p:cBhvr>
+                                        <p:cTn id="54" dur="1" fill="hold">
+                                          <p:stCondLst>
+                                            <p:cond delay="0"/>
+                                          </p:stCondLst>
+                                        </p:cTn>
+                                        <p:tgtEl>
+                                          <p:spTgt spid="32"/>
+                                        </p:tgtEl>
+                                        <p:attrNameLst>
+                                          <p:attrName>style.visibility</p:attrName>
+                                        </p:attrNameLst>
+                                      </p:cBhvr>
+                                      <p:to>
+                                        <p:strVal val="visible"/>
+                                      </p:to>
+                                    </p:set>
+                                  </p:childTnLst>
+                                </p:cTn>
+                              </p:par>
+                              <p:par>
+                                <p:cTn id="55" presetID="1" presetClass="entr" presetSubtype="0" fill="hold" grpId="0" nodeType="withEffect">
+                                  <p:stCondLst>
+                                    <p:cond delay="0"/>
+                                  </p:stCondLst>
+                                  <p:childTnLst>
+                                    <p:set>
+                                      <p:cBhvr>
+                                        <p:cTn id="56" dur="1" fill="hold">
+                                          <p:stCondLst>
+                                            <p:cond delay="0"/>
+                                          </p:stCondLst>
+                                        </p:cTn>
+                                        <p:tgtEl>
+                                          <p:spTgt spid="33"/>
+                                        </p:tgtEl>
+                                        <p:attrNameLst>
+                                          <p:attrName>style.visibility</p:attrName>
+                                        </p:attrNameLst>
+                                      </p:cBhvr>
+                                      <p:to>
+                                        <p:strVal val="visible"/>
+                                      </p:to>
+                                    </p:set>
+                                  </p:childTnLst>
+                                </p:cTn>
+                              </p:par>
+                              <p:par>
+                                <p:cTn id="57" presetID="1" presetClass="entr" presetSubtype="0" fill="hold" grpId="0" nodeType="withEffect">
+                                  <p:stCondLst>
+                                    <p:cond delay="0"/>
+                                  </p:stCondLst>
+                                  <p:childTnLst>
+                                    <p:set>
+                                      <p:cBhvr>
+                                        <p:cTn id="58" dur="1" fill="hold">
+                                          <p:stCondLst>
+                                            <p:cond delay="0"/>
+                                          </p:stCondLst>
+                                        </p:cTn>
+                                        <p:tgtEl>
+                                          <p:spTgt spid="34"/>
+                                        </p:tgtEl>
+                                        <p:attrNameLst>
+                                          <p:attrName>style.visibility</p:attrName>
+                                        </p:attrNameLst>
+                                      </p:cBhvr>
+                                      <p:to>
+                                        <p:strVal val="visible"/>
+                                      </p:to>
+                                    </p:set>
+                                  </p:childTnLst>
+                                </p:cTn>
+                              </p:par>
+                            </p:childTnLst>
+                          </p:cTn>
+                        </p:par>
+                      </p:childTnLst>
+                    </p:cTn>
+                  </p:par>
+                  <p:par>
+                    <p:cTn id="59" fill="hold">
+                      <p:stCondLst>
+                        <p:cond delay="indefinite"/>
+                      </p:stCondLst>
+                      <p:childTnLst>
+                        <p:par>
+                          <p:cTn id="60" fill="hold">
+                            <p:stCondLst>
+                              <p:cond delay="0"/>
+                            </p:stCondLst>
+                            <p:childTnLst>
+                              <p:par>
+                                <p:cTn id="61" presetID="1" presetClass="entr" presetSubtype="0" fill="hold" grpId="0" nodeType="clickEffect">
+                                  <p:stCondLst>
+                                    <p:cond delay="0"/>
+                                  </p:stCondLst>
+                                  <p:childTnLst>
+                                    <p:set>
+                                      <p:cBhvr>
+                                        <p:cTn id="62" dur="1" fill="hold">
+                                          <p:stCondLst>
+                                            <p:cond delay="0"/>
+                                          </p:stCondLst>
+                                        </p:cTn>
+                                        <p:tgtEl>
+                                          <p:spTgt spid="35"/>
+                                        </p:tgtEl>
+                                        <p:attrNameLst>
+                                          <p:attrName>style.visibility</p:attrName>
+                                        </p:attrNameLst>
+                                      </p:cBhvr>
+                                      <p:to>
+                                        <p:strVal val="visible"/>
+                                      </p:to>
+                                    </p:set>
+                                  </p:childTnLst>
+                                </p:cTn>
+                              </p:par>
+                              <p:par>
+                                <p:cTn id="63" presetID="1" presetClass="entr" presetSubtype="0" fill="hold" grpId="0" nodeType="withEffect">
+                                  <p:stCondLst>
+                                    <p:cond delay="0"/>
+                                  </p:stCondLst>
+                                  <p:childTnLst>
+                                    <p:set>
+                                      <p:cBhvr>
+                                        <p:cTn id="64" dur="1" fill="hold">
+                                          <p:stCondLst>
+                                            <p:cond delay="0"/>
+                                          </p:stCondLst>
+                                        </p:cTn>
+                                        <p:tgtEl>
+                                          <p:spTgt spid="36"/>
+                                        </p:tgtEl>
+                                        <p:attrNameLst>
+                                          <p:attrName>style.visibility</p:attrName>
+                                        </p:attrNameLst>
+                                      </p:cBhvr>
+                                      <p:to>
+                                        <p:strVal val="visible"/>
+                                      </p:to>
+                                    </p:set>
+                                  </p:childTnLst>
+                                </p:cTn>
+                              </p:par>
+                              <p:par>
+                                <p:cTn id="65" presetID="1" presetClass="entr" presetSubtype="0" fill="hold" grpId="0" nodeType="withEffect">
+                                  <p:stCondLst>
+                                    <p:cond delay="0"/>
+                                  </p:stCondLst>
+                                  <p:childTnLst>
+                                    <p:set>
+                                      <p:cBhvr>
+                                        <p:cTn id="66" dur="1" fill="hold">
+                                          <p:stCondLst>
+                                            <p:cond delay="0"/>
+                                          </p:stCondLst>
+                                        </p:cTn>
+                                        <p:tgtEl>
+                                          <p:spTgt spid="37"/>
+                                        </p:tgtEl>
+                                        <p:attrNameLst>
+                                          <p:attrName>style.visibility</p:attrName>
+                                        </p:attrNameLst>
+                                      </p:cBhvr>
+                                      <p:to>
+                                        <p:strVal val="visible"/>
+                                      </p:to>
+                                    </p:set>
+                                  </p:childTnLst>
+                                </p:cTn>
+                              </p:par>
+                            </p:childTnLst>
+                          </p:cTn>
+                        </p:par>
+                      </p:childTnLst>
+                    </p:cTn>
+                  </p:par>
+                </p:childTnLst>
+              </p:cTn>
+              <p:prevCondLst>
+                <p:cond evt="onPrev" delay="0">
+                  <p:tgtEl>
+                    <p:sldTgt/>
+                  </p:tgtEl>
+                </p:cond>
+              </p:prevCondLst>
+              <p:nextCondLst>
+                <p:cond evt="onNext" delay="0">
+                  <p:tgtEl>
+                    <p:sldTgt/>
+                  </p:tgtEl>
+                </p:cond>
+              </p:nextCondLst>
+            </p:seq>
+          </p:childTnLst>
+        </p:cTn>
+      </p:par>
+    </p:tnLst>
+    <p:bldLst>
+      <p:bldP spid="9" grpId="0" animBg="1"/>
+      <p:bldP spid="10" grpId="0" animBg="1"/>
+      <p:bldP spid="11" grpId="0" animBg="1"/>
+      <p:bldP spid="12" grpId="0" animBg="1"/>
+      <p:bldP spid="13" grpId="0" animBg="1"/>
+      <p:bldP spid="14" grpId="0" animBg="1"/>
+      <p:bldP spid="19" grpId="0" animBg="1"/>
+      <p:bldP spid="20" grpId="0" animBg="1"/>
+      <p:bldP spid="21" grpId="0" animBg="1"/>
+      <p:bldP spid="22" grpId="0" animBg="1"/>
+      <p:bldP spid="23" grpId="0" animBg="1"/>
+      <p:bldP spid="24" grpId="0" animBg="1"/>
+      <p:bldP spid="25" grpId="0" animBg="1"/>
+      <p:bldP spid="26" grpId="0" animBg="1"/>
+      <p:bldP spid="27" grpId="0" animBg="1"/>
+      <p:bldP spid="28" grpId="0" animBg="1"/>
+      <p:bldP spid="29" grpId="0" animBg="1"/>
+      <p:bldP spid="30" grpId="0" animBg="1"/>
+      <p:bldP spid="32" grpId="0" animBg="1"/>
+      <p:bldP spid="33" grpId="0" animBg="1"/>
+      <p:bldP spid="34" grpId="0" animBg="1"/>
+      <p:bldP spid="35" grpId="0" animBg="1"/>
+      <p:bldP spid="36" grpId="0" animBg="1"/>
+      <p:bldP spid="37" grpId="0" animBg="1"/>
+    </p:bldLst>
+  </p:timing>
 </p:sld>
 </file>
 
@@ -4434,14 +9303,19 @@
             <p:ph type="title"/>
           </p:nvPr>
         </p:nvSpPr>
-        <p:spPr/>
+        <p:spPr>
+          <a:xfrm>
+            <a:off x="1069848" y="-160133"/>
+            <a:ext cx="10058400" cy="1609344"/>
+          </a:xfrm>
+        </p:spPr>
         <p:txBody>
           <a:bodyPr/>
           <a:lstStyle/>
           <a:p>
             <a:r>
               <a:rPr lang="en-US" dirty="0"/>
-              <a:t>Versioning and Upgrades</a:t>
+              <a:t>Physical Cluster Topology</a:t>
             </a:r>
           </a:p>
         </p:txBody>
@@ -4461,9 +9335,1543 @@
           <a:bodyPr/>
           <a:lstStyle/>
           <a:p>
-            <a:r>
-              <a:rPr lang="en-US" dirty="0"/>
-              <a:t>Upgrade Domains</a:t>
+            <a:endParaRPr lang="en-US" dirty="0"/>
+          </a:p>
+        </p:txBody>
+      </p:sp>
+      <p:sp>
+        <p:nvSpPr>
+          <p:cNvPr id="4" name="Rounded Rectangle 3"/>
+          <p:cNvSpPr/>
+          <p:nvPr/>
+        </p:nvSpPr>
+        <p:spPr>
+          <a:xfrm>
+            <a:off x="3953312" y="1493792"/>
+            <a:ext cx="3887490" cy="1134170"/>
+          </a:xfrm>
+          <a:prstGeom prst="roundRect">
+            <a:avLst/>
+          </a:prstGeom>
+        </p:spPr>
+        <p:style>
+          <a:lnRef idx="2">
+            <a:schemeClr val="accent1">
+              <a:shade val="50000"/>
+            </a:schemeClr>
+          </a:lnRef>
+          <a:fillRef idx="1">
+            <a:schemeClr val="accent1"/>
+          </a:fillRef>
+          <a:effectRef idx="0">
+            <a:schemeClr val="accent1"/>
+          </a:effectRef>
+          <a:fontRef idx="minor">
+            <a:schemeClr val="lt1"/>
+          </a:fontRef>
+        </p:style>
+        <p:txBody>
+          <a:bodyPr rtlCol="0" anchor="ctr"/>
+          <a:lstStyle/>
+          <a:p>
+            <a:pPr algn="ctr"/>
+            <a:endParaRPr lang="en-US"/>
+          </a:p>
+        </p:txBody>
+      </p:sp>
+      <p:sp>
+        <p:nvSpPr>
+          <p:cNvPr id="5" name="Rounded Rectangle 4"/>
+          <p:cNvSpPr/>
+          <p:nvPr/>
+        </p:nvSpPr>
+        <p:spPr>
+          <a:xfrm>
+            <a:off x="604464" y="4171122"/>
+            <a:ext cx="3887490" cy="1134170"/>
+          </a:xfrm>
+          <a:prstGeom prst="roundRect">
+            <a:avLst/>
+          </a:prstGeom>
+        </p:spPr>
+        <p:style>
+          <a:lnRef idx="2">
+            <a:schemeClr val="accent1">
+              <a:shade val="50000"/>
+            </a:schemeClr>
+          </a:lnRef>
+          <a:fillRef idx="1">
+            <a:schemeClr val="accent1"/>
+          </a:fillRef>
+          <a:effectRef idx="0">
+            <a:schemeClr val="accent1"/>
+          </a:effectRef>
+          <a:fontRef idx="minor">
+            <a:schemeClr val="lt1"/>
+          </a:fontRef>
+        </p:style>
+        <p:txBody>
+          <a:bodyPr rtlCol="0" anchor="ctr"/>
+          <a:lstStyle/>
+          <a:p>
+            <a:pPr algn="ctr"/>
+            <a:endParaRPr lang="en-US"/>
+          </a:p>
+        </p:txBody>
+      </p:sp>
+      <p:sp>
+        <p:nvSpPr>
+          <p:cNvPr id="6" name="Rounded Rectangle 5"/>
+          <p:cNvSpPr/>
+          <p:nvPr/>
+        </p:nvSpPr>
+        <p:spPr>
+          <a:xfrm>
+            <a:off x="1571617" y="5605115"/>
+            <a:ext cx="3887490" cy="1134170"/>
+          </a:xfrm>
+          <a:prstGeom prst="roundRect">
+            <a:avLst/>
+          </a:prstGeom>
+        </p:spPr>
+        <p:style>
+          <a:lnRef idx="2">
+            <a:schemeClr val="accent1">
+              <a:shade val="50000"/>
+            </a:schemeClr>
+          </a:lnRef>
+          <a:fillRef idx="1">
+            <a:schemeClr val="accent1"/>
+          </a:fillRef>
+          <a:effectRef idx="0">
+            <a:schemeClr val="accent1"/>
+          </a:effectRef>
+          <a:fontRef idx="minor">
+            <a:schemeClr val="lt1"/>
+          </a:fontRef>
+        </p:style>
+        <p:txBody>
+          <a:bodyPr rtlCol="0" anchor="ctr"/>
+          <a:lstStyle/>
+          <a:p>
+            <a:pPr algn="ctr"/>
+            <a:endParaRPr lang="en-US"/>
+          </a:p>
+        </p:txBody>
+      </p:sp>
+      <p:sp>
+        <p:nvSpPr>
+          <p:cNvPr id="7" name="Rounded Rectangle 6"/>
+          <p:cNvSpPr/>
+          <p:nvPr/>
+        </p:nvSpPr>
+        <p:spPr>
+          <a:xfrm>
+            <a:off x="6481752" y="5641390"/>
+            <a:ext cx="3887490" cy="1134170"/>
+          </a:xfrm>
+          <a:prstGeom prst="roundRect">
+            <a:avLst/>
+          </a:prstGeom>
+        </p:spPr>
+        <p:style>
+          <a:lnRef idx="2">
+            <a:schemeClr val="accent1">
+              <a:shade val="50000"/>
+            </a:schemeClr>
+          </a:lnRef>
+          <a:fillRef idx="1">
+            <a:schemeClr val="accent1"/>
+          </a:fillRef>
+          <a:effectRef idx="0">
+            <a:schemeClr val="accent1"/>
+          </a:effectRef>
+          <a:fontRef idx="minor">
+            <a:schemeClr val="lt1"/>
+          </a:fontRef>
+        </p:style>
+        <p:txBody>
+          <a:bodyPr rtlCol="0" anchor="ctr"/>
+          <a:lstStyle/>
+          <a:p>
+            <a:pPr algn="ctr"/>
+            <a:endParaRPr lang="en-US"/>
+          </a:p>
+        </p:txBody>
+      </p:sp>
+      <p:sp>
+        <p:nvSpPr>
+          <p:cNvPr id="8" name="Rounded Rectangle 7"/>
+          <p:cNvSpPr/>
+          <p:nvPr/>
+        </p:nvSpPr>
+        <p:spPr>
+          <a:xfrm>
+            <a:off x="7487353" y="4171122"/>
+            <a:ext cx="3887490" cy="1134170"/>
+          </a:xfrm>
+          <a:prstGeom prst="roundRect">
+            <a:avLst/>
+          </a:prstGeom>
+        </p:spPr>
+        <p:style>
+          <a:lnRef idx="2">
+            <a:schemeClr val="accent1">
+              <a:shade val="50000"/>
+            </a:schemeClr>
+          </a:lnRef>
+          <a:fillRef idx="1">
+            <a:schemeClr val="accent1"/>
+          </a:fillRef>
+          <a:effectRef idx="0">
+            <a:schemeClr val="accent1"/>
+          </a:effectRef>
+          <a:fontRef idx="minor">
+            <a:schemeClr val="lt1"/>
+          </a:fontRef>
+        </p:style>
+        <p:txBody>
+          <a:bodyPr rtlCol="0" anchor="ctr"/>
+          <a:lstStyle/>
+          <a:p>
+            <a:pPr algn="ctr"/>
+            <a:endParaRPr lang="en-US"/>
+          </a:p>
+        </p:txBody>
+      </p:sp>
+      <p:sp>
+        <p:nvSpPr>
+          <p:cNvPr id="9" name="Rounded Rectangle 8"/>
+          <p:cNvSpPr/>
+          <p:nvPr/>
+        </p:nvSpPr>
+        <p:spPr>
+          <a:xfrm>
+            <a:off x="4089240" y="1631768"/>
+            <a:ext cx="1666379" cy="390459"/>
+          </a:xfrm>
+          <a:prstGeom prst="roundRect">
+            <a:avLst/>
+          </a:prstGeom>
+          <a:solidFill>
+            <a:srgbClr val="0070C0"/>
+          </a:solidFill>
+        </p:spPr>
+        <p:style>
+          <a:lnRef idx="2">
+            <a:schemeClr val="accent1">
+              <a:shade val="50000"/>
+            </a:schemeClr>
+          </a:lnRef>
+          <a:fillRef idx="1">
+            <a:schemeClr val="accent1"/>
+          </a:fillRef>
+          <a:effectRef idx="0">
+            <a:schemeClr val="accent1"/>
+          </a:effectRef>
+          <a:fontRef idx="minor">
+            <a:schemeClr val="lt1"/>
+          </a:fontRef>
+        </p:style>
+        <p:txBody>
+          <a:bodyPr rtlCol="0" anchor="t"/>
+          <a:lstStyle/>
+          <a:p>
+            <a:r>
+              <a:rPr lang="en-US" sz="1400" dirty="0"/>
+              <a:t>Stateless Svc 1</a:t>
+            </a:r>
+          </a:p>
+        </p:txBody>
+      </p:sp>
+      <p:sp>
+        <p:nvSpPr>
+          <p:cNvPr id="10" name="Rounded Rectangle 9"/>
+          <p:cNvSpPr/>
+          <p:nvPr/>
+        </p:nvSpPr>
+        <p:spPr>
+          <a:xfrm>
+            <a:off x="660748" y="4315287"/>
+            <a:ext cx="1666379" cy="390459"/>
+          </a:xfrm>
+          <a:prstGeom prst="roundRect">
+            <a:avLst/>
+          </a:prstGeom>
+          <a:solidFill>
+            <a:srgbClr val="00B050"/>
+          </a:solidFill>
+        </p:spPr>
+        <p:style>
+          <a:lnRef idx="2">
+            <a:schemeClr val="accent1">
+              <a:shade val="50000"/>
+            </a:schemeClr>
+          </a:lnRef>
+          <a:fillRef idx="1">
+            <a:schemeClr val="accent1"/>
+          </a:fillRef>
+          <a:effectRef idx="0">
+            <a:schemeClr val="accent1"/>
+          </a:effectRef>
+          <a:fontRef idx="minor">
+            <a:schemeClr val="lt1"/>
+          </a:fontRef>
+        </p:style>
+        <p:txBody>
+          <a:bodyPr rtlCol="0" anchor="t"/>
+          <a:lstStyle/>
+          <a:p>
+            <a:r>
+              <a:rPr lang="en-US" sz="1400" dirty="0"/>
+              <a:t>Stateless Svc 2</a:t>
+            </a:r>
+          </a:p>
+        </p:txBody>
+      </p:sp>
+      <p:sp>
+        <p:nvSpPr>
+          <p:cNvPr id="11" name="Rounded Rectangle 10"/>
+          <p:cNvSpPr/>
+          <p:nvPr/>
+        </p:nvSpPr>
+        <p:spPr>
+          <a:xfrm>
+            <a:off x="1690357" y="5733554"/>
+            <a:ext cx="1666379" cy="390459"/>
+          </a:xfrm>
+          <a:prstGeom prst="roundRect">
+            <a:avLst/>
+          </a:prstGeom>
+          <a:solidFill>
+            <a:srgbClr val="00B050"/>
+          </a:solidFill>
+        </p:spPr>
+        <p:style>
+          <a:lnRef idx="2">
+            <a:schemeClr val="accent1">
+              <a:shade val="50000"/>
+            </a:schemeClr>
+          </a:lnRef>
+          <a:fillRef idx="1">
+            <a:schemeClr val="accent1"/>
+          </a:fillRef>
+          <a:effectRef idx="0">
+            <a:schemeClr val="accent1"/>
+          </a:effectRef>
+          <a:fontRef idx="minor">
+            <a:schemeClr val="lt1"/>
+          </a:fontRef>
+        </p:style>
+        <p:txBody>
+          <a:bodyPr rtlCol="0" anchor="t"/>
+          <a:lstStyle/>
+          <a:p>
+            <a:r>
+              <a:rPr lang="en-US" sz="1400" dirty="0"/>
+              <a:t>Stateless Svc 2</a:t>
+            </a:r>
+          </a:p>
+        </p:txBody>
+      </p:sp>
+      <p:sp>
+        <p:nvSpPr>
+          <p:cNvPr id="12" name="Rounded Rectangle 11"/>
+          <p:cNvSpPr/>
+          <p:nvPr/>
+        </p:nvSpPr>
+        <p:spPr>
+          <a:xfrm>
+            <a:off x="6575930" y="5755290"/>
+            <a:ext cx="1666379" cy="390459"/>
+          </a:xfrm>
+          <a:prstGeom prst="roundRect">
+            <a:avLst/>
+          </a:prstGeom>
+          <a:solidFill>
+            <a:srgbClr val="00B050"/>
+          </a:solidFill>
+        </p:spPr>
+        <p:style>
+          <a:lnRef idx="2">
+            <a:schemeClr val="accent1">
+              <a:shade val="50000"/>
+            </a:schemeClr>
+          </a:lnRef>
+          <a:fillRef idx="1">
+            <a:schemeClr val="accent1"/>
+          </a:fillRef>
+          <a:effectRef idx="0">
+            <a:schemeClr val="accent1"/>
+          </a:effectRef>
+          <a:fontRef idx="minor">
+            <a:schemeClr val="lt1"/>
+          </a:fontRef>
+        </p:style>
+        <p:txBody>
+          <a:bodyPr rtlCol="0" anchor="t"/>
+          <a:lstStyle/>
+          <a:p>
+            <a:r>
+              <a:rPr lang="en-US" sz="1400" dirty="0"/>
+              <a:t>Stateless Svc 2</a:t>
+            </a:r>
+          </a:p>
+        </p:txBody>
+      </p:sp>
+      <p:sp>
+        <p:nvSpPr>
+          <p:cNvPr id="13" name="Rounded Rectangle 12"/>
+          <p:cNvSpPr/>
+          <p:nvPr/>
+        </p:nvSpPr>
+        <p:spPr>
+          <a:xfrm>
+            <a:off x="7556239" y="4315287"/>
+            <a:ext cx="1733418" cy="390459"/>
+          </a:xfrm>
+          <a:prstGeom prst="roundRect">
+            <a:avLst/>
+          </a:prstGeom>
+          <a:solidFill>
+            <a:srgbClr val="00B050"/>
+          </a:solidFill>
+        </p:spPr>
+        <p:style>
+          <a:lnRef idx="2">
+            <a:schemeClr val="accent1">
+              <a:shade val="50000"/>
+            </a:schemeClr>
+          </a:lnRef>
+          <a:fillRef idx="1">
+            <a:schemeClr val="accent1"/>
+          </a:fillRef>
+          <a:effectRef idx="0">
+            <a:schemeClr val="accent1"/>
+          </a:effectRef>
+          <a:fontRef idx="minor">
+            <a:schemeClr val="lt1"/>
+          </a:fontRef>
+        </p:style>
+        <p:txBody>
+          <a:bodyPr rtlCol="0" anchor="t"/>
+          <a:lstStyle/>
+          <a:p>
+            <a:r>
+              <a:rPr lang="en-US" sz="1400" dirty="0"/>
+              <a:t>Stateless Svc 2</a:t>
+            </a:r>
+          </a:p>
+        </p:txBody>
+      </p:sp>
+      <p:sp>
+        <p:nvSpPr>
+          <p:cNvPr id="14" name="Rounded Rectangle 13"/>
+          <p:cNvSpPr/>
+          <p:nvPr/>
+        </p:nvSpPr>
+        <p:spPr>
+          <a:xfrm>
+            <a:off x="4089240" y="2084257"/>
+            <a:ext cx="1666379" cy="390459"/>
+          </a:xfrm>
+          <a:prstGeom prst="roundRect">
+            <a:avLst/>
+          </a:prstGeom>
+          <a:solidFill>
+            <a:srgbClr val="00B050"/>
+          </a:solidFill>
+        </p:spPr>
+        <p:style>
+          <a:lnRef idx="2">
+            <a:schemeClr val="accent1">
+              <a:shade val="50000"/>
+            </a:schemeClr>
+          </a:lnRef>
+          <a:fillRef idx="1">
+            <a:schemeClr val="accent1"/>
+          </a:fillRef>
+          <a:effectRef idx="0">
+            <a:schemeClr val="accent1"/>
+          </a:effectRef>
+          <a:fontRef idx="minor">
+            <a:schemeClr val="lt1"/>
+          </a:fontRef>
+        </p:style>
+        <p:txBody>
+          <a:bodyPr rtlCol="0" anchor="t"/>
+          <a:lstStyle/>
+          <a:p>
+            <a:r>
+              <a:rPr lang="en-US" sz="1400" dirty="0"/>
+              <a:t>Stateless Svc 2</a:t>
+            </a:r>
+          </a:p>
+        </p:txBody>
+      </p:sp>
+      <p:sp>
+        <p:nvSpPr>
+          <p:cNvPr id="19" name="Rounded Rectangle 18"/>
+          <p:cNvSpPr/>
+          <p:nvPr/>
+        </p:nvSpPr>
+        <p:spPr>
+          <a:xfrm>
+            <a:off x="660749" y="4778296"/>
+            <a:ext cx="1668912" cy="403439"/>
+          </a:xfrm>
+          <a:prstGeom prst="roundRect">
+            <a:avLst/>
+          </a:prstGeom>
+          <a:solidFill>
+            <a:schemeClr val="accent2">
+              <a:lumMod val="75000"/>
+            </a:schemeClr>
+          </a:solidFill>
+        </p:spPr>
+        <p:style>
+          <a:lnRef idx="2">
+            <a:schemeClr val="accent1">
+              <a:shade val="50000"/>
+            </a:schemeClr>
+          </a:lnRef>
+          <a:fillRef idx="1">
+            <a:schemeClr val="accent1"/>
+          </a:fillRef>
+          <a:effectRef idx="0">
+            <a:schemeClr val="accent1"/>
+          </a:effectRef>
+          <a:fontRef idx="minor">
+            <a:schemeClr val="lt1"/>
+          </a:fontRef>
+        </p:style>
+        <p:txBody>
+          <a:bodyPr rtlCol="0" anchor="t"/>
+          <a:lstStyle/>
+          <a:p>
+            <a:r>
+              <a:rPr lang="en-US" sz="1400" dirty="0" err="1"/>
+              <a:t>Stateful</a:t>
+            </a:r>
+            <a:r>
+              <a:rPr lang="en-US" sz="1400" dirty="0"/>
+              <a:t> Svc 1 (P1)</a:t>
+            </a:r>
+          </a:p>
+        </p:txBody>
+      </p:sp>
+      <p:sp>
+        <p:nvSpPr>
+          <p:cNvPr id="20" name="Rounded Rectangle 19"/>
+          <p:cNvSpPr/>
+          <p:nvPr/>
+        </p:nvSpPr>
+        <p:spPr>
+          <a:xfrm>
+            <a:off x="1682970" y="6170034"/>
+            <a:ext cx="1673766" cy="403439"/>
+          </a:xfrm>
+          <a:prstGeom prst="roundRect">
+            <a:avLst/>
+          </a:prstGeom>
+          <a:solidFill>
+            <a:schemeClr val="accent2">
+              <a:lumMod val="60000"/>
+              <a:lumOff val="40000"/>
+            </a:schemeClr>
+          </a:solidFill>
+        </p:spPr>
+        <p:style>
+          <a:lnRef idx="2">
+            <a:schemeClr val="accent1">
+              <a:shade val="50000"/>
+            </a:schemeClr>
+          </a:lnRef>
+          <a:fillRef idx="1">
+            <a:schemeClr val="accent1"/>
+          </a:fillRef>
+          <a:effectRef idx="0">
+            <a:schemeClr val="accent1"/>
+          </a:effectRef>
+          <a:fontRef idx="minor">
+            <a:schemeClr val="lt1"/>
+          </a:fontRef>
+        </p:style>
+        <p:txBody>
+          <a:bodyPr rtlCol="0" anchor="t"/>
+          <a:lstStyle/>
+          <a:p>
+            <a:r>
+              <a:rPr lang="en-US" sz="1400" dirty="0" err="1"/>
+              <a:t>Stateful</a:t>
+            </a:r>
+            <a:r>
+              <a:rPr lang="en-US" sz="1400" dirty="0"/>
+              <a:t> Svc 1 (S1)</a:t>
+            </a:r>
+          </a:p>
+        </p:txBody>
+      </p:sp>
+      <p:sp>
+        <p:nvSpPr>
+          <p:cNvPr id="21" name="Rounded Rectangle 20"/>
+          <p:cNvSpPr/>
+          <p:nvPr/>
+        </p:nvSpPr>
+        <p:spPr>
+          <a:xfrm>
+            <a:off x="7558671" y="4778296"/>
+            <a:ext cx="1731399" cy="403439"/>
+          </a:xfrm>
+          <a:prstGeom prst="roundRect">
+            <a:avLst/>
+          </a:prstGeom>
+          <a:solidFill>
+            <a:schemeClr val="bg2">
+              <a:lumMod val="25000"/>
+            </a:schemeClr>
+          </a:solidFill>
+          <a:ln>
+            <a:solidFill>
+              <a:schemeClr val="bg2">
+                <a:lumMod val="25000"/>
+              </a:schemeClr>
+            </a:solidFill>
+          </a:ln>
+        </p:spPr>
+        <p:style>
+          <a:lnRef idx="2">
+            <a:schemeClr val="accent1">
+              <a:shade val="50000"/>
+            </a:schemeClr>
+          </a:lnRef>
+          <a:fillRef idx="1">
+            <a:schemeClr val="accent1"/>
+          </a:fillRef>
+          <a:effectRef idx="0">
+            <a:schemeClr val="accent1"/>
+          </a:effectRef>
+          <a:fontRef idx="minor">
+            <a:schemeClr val="lt1"/>
+          </a:fontRef>
+        </p:style>
+        <p:txBody>
+          <a:bodyPr rtlCol="0" anchor="t"/>
+          <a:lstStyle/>
+          <a:p>
+            <a:r>
+              <a:rPr lang="en-US" sz="1400" dirty="0" err="1"/>
+              <a:t>Stateful</a:t>
+            </a:r>
+            <a:r>
+              <a:rPr lang="en-US" sz="1400" dirty="0"/>
+              <a:t> Svc 2 (P1)</a:t>
+            </a:r>
+          </a:p>
+        </p:txBody>
+      </p:sp>
+      <p:sp>
+        <p:nvSpPr>
+          <p:cNvPr id="22" name="Rounded Rectangle 21"/>
+          <p:cNvSpPr/>
+          <p:nvPr/>
+        </p:nvSpPr>
+        <p:spPr>
+          <a:xfrm>
+            <a:off x="6575930" y="6216781"/>
+            <a:ext cx="1666379" cy="403439"/>
+          </a:xfrm>
+          <a:prstGeom prst="roundRect">
+            <a:avLst/>
+          </a:prstGeom>
+          <a:solidFill>
+            <a:schemeClr val="bg2">
+              <a:lumMod val="50000"/>
+            </a:schemeClr>
+          </a:solidFill>
+          <a:ln>
+            <a:solidFill>
+              <a:schemeClr val="bg2">
+                <a:lumMod val="50000"/>
+              </a:schemeClr>
+            </a:solidFill>
+          </a:ln>
+        </p:spPr>
+        <p:style>
+          <a:lnRef idx="2">
+            <a:schemeClr val="accent1">
+              <a:shade val="50000"/>
+            </a:schemeClr>
+          </a:lnRef>
+          <a:fillRef idx="1">
+            <a:schemeClr val="accent1"/>
+          </a:fillRef>
+          <a:effectRef idx="0">
+            <a:schemeClr val="accent1"/>
+          </a:effectRef>
+          <a:fontRef idx="minor">
+            <a:schemeClr val="lt1"/>
+          </a:fontRef>
+        </p:style>
+        <p:txBody>
+          <a:bodyPr rtlCol="0" anchor="t"/>
+          <a:lstStyle/>
+          <a:p>
+            <a:r>
+              <a:rPr lang="en-US" sz="1400" dirty="0" err="1"/>
+              <a:t>Stateful</a:t>
+            </a:r>
+            <a:r>
+              <a:rPr lang="en-US" sz="1400" dirty="0"/>
+              <a:t> Svc 2 (S1)</a:t>
+            </a:r>
+          </a:p>
+        </p:txBody>
+      </p:sp>
+      <p:sp>
+        <p:nvSpPr>
+          <p:cNvPr id="26" name="Rounded Rectangle 25"/>
+          <p:cNvSpPr/>
+          <p:nvPr/>
+        </p:nvSpPr>
+        <p:spPr>
+          <a:xfrm>
+            <a:off x="9473769" y="4320807"/>
+            <a:ext cx="1673766" cy="403439"/>
+          </a:xfrm>
+          <a:prstGeom prst="roundRect">
+            <a:avLst/>
+          </a:prstGeom>
+          <a:solidFill>
+            <a:schemeClr val="accent2">
+              <a:lumMod val="60000"/>
+              <a:lumOff val="40000"/>
+            </a:schemeClr>
+          </a:solidFill>
+        </p:spPr>
+        <p:style>
+          <a:lnRef idx="2">
+            <a:schemeClr val="accent1">
+              <a:shade val="50000"/>
+            </a:schemeClr>
+          </a:lnRef>
+          <a:fillRef idx="1">
+            <a:schemeClr val="accent1"/>
+          </a:fillRef>
+          <a:effectRef idx="0">
+            <a:schemeClr val="accent1"/>
+          </a:effectRef>
+          <a:fontRef idx="minor">
+            <a:schemeClr val="lt1"/>
+          </a:fontRef>
+        </p:style>
+        <p:txBody>
+          <a:bodyPr rtlCol="0" anchor="t"/>
+          <a:lstStyle/>
+          <a:p>
+            <a:r>
+              <a:rPr lang="en-US" sz="1400" dirty="0" err="1"/>
+              <a:t>Stateful</a:t>
+            </a:r>
+            <a:r>
+              <a:rPr lang="en-US" sz="1400" dirty="0"/>
+              <a:t> Svc 1 (S2)</a:t>
+            </a:r>
+          </a:p>
+        </p:txBody>
+      </p:sp>
+      <p:sp>
+        <p:nvSpPr>
+          <p:cNvPr id="30" name="Rounded Rectangle 29"/>
+          <p:cNvSpPr/>
+          <p:nvPr/>
+        </p:nvSpPr>
+        <p:spPr>
+          <a:xfrm>
+            <a:off x="2483732" y="4302307"/>
+            <a:ext cx="1666379" cy="403439"/>
+          </a:xfrm>
+          <a:prstGeom prst="roundRect">
+            <a:avLst/>
+          </a:prstGeom>
+          <a:solidFill>
+            <a:schemeClr val="bg2">
+              <a:lumMod val="50000"/>
+            </a:schemeClr>
+          </a:solidFill>
+          <a:ln>
+            <a:solidFill>
+              <a:schemeClr val="bg2">
+                <a:lumMod val="50000"/>
+              </a:schemeClr>
+            </a:solidFill>
+          </a:ln>
+        </p:spPr>
+        <p:style>
+          <a:lnRef idx="2">
+            <a:schemeClr val="accent1">
+              <a:shade val="50000"/>
+            </a:schemeClr>
+          </a:lnRef>
+          <a:fillRef idx="1">
+            <a:schemeClr val="accent1"/>
+          </a:fillRef>
+          <a:effectRef idx="0">
+            <a:schemeClr val="accent1"/>
+          </a:effectRef>
+          <a:fontRef idx="minor">
+            <a:schemeClr val="lt1"/>
+          </a:fontRef>
+        </p:style>
+        <p:txBody>
+          <a:bodyPr rtlCol="0" anchor="t"/>
+          <a:lstStyle/>
+          <a:p>
+            <a:r>
+              <a:rPr lang="en-US" sz="1400" dirty="0" err="1"/>
+              <a:t>Stateful</a:t>
+            </a:r>
+            <a:r>
+              <a:rPr lang="en-US" sz="1400" dirty="0"/>
+              <a:t> Svc 2 (S2)</a:t>
+            </a:r>
+          </a:p>
+        </p:txBody>
+      </p:sp>
+      <p:sp>
+        <p:nvSpPr>
+          <p:cNvPr id="32" name="Rounded Rectangle 31"/>
+          <p:cNvSpPr/>
+          <p:nvPr/>
+        </p:nvSpPr>
+        <p:spPr>
+          <a:xfrm>
+            <a:off x="8449016" y="5759973"/>
+            <a:ext cx="1668912" cy="403439"/>
+          </a:xfrm>
+          <a:prstGeom prst="roundRect">
+            <a:avLst/>
+          </a:prstGeom>
+          <a:solidFill>
+            <a:schemeClr val="accent2">
+              <a:lumMod val="75000"/>
+            </a:schemeClr>
+          </a:solidFill>
+        </p:spPr>
+        <p:style>
+          <a:lnRef idx="2">
+            <a:schemeClr val="accent1">
+              <a:shade val="50000"/>
+            </a:schemeClr>
+          </a:lnRef>
+          <a:fillRef idx="1">
+            <a:schemeClr val="accent1"/>
+          </a:fillRef>
+          <a:effectRef idx="0">
+            <a:schemeClr val="accent1"/>
+          </a:effectRef>
+          <a:fontRef idx="minor">
+            <a:schemeClr val="lt1"/>
+          </a:fontRef>
+        </p:style>
+        <p:txBody>
+          <a:bodyPr rtlCol="0" anchor="t"/>
+          <a:lstStyle/>
+          <a:p>
+            <a:r>
+              <a:rPr lang="en-US" sz="1400" dirty="0" err="1"/>
+              <a:t>Stateful</a:t>
+            </a:r>
+            <a:r>
+              <a:rPr lang="en-US" sz="1400" dirty="0"/>
+              <a:t> Svc 1 (P3)</a:t>
+            </a:r>
+          </a:p>
+        </p:txBody>
+      </p:sp>
+      <p:sp>
+        <p:nvSpPr>
+          <p:cNvPr id="34" name="Rounded Rectangle 33"/>
+          <p:cNvSpPr/>
+          <p:nvPr/>
+        </p:nvSpPr>
+        <p:spPr>
+          <a:xfrm>
+            <a:off x="3485777" y="6188087"/>
+            <a:ext cx="1673766" cy="403439"/>
+          </a:xfrm>
+          <a:prstGeom prst="roundRect">
+            <a:avLst/>
+          </a:prstGeom>
+          <a:solidFill>
+            <a:schemeClr val="accent2">
+              <a:lumMod val="60000"/>
+              <a:lumOff val="40000"/>
+            </a:schemeClr>
+          </a:solidFill>
+        </p:spPr>
+        <p:style>
+          <a:lnRef idx="2">
+            <a:schemeClr val="accent1">
+              <a:shade val="50000"/>
+            </a:schemeClr>
+          </a:lnRef>
+          <a:fillRef idx="1">
+            <a:schemeClr val="accent1"/>
+          </a:fillRef>
+          <a:effectRef idx="0">
+            <a:schemeClr val="accent1"/>
+          </a:effectRef>
+          <a:fontRef idx="minor">
+            <a:schemeClr val="lt1"/>
+          </a:fontRef>
+        </p:style>
+        <p:txBody>
+          <a:bodyPr rtlCol="0" anchor="t"/>
+          <a:lstStyle/>
+          <a:p>
+            <a:r>
+              <a:rPr lang="en-US" sz="1400" dirty="0" err="1"/>
+              <a:t>Stateful</a:t>
+            </a:r>
+            <a:r>
+              <a:rPr lang="en-US" sz="1400" dirty="0"/>
+              <a:t> Svc 1 (S3)</a:t>
+            </a:r>
+          </a:p>
+        </p:txBody>
+      </p:sp>
+      <p:sp>
+        <p:nvSpPr>
+          <p:cNvPr id="35" name="Rounded Rectangle 34"/>
+          <p:cNvSpPr/>
+          <p:nvPr/>
+        </p:nvSpPr>
+        <p:spPr>
+          <a:xfrm>
+            <a:off x="3485777" y="5734797"/>
+            <a:ext cx="1731399" cy="403439"/>
+          </a:xfrm>
+          <a:prstGeom prst="roundRect">
+            <a:avLst/>
+          </a:prstGeom>
+          <a:solidFill>
+            <a:schemeClr val="bg2">
+              <a:lumMod val="25000"/>
+            </a:schemeClr>
+          </a:solidFill>
+          <a:ln>
+            <a:solidFill>
+              <a:schemeClr val="bg2">
+                <a:lumMod val="25000"/>
+              </a:schemeClr>
+            </a:solidFill>
+          </a:ln>
+        </p:spPr>
+        <p:style>
+          <a:lnRef idx="2">
+            <a:schemeClr val="accent1">
+              <a:shade val="50000"/>
+            </a:schemeClr>
+          </a:lnRef>
+          <a:fillRef idx="1">
+            <a:schemeClr val="accent1"/>
+          </a:fillRef>
+          <a:effectRef idx="0">
+            <a:schemeClr val="accent1"/>
+          </a:effectRef>
+          <a:fontRef idx="minor">
+            <a:schemeClr val="lt1"/>
+          </a:fontRef>
+        </p:style>
+        <p:txBody>
+          <a:bodyPr rtlCol="0" anchor="t"/>
+          <a:lstStyle/>
+          <a:p>
+            <a:r>
+              <a:rPr lang="en-US" sz="1400" dirty="0" err="1"/>
+              <a:t>Stateful</a:t>
+            </a:r>
+            <a:r>
+              <a:rPr lang="en-US" sz="1400" dirty="0"/>
+              <a:t> Svc 2 (P3)</a:t>
+            </a:r>
+          </a:p>
+        </p:txBody>
+      </p:sp>
+      <p:sp>
+        <p:nvSpPr>
+          <p:cNvPr id="36" name="Rounded Rectangle 35"/>
+          <p:cNvSpPr/>
+          <p:nvPr/>
+        </p:nvSpPr>
+        <p:spPr>
+          <a:xfrm>
+            <a:off x="8449016" y="6238069"/>
+            <a:ext cx="1709294" cy="403439"/>
+          </a:xfrm>
+          <a:prstGeom prst="roundRect">
+            <a:avLst/>
+          </a:prstGeom>
+          <a:solidFill>
+            <a:schemeClr val="bg2">
+              <a:lumMod val="50000"/>
+            </a:schemeClr>
+          </a:solidFill>
+          <a:ln>
+            <a:solidFill>
+              <a:schemeClr val="bg2">
+                <a:lumMod val="50000"/>
+              </a:schemeClr>
+            </a:solidFill>
+          </a:ln>
+        </p:spPr>
+        <p:style>
+          <a:lnRef idx="2">
+            <a:schemeClr val="accent1">
+              <a:shade val="50000"/>
+            </a:schemeClr>
+          </a:lnRef>
+          <a:fillRef idx="1">
+            <a:schemeClr val="accent1"/>
+          </a:fillRef>
+          <a:effectRef idx="0">
+            <a:schemeClr val="accent1"/>
+          </a:effectRef>
+          <a:fontRef idx="minor">
+            <a:schemeClr val="lt1"/>
+          </a:fontRef>
+        </p:style>
+        <p:txBody>
+          <a:bodyPr rtlCol="0" anchor="t"/>
+          <a:lstStyle/>
+          <a:p>
+            <a:r>
+              <a:rPr lang="en-US" sz="1400" dirty="0" err="1"/>
+              <a:t>Stateful</a:t>
+            </a:r>
+            <a:r>
+              <a:rPr lang="en-US" sz="1400" dirty="0"/>
+              <a:t> Svc 2 (S3)</a:t>
+            </a:r>
+          </a:p>
+        </p:txBody>
+      </p:sp>
+      <p:sp>
+        <p:nvSpPr>
+          <p:cNvPr id="38" name="Rounded Rectangle 37"/>
+          <p:cNvSpPr/>
+          <p:nvPr/>
+        </p:nvSpPr>
+        <p:spPr>
+          <a:xfrm>
+            <a:off x="7487353" y="2727143"/>
+            <a:ext cx="3887490" cy="1134170"/>
+          </a:xfrm>
+          <a:prstGeom prst="roundRect">
+            <a:avLst/>
+          </a:prstGeom>
+        </p:spPr>
+        <p:style>
+          <a:lnRef idx="2">
+            <a:schemeClr val="accent1">
+              <a:shade val="50000"/>
+            </a:schemeClr>
+          </a:lnRef>
+          <a:fillRef idx="1">
+            <a:schemeClr val="accent1"/>
+          </a:fillRef>
+          <a:effectRef idx="0">
+            <a:schemeClr val="accent1"/>
+          </a:effectRef>
+          <a:fontRef idx="minor">
+            <a:schemeClr val="lt1"/>
+          </a:fontRef>
+        </p:style>
+        <p:txBody>
+          <a:bodyPr rtlCol="0" anchor="ctr"/>
+          <a:lstStyle/>
+          <a:p>
+            <a:pPr algn="ctr"/>
+            <a:endParaRPr lang="en-US"/>
+          </a:p>
+        </p:txBody>
+      </p:sp>
+      <p:sp>
+        <p:nvSpPr>
+          <p:cNvPr id="39" name="Rounded Rectangle 38"/>
+          <p:cNvSpPr/>
+          <p:nvPr/>
+        </p:nvSpPr>
+        <p:spPr>
+          <a:xfrm>
+            <a:off x="602264" y="2733365"/>
+            <a:ext cx="3887490" cy="1134170"/>
+          </a:xfrm>
+          <a:prstGeom prst="roundRect">
+            <a:avLst/>
+          </a:prstGeom>
+        </p:spPr>
+        <p:style>
+          <a:lnRef idx="2">
+            <a:schemeClr val="accent1">
+              <a:shade val="50000"/>
+            </a:schemeClr>
+          </a:lnRef>
+          <a:fillRef idx="1">
+            <a:schemeClr val="accent1"/>
+          </a:fillRef>
+          <a:effectRef idx="0">
+            <a:schemeClr val="accent1"/>
+          </a:effectRef>
+          <a:fontRef idx="minor">
+            <a:schemeClr val="lt1"/>
+          </a:fontRef>
+        </p:style>
+        <p:txBody>
+          <a:bodyPr rtlCol="0" anchor="ctr"/>
+          <a:lstStyle/>
+          <a:p>
+            <a:pPr algn="ctr"/>
+            <a:endParaRPr lang="en-US"/>
+          </a:p>
+        </p:txBody>
+      </p:sp>
+      <p:sp>
+        <p:nvSpPr>
+          <p:cNvPr id="25" name="Rounded Rectangle 24"/>
+          <p:cNvSpPr/>
+          <p:nvPr/>
+        </p:nvSpPr>
+        <p:spPr>
+          <a:xfrm>
+            <a:off x="699697" y="2867918"/>
+            <a:ext cx="1668912" cy="403439"/>
+          </a:xfrm>
+          <a:prstGeom prst="roundRect">
+            <a:avLst/>
+          </a:prstGeom>
+          <a:solidFill>
+            <a:schemeClr val="accent2">
+              <a:lumMod val="75000"/>
+            </a:schemeClr>
+          </a:solidFill>
+        </p:spPr>
+        <p:style>
+          <a:lnRef idx="2">
+            <a:schemeClr val="accent1">
+              <a:shade val="50000"/>
+            </a:schemeClr>
+          </a:lnRef>
+          <a:fillRef idx="1">
+            <a:schemeClr val="accent1"/>
+          </a:fillRef>
+          <a:effectRef idx="0">
+            <a:schemeClr val="accent1"/>
+          </a:effectRef>
+          <a:fontRef idx="minor">
+            <a:schemeClr val="lt1"/>
+          </a:fontRef>
+        </p:style>
+        <p:txBody>
+          <a:bodyPr rtlCol="0" anchor="t"/>
+          <a:lstStyle/>
+          <a:p>
+            <a:r>
+              <a:rPr lang="en-US" sz="1400" dirty="0" err="1"/>
+              <a:t>Stateful</a:t>
+            </a:r>
+            <a:r>
+              <a:rPr lang="en-US" sz="1400" dirty="0"/>
+              <a:t> Svc 1 (P2)</a:t>
+            </a:r>
+          </a:p>
+        </p:txBody>
+      </p:sp>
+      <p:sp>
+        <p:nvSpPr>
+          <p:cNvPr id="27" name="Rounded Rectangle 26"/>
+          <p:cNvSpPr/>
+          <p:nvPr/>
+        </p:nvSpPr>
+        <p:spPr>
+          <a:xfrm>
+            <a:off x="7630419" y="2896409"/>
+            <a:ext cx="1673766" cy="403439"/>
+          </a:xfrm>
+          <a:prstGeom prst="roundRect">
+            <a:avLst/>
+          </a:prstGeom>
+          <a:solidFill>
+            <a:schemeClr val="accent2">
+              <a:lumMod val="60000"/>
+              <a:lumOff val="40000"/>
+            </a:schemeClr>
+          </a:solidFill>
+        </p:spPr>
+        <p:style>
+          <a:lnRef idx="2">
+            <a:schemeClr val="accent1">
+              <a:shade val="50000"/>
+            </a:schemeClr>
+          </a:lnRef>
+          <a:fillRef idx="1">
+            <a:schemeClr val="accent1"/>
+          </a:fillRef>
+          <a:effectRef idx="0">
+            <a:schemeClr val="accent1"/>
+          </a:effectRef>
+          <a:fontRef idx="minor">
+            <a:schemeClr val="lt1"/>
+          </a:fontRef>
+        </p:style>
+        <p:txBody>
+          <a:bodyPr rtlCol="0" anchor="t"/>
+          <a:lstStyle/>
+          <a:p>
+            <a:r>
+              <a:rPr lang="en-US" sz="1400" dirty="0" err="1"/>
+              <a:t>Stateful</a:t>
+            </a:r>
+            <a:r>
+              <a:rPr lang="en-US" sz="1400" dirty="0"/>
+              <a:t> Svc 1 (S2)</a:t>
+            </a:r>
+          </a:p>
+        </p:txBody>
+      </p:sp>
+      <p:sp>
+        <p:nvSpPr>
+          <p:cNvPr id="28" name="Rounded Rectangle 27"/>
+          <p:cNvSpPr/>
+          <p:nvPr/>
+        </p:nvSpPr>
+        <p:spPr>
+          <a:xfrm>
+            <a:off x="7618169" y="3375424"/>
+            <a:ext cx="1731399" cy="403439"/>
+          </a:xfrm>
+          <a:prstGeom prst="roundRect">
+            <a:avLst/>
+          </a:prstGeom>
+          <a:solidFill>
+            <a:schemeClr val="bg2">
+              <a:lumMod val="25000"/>
+            </a:schemeClr>
+          </a:solidFill>
+          <a:ln>
+            <a:solidFill>
+              <a:schemeClr val="bg2">
+                <a:lumMod val="25000"/>
+              </a:schemeClr>
+            </a:solidFill>
+          </a:ln>
+        </p:spPr>
+        <p:style>
+          <a:lnRef idx="2">
+            <a:schemeClr val="accent1">
+              <a:shade val="50000"/>
+            </a:schemeClr>
+          </a:lnRef>
+          <a:fillRef idx="1">
+            <a:schemeClr val="accent1"/>
+          </a:fillRef>
+          <a:effectRef idx="0">
+            <a:schemeClr val="accent1"/>
+          </a:effectRef>
+          <a:fontRef idx="minor">
+            <a:schemeClr val="lt1"/>
+          </a:fontRef>
+        </p:style>
+        <p:txBody>
+          <a:bodyPr rtlCol="0" anchor="t"/>
+          <a:lstStyle/>
+          <a:p>
+            <a:r>
+              <a:rPr lang="en-US" sz="1400" dirty="0" err="1"/>
+              <a:t>Stateful</a:t>
+            </a:r>
+            <a:r>
+              <a:rPr lang="en-US" sz="1400" dirty="0"/>
+              <a:t> Svc 2 (P2)</a:t>
+            </a:r>
+          </a:p>
+        </p:txBody>
+      </p:sp>
+      <p:sp>
+        <p:nvSpPr>
+          <p:cNvPr id="29" name="Rounded Rectangle 28"/>
+          <p:cNvSpPr/>
+          <p:nvPr/>
+        </p:nvSpPr>
+        <p:spPr>
+          <a:xfrm>
+            <a:off x="703387" y="3373223"/>
+            <a:ext cx="1666379" cy="403439"/>
+          </a:xfrm>
+          <a:prstGeom prst="roundRect">
+            <a:avLst/>
+          </a:prstGeom>
+          <a:solidFill>
+            <a:schemeClr val="bg2">
+              <a:lumMod val="50000"/>
+            </a:schemeClr>
+          </a:solidFill>
+          <a:ln>
+            <a:solidFill>
+              <a:schemeClr val="bg2">
+                <a:lumMod val="50000"/>
+              </a:schemeClr>
+            </a:solidFill>
+          </a:ln>
+        </p:spPr>
+        <p:style>
+          <a:lnRef idx="2">
+            <a:schemeClr val="accent1">
+              <a:shade val="50000"/>
+            </a:schemeClr>
+          </a:lnRef>
+          <a:fillRef idx="1">
+            <a:schemeClr val="accent1"/>
+          </a:fillRef>
+          <a:effectRef idx="0">
+            <a:schemeClr val="accent1"/>
+          </a:effectRef>
+          <a:fontRef idx="minor">
+            <a:schemeClr val="lt1"/>
+          </a:fontRef>
+        </p:style>
+        <p:txBody>
+          <a:bodyPr rtlCol="0" anchor="t"/>
+          <a:lstStyle/>
+          <a:p>
+            <a:r>
+              <a:rPr lang="en-US" sz="1400" dirty="0" err="1"/>
+              <a:t>Stateful</a:t>
+            </a:r>
+            <a:r>
+              <a:rPr lang="en-US" sz="1400" dirty="0"/>
+              <a:t> Svc 2 (S2)</a:t>
+            </a:r>
+          </a:p>
+        </p:txBody>
+      </p:sp>
+      <p:sp>
+        <p:nvSpPr>
+          <p:cNvPr id="33" name="Rounded Rectangle 32"/>
+          <p:cNvSpPr/>
+          <p:nvPr/>
+        </p:nvSpPr>
+        <p:spPr>
+          <a:xfrm>
+            <a:off x="2504537" y="2883631"/>
+            <a:ext cx="1673766" cy="403439"/>
+          </a:xfrm>
+          <a:prstGeom prst="roundRect">
+            <a:avLst/>
+          </a:prstGeom>
+          <a:solidFill>
+            <a:schemeClr val="accent2">
+              <a:lumMod val="60000"/>
+              <a:lumOff val="40000"/>
+            </a:schemeClr>
+          </a:solidFill>
+        </p:spPr>
+        <p:style>
+          <a:lnRef idx="2">
+            <a:schemeClr val="accent1">
+              <a:shade val="50000"/>
+            </a:schemeClr>
+          </a:lnRef>
+          <a:fillRef idx="1">
+            <a:schemeClr val="accent1"/>
+          </a:fillRef>
+          <a:effectRef idx="0">
+            <a:schemeClr val="accent1"/>
+          </a:effectRef>
+          <a:fontRef idx="minor">
+            <a:schemeClr val="lt1"/>
+          </a:fontRef>
+        </p:style>
+        <p:txBody>
+          <a:bodyPr rtlCol="0" anchor="t"/>
+          <a:lstStyle/>
+          <a:p>
+            <a:r>
+              <a:rPr lang="en-US" sz="1400" dirty="0" err="1"/>
+              <a:t>Stateful</a:t>
+            </a:r>
+            <a:r>
+              <a:rPr lang="en-US" sz="1400" dirty="0"/>
+              <a:t> Svc 1 (S3)</a:t>
+            </a:r>
+          </a:p>
+        </p:txBody>
+      </p:sp>
+      <p:sp>
+        <p:nvSpPr>
+          <p:cNvPr id="37" name="Rounded Rectangle 36"/>
+          <p:cNvSpPr/>
+          <p:nvPr/>
+        </p:nvSpPr>
+        <p:spPr>
+          <a:xfrm>
+            <a:off x="9484867" y="2896409"/>
+            <a:ext cx="1709294" cy="403439"/>
+          </a:xfrm>
+          <a:prstGeom prst="roundRect">
+            <a:avLst/>
+          </a:prstGeom>
+          <a:solidFill>
+            <a:schemeClr val="bg2">
+              <a:lumMod val="50000"/>
+            </a:schemeClr>
+          </a:solidFill>
+          <a:ln>
+            <a:solidFill>
+              <a:schemeClr val="bg2">
+                <a:lumMod val="50000"/>
+              </a:schemeClr>
+            </a:solidFill>
+          </a:ln>
+        </p:spPr>
+        <p:style>
+          <a:lnRef idx="2">
+            <a:schemeClr val="accent1">
+              <a:shade val="50000"/>
+            </a:schemeClr>
+          </a:lnRef>
+          <a:fillRef idx="1">
+            <a:schemeClr val="accent1"/>
+          </a:fillRef>
+          <a:effectRef idx="0">
+            <a:schemeClr val="accent1"/>
+          </a:effectRef>
+          <a:fontRef idx="minor">
+            <a:schemeClr val="lt1"/>
+          </a:fontRef>
+        </p:style>
+        <p:txBody>
+          <a:bodyPr rtlCol="0" anchor="t"/>
+          <a:lstStyle/>
+          <a:p>
+            <a:r>
+              <a:rPr lang="en-US" sz="1400" dirty="0" err="1"/>
+              <a:t>Stateful</a:t>
+            </a:r>
+            <a:r>
+              <a:rPr lang="en-US" sz="1400" dirty="0"/>
+              <a:t> Svc 2 (S3)</a:t>
+            </a:r>
+          </a:p>
+        </p:txBody>
+      </p:sp>
+      <p:sp>
+        <p:nvSpPr>
+          <p:cNvPr id="24" name="Rounded Rectangle 23"/>
+          <p:cNvSpPr/>
+          <p:nvPr/>
+        </p:nvSpPr>
+        <p:spPr>
+          <a:xfrm>
+            <a:off x="9506324" y="3405540"/>
+            <a:ext cx="1666379" cy="403439"/>
+          </a:xfrm>
+          <a:prstGeom prst="roundRect">
+            <a:avLst/>
+          </a:prstGeom>
+          <a:solidFill>
+            <a:schemeClr val="bg2">
+              <a:lumMod val="50000"/>
+            </a:schemeClr>
+          </a:solidFill>
+          <a:ln>
+            <a:solidFill>
+              <a:schemeClr val="bg2">
+                <a:lumMod val="50000"/>
+              </a:schemeClr>
+            </a:solidFill>
+          </a:ln>
+        </p:spPr>
+        <p:style>
+          <a:lnRef idx="2">
+            <a:schemeClr val="accent1">
+              <a:shade val="50000"/>
+            </a:schemeClr>
+          </a:lnRef>
+          <a:fillRef idx="1">
+            <a:schemeClr val="accent1"/>
+          </a:fillRef>
+          <a:effectRef idx="0">
+            <a:schemeClr val="accent1"/>
+          </a:effectRef>
+          <a:fontRef idx="minor">
+            <a:schemeClr val="lt1"/>
+          </a:fontRef>
+        </p:style>
+        <p:txBody>
+          <a:bodyPr rtlCol="0" anchor="t"/>
+          <a:lstStyle/>
+          <a:p>
+            <a:r>
+              <a:rPr lang="en-US" sz="1400" dirty="0" err="1"/>
+              <a:t>Stateful</a:t>
+            </a:r>
+            <a:r>
+              <a:rPr lang="en-US" sz="1400" dirty="0"/>
+              <a:t> Svc 2 (S1)</a:t>
+            </a:r>
+          </a:p>
+        </p:txBody>
+      </p:sp>
+      <p:sp>
+        <p:nvSpPr>
+          <p:cNvPr id="23" name="Rounded Rectangle 22"/>
+          <p:cNvSpPr/>
+          <p:nvPr/>
+        </p:nvSpPr>
+        <p:spPr>
+          <a:xfrm>
+            <a:off x="2525503" y="3368226"/>
+            <a:ext cx="1666378" cy="403439"/>
+          </a:xfrm>
+          <a:prstGeom prst="roundRect">
+            <a:avLst/>
+          </a:prstGeom>
+          <a:solidFill>
+            <a:schemeClr val="accent2">
+              <a:lumMod val="60000"/>
+              <a:lumOff val="40000"/>
+            </a:schemeClr>
+          </a:solidFill>
+        </p:spPr>
+        <p:style>
+          <a:lnRef idx="2">
+            <a:schemeClr val="accent1">
+              <a:shade val="50000"/>
+            </a:schemeClr>
+          </a:lnRef>
+          <a:fillRef idx="1">
+            <a:schemeClr val="accent1"/>
+          </a:fillRef>
+          <a:effectRef idx="0">
+            <a:schemeClr val="accent1"/>
+          </a:effectRef>
+          <a:fontRef idx="minor">
+            <a:schemeClr val="lt1"/>
+          </a:fontRef>
+        </p:style>
+        <p:txBody>
+          <a:bodyPr rtlCol="0" anchor="t"/>
+          <a:lstStyle/>
+          <a:p>
+            <a:r>
+              <a:rPr lang="en-US" sz="1400" dirty="0" err="1"/>
+              <a:t>Stateful</a:t>
+            </a:r>
+            <a:r>
+              <a:rPr lang="en-US" sz="1400" dirty="0"/>
+              <a:t> Svc 1 (S1)</a:t>
             </a:r>
           </a:p>
         </p:txBody>
@@ -4471,7 +10879,992 @@
     </p:spTree>
     <p:extLst>
       <p:ext uri="{BB962C8B-B14F-4D97-AF65-F5344CB8AC3E}">
-        <p14:creationId xmlns:p14="http://schemas.microsoft.com/office/powerpoint/2010/main" val="293495441"/>
+        <p14:creationId xmlns:p14="http://schemas.microsoft.com/office/powerpoint/2010/main" val="2969862690"/>
+      </p:ext>
+    </p:extLst>
+  </p:cSld>
+  <p:clrMapOvr>
+    <a:masterClrMapping/>
+  </p:clrMapOvr>
+  <p:timing>
+    <p:tnLst>
+      <p:par>
+        <p:cTn id="1" dur="indefinite" restart="never" nodeType="tmRoot">
+          <p:childTnLst>
+            <p:seq concurrent="1" nextAc="seek">
+              <p:cTn id="2" dur="indefinite" nodeType="mainSeq">
+                <p:childTnLst>
+                  <p:par>
+                    <p:cTn id="3" fill="hold">
+                      <p:stCondLst>
+                        <p:cond delay="indefinite"/>
+                      </p:stCondLst>
+                      <p:childTnLst>
+                        <p:par>
+                          <p:cTn id="4" fill="hold">
+                            <p:stCondLst>
+                              <p:cond delay="0"/>
+                            </p:stCondLst>
+                            <p:childTnLst>
+                              <p:par>
+                                <p:cTn id="5" presetID="1" presetClass="entr" presetSubtype="0" fill="hold" grpId="0" nodeType="clickEffect">
+                                  <p:stCondLst>
+                                    <p:cond delay="0"/>
+                                  </p:stCondLst>
+                                  <p:childTnLst>
+                                    <p:set>
+                                      <p:cBhvr>
+                                        <p:cTn id="6" dur="1" fill="hold">
+                                          <p:stCondLst>
+                                            <p:cond delay="0"/>
+                                          </p:stCondLst>
+                                        </p:cTn>
+                                        <p:tgtEl>
+                                          <p:spTgt spid="9"/>
+                                        </p:tgtEl>
+                                        <p:attrNameLst>
+                                          <p:attrName>style.visibility</p:attrName>
+                                        </p:attrNameLst>
+                                      </p:cBhvr>
+                                      <p:to>
+                                        <p:strVal val="visible"/>
+                                      </p:to>
+                                    </p:set>
+                                  </p:childTnLst>
+                                </p:cTn>
+                              </p:par>
+                            </p:childTnLst>
+                          </p:cTn>
+                        </p:par>
+                      </p:childTnLst>
+                    </p:cTn>
+                  </p:par>
+                  <p:par>
+                    <p:cTn id="7" fill="hold">
+                      <p:stCondLst>
+                        <p:cond delay="indefinite"/>
+                      </p:stCondLst>
+                      <p:childTnLst>
+                        <p:par>
+                          <p:cTn id="8" fill="hold">
+                            <p:stCondLst>
+                              <p:cond delay="0"/>
+                            </p:stCondLst>
+                            <p:childTnLst>
+                              <p:par>
+                                <p:cTn id="9" presetID="1" presetClass="entr" presetSubtype="0" fill="hold" grpId="0" nodeType="clickEffect">
+                                  <p:stCondLst>
+                                    <p:cond delay="0"/>
+                                  </p:stCondLst>
+                                  <p:childTnLst>
+                                    <p:set>
+                                      <p:cBhvr>
+                                        <p:cTn id="10" dur="1" fill="hold">
+                                          <p:stCondLst>
+                                            <p:cond delay="0"/>
+                                          </p:stCondLst>
+                                        </p:cTn>
+                                        <p:tgtEl>
+                                          <p:spTgt spid="10"/>
+                                        </p:tgtEl>
+                                        <p:attrNameLst>
+                                          <p:attrName>style.visibility</p:attrName>
+                                        </p:attrNameLst>
+                                      </p:cBhvr>
+                                      <p:to>
+                                        <p:strVal val="visible"/>
+                                      </p:to>
+                                    </p:set>
+                                  </p:childTnLst>
+                                </p:cTn>
+                              </p:par>
+                              <p:par>
+                                <p:cTn id="11" presetID="1" presetClass="entr" presetSubtype="0" fill="hold" grpId="0" nodeType="withEffect">
+                                  <p:stCondLst>
+                                    <p:cond delay="0"/>
+                                  </p:stCondLst>
+                                  <p:childTnLst>
+                                    <p:set>
+                                      <p:cBhvr>
+                                        <p:cTn id="12" dur="1" fill="hold">
+                                          <p:stCondLst>
+                                            <p:cond delay="0"/>
+                                          </p:stCondLst>
+                                        </p:cTn>
+                                        <p:tgtEl>
+                                          <p:spTgt spid="11"/>
+                                        </p:tgtEl>
+                                        <p:attrNameLst>
+                                          <p:attrName>style.visibility</p:attrName>
+                                        </p:attrNameLst>
+                                      </p:cBhvr>
+                                      <p:to>
+                                        <p:strVal val="visible"/>
+                                      </p:to>
+                                    </p:set>
+                                  </p:childTnLst>
+                                </p:cTn>
+                              </p:par>
+                              <p:par>
+                                <p:cTn id="13" presetID="1" presetClass="entr" presetSubtype="0" fill="hold" grpId="0" nodeType="withEffect">
+                                  <p:stCondLst>
+                                    <p:cond delay="0"/>
+                                  </p:stCondLst>
+                                  <p:childTnLst>
+                                    <p:set>
+                                      <p:cBhvr>
+                                        <p:cTn id="14" dur="1" fill="hold">
+                                          <p:stCondLst>
+                                            <p:cond delay="0"/>
+                                          </p:stCondLst>
+                                        </p:cTn>
+                                        <p:tgtEl>
+                                          <p:spTgt spid="12"/>
+                                        </p:tgtEl>
+                                        <p:attrNameLst>
+                                          <p:attrName>style.visibility</p:attrName>
+                                        </p:attrNameLst>
+                                      </p:cBhvr>
+                                      <p:to>
+                                        <p:strVal val="visible"/>
+                                      </p:to>
+                                    </p:set>
+                                  </p:childTnLst>
+                                </p:cTn>
+                              </p:par>
+                              <p:par>
+                                <p:cTn id="15" presetID="1" presetClass="entr" presetSubtype="0" fill="hold" grpId="0" nodeType="withEffect">
+                                  <p:stCondLst>
+                                    <p:cond delay="0"/>
+                                  </p:stCondLst>
+                                  <p:childTnLst>
+                                    <p:set>
+                                      <p:cBhvr>
+                                        <p:cTn id="16" dur="1" fill="hold">
+                                          <p:stCondLst>
+                                            <p:cond delay="0"/>
+                                          </p:stCondLst>
+                                        </p:cTn>
+                                        <p:tgtEl>
+                                          <p:spTgt spid="13"/>
+                                        </p:tgtEl>
+                                        <p:attrNameLst>
+                                          <p:attrName>style.visibility</p:attrName>
+                                        </p:attrNameLst>
+                                      </p:cBhvr>
+                                      <p:to>
+                                        <p:strVal val="visible"/>
+                                      </p:to>
+                                    </p:set>
+                                  </p:childTnLst>
+                                </p:cTn>
+                              </p:par>
+                              <p:par>
+                                <p:cTn id="17" presetID="1" presetClass="entr" presetSubtype="0" fill="hold" grpId="0" nodeType="withEffect">
+                                  <p:stCondLst>
+                                    <p:cond delay="0"/>
+                                  </p:stCondLst>
+                                  <p:childTnLst>
+                                    <p:set>
+                                      <p:cBhvr>
+                                        <p:cTn id="18" dur="1" fill="hold">
+                                          <p:stCondLst>
+                                            <p:cond delay="0"/>
+                                          </p:stCondLst>
+                                        </p:cTn>
+                                        <p:tgtEl>
+                                          <p:spTgt spid="14"/>
+                                        </p:tgtEl>
+                                        <p:attrNameLst>
+                                          <p:attrName>style.visibility</p:attrName>
+                                        </p:attrNameLst>
+                                      </p:cBhvr>
+                                      <p:to>
+                                        <p:strVal val="visible"/>
+                                      </p:to>
+                                    </p:set>
+                                  </p:childTnLst>
+                                </p:cTn>
+                              </p:par>
+                            </p:childTnLst>
+                          </p:cTn>
+                        </p:par>
+                      </p:childTnLst>
+                    </p:cTn>
+                  </p:par>
+                  <p:par>
+                    <p:cTn id="19" fill="hold">
+                      <p:stCondLst>
+                        <p:cond delay="indefinite"/>
+                      </p:stCondLst>
+                      <p:childTnLst>
+                        <p:par>
+                          <p:cTn id="20" fill="hold">
+                            <p:stCondLst>
+                              <p:cond delay="0"/>
+                            </p:stCondLst>
+                            <p:childTnLst>
+                              <p:par>
+                                <p:cTn id="21" presetID="1" presetClass="entr" presetSubtype="0" fill="hold" grpId="0" nodeType="clickEffect">
+                                  <p:stCondLst>
+                                    <p:cond delay="0"/>
+                                  </p:stCondLst>
+                                  <p:childTnLst>
+                                    <p:set>
+                                      <p:cBhvr>
+                                        <p:cTn id="22" dur="1" fill="hold">
+                                          <p:stCondLst>
+                                            <p:cond delay="0"/>
+                                          </p:stCondLst>
+                                        </p:cTn>
+                                        <p:tgtEl>
+                                          <p:spTgt spid="19"/>
+                                        </p:tgtEl>
+                                        <p:attrNameLst>
+                                          <p:attrName>style.visibility</p:attrName>
+                                        </p:attrNameLst>
+                                      </p:cBhvr>
+                                      <p:to>
+                                        <p:strVal val="visible"/>
+                                      </p:to>
+                                    </p:set>
+                                  </p:childTnLst>
+                                </p:cTn>
+                              </p:par>
+                              <p:par>
+                                <p:cTn id="23" presetID="1" presetClass="entr" presetSubtype="0" fill="hold" grpId="0" nodeType="withEffect">
+                                  <p:stCondLst>
+                                    <p:cond delay="0"/>
+                                  </p:stCondLst>
+                                  <p:childTnLst>
+                                    <p:set>
+                                      <p:cBhvr>
+                                        <p:cTn id="24" dur="1" fill="hold">
+                                          <p:stCondLst>
+                                            <p:cond delay="0"/>
+                                          </p:stCondLst>
+                                        </p:cTn>
+                                        <p:tgtEl>
+                                          <p:spTgt spid="23"/>
+                                        </p:tgtEl>
+                                        <p:attrNameLst>
+                                          <p:attrName>style.visibility</p:attrName>
+                                        </p:attrNameLst>
+                                      </p:cBhvr>
+                                      <p:to>
+                                        <p:strVal val="visible"/>
+                                      </p:to>
+                                    </p:set>
+                                  </p:childTnLst>
+                                </p:cTn>
+                              </p:par>
+                              <p:par>
+                                <p:cTn id="25" presetID="1" presetClass="entr" presetSubtype="0" fill="hold" grpId="0" nodeType="withEffect">
+                                  <p:stCondLst>
+                                    <p:cond delay="0"/>
+                                  </p:stCondLst>
+                                  <p:childTnLst>
+                                    <p:set>
+                                      <p:cBhvr>
+                                        <p:cTn id="26" dur="1" fill="hold">
+                                          <p:stCondLst>
+                                            <p:cond delay="0"/>
+                                          </p:stCondLst>
+                                        </p:cTn>
+                                        <p:tgtEl>
+                                          <p:spTgt spid="20"/>
+                                        </p:tgtEl>
+                                        <p:attrNameLst>
+                                          <p:attrName>style.visibility</p:attrName>
+                                        </p:attrNameLst>
+                                      </p:cBhvr>
+                                      <p:to>
+                                        <p:strVal val="visible"/>
+                                      </p:to>
+                                    </p:set>
+                                  </p:childTnLst>
+                                </p:cTn>
+                              </p:par>
+                            </p:childTnLst>
+                          </p:cTn>
+                        </p:par>
+                      </p:childTnLst>
+                    </p:cTn>
+                  </p:par>
+                  <p:par>
+                    <p:cTn id="27" fill="hold">
+                      <p:stCondLst>
+                        <p:cond delay="indefinite"/>
+                      </p:stCondLst>
+                      <p:childTnLst>
+                        <p:par>
+                          <p:cTn id="28" fill="hold">
+                            <p:stCondLst>
+                              <p:cond delay="0"/>
+                            </p:stCondLst>
+                            <p:childTnLst>
+                              <p:par>
+                                <p:cTn id="29" presetID="1" presetClass="entr" presetSubtype="0" fill="hold" grpId="0" nodeType="clickEffect">
+                                  <p:stCondLst>
+                                    <p:cond delay="0"/>
+                                  </p:stCondLst>
+                                  <p:childTnLst>
+                                    <p:set>
+                                      <p:cBhvr>
+                                        <p:cTn id="30" dur="1" fill="hold">
+                                          <p:stCondLst>
+                                            <p:cond delay="0"/>
+                                          </p:stCondLst>
+                                        </p:cTn>
+                                        <p:tgtEl>
+                                          <p:spTgt spid="21"/>
+                                        </p:tgtEl>
+                                        <p:attrNameLst>
+                                          <p:attrName>style.visibility</p:attrName>
+                                        </p:attrNameLst>
+                                      </p:cBhvr>
+                                      <p:to>
+                                        <p:strVal val="visible"/>
+                                      </p:to>
+                                    </p:set>
+                                  </p:childTnLst>
+                                </p:cTn>
+                              </p:par>
+                              <p:par>
+                                <p:cTn id="31" presetID="1" presetClass="entr" presetSubtype="0" fill="hold" grpId="0" nodeType="withEffect">
+                                  <p:stCondLst>
+                                    <p:cond delay="0"/>
+                                  </p:stCondLst>
+                                  <p:childTnLst>
+                                    <p:set>
+                                      <p:cBhvr>
+                                        <p:cTn id="32" dur="1" fill="hold">
+                                          <p:stCondLst>
+                                            <p:cond delay="0"/>
+                                          </p:stCondLst>
+                                        </p:cTn>
+                                        <p:tgtEl>
+                                          <p:spTgt spid="22"/>
+                                        </p:tgtEl>
+                                        <p:attrNameLst>
+                                          <p:attrName>style.visibility</p:attrName>
+                                        </p:attrNameLst>
+                                      </p:cBhvr>
+                                      <p:to>
+                                        <p:strVal val="visible"/>
+                                      </p:to>
+                                    </p:set>
+                                  </p:childTnLst>
+                                </p:cTn>
+                              </p:par>
+                              <p:par>
+                                <p:cTn id="33" presetID="1" presetClass="entr" presetSubtype="0" fill="hold" grpId="0" nodeType="withEffect">
+                                  <p:stCondLst>
+                                    <p:cond delay="0"/>
+                                  </p:stCondLst>
+                                  <p:childTnLst>
+                                    <p:set>
+                                      <p:cBhvr>
+                                        <p:cTn id="34" dur="1" fill="hold">
+                                          <p:stCondLst>
+                                            <p:cond delay="0"/>
+                                          </p:stCondLst>
+                                        </p:cTn>
+                                        <p:tgtEl>
+                                          <p:spTgt spid="24"/>
+                                        </p:tgtEl>
+                                        <p:attrNameLst>
+                                          <p:attrName>style.visibility</p:attrName>
+                                        </p:attrNameLst>
+                                      </p:cBhvr>
+                                      <p:to>
+                                        <p:strVal val="visible"/>
+                                      </p:to>
+                                    </p:set>
+                                  </p:childTnLst>
+                                </p:cTn>
+                              </p:par>
+                            </p:childTnLst>
+                          </p:cTn>
+                        </p:par>
+                      </p:childTnLst>
+                    </p:cTn>
+                  </p:par>
+                  <p:par>
+                    <p:cTn id="35" fill="hold">
+                      <p:stCondLst>
+                        <p:cond delay="indefinite"/>
+                      </p:stCondLst>
+                      <p:childTnLst>
+                        <p:par>
+                          <p:cTn id="36" fill="hold">
+                            <p:stCondLst>
+                              <p:cond delay="0"/>
+                            </p:stCondLst>
+                            <p:childTnLst>
+                              <p:par>
+                                <p:cTn id="37" presetID="1" presetClass="entr" presetSubtype="0" fill="hold" grpId="0" nodeType="clickEffect">
+                                  <p:stCondLst>
+                                    <p:cond delay="0"/>
+                                  </p:stCondLst>
+                                  <p:childTnLst>
+                                    <p:set>
+                                      <p:cBhvr>
+                                        <p:cTn id="38" dur="1" fill="hold">
+                                          <p:stCondLst>
+                                            <p:cond delay="0"/>
+                                          </p:stCondLst>
+                                        </p:cTn>
+                                        <p:tgtEl>
+                                          <p:spTgt spid="25"/>
+                                        </p:tgtEl>
+                                        <p:attrNameLst>
+                                          <p:attrName>style.visibility</p:attrName>
+                                        </p:attrNameLst>
+                                      </p:cBhvr>
+                                      <p:to>
+                                        <p:strVal val="visible"/>
+                                      </p:to>
+                                    </p:set>
+                                  </p:childTnLst>
+                                </p:cTn>
+                              </p:par>
+                              <p:par>
+                                <p:cTn id="39" presetID="1" presetClass="entr" presetSubtype="0" fill="hold" grpId="0" nodeType="withEffect">
+                                  <p:stCondLst>
+                                    <p:cond delay="0"/>
+                                  </p:stCondLst>
+                                  <p:childTnLst>
+                                    <p:set>
+                                      <p:cBhvr>
+                                        <p:cTn id="40" dur="1" fill="hold">
+                                          <p:stCondLst>
+                                            <p:cond delay="0"/>
+                                          </p:stCondLst>
+                                        </p:cTn>
+                                        <p:tgtEl>
+                                          <p:spTgt spid="26"/>
+                                        </p:tgtEl>
+                                        <p:attrNameLst>
+                                          <p:attrName>style.visibility</p:attrName>
+                                        </p:attrNameLst>
+                                      </p:cBhvr>
+                                      <p:to>
+                                        <p:strVal val="visible"/>
+                                      </p:to>
+                                    </p:set>
+                                  </p:childTnLst>
+                                </p:cTn>
+                              </p:par>
+                              <p:par>
+                                <p:cTn id="41" presetID="1" presetClass="entr" presetSubtype="0" fill="hold" grpId="0" nodeType="withEffect">
+                                  <p:stCondLst>
+                                    <p:cond delay="0"/>
+                                  </p:stCondLst>
+                                  <p:childTnLst>
+                                    <p:set>
+                                      <p:cBhvr>
+                                        <p:cTn id="42" dur="1" fill="hold">
+                                          <p:stCondLst>
+                                            <p:cond delay="0"/>
+                                          </p:stCondLst>
+                                        </p:cTn>
+                                        <p:tgtEl>
+                                          <p:spTgt spid="27"/>
+                                        </p:tgtEl>
+                                        <p:attrNameLst>
+                                          <p:attrName>style.visibility</p:attrName>
+                                        </p:attrNameLst>
+                                      </p:cBhvr>
+                                      <p:to>
+                                        <p:strVal val="visible"/>
+                                      </p:to>
+                                    </p:set>
+                                  </p:childTnLst>
+                                </p:cTn>
+                              </p:par>
+                            </p:childTnLst>
+                          </p:cTn>
+                        </p:par>
+                      </p:childTnLst>
+                    </p:cTn>
+                  </p:par>
+                  <p:par>
+                    <p:cTn id="43" fill="hold">
+                      <p:stCondLst>
+                        <p:cond delay="indefinite"/>
+                      </p:stCondLst>
+                      <p:childTnLst>
+                        <p:par>
+                          <p:cTn id="44" fill="hold">
+                            <p:stCondLst>
+                              <p:cond delay="0"/>
+                            </p:stCondLst>
+                            <p:childTnLst>
+                              <p:par>
+                                <p:cTn id="45" presetID="1" presetClass="entr" presetSubtype="0" fill="hold" grpId="0" nodeType="clickEffect">
+                                  <p:stCondLst>
+                                    <p:cond delay="0"/>
+                                  </p:stCondLst>
+                                  <p:childTnLst>
+                                    <p:set>
+                                      <p:cBhvr>
+                                        <p:cTn id="46" dur="1" fill="hold">
+                                          <p:stCondLst>
+                                            <p:cond delay="0"/>
+                                          </p:stCondLst>
+                                        </p:cTn>
+                                        <p:tgtEl>
+                                          <p:spTgt spid="28"/>
+                                        </p:tgtEl>
+                                        <p:attrNameLst>
+                                          <p:attrName>style.visibility</p:attrName>
+                                        </p:attrNameLst>
+                                      </p:cBhvr>
+                                      <p:to>
+                                        <p:strVal val="visible"/>
+                                      </p:to>
+                                    </p:set>
+                                  </p:childTnLst>
+                                </p:cTn>
+                              </p:par>
+                              <p:par>
+                                <p:cTn id="47" presetID="1" presetClass="entr" presetSubtype="0" fill="hold" grpId="0" nodeType="withEffect">
+                                  <p:stCondLst>
+                                    <p:cond delay="0"/>
+                                  </p:stCondLst>
+                                  <p:childTnLst>
+                                    <p:set>
+                                      <p:cBhvr>
+                                        <p:cTn id="48" dur="1" fill="hold">
+                                          <p:stCondLst>
+                                            <p:cond delay="0"/>
+                                          </p:stCondLst>
+                                        </p:cTn>
+                                        <p:tgtEl>
+                                          <p:spTgt spid="29"/>
+                                        </p:tgtEl>
+                                        <p:attrNameLst>
+                                          <p:attrName>style.visibility</p:attrName>
+                                        </p:attrNameLst>
+                                      </p:cBhvr>
+                                      <p:to>
+                                        <p:strVal val="visible"/>
+                                      </p:to>
+                                    </p:set>
+                                  </p:childTnLst>
+                                </p:cTn>
+                              </p:par>
+                              <p:par>
+                                <p:cTn id="49" presetID="1" presetClass="entr" presetSubtype="0" fill="hold" grpId="0" nodeType="withEffect">
+                                  <p:stCondLst>
+                                    <p:cond delay="0"/>
+                                  </p:stCondLst>
+                                  <p:childTnLst>
+                                    <p:set>
+                                      <p:cBhvr>
+                                        <p:cTn id="50" dur="1" fill="hold">
+                                          <p:stCondLst>
+                                            <p:cond delay="0"/>
+                                          </p:stCondLst>
+                                        </p:cTn>
+                                        <p:tgtEl>
+                                          <p:spTgt spid="30"/>
+                                        </p:tgtEl>
+                                        <p:attrNameLst>
+                                          <p:attrName>style.visibility</p:attrName>
+                                        </p:attrNameLst>
+                                      </p:cBhvr>
+                                      <p:to>
+                                        <p:strVal val="visible"/>
+                                      </p:to>
+                                    </p:set>
+                                  </p:childTnLst>
+                                </p:cTn>
+                              </p:par>
+                            </p:childTnLst>
+                          </p:cTn>
+                        </p:par>
+                      </p:childTnLst>
+                    </p:cTn>
+                  </p:par>
+                  <p:par>
+                    <p:cTn id="51" fill="hold">
+                      <p:stCondLst>
+                        <p:cond delay="indefinite"/>
+                      </p:stCondLst>
+                      <p:childTnLst>
+                        <p:par>
+                          <p:cTn id="52" fill="hold">
+                            <p:stCondLst>
+                              <p:cond delay="0"/>
+                            </p:stCondLst>
+                            <p:childTnLst>
+                              <p:par>
+                                <p:cTn id="53" presetID="1" presetClass="entr" presetSubtype="0" fill="hold" grpId="0" nodeType="clickEffect">
+                                  <p:stCondLst>
+                                    <p:cond delay="0"/>
+                                  </p:stCondLst>
+                                  <p:childTnLst>
+                                    <p:set>
+                                      <p:cBhvr>
+                                        <p:cTn id="54" dur="1" fill="hold">
+                                          <p:stCondLst>
+                                            <p:cond delay="0"/>
+                                          </p:stCondLst>
+                                        </p:cTn>
+                                        <p:tgtEl>
+                                          <p:spTgt spid="32"/>
+                                        </p:tgtEl>
+                                        <p:attrNameLst>
+                                          <p:attrName>style.visibility</p:attrName>
+                                        </p:attrNameLst>
+                                      </p:cBhvr>
+                                      <p:to>
+                                        <p:strVal val="visible"/>
+                                      </p:to>
+                                    </p:set>
+                                  </p:childTnLst>
+                                </p:cTn>
+                              </p:par>
+                              <p:par>
+                                <p:cTn id="55" presetID="1" presetClass="entr" presetSubtype="0" fill="hold" grpId="0" nodeType="withEffect">
+                                  <p:stCondLst>
+                                    <p:cond delay="0"/>
+                                  </p:stCondLst>
+                                  <p:childTnLst>
+                                    <p:set>
+                                      <p:cBhvr>
+                                        <p:cTn id="56" dur="1" fill="hold">
+                                          <p:stCondLst>
+                                            <p:cond delay="0"/>
+                                          </p:stCondLst>
+                                        </p:cTn>
+                                        <p:tgtEl>
+                                          <p:spTgt spid="33"/>
+                                        </p:tgtEl>
+                                        <p:attrNameLst>
+                                          <p:attrName>style.visibility</p:attrName>
+                                        </p:attrNameLst>
+                                      </p:cBhvr>
+                                      <p:to>
+                                        <p:strVal val="visible"/>
+                                      </p:to>
+                                    </p:set>
+                                  </p:childTnLst>
+                                </p:cTn>
+                              </p:par>
+                              <p:par>
+                                <p:cTn id="57" presetID="1" presetClass="entr" presetSubtype="0" fill="hold" grpId="0" nodeType="withEffect">
+                                  <p:stCondLst>
+                                    <p:cond delay="0"/>
+                                  </p:stCondLst>
+                                  <p:childTnLst>
+                                    <p:set>
+                                      <p:cBhvr>
+                                        <p:cTn id="58" dur="1" fill="hold">
+                                          <p:stCondLst>
+                                            <p:cond delay="0"/>
+                                          </p:stCondLst>
+                                        </p:cTn>
+                                        <p:tgtEl>
+                                          <p:spTgt spid="34"/>
+                                        </p:tgtEl>
+                                        <p:attrNameLst>
+                                          <p:attrName>style.visibility</p:attrName>
+                                        </p:attrNameLst>
+                                      </p:cBhvr>
+                                      <p:to>
+                                        <p:strVal val="visible"/>
+                                      </p:to>
+                                    </p:set>
+                                  </p:childTnLst>
+                                </p:cTn>
+                              </p:par>
+                            </p:childTnLst>
+                          </p:cTn>
+                        </p:par>
+                      </p:childTnLst>
+                    </p:cTn>
+                  </p:par>
+                  <p:par>
+                    <p:cTn id="59" fill="hold">
+                      <p:stCondLst>
+                        <p:cond delay="indefinite"/>
+                      </p:stCondLst>
+                      <p:childTnLst>
+                        <p:par>
+                          <p:cTn id="60" fill="hold">
+                            <p:stCondLst>
+                              <p:cond delay="0"/>
+                            </p:stCondLst>
+                            <p:childTnLst>
+                              <p:par>
+                                <p:cTn id="61" presetID="1" presetClass="entr" presetSubtype="0" fill="hold" grpId="0" nodeType="clickEffect">
+                                  <p:stCondLst>
+                                    <p:cond delay="0"/>
+                                  </p:stCondLst>
+                                  <p:childTnLst>
+                                    <p:set>
+                                      <p:cBhvr>
+                                        <p:cTn id="62" dur="1" fill="hold">
+                                          <p:stCondLst>
+                                            <p:cond delay="0"/>
+                                          </p:stCondLst>
+                                        </p:cTn>
+                                        <p:tgtEl>
+                                          <p:spTgt spid="35"/>
+                                        </p:tgtEl>
+                                        <p:attrNameLst>
+                                          <p:attrName>style.visibility</p:attrName>
+                                        </p:attrNameLst>
+                                      </p:cBhvr>
+                                      <p:to>
+                                        <p:strVal val="visible"/>
+                                      </p:to>
+                                    </p:set>
+                                  </p:childTnLst>
+                                </p:cTn>
+                              </p:par>
+                              <p:par>
+                                <p:cTn id="63" presetID="1" presetClass="entr" presetSubtype="0" fill="hold" grpId="0" nodeType="withEffect">
+                                  <p:stCondLst>
+                                    <p:cond delay="0"/>
+                                  </p:stCondLst>
+                                  <p:childTnLst>
+                                    <p:set>
+                                      <p:cBhvr>
+                                        <p:cTn id="64" dur="1" fill="hold">
+                                          <p:stCondLst>
+                                            <p:cond delay="0"/>
+                                          </p:stCondLst>
+                                        </p:cTn>
+                                        <p:tgtEl>
+                                          <p:spTgt spid="36"/>
+                                        </p:tgtEl>
+                                        <p:attrNameLst>
+                                          <p:attrName>style.visibility</p:attrName>
+                                        </p:attrNameLst>
+                                      </p:cBhvr>
+                                      <p:to>
+                                        <p:strVal val="visible"/>
+                                      </p:to>
+                                    </p:set>
+                                  </p:childTnLst>
+                                </p:cTn>
+                              </p:par>
+                              <p:par>
+                                <p:cTn id="65" presetID="1" presetClass="entr" presetSubtype="0" fill="hold" grpId="0" nodeType="withEffect">
+                                  <p:stCondLst>
+                                    <p:cond delay="0"/>
+                                  </p:stCondLst>
+                                  <p:childTnLst>
+                                    <p:set>
+                                      <p:cBhvr>
+                                        <p:cTn id="66" dur="1" fill="hold">
+                                          <p:stCondLst>
+                                            <p:cond delay="0"/>
+                                          </p:stCondLst>
+                                        </p:cTn>
+                                        <p:tgtEl>
+                                          <p:spTgt spid="37"/>
+                                        </p:tgtEl>
+                                        <p:attrNameLst>
+                                          <p:attrName>style.visibility</p:attrName>
+                                        </p:attrNameLst>
+                                      </p:cBhvr>
+                                      <p:to>
+                                        <p:strVal val="visible"/>
+                                      </p:to>
+                                    </p:set>
+                                  </p:childTnLst>
+                                </p:cTn>
+                              </p:par>
+                            </p:childTnLst>
+                          </p:cTn>
+                        </p:par>
+                      </p:childTnLst>
+                    </p:cTn>
+                  </p:par>
+                </p:childTnLst>
+              </p:cTn>
+              <p:prevCondLst>
+                <p:cond evt="onPrev" delay="0">
+                  <p:tgtEl>
+                    <p:sldTgt/>
+                  </p:tgtEl>
+                </p:cond>
+              </p:prevCondLst>
+              <p:nextCondLst>
+                <p:cond evt="onNext" delay="0">
+                  <p:tgtEl>
+                    <p:sldTgt/>
+                  </p:tgtEl>
+                </p:cond>
+              </p:nextCondLst>
+            </p:seq>
+          </p:childTnLst>
+        </p:cTn>
+      </p:par>
+    </p:tnLst>
+    <p:bldLst>
+      <p:bldP spid="9" grpId="0" animBg="1"/>
+      <p:bldP spid="10" grpId="0" animBg="1"/>
+      <p:bldP spid="11" grpId="0" animBg="1"/>
+      <p:bldP spid="12" grpId="0" animBg="1"/>
+      <p:bldP spid="13" grpId="0" animBg="1"/>
+      <p:bldP spid="14" grpId="0" animBg="1"/>
+      <p:bldP spid="19" grpId="0" animBg="1"/>
+      <p:bldP spid="20" grpId="0" animBg="1"/>
+      <p:bldP spid="21" grpId="0" animBg="1"/>
+      <p:bldP spid="22" grpId="0" animBg="1"/>
+      <p:bldP spid="26" grpId="0" animBg="1"/>
+      <p:bldP spid="30" grpId="0" animBg="1"/>
+      <p:bldP spid="32" grpId="0" animBg="1"/>
+      <p:bldP spid="34" grpId="0" animBg="1"/>
+      <p:bldP spid="35" grpId="0" animBg="1"/>
+      <p:bldP spid="36" grpId="0" animBg="1"/>
+      <p:bldP spid="25" grpId="0" animBg="1"/>
+      <p:bldP spid="27" grpId="0" animBg="1"/>
+      <p:bldP spid="28" grpId="0" animBg="1"/>
+      <p:bldP spid="29" grpId="0" animBg="1"/>
+      <p:bldP spid="33" grpId="0" animBg="1"/>
+      <p:bldP spid="37" grpId="0" animBg="1"/>
+      <p:bldP spid="24" grpId="0" animBg="1"/>
+      <p:bldP spid="23" grpId="0" animBg="1"/>
+    </p:bldLst>
+  </p:timing>
+</p:sld>
+</file>
+
+<file path=ppt/slides/slide14.xml><?xml version="1.0" encoding="utf-8"?>
+<p:sld xmlns:a="http://schemas.openxmlformats.org/drawingml/2006/main" xmlns:r="http://schemas.openxmlformats.org/officeDocument/2006/relationships" xmlns:p="http://schemas.openxmlformats.org/presentationml/2006/main">
+  <p:cSld>
+    <p:spTree>
+      <p:nvGrpSpPr>
+        <p:cNvPr id="1" name=""/>
+        <p:cNvGrpSpPr/>
+        <p:nvPr/>
+      </p:nvGrpSpPr>
+      <p:grpSpPr>
+        <a:xfrm>
+          <a:off x="0" y="0"/>
+          <a:ext cx="0" cy="0"/>
+          <a:chOff x="0" y="0"/>
+          <a:chExt cx="0" cy="0"/>
+        </a:xfrm>
+      </p:grpSpPr>
+      <p:sp>
+        <p:nvSpPr>
+          <p:cNvPr id="2" name="Title 1"/>
+          <p:cNvSpPr>
+            <a:spLocks noGrp="1"/>
+          </p:cNvSpPr>
+          <p:nvPr>
+            <p:ph type="title"/>
+          </p:nvPr>
+        </p:nvSpPr>
+        <p:spPr/>
+        <p:txBody>
+          <a:bodyPr/>
+          <a:lstStyle/>
+          <a:p>
+            <a:r>
+              <a:rPr lang="en-US" dirty="0"/>
+              <a:t>Deployment Scenarios</a:t>
+            </a:r>
+          </a:p>
+        </p:txBody>
+      </p:sp>
+      <p:sp>
+        <p:nvSpPr>
+          <p:cNvPr id="3" name="Content Placeholder 2"/>
+          <p:cNvSpPr>
+            <a:spLocks noGrp="1"/>
+          </p:cNvSpPr>
+          <p:nvPr>
+            <p:ph idx="1"/>
+          </p:nvPr>
+        </p:nvSpPr>
+        <p:spPr/>
+        <p:txBody>
+          <a:bodyPr/>
+          <a:lstStyle/>
+          <a:p>
+            <a:r>
+              <a:rPr lang="en-US" dirty="0"/>
+              <a:t>Deploy to Azure</a:t>
+            </a:r>
+          </a:p>
+          <a:p>
+            <a:r>
+              <a:rPr lang="en-US" dirty="0"/>
+              <a:t>Deploy to Local Cluster</a:t>
+            </a:r>
+          </a:p>
+          <a:p>
+            <a:r>
+              <a:rPr lang="en-US" dirty="0"/>
+              <a:t>Deploy to (!) </a:t>
+            </a:r>
+            <a:r>
+              <a:rPr lang="en-US" b="1" dirty="0">
+                <a:solidFill>
+                  <a:srgbClr val="FF0000"/>
+                </a:solidFill>
+              </a:rPr>
+              <a:t>A</a:t>
+            </a:r>
+            <a:r>
+              <a:rPr lang="en-US" dirty="0"/>
+              <a:t>nother </a:t>
+            </a:r>
+            <a:r>
+              <a:rPr lang="en-US" b="1" dirty="0">
+                <a:solidFill>
+                  <a:srgbClr val="FF0000"/>
+                </a:solidFill>
+              </a:rPr>
+              <a:t>W</a:t>
+            </a:r>
+            <a:r>
+              <a:rPr lang="en-US" dirty="0"/>
+              <a:t>eb-based cloud </a:t>
+            </a:r>
+            <a:r>
+              <a:rPr lang="en-US" b="1" dirty="0">
+                <a:solidFill>
+                  <a:srgbClr val="FF0000"/>
+                </a:solidFill>
+              </a:rPr>
+              <a:t>S</a:t>
+            </a:r>
+            <a:r>
+              <a:rPr lang="en-US" dirty="0"/>
+              <a:t>omewhere</a:t>
+            </a:r>
+          </a:p>
+          <a:p>
+            <a:r>
+              <a:rPr lang="en-US" dirty="0"/>
+              <a:t>Deploy to Your Laptop (F5 debugging FTW)</a:t>
+            </a:r>
+          </a:p>
+          <a:p>
+            <a:r>
+              <a:rPr lang="en-US" dirty="0"/>
+              <a:t>Deploy to Linux (Real Soon Now)</a:t>
+            </a:r>
+          </a:p>
+          <a:p>
+            <a:endParaRPr lang="en-US" dirty="0"/>
+          </a:p>
+        </p:txBody>
+      </p:sp>
+    </p:spTree>
+    <p:extLst>
+      <p:ext uri="{BB962C8B-B14F-4D97-AF65-F5344CB8AC3E}">
+        <p14:creationId xmlns:p14="http://schemas.microsoft.com/office/powerpoint/2010/main" val="452960963"/>
       </p:ext>
     </p:extLst>
   </p:cSld>
@@ -4481,7 +11874,7 @@
 </p:sld>
 </file>
 
-<file path=ppt/slides/slide14.xml><?xml version="1.0" encoding="utf-8"?>
+<file path=ppt/slides/slide15.xml><?xml version="1.0" encoding="utf-8"?>
 <p:sld xmlns:a="http://schemas.openxmlformats.org/drawingml/2006/main" xmlns:r="http://schemas.openxmlformats.org/officeDocument/2006/relationships" xmlns:p="http://schemas.openxmlformats.org/presentationml/2006/main">
   <p:cSld>
     <p:spTree>
@@ -4786,7 +12179,7 @@
           <a:p>
             <a:r>
               <a:rPr lang="en-US" dirty="0"/>
-              <a:t>Motivation</a:t>
+              <a:t>Motivation and brief intro</a:t>
             </a:r>
           </a:p>
           <a:p>
@@ -5954,7 +13347,7 @@
       </p:grpSpPr>
       <p:sp>
         <p:nvSpPr>
-          <p:cNvPr id="2" name="Title 1"/>
+          <p:cNvPr id="5" name="Title 4"/>
           <p:cNvSpPr>
             <a:spLocks noGrp="1"/>
           </p:cNvSpPr>
@@ -5964,21 +13357,19 @@
         </p:nvSpPr>
         <p:spPr/>
         <p:txBody>
-          <a:bodyPr>
-            <a:normAutofit/>
-          </a:bodyPr>
-          <a:lstStyle/>
-          <a:p>
-            <a:r>
-              <a:rPr lang="en-US" sz="4800" dirty="0"/>
-              <a:t>Programming Models – Reliable Services</a:t>
-            </a:r>
-          </a:p>
-        </p:txBody>
-      </p:sp>
-      <p:sp>
-        <p:nvSpPr>
-          <p:cNvPr id="3" name="Content Placeholder 2"/>
+          <a:bodyPr/>
+          <a:lstStyle/>
+          <a:p>
+            <a:r>
+              <a:rPr lang="en-US" dirty="0"/>
+              <a:t>What Is Service Fabric?</a:t>
+            </a:r>
+          </a:p>
+        </p:txBody>
+      </p:sp>
+      <p:sp>
+        <p:nvSpPr>
+          <p:cNvPr id="6" name="Content Placeholder 5"/>
           <p:cNvSpPr>
             <a:spLocks noGrp="1"/>
           </p:cNvSpPr>
@@ -5988,17 +13379,84 @@
         </p:nvSpPr>
         <p:spPr/>
         <p:txBody>
-          <a:bodyPr/>
-          <a:lstStyle/>
-          <a:p>
-            <a:endParaRPr lang="en-US" dirty="0"/>
+          <a:bodyPr>
+            <a:normAutofit lnSpcReduction="10000"/>
+          </a:bodyPr>
+          <a:lstStyle/>
+          <a:p>
+            <a:r>
+              <a:rPr lang="en-US" dirty="0" err="1"/>
+              <a:t>Microservices</a:t>
+            </a:r>
+            <a:r>
+              <a:rPr lang="en-US" dirty="0"/>
+              <a:t> runtime and programming model</a:t>
+            </a:r>
+          </a:p>
+          <a:p>
+            <a:r>
+              <a:rPr lang="en-US" dirty="0"/>
+              <a:t>EXE-based… can host multiple technology stacks</a:t>
+            </a:r>
+          </a:p>
+          <a:p>
+            <a:r>
+              <a:rPr lang="en-US" dirty="0"/>
+              <a:t>Runs on multiple platforms and OSes</a:t>
+            </a:r>
+          </a:p>
+          <a:p>
+            <a:r>
+              <a:rPr lang="en-US" dirty="0"/>
+              <a:t>Declarative and dynamic mapping of applications and services to hardware resources</a:t>
+            </a:r>
+          </a:p>
+          <a:p>
+            <a:r>
+              <a:rPr lang="en-US" dirty="0"/>
+              <a:t>Supports reliability via:</a:t>
+            </a:r>
+          </a:p>
+          <a:p>
+            <a:pPr lvl="1"/>
+            <a:r>
+              <a:rPr lang="en-US" dirty="0"/>
+              <a:t>Automated monitoring and self-healing</a:t>
+            </a:r>
+          </a:p>
+          <a:p>
+            <a:pPr lvl="1"/>
+            <a:r>
+              <a:rPr lang="en-US" dirty="0"/>
+              <a:t>fault domains</a:t>
+            </a:r>
+          </a:p>
+          <a:p>
+            <a:pPr lvl="1"/>
+            <a:r>
+              <a:rPr lang="en-US" dirty="0"/>
+              <a:t>upgrade domains</a:t>
+            </a:r>
+          </a:p>
+          <a:p>
+            <a:pPr lvl="1"/>
+            <a:r>
+              <a:rPr lang="en-US" dirty="0"/>
+              <a:t>opt-in replication of state across cluster nodes</a:t>
+            </a:r>
+          </a:p>
+          <a:p>
+            <a:r>
+              <a:rPr lang="en-US" dirty="0"/>
+              <a:t>Used by Azure team to run various PaaS services and online properties</a:t>
+            </a:r>
           </a:p>
         </p:txBody>
       </p:sp>
     </p:spTree>
     <p:extLst>
       <p:ext uri="{BB962C8B-B14F-4D97-AF65-F5344CB8AC3E}">
-        <p14:creationId xmlns:p14="http://schemas.microsoft.com/office/powerpoint/2010/main" val="1911394192"/>
+        <p14:creationId xmlns:p14="http://schemas.microsoft.com/office/powerpoint/2010/main" val="1955119171"/>
       </p:ext>
     </p:extLst>
   </p:cSld>
@@ -6044,7 +13502,7 @@
           <a:p>
             <a:r>
               <a:rPr lang="en-US" sz="4800" dirty="0"/>
-              <a:t>Programming Models – Reliable Actors</a:t>
+              <a:t>Programming Models – Reliable Services</a:t>
             </a:r>
           </a:p>
         </p:txBody>
@@ -6061,17 +13519,105 @@
         </p:nvSpPr>
         <p:spPr/>
         <p:txBody>
-          <a:bodyPr/>
-          <a:lstStyle/>
-          <a:p>
+          <a:bodyPr>
+            <a:normAutofit lnSpcReduction="10000"/>
+          </a:bodyPr>
+          <a:lstStyle/>
+          <a:p>
+            <a:r>
+              <a:rPr lang="en-US" dirty="0"/>
+              <a:t>Core model in Service Fabric</a:t>
+            </a:r>
+          </a:p>
+          <a:p>
+            <a:r>
+              <a:rPr lang="en-US" dirty="0"/>
+              <a:t>It’s just an EXE</a:t>
+            </a:r>
+          </a:p>
+          <a:p>
+            <a:r>
+              <a:rPr lang="en-US" dirty="0"/>
+              <a:t>Familiar to…</a:t>
+            </a:r>
+          </a:p>
+          <a:p>
+            <a:pPr lvl="1"/>
+            <a:r>
+              <a:rPr lang="en-US" dirty="0"/>
+              <a:t>ASP.NET </a:t>
+            </a:r>
+            <a:r>
+              <a:rPr lang="en-US" dirty="0" err="1"/>
+              <a:t>devs</a:t>
+            </a:r>
             <a:endParaRPr lang="en-US" dirty="0"/>
+          </a:p>
+          <a:p>
+            <a:pPr lvl="1"/>
+            <a:r>
+              <a:rPr lang="en-US" dirty="0"/>
+              <a:t>Anyone who’s written an Azure cloud service</a:t>
+            </a:r>
+          </a:p>
+          <a:p>
+            <a:pPr lvl="1"/>
+            <a:r>
+              <a:rPr lang="en-US" dirty="0"/>
+              <a:t>…or a Windows service</a:t>
+            </a:r>
+          </a:p>
+          <a:p>
+            <a:pPr lvl="1"/>
+            <a:r>
+              <a:rPr lang="en-US" dirty="0"/>
+              <a:t>…or a Linux daemon</a:t>
+            </a:r>
+          </a:p>
+          <a:p>
+            <a:pPr lvl="1"/>
+            <a:r>
+              <a:rPr lang="en-US" dirty="0"/>
+              <a:t>…or a console app</a:t>
+            </a:r>
+          </a:p>
+          <a:p>
+            <a:r>
+              <a:rPr lang="en-US" dirty="0"/>
+              <a:t>Stateless or </a:t>
+            </a:r>
+            <a:r>
+              <a:rPr lang="en-US" dirty="0" err="1"/>
+              <a:t>stateful</a:t>
+            </a:r>
+            <a:endParaRPr lang="en-US" dirty="0"/>
+          </a:p>
+          <a:p>
+            <a:pPr lvl="1"/>
+            <a:r>
+              <a:rPr lang="en-US" dirty="0"/>
+              <a:t>For .NET-based apps</a:t>
+            </a:r>
+          </a:p>
+          <a:p>
+            <a:r>
+              <a:rPr lang="en-US" dirty="0"/>
+              <a:t>Guest executables can be (almost) anything</a:t>
+            </a:r>
+          </a:p>
+          <a:p>
+            <a:pPr lvl="1"/>
+            <a:r>
+              <a:rPr lang="en-US" dirty="0"/>
+              <a:t>Treated as a stateless service</a:t>
+            </a:r>
           </a:p>
         </p:txBody>
       </p:sp>
     </p:spTree>
     <p:extLst>
       <p:ext uri="{BB962C8B-B14F-4D97-AF65-F5344CB8AC3E}">
-        <p14:creationId xmlns:p14="http://schemas.microsoft.com/office/powerpoint/2010/main" val="1702669842"/>
+        <p14:creationId xmlns:p14="http://schemas.microsoft.com/office/powerpoint/2010/main" val="1911394192"/>
       </p:ext>
     </p:extLst>
   </p:cSld>
@@ -6100,7 +13646,7 @@
       </p:grpSpPr>
       <p:sp>
         <p:nvSpPr>
-          <p:cNvPr id="2" name="Title 1"/>
+          <p:cNvPr id="4" name="Title 3"/>
           <p:cNvSpPr>
             <a:spLocks noGrp="1"/>
           </p:cNvSpPr>
@@ -6115,27 +13661,19 @@
           <a:p>
             <a:r>
               <a:rPr lang="en-US" dirty="0"/>
-              <a:t>But I Don’t </a:t>
-            </a:r>
-            <a:r>
-              <a:rPr lang="en-US" dirty="0" err="1"/>
-              <a:t>Wanna</a:t>
-            </a:r>
-            <a:r>
-              <a:rPr lang="en-US" dirty="0"/>
-              <a:t> Use .NET</a:t>
-            </a:r>
-          </a:p>
-        </p:txBody>
-      </p:sp>
-      <p:sp>
-        <p:nvSpPr>
-          <p:cNvPr id="3" name="Content Placeholder 2"/>
+              <a:t>Demo</a:t>
+            </a:r>
+          </a:p>
+        </p:txBody>
+      </p:sp>
+      <p:sp>
+        <p:nvSpPr>
+          <p:cNvPr id="5" name="Text Placeholder 4"/>
           <p:cNvSpPr>
             <a:spLocks noGrp="1"/>
           </p:cNvSpPr>
           <p:nvPr>
-            <p:ph idx="1"/>
+            <p:ph type="body" idx="1"/>
           </p:nvPr>
         </p:nvSpPr>
         <p:spPr/>
@@ -6143,14 +13681,17 @@
           <a:bodyPr/>
           <a:lstStyle/>
           <a:p>
-            <a:endParaRPr lang="en-US"/>
+            <a:r>
+              <a:rPr lang="en-US" dirty="0"/>
+              <a:t>Reliable Services</a:t>
+            </a:r>
           </a:p>
         </p:txBody>
       </p:sp>
     </p:spTree>
     <p:extLst>
       <p:ext uri="{BB962C8B-B14F-4D97-AF65-F5344CB8AC3E}">
-        <p14:creationId xmlns:p14="http://schemas.microsoft.com/office/powerpoint/2010/main" val="115085316"/>
+        <p14:creationId xmlns:p14="http://schemas.microsoft.com/office/powerpoint/2010/main" val="1046222498"/>
       </p:ext>
     </p:extLst>
   </p:cSld>
@@ -6189,12 +13730,14 @@
         </p:nvSpPr>
         <p:spPr/>
         <p:txBody>
-          <a:bodyPr/>
-          <a:lstStyle/>
-          <a:p>
-            <a:r>
-              <a:rPr lang="en-US" dirty="0"/>
-              <a:t>Logical App Topology</a:t>
+          <a:bodyPr>
+            <a:normAutofit/>
+          </a:bodyPr>
+          <a:lstStyle/>
+          <a:p>
+            <a:r>
+              <a:rPr lang="en-US" sz="4800" dirty="0"/>
+              <a:t>Programming Models – Reliable Actors</a:t>
             </a:r>
           </a:p>
         </p:txBody>
@@ -6211,17 +13754,133 @@
         </p:nvSpPr>
         <p:spPr/>
         <p:txBody>
-          <a:bodyPr/>
-          <a:lstStyle/>
-          <a:p>
-            <a:endParaRPr lang="en-US"/>
+          <a:bodyPr>
+            <a:normAutofit fontScale="92500" lnSpcReduction="10000"/>
+          </a:bodyPr>
+          <a:lstStyle/>
+          <a:p>
+            <a:r>
+              <a:rPr lang="en-US" dirty="0"/>
+              <a:t>Object-oriented programming on the server</a:t>
+            </a:r>
+          </a:p>
+          <a:p>
+            <a:pPr lvl="1"/>
+            <a:r>
+              <a:rPr lang="en-US" dirty="0"/>
+              <a:t>Encapsulate state and behavior</a:t>
+            </a:r>
+          </a:p>
+          <a:p>
+            <a:pPr lvl="1"/>
+            <a:r>
+              <a:rPr lang="en-US" dirty="0"/>
+              <a:t>Each object addressable via unique id</a:t>
+            </a:r>
+          </a:p>
+          <a:p>
+            <a:r>
+              <a:rPr lang="en-US" dirty="0"/>
+              <a:t>Maps well to problems in </a:t>
+            </a:r>
+            <a:r>
+              <a:rPr lang="en-US" dirty="0" err="1"/>
+              <a:t>IoT</a:t>
+            </a:r>
+            <a:r>
+              <a:rPr lang="en-US" dirty="0"/>
+              <a:t>, smart caching, large data graphs, etc.</a:t>
+            </a:r>
+          </a:p>
+          <a:p>
+            <a:r>
+              <a:rPr lang="en-US" dirty="0"/>
+              <a:t>Similar to Scala, </a:t>
+            </a:r>
+            <a:r>
+              <a:rPr lang="en-US" dirty="0" err="1"/>
+              <a:t>Erlang</a:t>
+            </a:r>
+            <a:r>
+              <a:rPr lang="en-US" dirty="0"/>
+              <a:t>, </a:t>
+            </a:r>
+            <a:r>
+              <a:rPr lang="en-US" dirty="0" err="1"/>
+              <a:t>Akka</a:t>
+            </a:r>
+            <a:r>
+              <a:rPr lang="en-US" dirty="0"/>
+              <a:t>, Orleans, etc.</a:t>
+            </a:r>
+          </a:p>
+          <a:p>
+            <a:r>
+              <a:rPr lang="en-US" dirty="0"/>
+              <a:t>Can support thousands (even millions) of simultaneous objects</a:t>
+            </a:r>
+          </a:p>
+          <a:p>
+            <a:r>
+              <a:rPr lang="en-US" dirty="0"/>
+              <a:t>Runtime guarantees</a:t>
+            </a:r>
+          </a:p>
+          <a:p>
+            <a:pPr lvl="1"/>
+            <a:r>
+              <a:rPr lang="en-US" dirty="0"/>
+              <a:t>Single-threaded access</a:t>
+            </a:r>
+          </a:p>
+          <a:p>
+            <a:pPr lvl="1"/>
+            <a:r>
+              <a:rPr lang="en-US" dirty="0"/>
+              <a:t>High availability (actor proxies are </a:t>
+            </a:r>
+            <a:r>
+              <a:rPr lang="en-US" i="1" dirty="0"/>
+              <a:t>virtual</a:t>
+            </a:r>
+            <a:r>
+              <a:rPr lang="en-US" dirty="0"/>
+              <a:t>)</a:t>
+            </a:r>
+          </a:p>
+          <a:p>
+            <a:r>
+              <a:rPr lang="en-US" dirty="0"/>
+              <a:t>Stateless or </a:t>
+            </a:r>
+            <a:r>
+              <a:rPr lang="en-US" dirty="0" err="1"/>
+              <a:t>stateful</a:t>
+            </a:r>
+            <a:endParaRPr lang="en-US" dirty="0"/>
+          </a:p>
+          <a:p>
+            <a:r>
+              <a:rPr lang="en-US" dirty="0"/>
+              <a:t>Built on top of reliable services model</a:t>
+            </a:r>
+          </a:p>
+          <a:p>
+            <a:pPr lvl="1"/>
+            <a:r>
+              <a:rPr lang="en-US" dirty="0"/>
+              <a:t>Build your own!</a:t>
+            </a:r>
+          </a:p>
+          <a:p>
+            <a:endParaRPr lang="en-US" dirty="0"/>
           </a:p>
         </p:txBody>
       </p:sp>
     </p:spTree>
     <p:extLst>
       <p:ext uri="{BB962C8B-B14F-4D97-AF65-F5344CB8AC3E}">
-        <p14:creationId xmlns:p14="http://schemas.microsoft.com/office/powerpoint/2010/main" val="3619535791"/>
+        <p14:creationId xmlns:p14="http://schemas.microsoft.com/office/powerpoint/2010/main" val="1702669842"/>
       </p:ext>
     </p:extLst>
   </p:cSld>

--- a/gab-2016-sf.pptx
+++ b/gab-2016-sf.pptx
@@ -529,7 +529,7 @@
           <a:p>
             <a:fld id="{E6651C44-F3AD-4161-8DF3-824F5EC2D0F3}" type="datetimeFigureOut">
               <a:rPr lang="en-US" smtClean="0"/>
-              <a:t>4/13/2016</a:t>
+              <a:t>4/15/2016</a:t>
             </a:fld>
             <a:endParaRPr lang="en-US"/>
           </a:p>
@@ -708,7 +708,7 @@
           <a:p>
             <a:fld id="{E6651C44-F3AD-4161-8DF3-824F5EC2D0F3}" type="datetimeFigureOut">
               <a:rPr lang="en-US" smtClean="0"/>
-              <a:t>4/13/2016</a:t>
+              <a:t>4/15/2016</a:t>
             </a:fld>
             <a:endParaRPr lang="en-US"/>
           </a:p>
@@ -888,7 +888,7 @@
           <a:p>
             <a:fld id="{E6651C44-F3AD-4161-8DF3-824F5EC2D0F3}" type="datetimeFigureOut">
               <a:rPr lang="en-US" smtClean="0"/>
-              <a:t>4/13/2016</a:t>
+              <a:t>4/15/2016</a:t>
             </a:fld>
             <a:endParaRPr lang="en-US"/>
           </a:p>
@@ -1058,7 +1058,7 @@
           <a:p>
             <a:fld id="{E6651C44-F3AD-4161-8DF3-824F5EC2D0F3}" type="datetimeFigureOut">
               <a:rPr lang="en-US" smtClean="0"/>
-              <a:t>4/13/2016</a:t>
+              <a:t>4/15/2016</a:t>
             </a:fld>
             <a:endParaRPr lang="en-US"/>
           </a:p>
@@ -1371,7 +1371,7 @@
           <a:p>
             <a:fld id="{E6651C44-F3AD-4161-8DF3-824F5EC2D0F3}" type="datetimeFigureOut">
               <a:rPr lang="en-US" smtClean="0"/>
-              <a:t>4/13/2016</a:t>
+              <a:t>4/15/2016</a:t>
             </a:fld>
             <a:endParaRPr lang="en-US"/>
           </a:p>
@@ -1757,7 +1757,7 @@
           <a:p>
             <a:fld id="{E6651C44-F3AD-4161-8DF3-824F5EC2D0F3}" type="datetimeFigureOut">
               <a:rPr lang="en-US" smtClean="0"/>
-              <a:t>4/13/2016</a:t>
+              <a:t>4/15/2016</a:t>
             </a:fld>
             <a:endParaRPr lang="en-US"/>
           </a:p>
@@ -2191,7 +2191,7 @@
           <a:p>
             <a:fld id="{E6651C44-F3AD-4161-8DF3-824F5EC2D0F3}" type="datetimeFigureOut">
               <a:rPr lang="en-US" smtClean="0"/>
-              <a:t>4/13/2016</a:t>
+              <a:t>4/15/2016</a:t>
             </a:fld>
             <a:endParaRPr lang="en-US"/>
           </a:p>
@@ -2309,7 +2309,7 @@
           <a:p>
             <a:fld id="{E6651C44-F3AD-4161-8DF3-824F5EC2D0F3}" type="datetimeFigureOut">
               <a:rPr lang="en-US" smtClean="0"/>
-              <a:t>4/13/2016</a:t>
+              <a:t>4/15/2016</a:t>
             </a:fld>
             <a:endParaRPr lang="en-US"/>
           </a:p>
@@ -2404,7 +2404,7 @@
           <a:p>
             <a:fld id="{E6651C44-F3AD-4161-8DF3-824F5EC2D0F3}" type="datetimeFigureOut">
               <a:rPr lang="en-US" smtClean="0"/>
-              <a:t>4/13/2016</a:t>
+              <a:t>4/15/2016</a:t>
             </a:fld>
             <a:endParaRPr lang="en-US"/>
           </a:p>
@@ -2754,7 +2754,7 @@
           <a:p>
             <a:fld id="{E6651C44-F3AD-4161-8DF3-824F5EC2D0F3}" type="datetimeFigureOut">
               <a:rPr lang="en-US" smtClean="0"/>
-              <a:t>4/13/2016</a:t>
+              <a:t>4/15/2016</a:t>
             </a:fld>
             <a:endParaRPr lang="en-US"/>
           </a:p>
@@ -3179,7 +3179,7 @@
           <a:p>
             <a:fld id="{E6651C44-F3AD-4161-8DF3-824F5EC2D0F3}" type="datetimeFigureOut">
               <a:rPr lang="en-US" smtClean="0"/>
-              <a:t>4/13/2016</a:t>
+              <a:t>4/15/2016</a:t>
             </a:fld>
             <a:endParaRPr lang="en-US"/>
           </a:p>
@@ -3460,7 +3460,7 @@
           <a:p>
             <a:fld id="{E6651C44-F3AD-4161-8DF3-824F5EC2D0F3}" type="datetimeFigureOut">
               <a:rPr lang="en-US" smtClean="0"/>
-              <a:t>4/13/2016</a:t>
+              <a:t>4/15/2016</a:t>
             </a:fld>
             <a:endParaRPr lang="en-US"/>
           </a:p>
@@ -12068,7 +12068,7 @@
           <a:p>
             <a:r>
               <a:rPr lang="en-US" dirty="0"/>
-              <a:t>Independent consultant with almost 20 years experience on the MS stack</a:t>
+              <a:t>Independent consultant with almost 20 years experience… C++, .NET, node, little data, big data, just-right data, etc.</a:t>
             </a:r>
           </a:p>
           <a:p>
@@ -12191,8 +12191,20 @@
           <a:p>
             <a:r>
               <a:rPr lang="en-US" dirty="0"/>
-              <a:t>Logical and Physical Topologies</a:t>
-            </a:r>
+              <a:t>App + Cluster Topology</a:t>
+            </a:r>
+          </a:p>
+          <a:p>
+            <a:pPr lvl="1"/>
+            <a:r>
+              <a:rPr lang="en-US" dirty="0"/>
+              <a:t>“My chocolate in </a:t>
+            </a:r>
+            <a:r>
+              <a:rPr lang="en-US"/>
+              <a:t>your peanut butter”</a:t>
+            </a:r>
+            <a:endParaRPr lang="en-US" dirty="0"/>
           </a:p>
           <a:p>
             <a:r>
@@ -12201,16 +12213,10 @@
             </a:r>
           </a:p>
           <a:p>
-            <a:r>
-              <a:rPr lang="en-US" dirty="0"/>
-              <a:t>Reliability</a:t>
-            </a:r>
-          </a:p>
-          <a:p>
-            <a:r>
-              <a:rPr lang="en-US" dirty="0"/>
-              <a:t>Versioning and Upgrades</a:t>
-            </a:r>
+            <a:pPr marL="0" indent="0">
+              <a:buNone/>
+            </a:pPr>
+            <a:endParaRPr lang="en-US" dirty="0"/>
           </a:p>
         </p:txBody>
       </p:sp>

--- a/gab-2016-sf.pptx
+++ b/gab-2016-sf.pptx
@@ -529,7 +529,7 @@
           <a:p>
             <a:fld id="{E6651C44-F3AD-4161-8DF3-824F5EC2D0F3}" type="datetimeFigureOut">
               <a:rPr lang="en-US" smtClean="0"/>
-              <a:t>4/15/2016</a:t>
+              <a:t>4/16/2016</a:t>
             </a:fld>
             <a:endParaRPr lang="en-US"/>
           </a:p>
@@ -708,7 +708,7 @@
           <a:p>
             <a:fld id="{E6651C44-F3AD-4161-8DF3-824F5EC2D0F3}" type="datetimeFigureOut">
               <a:rPr lang="en-US" smtClean="0"/>
-              <a:t>4/15/2016</a:t>
+              <a:t>4/16/2016</a:t>
             </a:fld>
             <a:endParaRPr lang="en-US"/>
           </a:p>
@@ -888,7 +888,7 @@
           <a:p>
             <a:fld id="{E6651C44-F3AD-4161-8DF3-824F5EC2D0F3}" type="datetimeFigureOut">
               <a:rPr lang="en-US" smtClean="0"/>
-              <a:t>4/15/2016</a:t>
+              <a:t>4/16/2016</a:t>
             </a:fld>
             <a:endParaRPr lang="en-US"/>
           </a:p>
@@ -1058,7 +1058,7 @@
           <a:p>
             <a:fld id="{E6651C44-F3AD-4161-8DF3-824F5EC2D0F3}" type="datetimeFigureOut">
               <a:rPr lang="en-US" smtClean="0"/>
-              <a:t>4/15/2016</a:t>
+              <a:t>4/16/2016</a:t>
             </a:fld>
             <a:endParaRPr lang="en-US"/>
           </a:p>
@@ -1371,7 +1371,7 @@
           <a:p>
             <a:fld id="{E6651C44-F3AD-4161-8DF3-824F5EC2D0F3}" type="datetimeFigureOut">
               <a:rPr lang="en-US" smtClean="0"/>
-              <a:t>4/15/2016</a:t>
+              <a:t>4/16/2016</a:t>
             </a:fld>
             <a:endParaRPr lang="en-US"/>
           </a:p>
@@ -1757,7 +1757,7 @@
           <a:p>
             <a:fld id="{E6651C44-F3AD-4161-8DF3-824F5EC2D0F3}" type="datetimeFigureOut">
               <a:rPr lang="en-US" smtClean="0"/>
-              <a:t>4/15/2016</a:t>
+              <a:t>4/16/2016</a:t>
             </a:fld>
             <a:endParaRPr lang="en-US"/>
           </a:p>
@@ -2191,7 +2191,7 @@
           <a:p>
             <a:fld id="{E6651C44-F3AD-4161-8DF3-824F5EC2D0F3}" type="datetimeFigureOut">
               <a:rPr lang="en-US" smtClean="0"/>
-              <a:t>4/15/2016</a:t>
+              <a:t>4/16/2016</a:t>
             </a:fld>
             <a:endParaRPr lang="en-US"/>
           </a:p>
@@ -2309,7 +2309,7 @@
           <a:p>
             <a:fld id="{E6651C44-F3AD-4161-8DF3-824F5EC2D0F3}" type="datetimeFigureOut">
               <a:rPr lang="en-US" smtClean="0"/>
-              <a:t>4/15/2016</a:t>
+              <a:t>4/16/2016</a:t>
             </a:fld>
             <a:endParaRPr lang="en-US"/>
           </a:p>
@@ -2404,7 +2404,7 @@
           <a:p>
             <a:fld id="{E6651C44-F3AD-4161-8DF3-824F5EC2D0F3}" type="datetimeFigureOut">
               <a:rPr lang="en-US" smtClean="0"/>
-              <a:t>4/15/2016</a:t>
+              <a:t>4/16/2016</a:t>
             </a:fld>
             <a:endParaRPr lang="en-US"/>
           </a:p>
@@ -2754,7 +2754,7 @@
           <a:p>
             <a:fld id="{E6651C44-F3AD-4161-8DF3-824F5EC2D0F3}" type="datetimeFigureOut">
               <a:rPr lang="en-US" smtClean="0"/>
-              <a:t>4/15/2016</a:t>
+              <a:t>4/16/2016</a:t>
             </a:fld>
             <a:endParaRPr lang="en-US"/>
           </a:p>
@@ -3179,7 +3179,7 @@
           <a:p>
             <a:fld id="{E6651C44-F3AD-4161-8DF3-824F5EC2D0F3}" type="datetimeFigureOut">
               <a:rPr lang="en-US" smtClean="0"/>
-              <a:t>4/15/2016</a:t>
+              <a:t>4/16/2016</a:t>
             </a:fld>
             <a:endParaRPr lang="en-US"/>
           </a:p>
@@ -3460,7 +3460,7 @@
           <a:p>
             <a:fld id="{E6651C44-F3AD-4161-8DF3-824F5EC2D0F3}" type="datetimeFigureOut">
               <a:rPr lang="en-US" smtClean="0"/>
-              <a:t>4/15/2016</a:t>
+              <a:t>4/16/2016</a:t>
             </a:fld>
             <a:endParaRPr lang="en-US"/>
           </a:p>
@@ -13386,17 +13386,35 @@
         <p:spPr/>
         <p:txBody>
           <a:bodyPr>
-            <a:normAutofit lnSpcReduction="10000"/>
+            <a:normAutofit fontScale="92500" lnSpcReduction="10000"/>
           </a:bodyPr>
           <a:lstStyle/>
           <a:p>
+            <a:r>
+              <a:rPr lang="en-US" dirty="0"/>
+              <a:t>Primarily two things:</a:t>
+            </a:r>
+          </a:p>
+          <a:p>
+            <a:pPr lvl="1"/>
             <a:r>
               <a:rPr lang="en-US" dirty="0" err="1"/>
               <a:t>Microservices</a:t>
             </a:r>
             <a:r>
               <a:rPr lang="en-US" dirty="0"/>
-              <a:t> runtime and programming model</a:t>
+              <a:t> programming model</a:t>
+            </a:r>
+          </a:p>
+          <a:p>
+            <a:pPr lvl="1"/>
+            <a:r>
+              <a:rPr lang="en-US" dirty="0" err="1"/>
+              <a:t>Microservices</a:t>
+            </a:r>
+            <a:r>
+              <a:rPr lang="en-US" dirty="0"/>
+              <a:t> runtime</a:t>
             </a:r>
           </a:p>
           <a:p>
